--- a/ComputationalFuzzyExtractors.pptx
+++ b/ComputationalFuzzyExtractors.pptx
@@ -5,7 +5,7 @@
     <p:sldMasterId id="2147483648" r:id="rId1"/>
   </p:sldMasterIdLst>
   <p:notesMasterIdLst>
-    <p:notesMasterId r:id="rId37"/>
+    <p:notesMasterId r:id="rId42"/>
   </p:notesMasterIdLst>
   <p:sldIdLst>
     <p:sldId id="257" r:id="rId2"/>
@@ -41,8 +41,13 @@
     <p:sldId id="298" r:id="rId32"/>
     <p:sldId id="299" r:id="rId33"/>
     <p:sldId id="300" r:id="rId34"/>
-    <p:sldId id="272" r:id="rId35"/>
-    <p:sldId id="273" r:id="rId36"/>
+    <p:sldId id="301" r:id="rId35"/>
+    <p:sldId id="302" r:id="rId36"/>
+    <p:sldId id="303" r:id="rId37"/>
+    <p:sldId id="304" r:id="rId38"/>
+    <p:sldId id="305" r:id="rId39"/>
+    <p:sldId id="307" r:id="rId40"/>
+    <p:sldId id="306" r:id="rId41"/>
   </p:sldIdLst>
   <p:sldSz cx="9144000" cy="6858000" type="screen4x3"/>
   <p:notesSz cx="6858000" cy="9144000"/>
@@ -226,7 +231,7 @@
           <a:p>
             <a:fld id="{941E4532-0A1D-7741-B7F8-C491C4C533AD}" type="datetimeFigureOut">
               <a:rPr lang="en-US" smtClean="0"/>
-              <a:t>3/31/13</a:t>
+              <a:t>4/1/13</a:t>
             </a:fld>
             <a:endParaRPr lang="en-US"/>
           </a:p>
@@ -1313,6 +1318,261 @@
 </p:notes>
 </file>
 
+<file path=ppt/notesSlides/notesSlide7.xml><?xml version="1.0" encoding="utf-8"?>
+<p:notes xmlns:a="http://schemas.openxmlformats.org/drawingml/2006/main" xmlns:r="http://schemas.openxmlformats.org/officeDocument/2006/relationships" xmlns:p="http://schemas.openxmlformats.org/presentationml/2006/main">
+  <p:cSld>
+    <p:spTree>
+      <p:nvGrpSpPr>
+        <p:cNvPr id="1" name=""/>
+        <p:cNvGrpSpPr/>
+        <p:nvPr/>
+      </p:nvGrpSpPr>
+      <p:grpSpPr>
+        <a:xfrm>
+          <a:off x="0" y="0"/>
+          <a:ext cx="0" cy="0"/>
+          <a:chOff x="0" y="0"/>
+          <a:chExt cx="0" cy="0"/>
+        </a:xfrm>
+      </p:grpSpPr>
+      <p:sp>
+        <p:nvSpPr>
+          <p:cNvPr id="2" name="Slide Image Placeholder 1"/>
+          <p:cNvSpPr>
+            <a:spLocks noGrp="1" noRot="1" noChangeAspect="1"/>
+          </p:cNvSpPr>
+          <p:nvPr>
+            <p:ph type="sldImg"/>
+          </p:nvPr>
+        </p:nvSpPr>
+        <p:spPr/>
+      </p:sp>
+      <p:sp>
+        <p:nvSpPr>
+          <p:cNvPr id="3" name="Notes Placeholder 2"/>
+          <p:cNvSpPr>
+            <a:spLocks noGrp="1"/>
+          </p:cNvSpPr>
+          <p:nvPr>
+            <p:ph type="body" idx="1"/>
+          </p:nvPr>
+        </p:nvSpPr>
+        <p:spPr/>
+        <p:txBody>
+          <a:bodyPr/>
+          <a:lstStyle/>
+          <a:p>
+            <a:endParaRPr lang="en-US" dirty="0"/>
+          </a:p>
+        </p:txBody>
+      </p:sp>
+      <p:sp>
+        <p:nvSpPr>
+          <p:cNvPr id="4" name="Slide Number Placeholder 3"/>
+          <p:cNvSpPr>
+            <a:spLocks noGrp="1"/>
+          </p:cNvSpPr>
+          <p:nvPr>
+            <p:ph type="sldNum" sz="quarter" idx="10"/>
+          </p:nvPr>
+        </p:nvSpPr>
+        <p:spPr/>
+        <p:txBody>
+          <a:bodyPr/>
+          <a:lstStyle/>
+          <a:p>
+            <a:fld id="{FFABBE6B-6949-4B0B-BB52-F8D70DF7AEAF}" type="slidenum">
+              <a:rPr lang="en-US" smtClean="0"/>
+              <a:pPr/>
+              <a:t>35</a:t>
+            </a:fld>
+            <a:endParaRPr lang="en-US"/>
+          </a:p>
+        </p:txBody>
+      </p:sp>
+    </p:spTree>
+    <p:extLst>
+      <p:ext uri="{BB962C8B-B14F-4D97-AF65-F5344CB8AC3E}">
+        <p14:creationId xmlns:p14="http://schemas.microsoft.com/office/powerpoint/2010/main" val="2570286842"/>
+      </p:ext>
+    </p:extLst>
+  </p:cSld>
+  <p:clrMapOvr>
+    <a:masterClrMapping/>
+  </p:clrMapOvr>
+</p:notes>
+</file>
+
+<file path=ppt/notesSlides/notesSlide8.xml><?xml version="1.0" encoding="utf-8"?>
+<p:notes xmlns:a="http://schemas.openxmlformats.org/drawingml/2006/main" xmlns:r="http://schemas.openxmlformats.org/officeDocument/2006/relationships" xmlns:p="http://schemas.openxmlformats.org/presentationml/2006/main">
+  <p:cSld>
+    <p:spTree>
+      <p:nvGrpSpPr>
+        <p:cNvPr id="1" name=""/>
+        <p:cNvGrpSpPr/>
+        <p:nvPr/>
+      </p:nvGrpSpPr>
+      <p:grpSpPr>
+        <a:xfrm>
+          <a:off x="0" y="0"/>
+          <a:ext cx="0" cy="0"/>
+          <a:chOff x="0" y="0"/>
+          <a:chExt cx="0" cy="0"/>
+        </a:xfrm>
+      </p:grpSpPr>
+      <p:sp>
+        <p:nvSpPr>
+          <p:cNvPr id="2" name="Slide Image Placeholder 1"/>
+          <p:cNvSpPr>
+            <a:spLocks noGrp="1" noRot="1" noChangeAspect="1"/>
+          </p:cNvSpPr>
+          <p:nvPr>
+            <p:ph type="sldImg"/>
+          </p:nvPr>
+        </p:nvSpPr>
+        <p:spPr/>
+      </p:sp>
+      <p:sp>
+        <p:nvSpPr>
+          <p:cNvPr id="3" name="Notes Placeholder 2"/>
+          <p:cNvSpPr>
+            <a:spLocks noGrp="1"/>
+          </p:cNvSpPr>
+          <p:nvPr>
+            <p:ph type="body" idx="1"/>
+          </p:nvPr>
+        </p:nvSpPr>
+        <p:spPr/>
+        <p:txBody>
+          <a:bodyPr/>
+          <a:lstStyle/>
+          <a:p>
+            <a:endParaRPr lang="en-US" dirty="0"/>
+          </a:p>
+        </p:txBody>
+      </p:sp>
+      <p:sp>
+        <p:nvSpPr>
+          <p:cNvPr id="4" name="Slide Number Placeholder 3"/>
+          <p:cNvSpPr>
+            <a:spLocks noGrp="1"/>
+          </p:cNvSpPr>
+          <p:nvPr>
+            <p:ph type="sldNum" sz="quarter" idx="10"/>
+          </p:nvPr>
+        </p:nvSpPr>
+        <p:spPr/>
+        <p:txBody>
+          <a:bodyPr/>
+          <a:lstStyle/>
+          <a:p>
+            <a:fld id="{FFABBE6B-6949-4B0B-BB52-F8D70DF7AEAF}" type="slidenum">
+              <a:rPr lang="en-US" smtClean="0"/>
+              <a:pPr/>
+              <a:t>37</a:t>
+            </a:fld>
+            <a:endParaRPr lang="en-US"/>
+          </a:p>
+        </p:txBody>
+      </p:sp>
+    </p:spTree>
+    <p:extLst>
+      <p:ext uri="{BB962C8B-B14F-4D97-AF65-F5344CB8AC3E}">
+        <p14:creationId xmlns:p14="http://schemas.microsoft.com/office/powerpoint/2010/main" val="2570286842"/>
+      </p:ext>
+    </p:extLst>
+  </p:cSld>
+  <p:clrMapOvr>
+    <a:masterClrMapping/>
+  </p:clrMapOvr>
+</p:notes>
+</file>
+
+<file path=ppt/notesSlides/notesSlide9.xml><?xml version="1.0" encoding="utf-8"?>
+<p:notes xmlns:a="http://schemas.openxmlformats.org/drawingml/2006/main" xmlns:r="http://schemas.openxmlformats.org/officeDocument/2006/relationships" xmlns:p="http://schemas.openxmlformats.org/presentationml/2006/main">
+  <p:cSld>
+    <p:spTree>
+      <p:nvGrpSpPr>
+        <p:cNvPr id="1" name=""/>
+        <p:cNvGrpSpPr/>
+        <p:nvPr/>
+      </p:nvGrpSpPr>
+      <p:grpSpPr>
+        <a:xfrm>
+          <a:off x="0" y="0"/>
+          <a:ext cx="0" cy="0"/>
+          <a:chOff x="0" y="0"/>
+          <a:chExt cx="0" cy="0"/>
+        </a:xfrm>
+      </p:grpSpPr>
+      <p:sp>
+        <p:nvSpPr>
+          <p:cNvPr id="2" name="Slide Image Placeholder 1"/>
+          <p:cNvSpPr>
+            <a:spLocks noGrp="1" noRot="1" noChangeAspect="1"/>
+          </p:cNvSpPr>
+          <p:nvPr>
+            <p:ph type="sldImg"/>
+          </p:nvPr>
+        </p:nvSpPr>
+        <p:spPr/>
+      </p:sp>
+      <p:sp>
+        <p:nvSpPr>
+          <p:cNvPr id="3" name="Notes Placeholder 2"/>
+          <p:cNvSpPr>
+            <a:spLocks noGrp="1"/>
+          </p:cNvSpPr>
+          <p:nvPr>
+            <p:ph type="body" idx="1"/>
+          </p:nvPr>
+        </p:nvSpPr>
+        <p:spPr/>
+        <p:txBody>
+          <a:bodyPr/>
+          <a:lstStyle/>
+          <a:p>
+            <a:endParaRPr lang="en-US" dirty="0"/>
+          </a:p>
+        </p:txBody>
+      </p:sp>
+      <p:sp>
+        <p:nvSpPr>
+          <p:cNvPr id="4" name="Slide Number Placeholder 3"/>
+          <p:cNvSpPr>
+            <a:spLocks noGrp="1"/>
+          </p:cNvSpPr>
+          <p:nvPr>
+            <p:ph type="sldNum" sz="quarter" idx="10"/>
+          </p:nvPr>
+        </p:nvSpPr>
+        <p:spPr/>
+        <p:txBody>
+          <a:bodyPr/>
+          <a:lstStyle/>
+          <a:p>
+            <a:fld id="{FFABBE6B-6949-4B0B-BB52-F8D70DF7AEAF}" type="slidenum">
+              <a:rPr lang="en-US" smtClean="0"/>
+              <a:pPr/>
+              <a:t>39</a:t>
+            </a:fld>
+            <a:endParaRPr lang="en-US"/>
+          </a:p>
+        </p:txBody>
+      </p:sp>
+    </p:spTree>
+    <p:extLst>
+      <p:ext uri="{BB962C8B-B14F-4D97-AF65-F5344CB8AC3E}">
+        <p14:creationId xmlns:p14="http://schemas.microsoft.com/office/powerpoint/2010/main" val="2570286842"/>
+      </p:ext>
+    </p:extLst>
+  </p:cSld>
+  <p:clrMapOvr>
+    <a:masterClrMapping/>
+  </p:clrMapOvr>
+</p:notes>
+</file>
+
 <file path=ppt/slideLayouts/slideLayout1.xml><?xml version="1.0" encoding="utf-8"?>
 <p:sldLayout xmlns:a="http://schemas.openxmlformats.org/drawingml/2006/main" xmlns:r="http://schemas.openxmlformats.org/officeDocument/2006/relationships" xmlns:p="http://schemas.openxmlformats.org/presentationml/2006/main" type="title" preserve="1">
   <p:cSld name="Title Slide">
@@ -1494,7 +1754,7 @@
           <a:p>
             <a:fld id="{76183B97-7D03-374D-AECD-E740583BEFF3}" type="datetimeFigureOut">
               <a:rPr lang="en-US" smtClean="0"/>
-              <a:t>3/31/13</a:t>
+              <a:t>4/1/13</a:t>
             </a:fld>
             <a:endParaRPr lang="en-US"/>
           </a:p>
@@ -1664,7 +1924,7 @@
           <a:p>
             <a:fld id="{76183B97-7D03-374D-AECD-E740583BEFF3}" type="datetimeFigureOut">
               <a:rPr lang="en-US" smtClean="0"/>
-              <a:t>3/31/13</a:t>
+              <a:t>4/1/13</a:t>
             </a:fld>
             <a:endParaRPr lang="en-US"/>
           </a:p>
@@ -1844,7 +2104,7 @@
           <a:p>
             <a:fld id="{76183B97-7D03-374D-AECD-E740583BEFF3}" type="datetimeFigureOut">
               <a:rPr lang="en-US" smtClean="0"/>
-              <a:t>3/31/13</a:t>
+              <a:t>4/1/13</a:t>
             </a:fld>
             <a:endParaRPr lang="en-US"/>
           </a:p>
@@ -2014,7 +2274,7 @@
           <a:p>
             <a:fld id="{76183B97-7D03-374D-AECD-E740583BEFF3}" type="datetimeFigureOut">
               <a:rPr lang="en-US" smtClean="0"/>
-              <a:t>3/31/13</a:t>
+              <a:t>4/1/13</a:t>
             </a:fld>
             <a:endParaRPr lang="en-US"/>
           </a:p>
@@ -2260,7 +2520,7 @@
           <a:p>
             <a:fld id="{76183B97-7D03-374D-AECD-E740583BEFF3}" type="datetimeFigureOut">
               <a:rPr lang="en-US" smtClean="0"/>
-              <a:t>3/31/13</a:t>
+              <a:t>4/1/13</a:t>
             </a:fld>
             <a:endParaRPr lang="en-US"/>
           </a:p>
@@ -2548,7 +2808,7 @@
           <a:p>
             <a:fld id="{76183B97-7D03-374D-AECD-E740583BEFF3}" type="datetimeFigureOut">
               <a:rPr lang="en-US" smtClean="0"/>
-              <a:t>3/31/13</a:t>
+              <a:t>4/1/13</a:t>
             </a:fld>
             <a:endParaRPr lang="en-US"/>
           </a:p>
@@ -2970,7 +3230,7 @@
           <a:p>
             <a:fld id="{76183B97-7D03-374D-AECD-E740583BEFF3}" type="datetimeFigureOut">
               <a:rPr lang="en-US" smtClean="0"/>
-              <a:t>3/31/13</a:t>
+              <a:t>4/1/13</a:t>
             </a:fld>
             <a:endParaRPr lang="en-US"/>
           </a:p>
@@ -3088,7 +3348,7 @@
           <a:p>
             <a:fld id="{76183B97-7D03-374D-AECD-E740583BEFF3}" type="datetimeFigureOut">
               <a:rPr lang="en-US" smtClean="0"/>
-              <a:t>3/31/13</a:t>
+              <a:t>4/1/13</a:t>
             </a:fld>
             <a:endParaRPr lang="en-US"/>
           </a:p>
@@ -3183,7 +3443,7 @@
           <a:p>
             <a:fld id="{76183B97-7D03-374D-AECD-E740583BEFF3}" type="datetimeFigureOut">
               <a:rPr lang="en-US" smtClean="0"/>
-              <a:t>3/31/13</a:t>
+              <a:t>4/1/13</a:t>
             </a:fld>
             <a:endParaRPr lang="en-US"/>
           </a:p>
@@ -3460,7 +3720,7 @@
           <a:p>
             <a:fld id="{76183B97-7D03-374D-AECD-E740583BEFF3}" type="datetimeFigureOut">
               <a:rPr lang="en-US" smtClean="0"/>
-              <a:t>3/31/13</a:t>
+              <a:t>4/1/13</a:t>
             </a:fld>
             <a:endParaRPr lang="en-US"/>
           </a:p>
@@ -3713,7 +3973,7 @@
           <a:p>
             <a:fld id="{76183B97-7D03-374D-AECD-E740583BEFF3}" type="datetimeFigureOut">
               <a:rPr lang="en-US" smtClean="0"/>
-              <a:t>3/31/13</a:t>
+              <a:t>4/1/13</a:t>
             </a:fld>
             <a:endParaRPr lang="en-US"/>
           </a:p>
@@ -3926,7 +4186,7 @@
           <a:p>
             <a:fld id="{76183B97-7D03-374D-AECD-E740583BEFF3}" type="datetimeFigureOut">
               <a:rPr lang="en-US" smtClean="0"/>
-              <a:t>3/31/13</a:t>
+              <a:t>4/1/13</a:t>
             </a:fld>
             <a:endParaRPr lang="en-US"/>
           </a:p>
@@ -10329,7 +10589,7 @@
           <a:graphicData uri="http://schemas.openxmlformats.org/presentationml/2006/ole">
             <mc:AlternateContent xmlns:mc="http://schemas.openxmlformats.org/markup-compatibility/2006">
               <mc:Choice xmlns:v="urn:schemas-microsoft-com:vml" Requires="v">
-                <p:oleObj spid="_x0000_s1042" name="Equation" r:id="rId3" imgW="2184400" imgH="1143000" progId="Equation.3">
+                <p:oleObj spid="_x0000_s1046" name="Equation" r:id="rId3" imgW="2184400" imgH="1143000" progId="Equation.3">
                   <p:embed/>
                 </p:oleObj>
               </mc:Choice>
@@ -11150,7 +11410,7 @@
           <a:graphicData uri="http://schemas.openxmlformats.org/presentationml/2006/ole">
             <mc:AlternateContent xmlns:mc="http://schemas.openxmlformats.org/markup-compatibility/2006">
               <mc:Choice xmlns:v="urn:schemas-microsoft-com:vml" Requires="v">
-                <p:oleObj spid="_x0000_s2067" name="Equation" r:id="rId3" imgW="2197100" imgH="1143000" progId="Equation.3">
+                <p:oleObj spid="_x0000_s2071" name="Equation" r:id="rId3" imgW="2197100" imgH="1143000" progId="Equation.3">
                   <p:embed/>
                 </p:oleObj>
               </mc:Choice>
@@ -11711,7 +11971,7 @@
           <a:graphicData uri="http://schemas.openxmlformats.org/presentationml/2006/ole">
             <mc:AlternateContent xmlns:mc="http://schemas.openxmlformats.org/markup-compatibility/2006">
               <mc:Choice xmlns:v="urn:schemas-microsoft-com:vml" Requires="v">
-                <p:oleObj spid="_x0000_s3090" name="Equation" r:id="rId3" imgW="2463800" imgH="1181100" progId="Equation.3">
+                <p:oleObj spid="_x0000_s3094" name="Equation" r:id="rId3" imgW="2463800" imgH="1181100" progId="Equation.3">
                   <p:embed/>
                 </p:oleObj>
               </mc:Choice>
@@ -20414,11 +20674,7 @@
             </a:r>
             <a:r>
               <a:rPr lang="en-US" dirty="0" smtClean="0"/>
-              <a:t> show if LWE is secure </a:t>
-            </a:r>
-            <a:r>
-              <a:rPr lang="en-US" dirty="0" smtClean="0"/>
-              <a:t>on</a:t>
+              <a:t> show if LWE is secure on</a:t>
             </a:r>
           </a:p>
           <a:p>
@@ -26859,6 +27115,12 @@
               </a:rPr>
               <a:t>codeword</a:t>
             </a:r>
+            <a:r>
+              <a:rPr lang="en-US" sz="1600" b="1" dirty="0" smtClean="0">
+                <a:cs typeface="Calibri"/>
+              </a:rPr>
+              <a:t>.</a:t>
+            </a:r>
             <a:endParaRPr lang="en-US" sz="1600" b="1" dirty="0">
               <a:cs typeface="Calibri"/>
             </a:endParaRPr>
@@ -26991,7 +27253,21 @@
                 <a:latin typeface="Times New Roman"/>
                 <a:cs typeface="Times New Roman"/>
               </a:rPr>
-              <a:t>w </a:t>
+              <a:t>w</a:t>
+            </a:r>
+            <a:r>
+              <a:rPr lang="en-US" sz="2400" baseline="-25000" dirty="0" smtClean="0">
+                <a:latin typeface="Times New Roman"/>
+                <a:cs typeface="Times New Roman"/>
+              </a:rPr>
+              <a:t>0</a:t>
+            </a:r>
+            <a:r>
+              <a:rPr lang="en-US" sz="2400" i="1" dirty="0" smtClean="0">
+                <a:latin typeface="Times New Roman"/>
+                <a:cs typeface="Times New Roman"/>
+              </a:rPr>
+              <a:t> </a:t>
             </a:r>
             <a:r>
               <a:rPr lang="en-US" sz="2400" dirty="0" smtClean="0">
@@ -27011,7 +27287,11 @@
             </a:pPr>
             <a:r>
               <a:rPr lang="en-US" sz="2000" dirty="0" smtClean="0"/>
-              <a:t>Sample uniformly</a:t>
+              <a:t>Sample </a:t>
+            </a:r>
+            <a:r>
+              <a:rPr lang="en-US" sz="2000" dirty="0" smtClean="0"/>
+              <a:t>uniformly</a:t>
             </a:r>
           </a:p>
           <a:p>
@@ -27120,7 +27400,7 @@
           <p:nvPr>
             <p:extLst>
               <p:ext uri="{D42A27DB-BD31-4B8C-83A1-F6EECF244321}">
-                <p14:modId xmlns:p14="http://schemas.microsoft.com/office/powerpoint/2010/main" val="2964104831"/>
+                <p14:modId xmlns:p14="http://schemas.microsoft.com/office/powerpoint/2010/main" val="1892634492"/>
               </p:ext>
             </p:extLst>
           </p:nvPr>
@@ -27133,7 +27413,7 @@
           <a:graphicData uri="http://schemas.openxmlformats.org/presentationml/2006/ole">
             <mc:AlternateContent xmlns:mc="http://schemas.openxmlformats.org/markup-compatibility/2006">
               <mc:Choice xmlns:v="urn:schemas-microsoft-com:vml" Requires="v">
-                <p:oleObj spid="_x0000_s12293" name="Equation" r:id="rId4" imgW="1130300" imgH="254000" progId="Equation.3">
+                <p:oleObj spid="_x0000_s12316" name="Equation" r:id="rId4" imgW="1130300" imgH="254000" progId="Equation.3">
                   <p:embed/>
                 </p:oleObj>
               </mc:Choice>
@@ -27177,25 +27457,25 @@
           <p:nvPr>
             <p:extLst>
               <p:ext uri="{D42A27DB-BD31-4B8C-83A1-F6EECF244321}">
-                <p14:modId xmlns:p14="http://schemas.microsoft.com/office/powerpoint/2010/main" val="1451724783"/>
+                <p14:modId xmlns:p14="http://schemas.microsoft.com/office/powerpoint/2010/main" val="3426169855"/>
               </p:ext>
             </p:extLst>
           </p:nvPr>
         </p:nvGraphicFramePr>
         <p:xfrm>
-          <a:off x="3778791" y="2926588"/>
-          <a:ext cx="1566862" cy="741363"/>
+          <a:off x="3736975" y="2917825"/>
+          <a:ext cx="1651000" cy="762000"/>
         </p:xfrm>
         <a:graphic>
           <a:graphicData uri="http://schemas.openxmlformats.org/presentationml/2006/ole">
             <mc:AlternateContent xmlns:mc="http://schemas.openxmlformats.org/markup-compatibility/2006">
               <mc:Choice xmlns:v="urn:schemas-microsoft-com:vml" Requires="v">
-                <p:oleObj spid="_x0000_s12294" name="Equation" r:id="rId6" imgW="939800" imgH="444500" progId="Equation.3">
+                <p:oleObj spid="_x0000_s12317" name="Equation" r:id="rId6" imgW="990600" imgH="457200" progId="Equation.3">
                   <p:embed/>
                 </p:oleObj>
               </mc:Choice>
               <mc:Fallback>
-                <p:oleObj name="Equation" r:id="rId6" imgW="939800" imgH="444500" progId="Equation.3">
+                <p:oleObj name="Equation" r:id="rId6" imgW="990600" imgH="457200" progId="Equation.3">
                   <p:embed/>
                   <p:pic>
                     <p:nvPicPr>
@@ -27211,8 +27491,8 @@
                     </p:blipFill>
                     <p:spPr>
                       <a:xfrm>
-                        <a:off x="3778791" y="2926588"/>
-                        <a:ext cx="1566862" cy="741363"/>
+                        <a:off x="3736975" y="2917825"/>
+                        <a:ext cx="1651000" cy="762000"/>
                       </a:xfrm>
                       <a:prstGeom prst="rect">
                         <a:avLst/>
@@ -27266,6 +27546,578 @@
           <a:p>
             <a:pPr algn="ctr"/>
             <a:endParaRPr lang="en-US"/>
+          </a:p>
+        </p:txBody>
+      </p:sp>
+      <p:sp>
+        <p:nvSpPr>
+          <p:cNvPr id="10" name="TextBox 9"/>
+          <p:cNvSpPr txBox="1"/>
+          <p:nvPr/>
+        </p:nvSpPr>
+        <p:spPr>
+          <a:xfrm>
+            <a:off x="6166152" y="1318381"/>
+            <a:ext cx="1814269" cy="2862322"/>
+          </a:xfrm>
+          <a:prstGeom prst="rect">
+            <a:avLst/>
+          </a:prstGeom>
+          <a:noFill/>
+        </p:spPr>
+        <p:txBody>
+          <a:bodyPr wrap="none" rtlCol="0">
+            <a:spAutoFit/>
+          </a:bodyPr>
+          <a:lstStyle/>
+          <a:p>
+            <a:r>
+              <a:rPr lang="en-US" sz="2400" dirty="0" smtClean="0">
+                <a:latin typeface="Times New Roman"/>
+                <a:cs typeface="Times New Roman"/>
+              </a:rPr>
+              <a:t>Rep ( </a:t>
+            </a:r>
+            <a:r>
+              <a:rPr lang="en-US" sz="2400" i="1" dirty="0" smtClean="0">
+                <a:latin typeface="Times New Roman"/>
+                <a:cs typeface="Times New Roman"/>
+              </a:rPr>
+              <a:t>w</a:t>
+            </a:r>
+            <a:r>
+              <a:rPr lang="en-US" sz="2400" baseline="-25000" dirty="0" smtClean="0">
+                <a:latin typeface="Times New Roman"/>
+                <a:cs typeface="Times New Roman"/>
+              </a:rPr>
+              <a:t>1</a:t>
+            </a:r>
+            <a:r>
+              <a:rPr lang="en-US" sz="2400" i="1" dirty="0" smtClean="0">
+                <a:latin typeface="Times New Roman"/>
+                <a:cs typeface="Times New Roman"/>
+              </a:rPr>
+              <a:t> , p</a:t>
+            </a:r>
+            <a:r>
+              <a:rPr lang="en-US" sz="2400" dirty="0" smtClean="0">
+                <a:latin typeface="Times New Roman"/>
+                <a:cs typeface="Times New Roman"/>
+              </a:rPr>
+              <a:t>)</a:t>
+            </a:r>
+            <a:r>
+              <a:rPr lang="en-US" sz="2400" dirty="0" smtClean="0"/>
+              <a:t>:</a:t>
+            </a:r>
+          </a:p>
+          <a:p>
+            <a:pPr marL="342900" indent="-342900">
+              <a:buAutoNum type="arabicPeriod"/>
+            </a:pPr>
+            <a:r>
+              <a:rPr lang="en-US" sz="2000" dirty="0" smtClean="0"/>
+              <a:t>Parse </a:t>
+            </a:r>
+            <a:r>
+              <a:rPr lang="en-US" sz="2000" i="1" dirty="0" smtClean="0">
+                <a:latin typeface="Times New Roman"/>
+                <a:cs typeface="Times New Roman"/>
+              </a:rPr>
+              <a:t>p</a:t>
+            </a:r>
+            <a:r>
+              <a:rPr lang="en-US" sz="2000" dirty="0" smtClean="0"/>
+              <a:t> as: </a:t>
+            </a:r>
+          </a:p>
+          <a:p>
+            <a:pPr marL="342900" indent="-342900">
+              <a:buAutoNum type="arabicPeriod"/>
+            </a:pPr>
+            <a:endParaRPr lang="en-US" sz="2000" dirty="0" smtClean="0">
+              <a:latin typeface="Times New Roman"/>
+              <a:cs typeface="Times New Roman"/>
+            </a:endParaRPr>
+          </a:p>
+          <a:p>
+            <a:pPr marL="342900" indent="-342900">
+              <a:buAutoNum type="arabicPeriod"/>
+            </a:pPr>
+            <a:endParaRPr lang="en-US" sz="1600" dirty="0" smtClean="0"/>
+          </a:p>
+          <a:p>
+            <a:pPr marL="342900" indent="-342900">
+              <a:buAutoNum type="arabicPeriod"/>
+            </a:pPr>
+            <a:r>
+              <a:rPr lang="en-US" sz="2000" dirty="0" smtClean="0"/>
+              <a:t>Compute</a:t>
+            </a:r>
+          </a:p>
+          <a:p>
+            <a:endParaRPr lang="en-US" sz="2000" dirty="0" smtClean="0"/>
+          </a:p>
+          <a:p>
+            <a:endParaRPr lang="en-US" sz="2000" dirty="0"/>
+          </a:p>
+          <a:p>
+            <a:endParaRPr lang="en-US" sz="2000" dirty="0" smtClean="0"/>
+          </a:p>
+          <a:p>
+            <a:r>
+              <a:rPr lang="en-US" sz="2000" dirty="0" smtClean="0"/>
+              <a:t>3. ???</a:t>
+            </a:r>
+            <a:endParaRPr lang="en-US" sz="2000" dirty="0" smtClean="0"/>
+          </a:p>
+        </p:txBody>
+      </p:sp>
+      <p:sp>
+        <p:nvSpPr>
+          <p:cNvPr id="11" name="Rectangle 10"/>
+          <p:cNvSpPr/>
+          <p:nvPr/>
+        </p:nvSpPr>
+        <p:spPr>
+          <a:xfrm>
+            <a:off x="6166151" y="1765904"/>
+            <a:ext cx="2735943" cy="2491619"/>
+          </a:xfrm>
+          <a:prstGeom prst="rect">
+            <a:avLst/>
+          </a:prstGeom>
+          <a:noFill/>
+          <a:ln>
+            <a:solidFill>
+              <a:schemeClr val="tx1"/>
+            </a:solidFill>
+          </a:ln>
+        </p:spPr>
+        <p:style>
+          <a:lnRef idx="1">
+            <a:schemeClr val="accent1"/>
+          </a:lnRef>
+          <a:fillRef idx="3">
+            <a:schemeClr val="accent1"/>
+          </a:fillRef>
+          <a:effectRef idx="2">
+            <a:schemeClr val="accent1"/>
+          </a:effectRef>
+          <a:fontRef idx="minor">
+            <a:schemeClr val="lt1"/>
+          </a:fontRef>
+        </p:style>
+        <p:txBody>
+          <a:bodyPr rtlCol="0" anchor="ctr"/>
+          <a:lstStyle/>
+          <a:p>
+            <a:pPr algn="ctr"/>
+            <a:endParaRPr lang="en-US"/>
+          </a:p>
+        </p:txBody>
+      </p:sp>
+      <p:graphicFrame>
+        <p:nvGraphicFramePr>
+          <p:cNvPr id="13" name="Object 12"/>
+          <p:cNvGraphicFramePr>
+            <a:graphicFrameLocks noChangeAspect="1"/>
+          </p:cNvGraphicFramePr>
+          <p:nvPr>
+            <p:extLst>
+              <p:ext uri="{D42A27DB-BD31-4B8C-83A1-F6EECF244321}">
+                <p14:modId xmlns:p14="http://schemas.microsoft.com/office/powerpoint/2010/main" val="111532372"/>
+              </p:ext>
+            </p:extLst>
+          </p:nvPr>
+        </p:nvGraphicFramePr>
+        <p:xfrm>
+          <a:off x="6575425" y="2068284"/>
+          <a:ext cx="1501775" cy="360363"/>
+        </p:xfrm>
+        <a:graphic>
+          <a:graphicData uri="http://schemas.openxmlformats.org/presentationml/2006/ole">
+            <mc:AlternateContent xmlns:mc="http://schemas.openxmlformats.org/markup-compatibility/2006">
+              <mc:Choice xmlns:v="urn:schemas-microsoft-com:vml" Requires="v">
+                <p:oleObj spid="_x0000_s12318" name="Equation" r:id="rId8" imgW="901700" imgH="215900" progId="Equation.3">
+                  <p:embed/>
+                </p:oleObj>
+              </mc:Choice>
+              <mc:Fallback>
+                <p:oleObj name="Equation" r:id="rId8" imgW="901700" imgH="215900" progId="Equation.3">
+                  <p:embed/>
+                  <p:pic>
+                    <p:nvPicPr>
+                      <p:cNvPr id="0" name=""/>
+                      <p:cNvPicPr/>
+                      <p:nvPr/>
+                    </p:nvPicPr>
+                    <p:blipFill>
+                      <a:blip r:embed="rId9"/>
+                      <a:stretch>
+                        <a:fillRect/>
+                      </a:stretch>
+                    </p:blipFill>
+                    <p:spPr>
+                      <a:xfrm>
+                        <a:off x="6575425" y="2068284"/>
+                        <a:ext cx="1501775" cy="360363"/>
+                      </a:xfrm>
+                      <a:prstGeom prst="rect">
+                        <a:avLst/>
+                      </a:prstGeom>
+                    </p:spPr>
+                  </p:pic>
+                </p:oleObj>
+              </mc:Fallback>
+            </mc:AlternateContent>
+          </a:graphicData>
+        </a:graphic>
+      </p:graphicFrame>
+      <p:graphicFrame>
+        <p:nvGraphicFramePr>
+          <p:cNvPr id="14" name="Object 13"/>
+          <p:cNvGraphicFramePr>
+            <a:graphicFrameLocks noChangeAspect="1"/>
+          </p:cNvGraphicFramePr>
+          <p:nvPr>
+            <p:extLst>
+              <p:ext uri="{D42A27DB-BD31-4B8C-83A1-F6EECF244321}">
+                <p14:modId xmlns:p14="http://schemas.microsoft.com/office/powerpoint/2010/main" val="1687289083"/>
+              </p:ext>
+            </p:extLst>
+          </p:nvPr>
+        </p:nvGraphicFramePr>
+        <p:xfrm>
+          <a:off x="6340475" y="2917825"/>
+          <a:ext cx="2346325" cy="360363"/>
+        </p:xfrm>
+        <a:graphic>
+          <a:graphicData uri="http://schemas.openxmlformats.org/presentationml/2006/ole">
+            <mc:AlternateContent xmlns:mc="http://schemas.openxmlformats.org/markup-compatibility/2006">
+              <mc:Choice xmlns:v="urn:schemas-microsoft-com:vml" Requires="v">
+                <p:oleObj spid="_x0000_s12319" name="Equation" r:id="rId10" imgW="1409700" imgH="215900" progId="Equation.3">
+                  <p:embed/>
+                </p:oleObj>
+              </mc:Choice>
+              <mc:Fallback>
+                <p:oleObj name="Equation" r:id="rId10" imgW="1409700" imgH="215900" progId="Equation.3">
+                  <p:embed/>
+                  <p:pic>
+                    <p:nvPicPr>
+                      <p:cNvPr id="0" name=""/>
+                      <p:cNvPicPr/>
+                      <p:nvPr/>
+                    </p:nvPicPr>
+                    <p:blipFill>
+                      <a:blip r:embed="rId11"/>
+                      <a:stretch>
+                        <a:fillRect/>
+                      </a:stretch>
+                    </p:blipFill>
+                    <p:spPr>
+                      <a:xfrm>
+                        <a:off x="6340475" y="2917825"/>
+                        <a:ext cx="2346325" cy="360363"/>
+                      </a:xfrm>
+                      <a:prstGeom prst="rect">
+                        <a:avLst/>
+                      </a:prstGeom>
+                    </p:spPr>
+                  </p:pic>
+                </p:oleObj>
+              </mc:Fallback>
+            </mc:AlternateContent>
+          </a:graphicData>
+        </a:graphic>
+      </p:graphicFrame>
+      <p:sp>
+        <p:nvSpPr>
+          <p:cNvPr id="15" name="Rectangle 36"/>
+          <p:cNvSpPr>
+            <a:spLocks noChangeArrowheads="1"/>
+          </p:cNvSpPr>
+          <p:nvPr/>
+        </p:nvSpPr>
+        <p:spPr bwMode="auto">
+          <a:xfrm>
+            <a:off x="3604381" y="5114681"/>
+            <a:ext cx="5423873" cy="1029700"/>
+          </a:xfrm>
+          <a:prstGeom prst="roundRect">
+            <a:avLst>
+              <a:gd name="adj" fmla="val 16667"/>
+            </a:avLst>
+          </a:prstGeom>
+          <a:ln>
+            <a:headEnd/>
+            <a:tailEnd/>
+          </a:ln>
+        </p:spPr>
+        <p:style>
+          <a:lnRef idx="1">
+            <a:schemeClr val="accent1"/>
+          </a:lnRef>
+          <a:fillRef idx="2">
+            <a:schemeClr val="accent1"/>
+          </a:fillRef>
+          <a:effectRef idx="1">
+            <a:schemeClr val="accent1"/>
+          </a:effectRef>
+          <a:fontRef idx="minor">
+            <a:schemeClr val="dk1"/>
+          </a:fontRef>
+        </p:style>
+        <p:txBody>
+          <a:bodyPr lIns="45720" rIns="45720" anchor="ctr" anchorCtr="1"/>
+          <a:lstStyle/>
+          <a:p>
+            <a:pPr lvl="1"/>
+            <a:r>
+              <a:rPr lang="en-US" dirty="0" smtClean="0">
+                <a:solidFill>
+                  <a:srgbClr val="000000"/>
+                </a:solidFill>
+                <a:latin typeface="Calibri"/>
+                <a:cs typeface="Calibri"/>
+              </a:rPr>
+              <a:t>To recover key, we need to decode </a:t>
+            </a:r>
+            <a:r>
+              <a:rPr lang="en-US" i="1" dirty="0" smtClean="0">
+                <a:solidFill>
+                  <a:srgbClr val="000000"/>
+                </a:solidFill>
+                <a:latin typeface="Times New Roman"/>
+                <a:cs typeface="Times New Roman"/>
+              </a:rPr>
+              <a:t>Ax</a:t>
+            </a:r>
+            <a:r>
+              <a:rPr lang="en-US" dirty="0" smtClean="0">
+                <a:solidFill>
+                  <a:srgbClr val="000000"/>
+                </a:solidFill>
+                <a:latin typeface="Times New Roman"/>
+                <a:cs typeface="Times New Roman"/>
+              </a:rPr>
+              <a:t> + (</a:t>
+            </a:r>
+            <a:r>
+              <a:rPr lang="en-US" i="1" dirty="0" smtClean="0">
+                <a:solidFill>
+                  <a:srgbClr val="000000"/>
+                </a:solidFill>
+                <a:latin typeface="Times New Roman"/>
+                <a:cs typeface="Times New Roman"/>
+              </a:rPr>
+              <a:t>w</a:t>
+            </a:r>
+            <a:r>
+              <a:rPr lang="en-US" baseline="-25000" dirty="0" smtClean="0">
+                <a:solidFill>
+                  <a:srgbClr val="000000"/>
+                </a:solidFill>
+                <a:latin typeface="Times New Roman"/>
+                <a:cs typeface="Times New Roman"/>
+              </a:rPr>
+              <a:t>0</a:t>
+            </a:r>
+            <a:r>
+              <a:rPr lang="en-US" dirty="0" smtClean="0">
+                <a:solidFill>
+                  <a:srgbClr val="000000"/>
+                </a:solidFill>
+                <a:latin typeface="Times New Roman"/>
+                <a:cs typeface="Times New Roman"/>
+              </a:rPr>
+              <a:t> – </a:t>
+            </a:r>
+            <a:r>
+              <a:rPr lang="en-US" i="1" dirty="0" smtClean="0">
+                <a:solidFill>
+                  <a:srgbClr val="000000"/>
+                </a:solidFill>
+                <a:latin typeface="Times New Roman"/>
+                <a:cs typeface="Times New Roman"/>
+              </a:rPr>
+              <a:t>w</a:t>
+            </a:r>
+            <a:r>
+              <a:rPr lang="en-US" baseline="-25000" dirty="0" smtClean="0">
+                <a:solidFill>
+                  <a:srgbClr val="000000"/>
+                </a:solidFill>
+                <a:latin typeface="Times New Roman"/>
+                <a:cs typeface="Times New Roman"/>
+              </a:rPr>
+              <a:t>1</a:t>
+            </a:r>
+            <a:r>
+              <a:rPr lang="en-US" dirty="0" smtClean="0">
+                <a:solidFill>
+                  <a:srgbClr val="000000"/>
+                </a:solidFill>
+                <a:latin typeface="Times New Roman"/>
+                <a:cs typeface="Times New Roman"/>
+              </a:rPr>
+              <a:t>)</a:t>
+            </a:r>
+            <a:r>
+              <a:rPr lang="en-US" dirty="0" smtClean="0">
+                <a:solidFill>
+                  <a:srgbClr val="000000"/>
+                </a:solidFill>
+                <a:latin typeface="Calibri"/>
+                <a:cs typeface="Calibri"/>
+              </a:rPr>
+              <a:t>,</a:t>
+            </a:r>
+            <a:br>
+              <a:rPr lang="en-US" dirty="0" smtClean="0">
+                <a:solidFill>
+                  <a:srgbClr val="000000"/>
+                </a:solidFill>
+                <a:latin typeface="Calibri"/>
+                <a:cs typeface="Calibri"/>
+              </a:rPr>
+            </a:br>
+            <a:r>
+              <a:rPr lang="en-US" dirty="0" smtClean="0">
+                <a:solidFill>
+                  <a:srgbClr val="000000"/>
+                </a:solidFill>
+                <a:latin typeface="Calibri"/>
+                <a:cs typeface="Calibri"/>
+              </a:rPr>
+              <a:t>this is a random code with </a:t>
+            </a:r>
+            <a:br>
+              <a:rPr lang="en-US" dirty="0" smtClean="0">
+                <a:solidFill>
+                  <a:srgbClr val="000000"/>
+                </a:solidFill>
+                <a:latin typeface="Calibri"/>
+                <a:cs typeface="Calibri"/>
+              </a:rPr>
+            </a:br>
+            <a:r>
+              <a:rPr lang="en-US" i="1" dirty="0" smtClean="0">
+                <a:solidFill>
+                  <a:srgbClr val="000000"/>
+                </a:solidFill>
+                <a:latin typeface="Times New Roman"/>
+                <a:cs typeface="Times New Roman"/>
+              </a:rPr>
+              <a:t>d</a:t>
+            </a:r>
+            <a:r>
+              <a:rPr lang="en-US" dirty="0" smtClean="0">
+                <a:solidFill>
+                  <a:srgbClr val="000000"/>
+                </a:solidFill>
+                <a:latin typeface="Times New Roman"/>
+                <a:cs typeface="Times New Roman"/>
+              </a:rPr>
+              <a:t>(</a:t>
+            </a:r>
+            <a:r>
+              <a:rPr lang="en-US" i="1" dirty="0" smtClean="0">
+                <a:solidFill>
+                  <a:srgbClr val="000000"/>
+                </a:solidFill>
+                <a:latin typeface="Times New Roman"/>
+                <a:cs typeface="Times New Roman"/>
+              </a:rPr>
+              <a:t>w</a:t>
+            </a:r>
+            <a:r>
+              <a:rPr lang="en-US" baseline="-25000" dirty="0" smtClean="0">
+                <a:solidFill>
+                  <a:srgbClr val="000000"/>
+                </a:solidFill>
+                <a:latin typeface="Times New Roman"/>
+                <a:cs typeface="Times New Roman"/>
+              </a:rPr>
+              <a:t>0</a:t>
+            </a:r>
+            <a:r>
+              <a:rPr lang="en-US" dirty="0" smtClean="0">
+                <a:solidFill>
+                  <a:srgbClr val="000000"/>
+                </a:solidFill>
+                <a:latin typeface="Times New Roman"/>
+                <a:cs typeface="Times New Roman"/>
+              </a:rPr>
+              <a:t>, </a:t>
+            </a:r>
+            <a:r>
+              <a:rPr lang="en-US" i="1" dirty="0" smtClean="0">
+                <a:solidFill>
+                  <a:srgbClr val="000000"/>
+                </a:solidFill>
+                <a:latin typeface="Times New Roman"/>
+                <a:cs typeface="Times New Roman"/>
+              </a:rPr>
+              <a:t>w</a:t>
+            </a:r>
+            <a:r>
+              <a:rPr lang="en-US" baseline="-25000" dirty="0" smtClean="0">
+                <a:solidFill>
+                  <a:srgbClr val="000000"/>
+                </a:solidFill>
+                <a:latin typeface="Times New Roman"/>
+                <a:cs typeface="Times New Roman"/>
+              </a:rPr>
+              <a:t>1</a:t>
+            </a:r>
+            <a:r>
+              <a:rPr lang="en-US" dirty="0" smtClean="0">
+                <a:solidFill>
+                  <a:srgbClr val="000000"/>
+                </a:solidFill>
+                <a:latin typeface="Times New Roman"/>
+                <a:cs typeface="Times New Roman"/>
+              </a:rPr>
+              <a:t>)&lt;</a:t>
+            </a:r>
+            <a:r>
+              <a:rPr lang="en-US" i="1" dirty="0" err="1" smtClean="0">
+                <a:solidFill>
+                  <a:srgbClr val="000000"/>
+                </a:solidFill>
+                <a:latin typeface="Times New Roman"/>
+                <a:cs typeface="Times New Roman"/>
+              </a:rPr>
+              <a:t>d</a:t>
+            </a:r>
+            <a:r>
+              <a:rPr lang="en-US" i="1" baseline="-25000" dirty="0" err="1" smtClean="0">
+                <a:solidFill>
+                  <a:srgbClr val="000000"/>
+                </a:solidFill>
+                <a:latin typeface="Times New Roman"/>
+                <a:cs typeface="Times New Roman"/>
+              </a:rPr>
+              <a:t>max</a:t>
+            </a:r>
+            <a:r>
+              <a:rPr lang="en-US" dirty="0" smtClean="0">
+                <a:solidFill>
+                  <a:srgbClr val="000000"/>
+                </a:solidFill>
+                <a:latin typeface="Calibri"/>
+                <a:cs typeface="Calibri"/>
+              </a:rPr>
+              <a:t> errors</a:t>
+            </a:r>
+            <a:endParaRPr lang="en-US" dirty="0">
+              <a:solidFill>
+                <a:srgbClr val="000000"/>
+              </a:solidFill>
+              <a:latin typeface="Calibri"/>
+              <a:cs typeface="Calibri"/>
+            </a:endParaRPr>
           </a:p>
         </p:txBody>
       </p:sp>
@@ -27697,6 +28549,455 @@
                       </p:childTnLst>
                     </p:cTn>
                   </p:par>
+                  <p:par>
+                    <p:cTn id="37" fill="hold">
+                      <p:stCondLst>
+                        <p:cond delay="indefinite"/>
+                      </p:stCondLst>
+                      <p:childTnLst>
+                        <p:par>
+                          <p:cTn id="38" fill="hold">
+                            <p:stCondLst>
+                              <p:cond delay="0"/>
+                            </p:stCondLst>
+                            <p:childTnLst>
+                              <p:par>
+                                <p:cTn id="39" presetID="10" presetClass="entr" presetSubtype="0" fill="hold" grpId="0" nodeType="clickEffect">
+                                  <p:stCondLst>
+                                    <p:cond delay="0"/>
+                                  </p:stCondLst>
+                                  <p:childTnLst>
+                                    <p:set>
+                                      <p:cBhvr>
+                                        <p:cTn id="40" dur="1" fill="hold">
+                                          <p:stCondLst>
+                                            <p:cond delay="0"/>
+                                          </p:stCondLst>
+                                        </p:cTn>
+                                        <p:tgtEl>
+                                          <p:spTgt spid="10">
+                                            <p:txEl>
+                                              <p:pRg st="0" end="0"/>
+                                            </p:txEl>
+                                          </p:spTgt>
+                                        </p:tgtEl>
+                                        <p:attrNameLst>
+                                          <p:attrName>style.visibility</p:attrName>
+                                        </p:attrNameLst>
+                                      </p:cBhvr>
+                                      <p:to>
+                                        <p:strVal val="visible"/>
+                                      </p:to>
+                                    </p:set>
+                                    <p:animEffect transition="in" filter="fade">
+                                      <p:cBhvr>
+                                        <p:cTn id="41" dur="500"/>
+                                        <p:tgtEl>
+                                          <p:spTgt spid="10">
+                                            <p:txEl>
+                                              <p:pRg st="0" end="0"/>
+                                            </p:txEl>
+                                          </p:spTgt>
+                                        </p:tgtEl>
+                                      </p:cBhvr>
+                                    </p:animEffect>
+                                  </p:childTnLst>
+                                </p:cTn>
+                              </p:par>
+                              <p:par>
+                                <p:cTn id="42" presetID="10" presetClass="entr" presetSubtype="0" fill="hold" grpId="0" nodeType="withEffect">
+                                  <p:stCondLst>
+                                    <p:cond delay="0"/>
+                                  </p:stCondLst>
+                                  <p:childTnLst>
+                                    <p:set>
+                                      <p:cBhvr>
+                                        <p:cTn id="43" dur="1" fill="hold">
+                                          <p:stCondLst>
+                                            <p:cond delay="0"/>
+                                          </p:stCondLst>
+                                        </p:cTn>
+                                        <p:tgtEl>
+                                          <p:spTgt spid="11"/>
+                                        </p:tgtEl>
+                                        <p:attrNameLst>
+                                          <p:attrName>style.visibility</p:attrName>
+                                        </p:attrNameLst>
+                                      </p:cBhvr>
+                                      <p:to>
+                                        <p:strVal val="visible"/>
+                                      </p:to>
+                                    </p:set>
+                                    <p:animEffect transition="in" filter="fade">
+                                      <p:cBhvr>
+                                        <p:cTn id="44" dur="500"/>
+                                        <p:tgtEl>
+                                          <p:spTgt spid="11"/>
+                                        </p:tgtEl>
+                                      </p:cBhvr>
+                                    </p:animEffect>
+                                  </p:childTnLst>
+                                </p:cTn>
+                              </p:par>
+                            </p:childTnLst>
+                          </p:cTn>
+                        </p:par>
+                      </p:childTnLst>
+                    </p:cTn>
+                  </p:par>
+                  <p:par>
+                    <p:cTn id="45" fill="hold">
+                      <p:stCondLst>
+                        <p:cond delay="indefinite"/>
+                      </p:stCondLst>
+                      <p:childTnLst>
+                        <p:par>
+                          <p:cTn id="46" fill="hold">
+                            <p:stCondLst>
+                              <p:cond delay="0"/>
+                            </p:stCondLst>
+                            <p:childTnLst>
+                              <p:par>
+                                <p:cTn id="47" presetID="10" presetClass="entr" presetSubtype="0" fill="hold" grpId="0" nodeType="clickEffect">
+                                  <p:stCondLst>
+                                    <p:cond delay="0"/>
+                                  </p:stCondLst>
+                                  <p:childTnLst>
+                                    <p:set>
+                                      <p:cBhvr>
+                                        <p:cTn id="48" dur="1" fill="hold">
+                                          <p:stCondLst>
+                                            <p:cond delay="0"/>
+                                          </p:stCondLst>
+                                        </p:cTn>
+                                        <p:tgtEl>
+                                          <p:spTgt spid="10">
+                                            <p:txEl>
+                                              <p:pRg st="1" end="1"/>
+                                            </p:txEl>
+                                          </p:spTgt>
+                                        </p:tgtEl>
+                                        <p:attrNameLst>
+                                          <p:attrName>style.visibility</p:attrName>
+                                        </p:attrNameLst>
+                                      </p:cBhvr>
+                                      <p:to>
+                                        <p:strVal val="visible"/>
+                                      </p:to>
+                                    </p:set>
+                                    <p:animEffect transition="in" filter="fade">
+                                      <p:cBhvr>
+                                        <p:cTn id="49" dur="500"/>
+                                        <p:tgtEl>
+                                          <p:spTgt spid="10">
+                                            <p:txEl>
+                                              <p:pRg st="1" end="1"/>
+                                            </p:txEl>
+                                          </p:spTgt>
+                                        </p:tgtEl>
+                                      </p:cBhvr>
+                                    </p:animEffect>
+                                  </p:childTnLst>
+                                </p:cTn>
+                              </p:par>
+                              <p:par>
+                                <p:cTn id="50" presetID="10" presetClass="entr" presetSubtype="0" fill="hold" nodeType="withEffect">
+                                  <p:stCondLst>
+                                    <p:cond delay="0"/>
+                                  </p:stCondLst>
+                                  <p:childTnLst>
+                                    <p:set>
+                                      <p:cBhvr>
+                                        <p:cTn id="51" dur="1" fill="hold">
+                                          <p:stCondLst>
+                                            <p:cond delay="0"/>
+                                          </p:stCondLst>
+                                        </p:cTn>
+                                        <p:tgtEl>
+                                          <p:spTgt spid="13"/>
+                                        </p:tgtEl>
+                                        <p:attrNameLst>
+                                          <p:attrName>style.visibility</p:attrName>
+                                        </p:attrNameLst>
+                                      </p:cBhvr>
+                                      <p:to>
+                                        <p:strVal val="visible"/>
+                                      </p:to>
+                                    </p:set>
+                                    <p:animEffect transition="in" filter="fade">
+                                      <p:cBhvr>
+                                        <p:cTn id="52" dur="500"/>
+                                        <p:tgtEl>
+                                          <p:spTgt spid="13"/>
+                                        </p:tgtEl>
+                                      </p:cBhvr>
+                                    </p:animEffect>
+                                  </p:childTnLst>
+                                </p:cTn>
+                              </p:par>
+                            </p:childTnLst>
+                          </p:cTn>
+                        </p:par>
+                      </p:childTnLst>
+                    </p:cTn>
+                  </p:par>
+                  <p:par>
+                    <p:cTn id="53" fill="hold">
+                      <p:stCondLst>
+                        <p:cond delay="indefinite"/>
+                      </p:stCondLst>
+                      <p:childTnLst>
+                        <p:par>
+                          <p:cTn id="54" fill="hold">
+                            <p:stCondLst>
+                              <p:cond delay="0"/>
+                            </p:stCondLst>
+                            <p:childTnLst>
+                              <p:par>
+                                <p:cTn id="55" presetID="10" presetClass="entr" presetSubtype="0" fill="hold" grpId="0" nodeType="clickEffect">
+                                  <p:stCondLst>
+                                    <p:cond delay="0"/>
+                                  </p:stCondLst>
+                                  <p:childTnLst>
+                                    <p:set>
+                                      <p:cBhvr>
+                                        <p:cTn id="56" dur="1" fill="hold">
+                                          <p:stCondLst>
+                                            <p:cond delay="0"/>
+                                          </p:stCondLst>
+                                        </p:cTn>
+                                        <p:tgtEl>
+                                          <p:spTgt spid="10">
+                                            <p:txEl>
+                                              <p:pRg st="4" end="4"/>
+                                            </p:txEl>
+                                          </p:spTgt>
+                                        </p:tgtEl>
+                                        <p:attrNameLst>
+                                          <p:attrName>style.visibility</p:attrName>
+                                        </p:attrNameLst>
+                                      </p:cBhvr>
+                                      <p:to>
+                                        <p:strVal val="visible"/>
+                                      </p:to>
+                                    </p:set>
+                                    <p:animEffect transition="in" filter="fade">
+                                      <p:cBhvr>
+                                        <p:cTn id="57" dur="500"/>
+                                        <p:tgtEl>
+                                          <p:spTgt spid="10">
+                                            <p:txEl>
+                                              <p:pRg st="4" end="4"/>
+                                            </p:txEl>
+                                          </p:spTgt>
+                                        </p:tgtEl>
+                                      </p:cBhvr>
+                                    </p:animEffect>
+                                  </p:childTnLst>
+                                </p:cTn>
+                              </p:par>
+                              <p:par>
+                                <p:cTn id="58" presetID="10" presetClass="entr" presetSubtype="0" fill="hold" nodeType="withEffect">
+                                  <p:stCondLst>
+                                    <p:cond delay="0"/>
+                                  </p:stCondLst>
+                                  <p:childTnLst>
+                                    <p:set>
+                                      <p:cBhvr>
+                                        <p:cTn id="59" dur="1" fill="hold">
+                                          <p:stCondLst>
+                                            <p:cond delay="0"/>
+                                          </p:stCondLst>
+                                        </p:cTn>
+                                        <p:tgtEl>
+                                          <p:spTgt spid="14"/>
+                                        </p:tgtEl>
+                                        <p:attrNameLst>
+                                          <p:attrName>style.visibility</p:attrName>
+                                        </p:attrNameLst>
+                                      </p:cBhvr>
+                                      <p:to>
+                                        <p:strVal val="visible"/>
+                                      </p:to>
+                                    </p:set>
+                                    <p:animEffect transition="in" filter="fade">
+                                      <p:cBhvr>
+                                        <p:cTn id="60" dur="500"/>
+                                        <p:tgtEl>
+                                          <p:spTgt spid="14"/>
+                                        </p:tgtEl>
+                                      </p:cBhvr>
+                                    </p:animEffect>
+                                  </p:childTnLst>
+                                </p:cTn>
+                              </p:par>
+                            </p:childTnLst>
+                          </p:cTn>
+                        </p:par>
+                      </p:childTnLst>
+                    </p:cTn>
+                  </p:par>
+                  <p:par>
+                    <p:cTn id="61" fill="hold">
+                      <p:stCondLst>
+                        <p:cond delay="indefinite"/>
+                      </p:stCondLst>
+                      <p:childTnLst>
+                        <p:par>
+                          <p:cTn id="62" fill="hold">
+                            <p:stCondLst>
+                              <p:cond delay="0"/>
+                            </p:stCondLst>
+                            <p:childTnLst>
+                              <p:par>
+                                <p:cTn id="63" presetID="10" presetClass="entr" presetSubtype="0" fill="hold" grpId="0" nodeType="clickEffect">
+                                  <p:stCondLst>
+                                    <p:cond delay="0"/>
+                                  </p:stCondLst>
+                                  <p:childTnLst>
+                                    <p:set>
+                                      <p:cBhvr>
+                                        <p:cTn id="64" dur="1" fill="hold">
+                                          <p:stCondLst>
+                                            <p:cond delay="0"/>
+                                          </p:stCondLst>
+                                        </p:cTn>
+                                        <p:tgtEl>
+                                          <p:spTgt spid="10">
+                                            <p:txEl>
+                                              <p:pRg st="8" end="8"/>
+                                            </p:txEl>
+                                          </p:spTgt>
+                                        </p:tgtEl>
+                                        <p:attrNameLst>
+                                          <p:attrName>style.visibility</p:attrName>
+                                        </p:attrNameLst>
+                                      </p:cBhvr>
+                                      <p:to>
+                                        <p:strVal val="visible"/>
+                                      </p:to>
+                                    </p:set>
+                                    <p:animEffect transition="in" filter="fade">
+                                      <p:cBhvr>
+                                        <p:cTn id="65" dur="500"/>
+                                        <p:tgtEl>
+                                          <p:spTgt spid="10">
+                                            <p:txEl>
+                                              <p:pRg st="8" end="8"/>
+                                            </p:txEl>
+                                          </p:spTgt>
+                                        </p:tgtEl>
+                                      </p:cBhvr>
+                                    </p:animEffect>
+                                  </p:childTnLst>
+                                </p:cTn>
+                              </p:par>
+                            </p:childTnLst>
+                          </p:cTn>
+                        </p:par>
+                      </p:childTnLst>
+                    </p:cTn>
+                  </p:par>
+                  <p:par>
+                    <p:cTn id="66" fill="hold">
+                      <p:stCondLst>
+                        <p:cond delay="indefinite"/>
+                      </p:stCondLst>
+                      <p:childTnLst>
+                        <p:par>
+                          <p:cTn id="67" fill="hold">
+                            <p:stCondLst>
+                              <p:cond delay="0"/>
+                            </p:stCondLst>
+                            <p:childTnLst>
+                              <p:par>
+                                <p:cTn id="68" presetID="10" presetClass="entr" presetSubtype="0" fill="hold" grpId="0" nodeType="clickEffect">
+                                  <p:stCondLst>
+                                    <p:cond delay="0"/>
+                                  </p:stCondLst>
+                                  <p:childTnLst>
+                                    <p:set>
+                                      <p:cBhvr>
+                                        <p:cTn id="69" dur="1" fill="hold">
+                                          <p:stCondLst>
+                                            <p:cond delay="0"/>
+                                          </p:stCondLst>
+                                        </p:cTn>
+                                        <p:tgtEl>
+                                          <p:spTgt spid="15">
+                                            <p:bg/>
+                                          </p:spTgt>
+                                        </p:tgtEl>
+                                        <p:attrNameLst>
+                                          <p:attrName>style.visibility</p:attrName>
+                                        </p:attrNameLst>
+                                      </p:cBhvr>
+                                      <p:to>
+                                        <p:strVal val="visible"/>
+                                      </p:to>
+                                    </p:set>
+                                    <p:animEffect transition="in" filter="fade">
+                                      <p:cBhvr>
+                                        <p:cTn id="70" dur="500"/>
+                                        <p:tgtEl>
+                                          <p:spTgt spid="15">
+                                            <p:bg/>
+                                          </p:spTgt>
+                                        </p:tgtEl>
+                                      </p:cBhvr>
+                                    </p:animEffect>
+                                  </p:childTnLst>
+                                </p:cTn>
+                              </p:par>
+                              <p:par>
+                                <p:cTn id="71" presetID="10" presetClass="entr" presetSubtype="0" fill="hold" grpId="0" nodeType="withEffect">
+                                  <p:stCondLst>
+                                    <p:cond delay="0"/>
+                                  </p:stCondLst>
+                                  <p:childTnLst>
+                                    <p:set>
+                                      <p:cBhvr>
+                                        <p:cTn id="72" dur="1" fill="hold">
+                                          <p:stCondLst>
+                                            <p:cond delay="0"/>
+                                          </p:stCondLst>
+                                        </p:cTn>
+                                        <p:tgtEl>
+                                          <p:spTgt spid="15">
+                                            <p:txEl>
+                                              <p:pRg st="0" end="0"/>
+                                            </p:txEl>
+                                          </p:spTgt>
+                                        </p:tgtEl>
+                                        <p:attrNameLst>
+                                          <p:attrName>style.visibility</p:attrName>
+                                        </p:attrNameLst>
+                                      </p:cBhvr>
+                                      <p:to>
+                                        <p:strVal val="visible"/>
+                                      </p:to>
+                                    </p:set>
+                                    <p:animEffect transition="in" filter="fade">
+                                      <p:cBhvr>
+                                        <p:cTn id="73" dur="500"/>
+                                        <p:tgtEl>
+                                          <p:spTgt spid="15">
+                                            <p:txEl>
+                                              <p:pRg st="0" end="0"/>
+                                            </p:txEl>
+                                          </p:spTgt>
+                                        </p:tgtEl>
+                                      </p:cBhvr>
+                                    </p:animEffect>
+                                  </p:childTnLst>
+                                </p:cTn>
+                              </p:par>
+                            </p:childTnLst>
+                          </p:cTn>
+                        </p:par>
+                      </p:childTnLst>
+                    </p:cTn>
+                  </p:par>
                 </p:childTnLst>
               </p:cTn>
               <p:prevCondLst>
@@ -27722,6 +29023,9 @@
       <p:bldP spid="26" grpId="0" uiExpand="1" build="p" bldLvl="2"/>
       <p:bldP spid="7" grpId="0" uiExpand="1" build="p"/>
       <p:bldP spid="12" grpId="0" animBg="1"/>
+      <p:bldP spid="10" grpId="0" uiExpand="1" build="p"/>
+      <p:bldP spid="11" grpId="0" animBg="1"/>
+      <p:bldP spid="15" grpId="0" build="p" animBg="1"/>
     </p:bldLst>
   </p:timing>
 </p:sld>
@@ -27761,9 +29065,26 @@
           <a:p>
             <a:r>
               <a:rPr lang="en-US" dirty="0" smtClean="0"/>
-              <a:t>Questions</a:t>
-            </a:r>
-            <a:endParaRPr lang="en-US" dirty="0"/>
+              <a:t>Inversion algorithm for small </a:t>
+            </a:r>
+            <a:r>
+              <a:rPr lang="en-US" i="1" dirty="0" err="1" smtClean="0">
+                <a:latin typeface="Times New Roman"/>
+                <a:cs typeface="Times New Roman"/>
+              </a:rPr>
+              <a:t>d</a:t>
+            </a:r>
+            <a:r>
+              <a:rPr lang="en-US" i="1" baseline="-25000" dirty="0" err="1" smtClean="0">
+                <a:latin typeface="Times New Roman"/>
+                <a:cs typeface="Times New Roman"/>
+              </a:rPr>
+              <a:t>max</a:t>
+            </a:r>
+            <a:endParaRPr lang="en-US" i="1" baseline="-25000" dirty="0">
+              <a:latin typeface="Times New Roman"/>
+              <a:cs typeface="Times New Roman"/>
+            </a:endParaRPr>
           </a:p>
         </p:txBody>
       </p:sp>
@@ -27779,241 +29100,870 @@
         </p:nvSpPr>
         <p:spPr>
           <a:xfrm>
-            <a:off x="475488" y="990600"/>
-            <a:ext cx="8193024" cy="4828032"/>
+            <a:off x="457200" y="1600200"/>
+            <a:ext cx="4126895" cy="4525963"/>
           </a:xfrm>
         </p:spPr>
         <p:txBody>
           <a:bodyPr>
-            <a:normAutofit fontScale="77500" lnSpcReduction="20000"/>
+            <a:normAutofit fontScale="92500"/>
           </a:bodyPr>
           <a:lstStyle/>
           <a:p>
             <a:r>
               <a:rPr lang="en-US" dirty="0" smtClean="0"/>
-              <a:t>What is the distortion of the sampling algorithm?</a:t>
+              <a:t>Select n random dimensions </a:t>
             </a:r>
           </a:p>
           <a:p>
             <a:pPr lvl="1"/>
             <a:r>
               <a:rPr lang="en-US" dirty="0" smtClean="0"/>
-              <a:t>How many bits are needed?  More/less than random bits in </a:t>
-            </a:r>
-            <a:r>
-              <a:rPr lang="en-US" i="1" dirty="0" smtClean="0">
-                <a:latin typeface="Times New Roman"/>
-                <a:cs typeface="Times New Roman"/>
-              </a:rPr>
-              <a:t>x</a:t>
-            </a:r>
+              <a:t>(hopefully, no errors in these dimensions)</a:t>
+            </a:r>
+          </a:p>
+          <a:p>
             <a:r>
               <a:rPr lang="en-US" dirty="0" smtClean="0"/>
-              <a:t>?</a:t>
-            </a:r>
-          </a:p>
-          <a:p>
-            <a:pPr marL="0" indent="0">
-              <a:buNone/>
-            </a:pPr>
-            <a:endParaRPr lang="en-US" dirty="0" smtClean="0"/>
+              <a:t>Try to compute x using Gaussian elimination on these dimensions</a:t>
+            </a:r>
           </a:p>
           <a:p>
             <a:r>
               <a:rPr lang="en-US" dirty="0" smtClean="0"/>
-              <a:t>Is LWE hard if the randomness for e is drawn from a high entropy (non</a:t>
-            </a:r>
-            <a:r>
-              <a:rPr lang="en-US" dirty="0"/>
-              <a:t>-</a:t>
-            </a:r>
-            <a:r>
-              <a:rPr lang="en-US" dirty="0" smtClean="0"/>
-              <a:t>uniform) distribution</a:t>
-            </a:r>
-          </a:p>
-          <a:p>
-            <a:pPr lvl="1"/>
-            <a:r>
-              <a:rPr lang="en-US" dirty="0" smtClean="0"/>
-              <a:t>True if </a:t>
-            </a:r>
-            <a:r>
-              <a:rPr lang="en-US" i="1" dirty="0" smtClean="0">
-                <a:latin typeface="Times New Roman"/>
-                <a:cs typeface="Times New Roman"/>
-              </a:rPr>
-              <a:t>x</a:t>
-            </a:r>
-            <a:r>
-              <a:rPr lang="en-US" dirty="0" smtClean="0"/>
-              <a:t> is drawn from a high entropy distribution</a:t>
-            </a:r>
-            <a:r>
-              <a:rPr lang="en-US" baseline="30000" dirty="0" smtClean="0"/>
-              <a:t>4</a:t>
-            </a:r>
-            <a:r>
-              <a:rPr lang="en-US" baseline="30000" dirty="0"/>
-              <a:t/>
-            </a:r>
-            <a:br>
-              <a:rPr lang="en-US" baseline="30000" dirty="0"/>
-            </a:br>
-            <a:endParaRPr lang="en-US" dirty="0" smtClean="0"/>
-          </a:p>
-          <a:p>
-            <a:r>
-              <a:rPr lang="en-US" dirty="0" smtClean="0"/>
-              <a:t>Can we properly set parameters so that the LWE inversion algorithm is practical?</a:t>
-            </a:r>
-          </a:p>
-          <a:p>
-            <a:pPr lvl="1"/>
-            <a:r>
-              <a:rPr lang="en-US" dirty="0" smtClean="0"/>
-              <a:t>We are trying to find the closest vector in a lattice (known as CVP)</a:t>
-            </a:r>
-          </a:p>
-          <a:p>
-            <a:endParaRPr lang="en-US" dirty="0" smtClean="0"/>
-          </a:p>
-          <a:p>
-            <a:r>
-              <a:rPr lang="en-US" dirty="0" smtClean="0"/>
-              <a:t>Can this primitive be used directly as a stand in for a secure sketch?</a:t>
+              <a:t>Verify correctness of x using other samples</a:t>
             </a:r>
             <a:endParaRPr lang="en-US" dirty="0"/>
           </a:p>
         </p:txBody>
       </p:sp>
-      <p:graphicFrame>
-        <p:nvGraphicFramePr>
-          <p:cNvPr id="4" name="Object 3"/>
-          <p:cNvGraphicFramePr>
-            <a:graphicFrameLocks noChangeAspect="1"/>
-          </p:cNvGraphicFramePr>
-          <p:nvPr>
-            <p:extLst>
-              <p:ext uri="{D42A27DB-BD31-4B8C-83A1-F6EECF244321}">
-                <p14:modId xmlns:p14="http://schemas.microsoft.com/office/powerpoint/2010/main" val="483620731"/>
-              </p:ext>
-            </p:extLst>
-          </p:nvPr>
-        </p:nvGraphicFramePr>
-        <p:xfrm>
-          <a:off x="1066800" y="1720850"/>
-          <a:ext cx="5632824" cy="412750"/>
-        </p:xfrm>
-        <a:graphic>
-          <a:graphicData uri="http://schemas.openxmlformats.org/presentationml/2006/ole">
-            <mc:AlternateContent xmlns:mc="http://schemas.openxmlformats.org/markup-compatibility/2006">
-              <mc:Choice xmlns:v="urn:schemas-microsoft-com:vml" Requires="v">
-                <p:oleObj spid="_x0000_s4111" name="Equation" r:id="rId3" imgW="2946400" imgH="215900" progId="Equation.3">
-                  <p:embed/>
-                </p:oleObj>
-              </mc:Choice>
-              <mc:Fallback>
-                <p:oleObj name="Equation" r:id="rId3" imgW="2946400" imgH="215900" progId="Equation.3">
-                  <p:embed/>
-                  <p:pic>
-                    <p:nvPicPr>
-                      <p:cNvPr id="0" name=""/>
-                      <p:cNvPicPr/>
-                      <p:nvPr/>
-                    </p:nvPicPr>
-                    <p:blipFill>
-                      <a:blip r:embed="rId4"/>
-                      <a:stretch>
-                        <a:fillRect/>
-                      </a:stretch>
-                    </p:blipFill>
-                    <p:spPr>
-                      <a:xfrm>
-                        <a:off x="1066800" y="1720850"/>
-                        <a:ext cx="5632824" cy="412750"/>
-                      </a:xfrm>
-                      <a:prstGeom prst="rect">
-                        <a:avLst/>
-                      </a:prstGeom>
-                    </p:spPr>
-                  </p:pic>
-                </p:oleObj>
-              </mc:Fallback>
-            </mc:AlternateContent>
-          </a:graphicData>
-        </a:graphic>
-      </p:graphicFrame>
       <p:sp>
         <p:nvSpPr>
-          <p:cNvPr id="5" name="TextBox 4"/>
-          <p:cNvSpPr txBox="1"/>
+          <p:cNvPr id="4" name="Rectangle 3"/>
+          <p:cNvSpPr/>
           <p:nvPr/>
         </p:nvSpPr>
-        <p:spPr>
+        <p:spPr bwMode="auto">
           <a:xfrm>
-            <a:off x="76200" y="5562600"/>
-            <a:ext cx="3505200" cy="553998"/>
+            <a:off x="4584095" y="1600200"/>
+            <a:ext cx="1752600" cy="3048000"/>
           </a:xfrm>
           <a:prstGeom prst="rect">
             <a:avLst/>
           </a:prstGeom>
-          <a:noFill/>
+          <a:solidFill>
+            <a:schemeClr val="accent5"/>
+          </a:solidFill>
+          <a:ln w="12700" cap="flat" cmpd="sng" algn="ctr">
+            <a:solidFill>
+              <a:schemeClr val="tx1"/>
+            </a:solidFill>
+            <a:prstDash val="solid"/>
+            <a:round/>
+            <a:headEnd type="none" w="sm" len="sm"/>
+            <a:tailEnd type="none" w="sm" len="sm"/>
+          </a:ln>
+          <a:effectLst/>
         </p:spPr>
         <p:txBody>
-          <a:bodyPr wrap="square" rtlCol="0">
-            <a:spAutoFit/>
+          <a:bodyPr vert="horz" wrap="square" lIns="91440" tIns="45720" rIns="91440" bIns="45720" numCol="1" rtlCol="0" anchor="ctr" anchorCtr="0" compatLnSpc="1">
+            <a:prstTxWarp prst="textNoShape">
+              <a:avLst/>
+            </a:prstTxWarp>
           </a:bodyPr>
           <a:lstStyle/>
           <a:p>
-            <a:r>
-              <a:rPr lang="en-US" sz="1000" baseline="30000" dirty="0" smtClean="0"/>
-              <a:t>4</a:t>
-            </a:r>
-            <a:r>
-              <a:rPr lang="en-US" sz="1000" dirty="0" smtClean="0"/>
-              <a:t>S. </a:t>
-            </a:r>
-            <a:r>
-              <a:rPr lang="en-US" sz="1000" dirty="0" err="1" smtClean="0"/>
-              <a:t>Goldwasser</a:t>
-            </a:r>
-            <a:r>
-              <a:rPr lang="en-US" sz="1000" dirty="0" smtClean="0"/>
-              <a:t>, Y. </a:t>
-            </a:r>
-            <a:r>
-              <a:rPr lang="en-US" sz="1000" dirty="0" err="1" smtClean="0"/>
-              <a:t>Kalai</a:t>
-            </a:r>
-            <a:r>
-              <a:rPr lang="en-US" sz="1000" dirty="0" smtClean="0"/>
-              <a:t>, C. </a:t>
-            </a:r>
-            <a:r>
-              <a:rPr lang="en-US" sz="1000" dirty="0" err="1" smtClean="0"/>
-              <a:t>Peikert</a:t>
-            </a:r>
-            <a:r>
-              <a:rPr lang="en-US" sz="1000" dirty="0" smtClean="0"/>
-              <a:t>, V. </a:t>
-            </a:r>
-            <a:r>
-              <a:rPr lang="en-US" sz="1000" dirty="0" err="1" smtClean="0"/>
-              <a:t>Vaikuntanathan</a:t>
-            </a:r>
-            <a:r>
-              <a:rPr lang="en-US" sz="1000" dirty="0" smtClean="0"/>
-              <a:t>, “Robustness of the Learning with Errors Assumption”. ICS 2010, 230-240.</a:t>
-            </a:r>
-            <a:endParaRPr lang="en-US" sz="1000" dirty="0"/>
+            <a:pPr marL="0" marR="0" indent="0" algn="ctr" defTabSz="914400" rtl="0" eaLnBrk="0" fontAlgn="base" latinLnBrk="0" hangingPunct="0">
+              <a:lnSpc>
+                <a:spcPct val="100000"/>
+              </a:lnSpc>
+              <a:spcBef>
+                <a:spcPct val="0"/>
+              </a:spcBef>
+              <a:spcAft>
+                <a:spcPct val="0"/>
+              </a:spcAft>
+              <a:buClrTx/>
+              <a:buSzTx/>
+              <a:buFontTx/>
+              <a:buNone/>
+              <a:tabLst/>
+            </a:pPr>
+            <a:r>
+              <a:rPr kumimoji="0" lang="en-US" sz="3600" b="1" i="1" u="none" strike="noStrike" cap="none" normalizeH="0" baseline="0" dirty="0" smtClean="0">
+                <a:ln>
+                  <a:noFill/>
+                </a:ln>
+                <a:solidFill>
+                  <a:schemeClr val="tx1"/>
+                </a:solidFill>
+                <a:effectLst/>
+                <a:latin typeface="Times New Roman"/>
+                <a:cs typeface="Times New Roman"/>
+              </a:rPr>
+              <a:t>A</a:t>
+            </a:r>
+          </a:p>
+        </p:txBody>
+      </p:sp>
+      <p:sp>
+        <p:nvSpPr>
+          <p:cNvPr id="6" name="Rectangle 5"/>
+          <p:cNvSpPr/>
+          <p:nvPr/>
+        </p:nvSpPr>
+        <p:spPr bwMode="auto">
+          <a:xfrm>
+            <a:off x="7381459" y="1600200"/>
+            <a:ext cx="1411779" cy="3048000"/>
+          </a:xfrm>
+          <a:prstGeom prst="rect">
+            <a:avLst/>
+          </a:prstGeom>
+          <a:solidFill>
+            <a:schemeClr val="accent5"/>
+          </a:solidFill>
+          <a:ln w="12700" cap="flat" cmpd="sng" algn="ctr">
+            <a:solidFill>
+              <a:schemeClr val="tx1"/>
+            </a:solidFill>
+            <a:prstDash val="solid"/>
+            <a:round/>
+            <a:headEnd type="none" w="sm" len="sm"/>
+            <a:tailEnd type="none" w="sm" len="sm"/>
+          </a:ln>
+          <a:effectLst/>
+        </p:spPr>
+        <p:txBody>
+          <a:bodyPr vert="horz" wrap="square" lIns="91440" tIns="45720" rIns="91440" bIns="45720" numCol="1" rtlCol="0" anchor="ctr" anchorCtr="0" compatLnSpc="1">
+            <a:prstTxWarp prst="textNoShape">
+              <a:avLst/>
+            </a:prstTxWarp>
+          </a:bodyPr>
+          <a:lstStyle/>
+          <a:p>
+            <a:pPr marL="0" marR="0" indent="0" algn="ctr" defTabSz="914400" rtl="0" eaLnBrk="0" fontAlgn="base" latinLnBrk="0" hangingPunct="0">
+              <a:lnSpc>
+                <a:spcPct val="100000"/>
+              </a:lnSpc>
+              <a:spcBef>
+                <a:spcPct val="0"/>
+              </a:spcBef>
+              <a:spcAft>
+                <a:spcPct val="0"/>
+              </a:spcAft>
+              <a:buClrTx/>
+              <a:buSzTx/>
+              <a:buFontTx/>
+              <a:buNone/>
+              <a:tabLst/>
+            </a:pPr>
+            <a:r>
+              <a:rPr kumimoji="0" lang="en-US" sz="3600" b="1" i="1" u="none" strike="noStrike" cap="none" normalizeH="0" baseline="0" dirty="0" smtClean="0">
+                <a:ln>
+                  <a:noFill/>
+                </a:ln>
+                <a:solidFill>
+                  <a:schemeClr val="tx1"/>
+                </a:solidFill>
+                <a:effectLst/>
+                <a:latin typeface="Times New Roman"/>
+                <a:cs typeface="Times New Roman"/>
+              </a:rPr>
+              <a:t>C</a:t>
+            </a:r>
+            <a:r>
+              <a:rPr kumimoji="0" lang="en-US" sz="3600" b="1" u="none" strike="noStrike" cap="none" normalizeH="0" baseline="0" dirty="0" smtClean="0">
+                <a:ln>
+                  <a:noFill/>
+                </a:ln>
+                <a:solidFill>
+                  <a:schemeClr val="tx1"/>
+                </a:solidFill>
+                <a:effectLst/>
+                <a:latin typeface="Times New Roman"/>
+                <a:cs typeface="Times New Roman"/>
+              </a:rPr>
+              <a:t>-</a:t>
+            </a:r>
+            <a:r>
+              <a:rPr kumimoji="0" lang="en-US" sz="3600" b="1" i="1" u="none" strike="noStrike" cap="none" normalizeH="0" baseline="0" dirty="0" smtClean="0">
+                <a:ln>
+                  <a:noFill/>
+                </a:ln>
+                <a:solidFill>
+                  <a:schemeClr val="tx1"/>
+                </a:solidFill>
+                <a:effectLst/>
+                <a:latin typeface="Times New Roman"/>
+                <a:cs typeface="Times New Roman"/>
+              </a:rPr>
+              <a:t>w</a:t>
+            </a:r>
+            <a:r>
+              <a:rPr kumimoji="0" lang="en-US" sz="3600" b="1" u="none" strike="noStrike" cap="none" normalizeH="0" baseline="-25000" dirty="0" smtClean="0">
+                <a:ln>
+                  <a:noFill/>
+                </a:ln>
+                <a:solidFill>
+                  <a:schemeClr val="tx1"/>
+                </a:solidFill>
+                <a:effectLst/>
+                <a:latin typeface="Times New Roman"/>
+                <a:cs typeface="Times New Roman"/>
+              </a:rPr>
+              <a:t>1</a:t>
+            </a:r>
+            <a:endParaRPr kumimoji="0" lang="en-US" sz="3600" b="1" u="none" strike="noStrike" cap="none" normalizeH="0" baseline="-25000" dirty="0" smtClean="0">
+              <a:ln>
+                <a:noFill/>
+              </a:ln>
+              <a:solidFill>
+                <a:schemeClr val="tx1"/>
+              </a:solidFill>
+              <a:effectLst/>
+              <a:latin typeface="Times New Roman"/>
+              <a:cs typeface="Times New Roman"/>
+            </a:endParaRPr>
+          </a:p>
+        </p:txBody>
+      </p:sp>
+      <p:sp>
+        <p:nvSpPr>
+          <p:cNvPr id="5" name="Rectangle 4"/>
+          <p:cNvSpPr/>
+          <p:nvPr/>
+        </p:nvSpPr>
+        <p:spPr bwMode="auto">
+          <a:xfrm>
+            <a:off x="7381458" y="1600200"/>
+            <a:ext cx="1411779" cy="245533"/>
+          </a:xfrm>
+          <a:prstGeom prst="rect">
+            <a:avLst/>
+          </a:prstGeom>
+          <a:solidFill>
+            <a:srgbClr val="0000FF"/>
+          </a:solidFill>
+          <a:ln w="12700" cap="flat" cmpd="sng" algn="ctr">
+            <a:solidFill>
+              <a:schemeClr val="tx1"/>
+            </a:solidFill>
+            <a:prstDash val="solid"/>
+            <a:round/>
+            <a:headEnd type="none" w="sm" len="sm"/>
+            <a:tailEnd type="none" w="sm" len="sm"/>
+          </a:ln>
+          <a:effectLst/>
+        </p:spPr>
+        <p:txBody>
+          <a:bodyPr vert="horz" wrap="square" lIns="91440" tIns="45720" rIns="91440" bIns="45720" numCol="1" rtlCol="0" anchor="ctr" anchorCtr="0" compatLnSpc="1">
+            <a:prstTxWarp prst="textNoShape">
+              <a:avLst/>
+            </a:prstTxWarp>
+          </a:bodyPr>
+          <a:lstStyle/>
+          <a:p>
+            <a:pPr marL="0" marR="0" indent="0" algn="ctr" defTabSz="914400" rtl="0" eaLnBrk="0" fontAlgn="base" latinLnBrk="0" hangingPunct="0">
+              <a:lnSpc>
+                <a:spcPct val="100000"/>
+              </a:lnSpc>
+              <a:spcBef>
+                <a:spcPct val="0"/>
+              </a:spcBef>
+              <a:spcAft>
+                <a:spcPct val="0"/>
+              </a:spcAft>
+              <a:buClrTx/>
+              <a:buSzTx/>
+              <a:buFontTx/>
+              <a:buNone/>
+              <a:tabLst/>
+            </a:pPr>
+            <a:endParaRPr kumimoji="0" lang="en-US" sz="3600" b="1" u="none" strike="noStrike" cap="none" normalizeH="0" baseline="-25000" dirty="0" smtClean="0">
+              <a:ln>
+                <a:noFill/>
+              </a:ln>
+              <a:solidFill>
+                <a:schemeClr val="tx1"/>
+              </a:solidFill>
+              <a:effectLst/>
+              <a:latin typeface="Times New Roman"/>
+              <a:cs typeface="Times New Roman"/>
+            </a:endParaRPr>
+          </a:p>
+        </p:txBody>
+      </p:sp>
+      <p:sp>
+        <p:nvSpPr>
+          <p:cNvPr id="7" name="Rectangle 6"/>
+          <p:cNvSpPr/>
+          <p:nvPr/>
+        </p:nvSpPr>
+        <p:spPr bwMode="auto">
+          <a:xfrm>
+            <a:off x="7381458" y="2393647"/>
+            <a:ext cx="1411779" cy="245533"/>
+          </a:xfrm>
+          <a:prstGeom prst="rect">
+            <a:avLst/>
+          </a:prstGeom>
+          <a:solidFill>
+            <a:srgbClr val="0000FF"/>
+          </a:solidFill>
+          <a:ln w="12700" cap="flat" cmpd="sng" algn="ctr">
+            <a:solidFill>
+              <a:schemeClr val="tx1"/>
+            </a:solidFill>
+            <a:prstDash val="solid"/>
+            <a:round/>
+            <a:headEnd type="none" w="sm" len="sm"/>
+            <a:tailEnd type="none" w="sm" len="sm"/>
+          </a:ln>
+          <a:effectLst/>
+        </p:spPr>
+        <p:txBody>
+          <a:bodyPr vert="horz" wrap="square" lIns="91440" tIns="45720" rIns="91440" bIns="45720" numCol="1" rtlCol="0" anchor="ctr" anchorCtr="0" compatLnSpc="1">
+            <a:prstTxWarp prst="textNoShape">
+              <a:avLst/>
+            </a:prstTxWarp>
+          </a:bodyPr>
+          <a:lstStyle/>
+          <a:p>
+            <a:pPr marL="0" marR="0" indent="0" algn="ctr" defTabSz="914400" rtl="0" eaLnBrk="0" fontAlgn="base" latinLnBrk="0" hangingPunct="0">
+              <a:lnSpc>
+                <a:spcPct val="100000"/>
+              </a:lnSpc>
+              <a:spcBef>
+                <a:spcPct val="0"/>
+              </a:spcBef>
+              <a:spcAft>
+                <a:spcPct val="0"/>
+              </a:spcAft>
+              <a:buClrTx/>
+              <a:buSzTx/>
+              <a:buFontTx/>
+              <a:buNone/>
+              <a:tabLst/>
+            </a:pPr>
+            <a:endParaRPr kumimoji="0" lang="en-US" sz="3600" b="1" u="none" strike="noStrike" cap="none" normalizeH="0" baseline="-25000" dirty="0" smtClean="0">
+              <a:ln>
+                <a:noFill/>
+              </a:ln>
+              <a:solidFill>
+                <a:schemeClr val="tx1"/>
+              </a:solidFill>
+              <a:effectLst/>
+              <a:latin typeface="Times New Roman"/>
+              <a:cs typeface="Times New Roman"/>
+            </a:endParaRPr>
+          </a:p>
+        </p:txBody>
+      </p:sp>
+      <p:sp>
+        <p:nvSpPr>
+          <p:cNvPr id="8" name="Rectangle 7"/>
+          <p:cNvSpPr/>
+          <p:nvPr/>
+        </p:nvSpPr>
+        <p:spPr bwMode="auto">
+          <a:xfrm>
+            <a:off x="7381459" y="3574142"/>
+            <a:ext cx="1411779" cy="245533"/>
+          </a:xfrm>
+          <a:prstGeom prst="rect">
+            <a:avLst/>
+          </a:prstGeom>
+          <a:solidFill>
+            <a:srgbClr val="0000FF"/>
+          </a:solidFill>
+          <a:ln w="12700" cap="flat" cmpd="sng" algn="ctr">
+            <a:solidFill>
+              <a:schemeClr val="tx1"/>
+            </a:solidFill>
+            <a:prstDash val="solid"/>
+            <a:round/>
+            <a:headEnd type="none" w="sm" len="sm"/>
+            <a:tailEnd type="none" w="sm" len="sm"/>
+          </a:ln>
+          <a:effectLst/>
+        </p:spPr>
+        <p:txBody>
+          <a:bodyPr vert="horz" wrap="square" lIns="91440" tIns="45720" rIns="91440" bIns="45720" numCol="1" rtlCol="0" anchor="ctr" anchorCtr="0" compatLnSpc="1">
+            <a:prstTxWarp prst="textNoShape">
+              <a:avLst/>
+            </a:prstTxWarp>
+          </a:bodyPr>
+          <a:lstStyle/>
+          <a:p>
+            <a:pPr marL="0" marR="0" indent="0" algn="ctr" defTabSz="914400" rtl="0" eaLnBrk="0" fontAlgn="base" latinLnBrk="0" hangingPunct="0">
+              <a:lnSpc>
+                <a:spcPct val="100000"/>
+              </a:lnSpc>
+              <a:spcBef>
+                <a:spcPct val="0"/>
+              </a:spcBef>
+              <a:spcAft>
+                <a:spcPct val="0"/>
+              </a:spcAft>
+              <a:buClrTx/>
+              <a:buSzTx/>
+              <a:buFontTx/>
+              <a:buNone/>
+              <a:tabLst/>
+            </a:pPr>
+            <a:endParaRPr kumimoji="0" lang="en-US" sz="3600" b="1" u="none" strike="noStrike" cap="none" normalizeH="0" baseline="-25000" dirty="0" smtClean="0">
+              <a:ln>
+                <a:noFill/>
+              </a:ln>
+              <a:solidFill>
+                <a:schemeClr val="tx1"/>
+              </a:solidFill>
+              <a:effectLst/>
+              <a:latin typeface="Times New Roman"/>
+              <a:cs typeface="Times New Roman"/>
+            </a:endParaRPr>
+          </a:p>
+        </p:txBody>
+      </p:sp>
+      <p:sp>
+        <p:nvSpPr>
+          <p:cNvPr id="9" name="Rectangle 8"/>
+          <p:cNvSpPr/>
+          <p:nvPr/>
+        </p:nvSpPr>
+        <p:spPr bwMode="auto">
+          <a:xfrm>
+            <a:off x="7381459" y="4402667"/>
+            <a:ext cx="1411779" cy="245533"/>
+          </a:xfrm>
+          <a:prstGeom prst="rect">
+            <a:avLst/>
+          </a:prstGeom>
+          <a:solidFill>
+            <a:srgbClr val="0000FF"/>
+          </a:solidFill>
+          <a:ln w="12700" cap="flat" cmpd="sng" algn="ctr">
+            <a:solidFill>
+              <a:schemeClr val="tx1"/>
+            </a:solidFill>
+            <a:prstDash val="solid"/>
+            <a:round/>
+            <a:headEnd type="none" w="sm" len="sm"/>
+            <a:tailEnd type="none" w="sm" len="sm"/>
+          </a:ln>
+          <a:effectLst/>
+        </p:spPr>
+        <p:txBody>
+          <a:bodyPr vert="horz" wrap="square" lIns="91440" tIns="45720" rIns="91440" bIns="45720" numCol="1" rtlCol="0" anchor="ctr" anchorCtr="0" compatLnSpc="1">
+            <a:prstTxWarp prst="textNoShape">
+              <a:avLst/>
+            </a:prstTxWarp>
+          </a:bodyPr>
+          <a:lstStyle/>
+          <a:p>
+            <a:pPr marL="0" marR="0" indent="0" algn="ctr" defTabSz="914400" rtl="0" eaLnBrk="0" fontAlgn="base" latinLnBrk="0" hangingPunct="0">
+              <a:lnSpc>
+                <a:spcPct val="100000"/>
+              </a:lnSpc>
+              <a:spcBef>
+                <a:spcPct val="0"/>
+              </a:spcBef>
+              <a:spcAft>
+                <a:spcPct val="0"/>
+              </a:spcAft>
+              <a:buClrTx/>
+              <a:buSzTx/>
+              <a:buFontTx/>
+              <a:buNone/>
+              <a:tabLst/>
+            </a:pPr>
+            <a:endParaRPr kumimoji="0" lang="en-US" sz="3600" b="1" u="none" strike="noStrike" cap="none" normalizeH="0" baseline="-25000" dirty="0" smtClean="0">
+              <a:ln>
+                <a:noFill/>
+              </a:ln>
+              <a:solidFill>
+                <a:schemeClr val="tx1"/>
+              </a:solidFill>
+              <a:effectLst/>
+              <a:latin typeface="Times New Roman"/>
+              <a:cs typeface="Times New Roman"/>
+            </a:endParaRPr>
+          </a:p>
+        </p:txBody>
+      </p:sp>
+      <p:cxnSp>
+        <p:nvCxnSpPr>
+          <p:cNvPr id="10" name="Straight Arrow Connector 9"/>
+          <p:cNvCxnSpPr/>
+          <p:nvPr/>
+        </p:nvCxnSpPr>
+        <p:spPr>
+          <a:xfrm>
+            <a:off x="6923434" y="1990711"/>
+            <a:ext cx="458024" cy="0"/>
+          </a:xfrm>
+          <a:prstGeom prst="straightConnector1">
+            <a:avLst/>
+          </a:prstGeom>
+          <a:ln>
+            <a:solidFill>
+              <a:schemeClr val="tx1"/>
+            </a:solidFill>
+            <a:tailEnd type="arrow"/>
+          </a:ln>
+        </p:spPr>
+        <p:style>
+          <a:lnRef idx="2">
+            <a:schemeClr val="accent1"/>
+          </a:lnRef>
+          <a:fillRef idx="0">
+            <a:schemeClr val="accent1"/>
+          </a:fillRef>
+          <a:effectRef idx="1">
+            <a:schemeClr val="accent1"/>
+          </a:effectRef>
+          <a:fontRef idx="minor">
+            <a:schemeClr val="tx1"/>
+          </a:fontRef>
+        </p:style>
+      </p:cxnSp>
+      <p:cxnSp>
+        <p:nvCxnSpPr>
+          <p:cNvPr id="11" name="Straight Arrow Connector 10"/>
+          <p:cNvCxnSpPr/>
+          <p:nvPr/>
+        </p:nvCxnSpPr>
+        <p:spPr>
+          <a:xfrm>
+            <a:off x="6923435" y="2808349"/>
+            <a:ext cx="458024" cy="0"/>
+          </a:xfrm>
+          <a:prstGeom prst="straightConnector1">
+            <a:avLst/>
+          </a:prstGeom>
+          <a:ln>
+            <a:solidFill>
+              <a:schemeClr val="tx1"/>
+            </a:solidFill>
+            <a:tailEnd type="arrow"/>
+          </a:ln>
+        </p:spPr>
+        <p:style>
+          <a:lnRef idx="2">
+            <a:schemeClr val="accent1"/>
+          </a:lnRef>
+          <a:fillRef idx="0">
+            <a:schemeClr val="accent1"/>
+          </a:fillRef>
+          <a:effectRef idx="1">
+            <a:schemeClr val="accent1"/>
+          </a:effectRef>
+          <a:fontRef idx="minor">
+            <a:schemeClr val="tx1"/>
+          </a:fontRef>
+        </p:style>
+      </p:cxnSp>
+      <p:cxnSp>
+        <p:nvCxnSpPr>
+          <p:cNvPr id="12" name="Straight Arrow Connector 11"/>
+          <p:cNvCxnSpPr/>
+          <p:nvPr/>
+        </p:nvCxnSpPr>
+        <p:spPr>
+          <a:xfrm>
+            <a:off x="6923435" y="3275226"/>
+            <a:ext cx="458024" cy="0"/>
+          </a:xfrm>
+          <a:prstGeom prst="straightConnector1">
+            <a:avLst/>
+          </a:prstGeom>
+          <a:ln>
+            <a:solidFill>
+              <a:schemeClr val="tx1"/>
+            </a:solidFill>
+            <a:tailEnd type="arrow"/>
+          </a:ln>
+        </p:spPr>
+        <p:style>
+          <a:lnRef idx="2">
+            <a:schemeClr val="accent1"/>
+          </a:lnRef>
+          <a:fillRef idx="0">
+            <a:schemeClr val="accent1"/>
+          </a:fillRef>
+          <a:effectRef idx="1">
+            <a:schemeClr val="accent1"/>
+          </a:effectRef>
+          <a:fontRef idx="minor">
+            <a:schemeClr val="tx1"/>
+          </a:fontRef>
+        </p:style>
+      </p:cxnSp>
+      <p:cxnSp>
+        <p:nvCxnSpPr>
+          <p:cNvPr id="13" name="Straight Arrow Connector 12"/>
+          <p:cNvCxnSpPr/>
+          <p:nvPr/>
+        </p:nvCxnSpPr>
+        <p:spPr>
+          <a:xfrm>
+            <a:off x="6923435" y="3947721"/>
+            <a:ext cx="458024" cy="0"/>
+          </a:xfrm>
+          <a:prstGeom prst="straightConnector1">
+            <a:avLst/>
+          </a:prstGeom>
+          <a:ln>
+            <a:solidFill>
+              <a:schemeClr val="tx1"/>
+            </a:solidFill>
+            <a:tailEnd type="arrow"/>
+          </a:ln>
+        </p:spPr>
+        <p:style>
+          <a:lnRef idx="2">
+            <a:schemeClr val="accent1"/>
+          </a:lnRef>
+          <a:fillRef idx="0">
+            <a:schemeClr val="accent1"/>
+          </a:fillRef>
+          <a:effectRef idx="1">
+            <a:schemeClr val="accent1"/>
+          </a:effectRef>
+          <a:fontRef idx="minor">
+            <a:schemeClr val="tx1"/>
+          </a:fontRef>
+        </p:style>
+      </p:cxnSp>
+      <p:cxnSp>
+        <p:nvCxnSpPr>
+          <p:cNvPr id="14" name="Straight Arrow Connector 13"/>
+          <p:cNvCxnSpPr/>
+          <p:nvPr/>
+        </p:nvCxnSpPr>
+        <p:spPr>
+          <a:xfrm>
+            <a:off x="6923435" y="4124311"/>
+            <a:ext cx="458024" cy="0"/>
+          </a:xfrm>
+          <a:prstGeom prst="straightConnector1">
+            <a:avLst/>
+          </a:prstGeom>
+          <a:ln>
+            <a:solidFill>
+              <a:schemeClr val="tx1"/>
+            </a:solidFill>
+            <a:tailEnd type="arrow"/>
+          </a:ln>
+        </p:spPr>
+        <p:style>
+          <a:lnRef idx="2">
+            <a:schemeClr val="accent1"/>
+          </a:lnRef>
+          <a:fillRef idx="0">
+            <a:schemeClr val="accent1"/>
+          </a:fillRef>
+          <a:effectRef idx="1">
+            <a:schemeClr val="accent1"/>
+          </a:effectRef>
+          <a:fontRef idx="minor">
+            <a:schemeClr val="tx1"/>
+          </a:fontRef>
+        </p:style>
+      </p:cxnSp>
+      <p:cxnSp>
+        <p:nvCxnSpPr>
+          <p:cNvPr id="15" name="Straight Arrow Connector 14"/>
+          <p:cNvCxnSpPr/>
+          <p:nvPr/>
+        </p:nvCxnSpPr>
+        <p:spPr>
+          <a:xfrm>
+            <a:off x="6923435" y="4276711"/>
+            <a:ext cx="458024" cy="0"/>
+          </a:xfrm>
+          <a:prstGeom prst="straightConnector1">
+            <a:avLst/>
+          </a:prstGeom>
+          <a:ln>
+            <a:solidFill>
+              <a:schemeClr val="tx1"/>
+            </a:solidFill>
+            <a:tailEnd type="arrow"/>
+          </a:ln>
+        </p:spPr>
+        <p:style>
+          <a:lnRef idx="2">
+            <a:schemeClr val="accent1"/>
+          </a:lnRef>
+          <a:fillRef idx="0">
+            <a:schemeClr val="accent1"/>
+          </a:fillRef>
+          <a:effectRef idx="1">
+            <a:schemeClr val="accent1"/>
+          </a:effectRef>
+          <a:fontRef idx="minor">
+            <a:schemeClr val="tx1"/>
+          </a:fontRef>
+        </p:style>
+      </p:cxnSp>
+      <p:sp>
+        <p:nvSpPr>
+          <p:cNvPr id="17" name="Rectangle 36"/>
+          <p:cNvSpPr>
+            <a:spLocks noChangeArrowheads="1"/>
+          </p:cNvSpPr>
+          <p:nvPr/>
+        </p:nvSpPr>
+        <p:spPr bwMode="auto">
+          <a:xfrm>
+            <a:off x="4584095" y="5114681"/>
+            <a:ext cx="4444159" cy="1029700"/>
+          </a:xfrm>
+          <a:prstGeom prst="roundRect">
+            <a:avLst>
+              <a:gd name="adj" fmla="val 16667"/>
+            </a:avLst>
+          </a:prstGeom>
+          <a:ln>
+            <a:headEnd/>
+            <a:tailEnd/>
+          </a:ln>
+        </p:spPr>
+        <p:style>
+          <a:lnRef idx="1">
+            <a:schemeClr val="accent1"/>
+          </a:lnRef>
+          <a:fillRef idx="2">
+            <a:schemeClr val="accent1"/>
+          </a:fillRef>
+          <a:effectRef idx="1">
+            <a:schemeClr val="accent1"/>
+          </a:effectRef>
+          <a:fontRef idx="minor">
+            <a:schemeClr val="dk1"/>
+          </a:fontRef>
+        </p:style>
+        <p:txBody>
+          <a:bodyPr lIns="45720" rIns="45720" anchor="ctr" anchorCtr="1"/>
+          <a:lstStyle/>
+          <a:p>
+            <a:pPr lvl="1"/>
+            <a:r>
+              <a:rPr lang="en-US" dirty="0" smtClean="0">
+                <a:solidFill>
+                  <a:srgbClr val="000000"/>
+                </a:solidFill>
+                <a:latin typeface="Calibri"/>
+                <a:cs typeface="Calibri"/>
+              </a:rPr>
+              <a:t>This algorithm runs in expected polynomial time if </a:t>
+            </a:r>
+            <a:r>
+              <a:rPr lang="en-US" i="1" dirty="0" err="1" smtClean="0">
+                <a:solidFill>
+                  <a:srgbClr val="000000"/>
+                </a:solidFill>
+                <a:latin typeface="Times New Roman"/>
+                <a:cs typeface="Times New Roman"/>
+              </a:rPr>
+              <a:t>d</a:t>
+            </a:r>
+            <a:r>
+              <a:rPr lang="en-US" i="1" baseline="-25000" dirty="0" err="1" smtClean="0">
+                <a:solidFill>
+                  <a:srgbClr val="000000"/>
+                </a:solidFill>
+                <a:latin typeface="Times New Roman"/>
+                <a:cs typeface="Times New Roman"/>
+              </a:rPr>
+              <a:t>max</a:t>
+            </a:r>
+            <a:r>
+              <a:rPr lang="en-US" dirty="0" smtClean="0">
+                <a:solidFill>
+                  <a:srgbClr val="000000"/>
+                </a:solidFill>
+                <a:latin typeface="Times New Roman"/>
+                <a:cs typeface="Times New Roman"/>
+              </a:rPr>
+              <a:t> = </a:t>
+            </a:r>
+            <a:r>
+              <a:rPr lang="en-US" i="1" dirty="0" smtClean="0">
+                <a:solidFill>
+                  <a:srgbClr val="000000"/>
+                </a:solidFill>
+                <a:latin typeface="Times New Roman"/>
+                <a:cs typeface="Times New Roman"/>
+              </a:rPr>
+              <a:t>O</a:t>
+            </a:r>
+            <a:r>
+              <a:rPr lang="en-US" dirty="0" smtClean="0">
+                <a:solidFill>
+                  <a:srgbClr val="000000"/>
+                </a:solidFill>
+                <a:latin typeface="Times New Roman"/>
+                <a:cs typeface="Times New Roman"/>
+              </a:rPr>
+              <a:t>( log n (</a:t>
+            </a:r>
+            <a:r>
+              <a:rPr lang="en-US" i="1" dirty="0" smtClean="0">
+                <a:solidFill>
+                  <a:srgbClr val="000000"/>
+                </a:solidFill>
+                <a:latin typeface="Times New Roman"/>
+                <a:cs typeface="Times New Roman"/>
+              </a:rPr>
+              <a:t>m</a:t>
+            </a:r>
+            <a:r>
+              <a:rPr lang="en-US" dirty="0" smtClean="0">
+                <a:solidFill>
+                  <a:srgbClr val="000000"/>
+                </a:solidFill>
+                <a:latin typeface="Times New Roman"/>
+                <a:cs typeface="Times New Roman"/>
+              </a:rPr>
+              <a:t>/</a:t>
+            </a:r>
+            <a:r>
+              <a:rPr lang="en-US" i="1" dirty="0" smtClean="0">
+                <a:solidFill>
+                  <a:srgbClr val="000000"/>
+                </a:solidFill>
+                <a:latin typeface="Times New Roman"/>
+                <a:cs typeface="Times New Roman"/>
+              </a:rPr>
+              <a:t>n </a:t>
+            </a:r>
+            <a:r>
+              <a:rPr lang="en-US" dirty="0" smtClean="0">
+                <a:solidFill>
+                  <a:srgbClr val="000000"/>
+                </a:solidFill>
+                <a:latin typeface="Times New Roman"/>
+                <a:cs typeface="Times New Roman"/>
+              </a:rPr>
+              <a:t>))</a:t>
+            </a:r>
+            <a:endParaRPr lang="en-US" dirty="0">
+              <a:solidFill>
+                <a:srgbClr val="000000"/>
+              </a:solidFill>
+              <a:latin typeface="Times New Roman"/>
+              <a:cs typeface="Times New Roman"/>
+            </a:endParaRPr>
           </a:p>
         </p:txBody>
       </p:sp>
     </p:spTree>
     <p:extLst>
       <p:ext uri="{BB962C8B-B14F-4D97-AF65-F5344CB8AC3E}">
-        <p14:creationId xmlns:p14="http://schemas.microsoft.com/office/powerpoint/2010/main" val="2966276844"/>
+        <p14:creationId xmlns:p14="http://schemas.microsoft.com/office/powerpoint/2010/main" val="3654700080"/>
       </p:ext>
     </p:extLst>
   </p:cSld>
@@ -28129,27 +30079,36 @@
                             </p:childTnLst>
                           </p:cTn>
                         </p:par>
+                      </p:childTnLst>
+                    </p:cTn>
+                  </p:par>
+                  <p:par>
+                    <p:cTn id="11" fill="hold">
+                      <p:stCondLst>
+                        <p:cond delay="indefinite"/>
+                      </p:stCondLst>
+                      <p:childTnLst>
                         <p:par>
-                          <p:cTn id="11" fill="hold">
+                          <p:cTn id="12" fill="hold">
                             <p:stCondLst>
-                              <p:cond delay="500"/>
+                              <p:cond delay="0"/>
                             </p:stCondLst>
                             <p:childTnLst>
                               <p:par>
-                                <p:cTn id="12" presetID="10" presetClass="entr" presetSubtype="0" fill="hold" nodeType="afterEffect">
+                                <p:cTn id="13" presetID="10" presetClass="entr" presetSubtype="0" fill="hold" nodeType="clickEffect">
                                   <p:stCondLst>
                                     <p:cond delay="0"/>
                                   </p:stCondLst>
                                   <p:childTnLst>
                                     <p:set>
                                       <p:cBhvr>
-                                        <p:cTn id="13" dur="1" fill="hold">
+                                        <p:cTn id="14" dur="1" fill="hold">
                                           <p:stCondLst>
                                             <p:cond delay="0"/>
                                           </p:stCondLst>
                                         </p:cTn>
                                         <p:tgtEl>
-                                          <p:spTgt spid="4"/>
+                                          <p:spTgt spid="10"/>
                                         </p:tgtEl>
                                         <p:attrNameLst>
                                           <p:attrName>style.visibility</p:attrName>
@@ -28161,9 +30120,229 @@
                                     </p:set>
                                     <p:animEffect transition="in" filter="fade">
                                       <p:cBhvr>
-                                        <p:cTn id="14" dur="500"/>
+                                        <p:cTn id="15" dur="500"/>
                                         <p:tgtEl>
-                                          <p:spTgt spid="4"/>
+                                          <p:spTgt spid="10"/>
+                                        </p:tgtEl>
+                                      </p:cBhvr>
+                                    </p:animEffect>
+                                  </p:childTnLst>
+                                </p:cTn>
+                              </p:par>
+                            </p:childTnLst>
+                          </p:cTn>
+                        </p:par>
+                        <p:par>
+                          <p:cTn id="16" fill="hold">
+                            <p:stCondLst>
+                              <p:cond delay="500"/>
+                            </p:stCondLst>
+                            <p:childTnLst>
+                              <p:par>
+                                <p:cTn id="17" presetID="10" presetClass="entr" presetSubtype="0" fill="hold" nodeType="afterEffect">
+                                  <p:stCondLst>
+                                    <p:cond delay="0"/>
+                                  </p:stCondLst>
+                                  <p:childTnLst>
+                                    <p:set>
+                                      <p:cBhvr>
+                                        <p:cTn id="18" dur="1" fill="hold">
+                                          <p:stCondLst>
+                                            <p:cond delay="0"/>
+                                          </p:stCondLst>
+                                        </p:cTn>
+                                        <p:tgtEl>
+                                          <p:spTgt spid="11"/>
+                                        </p:tgtEl>
+                                        <p:attrNameLst>
+                                          <p:attrName>style.visibility</p:attrName>
+                                        </p:attrNameLst>
+                                      </p:cBhvr>
+                                      <p:to>
+                                        <p:strVal val="visible"/>
+                                      </p:to>
+                                    </p:set>
+                                    <p:animEffect transition="in" filter="fade">
+                                      <p:cBhvr>
+                                        <p:cTn id="19" dur="500"/>
+                                        <p:tgtEl>
+                                          <p:spTgt spid="11"/>
+                                        </p:tgtEl>
+                                      </p:cBhvr>
+                                    </p:animEffect>
+                                  </p:childTnLst>
+                                </p:cTn>
+                              </p:par>
+                            </p:childTnLst>
+                          </p:cTn>
+                        </p:par>
+                        <p:par>
+                          <p:cTn id="20" fill="hold">
+                            <p:stCondLst>
+                              <p:cond delay="1000"/>
+                            </p:stCondLst>
+                            <p:childTnLst>
+                              <p:par>
+                                <p:cTn id="21" presetID="10" presetClass="entr" presetSubtype="0" fill="hold" nodeType="afterEffect">
+                                  <p:stCondLst>
+                                    <p:cond delay="0"/>
+                                  </p:stCondLst>
+                                  <p:childTnLst>
+                                    <p:set>
+                                      <p:cBhvr>
+                                        <p:cTn id="22" dur="1" fill="hold">
+                                          <p:stCondLst>
+                                            <p:cond delay="0"/>
+                                          </p:stCondLst>
+                                        </p:cTn>
+                                        <p:tgtEl>
+                                          <p:spTgt spid="12"/>
+                                        </p:tgtEl>
+                                        <p:attrNameLst>
+                                          <p:attrName>style.visibility</p:attrName>
+                                        </p:attrNameLst>
+                                      </p:cBhvr>
+                                      <p:to>
+                                        <p:strVal val="visible"/>
+                                      </p:to>
+                                    </p:set>
+                                    <p:animEffect transition="in" filter="fade">
+                                      <p:cBhvr>
+                                        <p:cTn id="23" dur="500"/>
+                                        <p:tgtEl>
+                                          <p:spTgt spid="12"/>
+                                        </p:tgtEl>
+                                      </p:cBhvr>
+                                    </p:animEffect>
+                                  </p:childTnLst>
+                                </p:cTn>
+                              </p:par>
+                            </p:childTnLst>
+                          </p:cTn>
+                        </p:par>
+                        <p:par>
+                          <p:cTn id="24" fill="hold">
+                            <p:stCondLst>
+                              <p:cond delay="1500"/>
+                            </p:stCondLst>
+                            <p:childTnLst>
+                              <p:par>
+                                <p:cTn id="25" presetID="10" presetClass="entr" presetSubtype="0" fill="hold" nodeType="afterEffect">
+                                  <p:stCondLst>
+                                    <p:cond delay="0"/>
+                                  </p:stCondLst>
+                                  <p:childTnLst>
+                                    <p:set>
+                                      <p:cBhvr>
+                                        <p:cTn id="26" dur="1" fill="hold">
+                                          <p:stCondLst>
+                                            <p:cond delay="0"/>
+                                          </p:stCondLst>
+                                        </p:cTn>
+                                        <p:tgtEl>
+                                          <p:spTgt spid="15"/>
+                                        </p:tgtEl>
+                                        <p:attrNameLst>
+                                          <p:attrName>style.visibility</p:attrName>
+                                        </p:attrNameLst>
+                                      </p:cBhvr>
+                                      <p:to>
+                                        <p:strVal val="visible"/>
+                                      </p:to>
+                                    </p:set>
+                                    <p:animEffect transition="in" filter="fade">
+                                      <p:cBhvr>
+                                        <p:cTn id="27" dur="500"/>
+                                        <p:tgtEl>
+                                          <p:spTgt spid="15"/>
+                                        </p:tgtEl>
+                                      </p:cBhvr>
+                                    </p:animEffect>
+                                  </p:childTnLst>
+                                </p:cTn>
+                              </p:par>
+                            </p:childTnLst>
+                          </p:cTn>
+                        </p:par>
+                        <p:par>
+                          <p:cTn id="28" fill="hold">
+                            <p:stCondLst>
+                              <p:cond delay="2000"/>
+                            </p:stCondLst>
+                            <p:childTnLst>
+                              <p:par>
+                                <p:cTn id="29" presetID="10" presetClass="entr" presetSubtype="0" fill="hold" nodeType="afterEffect">
+                                  <p:stCondLst>
+                                    <p:cond delay="0"/>
+                                  </p:stCondLst>
+                                  <p:childTnLst>
+                                    <p:set>
+                                      <p:cBhvr>
+                                        <p:cTn id="30" dur="1" fill="hold">
+                                          <p:stCondLst>
+                                            <p:cond delay="0"/>
+                                          </p:stCondLst>
+                                        </p:cTn>
+                                        <p:tgtEl>
+                                          <p:spTgt spid="14"/>
+                                        </p:tgtEl>
+                                        <p:attrNameLst>
+                                          <p:attrName>style.visibility</p:attrName>
+                                        </p:attrNameLst>
+                                      </p:cBhvr>
+                                      <p:to>
+                                        <p:strVal val="visible"/>
+                                      </p:to>
+                                    </p:set>
+                                    <p:animEffect transition="in" filter="fade">
+                                      <p:cBhvr>
+                                        <p:cTn id="31" dur="500"/>
+                                        <p:tgtEl>
+                                          <p:spTgt spid="14"/>
+                                        </p:tgtEl>
+                                      </p:cBhvr>
+                                    </p:animEffect>
+                                  </p:childTnLst>
+                                </p:cTn>
+                              </p:par>
+                            </p:childTnLst>
+                          </p:cTn>
+                        </p:par>
+                        <p:par>
+                          <p:cTn id="32" fill="hold">
+                            <p:stCondLst>
+                              <p:cond delay="2500"/>
+                            </p:stCondLst>
+                            <p:childTnLst>
+                              <p:par>
+                                <p:cTn id="33" presetID="10" presetClass="entr" presetSubtype="0" fill="hold" nodeType="afterEffect">
+                                  <p:stCondLst>
+                                    <p:cond delay="0"/>
+                                  </p:stCondLst>
+                                  <p:childTnLst>
+                                    <p:set>
+                                      <p:cBhvr>
+                                        <p:cTn id="34" dur="1" fill="hold">
+                                          <p:stCondLst>
+                                            <p:cond delay="0"/>
+                                          </p:stCondLst>
+                                        </p:cTn>
+                                        <p:tgtEl>
+                                          <p:spTgt spid="13"/>
+                                        </p:tgtEl>
+                                        <p:attrNameLst>
+                                          <p:attrName>style.visibility</p:attrName>
+                                        </p:attrNameLst>
+                                      </p:cBhvr>
+                                      <p:to>
+                                        <p:strVal val="visible"/>
+                                      </p:to>
+                                    </p:set>
+                                    <p:animEffect transition="in" filter="fade">
+                                      <p:cBhvr>
+                                        <p:cTn id="35" dur="500"/>
+                                        <p:tgtEl>
+                                          <p:spTgt spid="13"/>
                                         </p:tgtEl>
                                       </p:cBhvr>
                                     </p:animEffect>
@@ -28177,26 +30356,87 @@
                     </p:cTn>
                   </p:par>
                   <p:par>
-                    <p:cTn id="15" fill="hold">
+                    <p:cTn id="36" fill="hold">
                       <p:stCondLst>
                         <p:cond delay="indefinite"/>
                       </p:stCondLst>
                       <p:childTnLst>
                         <p:par>
-                          <p:cTn id="16" fill="hold">
+                          <p:cTn id="37" fill="hold">
                             <p:stCondLst>
                               <p:cond delay="0"/>
                             </p:stCondLst>
                             <p:childTnLst>
                               <p:par>
-                                <p:cTn id="17" presetID="10" presetClass="entr" presetSubtype="0" fill="hold" grpId="0" nodeType="clickEffect">
+                                <p:cTn id="38" presetID="10" presetClass="entr" presetSubtype="0" fill="hold" grpId="0" nodeType="clickEffect">
                                   <p:stCondLst>
                                     <p:cond delay="0"/>
                                   </p:stCondLst>
                                   <p:childTnLst>
                                     <p:set>
                                       <p:cBhvr>
-                                        <p:cTn id="18" dur="1" fill="hold">
+                                        <p:cTn id="39" dur="1" fill="hold">
+                                          <p:stCondLst>
+                                            <p:cond delay="0"/>
+                                          </p:stCondLst>
+                                        </p:cTn>
+                                        <p:tgtEl>
+                                          <p:spTgt spid="3">
+                                            <p:txEl>
+                                              <p:pRg st="2" end="2"/>
+                                            </p:txEl>
+                                          </p:spTgt>
+                                        </p:tgtEl>
+                                        <p:attrNameLst>
+                                          <p:attrName>style.visibility</p:attrName>
+                                        </p:attrNameLst>
+                                      </p:cBhvr>
+                                      <p:to>
+                                        <p:strVal val="visible"/>
+                                      </p:to>
+                                    </p:set>
+                                    <p:animEffect transition="in" filter="fade">
+                                      <p:cBhvr>
+                                        <p:cTn id="40" dur="500"/>
+                                        <p:tgtEl>
+                                          <p:spTgt spid="3">
+                                            <p:txEl>
+                                              <p:pRg st="2" end="2"/>
+                                            </p:txEl>
+                                          </p:spTgt>
+                                        </p:tgtEl>
+                                      </p:cBhvr>
+                                    </p:animEffect>
+                                  </p:childTnLst>
+                                </p:cTn>
+                              </p:par>
+                            </p:childTnLst>
+                          </p:cTn>
+                        </p:par>
+                      </p:childTnLst>
+                    </p:cTn>
+                  </p:par>
+                  <p:par>
+                    <p:cTn id="41" fill="hold">
+                      <p:stCondLst>
+                        <p:cond delay="indefinite"/>
+                      </p:stCondLst>
+                      <p:childTnLst>
+                        <p:par>
+                          <p:cTn id="42" fill="hold">
+                            <p:stCondLst>
+                              <p:cond delay="0"/>
+                            </p:stCondLst>
+                            <p:childTnLst>
+                              <p:par>
+                                <p:cTn id="43" presetID="10" presetClass="entr" presetSubtype="0" fill="hold" grpId="0" nodeType="clickEffect">
+                                  <p:stCondLst>
+                                    <p:cond delay="0"/>
+                                  </p:stCondLst>
+                                  <p:childTnLst>
+                                    <p:set>
+                                      <p:cBhvr>
+                                        <p:cTn id="44" dur="1" fill="hold">
                                           <p:stCondLst>
                                             <p:cond delay="0"/>
                                           </p:stCondLst>
@@ -28218,7 +30458,7 @@
                                     </p:set>
                                     <p:animEffect transition="in" filter="fade">
                                       <p:cBhvr>
-                                        <p:cTn id="19" dur="500"/>
+                                        <p:cTn id="45" dur="500"/>
                                         <p:tgtEl>
                                           <p:spTgt spid="3">
                                             <p:txEl>
@@ -28234,30 +30474,37 @@
                             </p:childTnLst>
                           </p:cTn>
                         </p:par>
+                      </p:childTnLst>
+                    </p:cTn>
+                  </p:par>
+                  <p:par>
+                    <p:cTn id="46" fill="hold">
+                      <p:stCondLst>
+                        <p:cond delay="indefinite"/>
+                      </p:stCondLst>
+                      <p:childTnLst>
                         <p:par>
-                          <p:cTn id="20" fill="hold">
+                          <p:cTn id="47" fill="hold">
                             <p:stCondLst>
-                              <p:cond delay="500"/>
+                              <p:cond delay="0"/>
                             </p:stCondLst>
                             <p:childTnLst>
                               <p:par>
-                                <p:cTn id="21" presetID="10" presetClass="entr" presetSubtype="0" fill="hold" grpId="0" nodeType="afterEffect">
+                                <p:cTn id="48" presetID="10" presetClass="entr" presetSubtype="0" fill="hold" grpId="0" nodeType="clickEffect">
                                   <p:stCondLst>
                                     <p:cond delay="0"/>
                                   </p:stCondLst>
                                   <p:childTnLst>
                                     <p:set>
                                       <p:cBhvr>
-                                        <p:cTn id="22" dur="1" fill="hold">
+                                        <p:cTn id="49" dur="1" fill="hold">
                                           <p:stCondLst>
                                             <p:cond delay="0"/>
                                           </p:stCondLst>
                                         </p:cTn>
                                         <p:tgtEl>
-                                          <p:spTgt spid="3">
-                                            <p:txEl>
-                                              <p:pRg st="4" end="4"/>
-                                            </p:txEl>
+                                          <p:spTgt spid="17">
+                                            <p:bg/>
                                           </p:spTgt>
                                         </p:tgtEl>
                                         <p:attrNameLst>
@@ -28270,12 +30517,10 @@
                                     </p:set>
                                     <p:animEffect transition="in" filter="fade">
                                       <p:cBhvr>
-                                        <p:cTn id="23" dur="500"/>
+                                        <p:cTn id="50" dur="500"/>
                                         <p:tgtEl>
-                                          <p:spTgt spid="3">
-                                            <p:txEl>
-                                              <p:pRg st="4" end="4"/>
-                                            </p:txEl>
+                                          <p:spTgt spid="17">
+                                            <p:bg/>
                                           </p:spTgt>
                                         </p:tgtEl>
                                       </p:cBhvr>
@@ -28283,30 +30528,21 @@
                                   </p:childTnLst>
                                 </p:cTn>
                               </p:par>
-                            </p:childTnLst>
-                          </p:cTn>
-                        </p:par>
-                        <p:par>
-                          <p:cTn id="24" fill="hold">
-                            <p:stCondLst>
-                              <p:cond delay="1000"/>
-                            </p:stCondLst>
-                            <p:childTnLst>
                               <p:par>
-                                <p:cTn id="25" presetID="10" presetClass="entr" presetSubtype="0" fill="hold" nodeType="afterEffect">
+                                <p:cTn id="51" presetID="10" presetClass="entr" presetSubtype="0" fill="hold" grpId="0" nodeType="withEffect">
                                   <p:stCondLst>
                                     <p:cond delay="0"/>
                                   </p:stCondLst>
                                   <p:childTnLst>
                                     <p:set>
                                       <p:cBhvr>
-                                        <p:cTn id="26" dur="1" fill="hold">
+                                        <p:cTn id="52" dur="1" fill="hold">
                                           <p:stCondLst>
                                             <p:cond delay="0"/>
                                           </p:stCondLst>
                                         </p:cTn>
                                         <p:tgtEl>
-                                          <p:spTgt spid="5">
+                                          <p:spTgt spid="17">
                                             <p:txEl>
                                               <p:pRg st="0" end="0"/>
                                             </p:txEl>
@@ -28322,185 +30558,11 @@
                                     </p:set>
                                     <p:animEffect transition="in" filter="fade">
                                       <p:cBhvr>
-                                        <p:cTn id="27" dur="500"/>
+                                        <p:cTn id="53" dur="500"/>
                                         <p:tgtEl>
-                                          <p:spTgt spid="5">
+                                          <p:spTgt spid="17">
                                             <p:txEl>
                                               <p:pRg st="0" end="0"/>
-                                            </p:txEl>
-                                          </p:spTgt>
-                                        </p:tgtEl>
-                                      </p:cBhvr>
-                                    </p:animEffect>
-                                  </p:childTnLst>
-                                </p:cTn>
-                              </p:par>
-                            </p:childTnLst>
-                          </p:cTn>
-                        </p:par>
-                      </p:childTnLst>
-                    </p:cTn>
-                  </p:par>
-                  <p:par>
-                    <p:cTn id="28" fill="hold">
-                      <p:stCondLst>
-                        <p:cond delay="indefinite"/>
-                      </p:stCondLst>
-                      <p:childTnLst>
-                        <p:par>
-                          <p:cTn id="29" fill="hold">
-                            <p:stCondLst>
-                              <p:cond delay="0"/>
-                            </p:stCondLst>
-                            <p:childTnLst>
-                              <p:par>
-                                <p:cTn id="30" presetID="10" presetClass="entr" presetSubtype="0" fill="hold" grpId="0" nodeType="clickEffect">
-                                  <p:stCondLst>
-                                    <p:cond delay="0"/>
-                                  </p:stCondLst>
-                                  <p:childTnLst>
-                                    <p:set>
-                                      <p:cBhvr>
-                                        <p:cTn id="31" dur="1" fill="hold">
-                                          <p:stCondLst>
-                                            <p:cond delay="0"/>
-                                          </p:stCondLst>
-                                        </p:cTn>
-                                        <p:tgtEl>
-                                          <p:spTgt spid="3">
-                                            <p:txEl>
-                                              <p:pRg st="5" end="5"/>
-                                            </p:txEl>
-                                          </p:spTgt>
-                                        </p:tgtEl>
-                                        <p:attrNameLst>
-                                          <p:attrName>style.visibility</p:attrName>
-                                        </p:attrNameLst>
-                                      </p:cBhvr>
-                                      <p:to>
-                                        <p:strVal val="visible"/>
-                                      </p:to>
-                                    </p:set>
-                                    <p:animEffect transition="in" filter="fade">
-                                      <p:cBhvr>
-                                        <p:cTn id="32" dur="500"/>
-                                        <p:tgtEl>
-                                          <p:spTgt spid="3">
-                                            <p:txEl>
-                                              <p:pRg st="5" end="5"/>
-                                            </p:txEl>
-                                          </p:spTgt>
-                                        </p:tgtEl>
-                                      </p:cBhvr>
-                                    </p:animEffect>
-                                  </p:childTnLst>
-                                </p:cTn>
-                              </p:par>
-                            </p:childTnLst>
-                          </p:cTn>
-                        </p:par>
-                        <p:par>
-                          <p:cTn id="33" fill="hold">
-                            <p:stCondLst>
-                              <p:cond delay="500"/>
-                            </p:stCondLst>
-                            <p:childTnLst>
-                              <p:par>
-                                <p:cTn id="34" presetID="10" presetClass="entr" presetSubtype="0" fill="hold" grpId="0" nodeType="afterEffect">
-                                  <p:stCondLst>
-                                    <p:cond delay="0"/>
-                                  </p:stCondLst>
-                                  <p:childTnLst>
-                                    <p:set>
-                                      <p:cBhvr>
-                                        <p:cTn id="35" dur="1" fill="hold">
-                                          <p:stCondLst>
-                                            <p:cond delay="0"/>
-                                          </p:stCondLst>
-                                        </p:cTn>
-                                        <p:tgtEl>
-                                          <p:spTgt spid="3">
-                                            <p:txEl>
-                                              <p:pRg st="6" end="6"/>
-                                            </p:txEl>
-                                          </p:spTgt>
-                                        </p:tgtEl>
-                                        <p:attrNameLst>
-                                          <p:attrName>style.visibility</p:attrName>
-                                        </p:attrNameLst>
-                                      </p:cBhvr>
-                                      <p:to>
-                                        <p:strVal val="visible"/>
-                                      </p:to>
-                                    </p:set>
-                                    <p:animEffect transition="in" filter="fade">
-                                      <p:cBhvr>
-                                        <p:cTn id="36" dur="500"/>
-                                        <p:tgtEl>
-                                          <p:spTgt spid="3">
-                                            <p:txEl>
-                                              <p:pRg st="6" end="6"/>
-                                            </p:txEl>
-                                          </p:spTgt>
-                                        </p:tgtEl>
-                                      </p:cBhvr>
-                                    </p:animEffect>
-                                  </p:childTnLst>
-                                </p:cTn>
-                              </p:par>
-                            </p:childTnLst>
-                          </p:cTn>
-                        </p:par>
-                      </p:childTnLst>
-                    </p:cTn>
-                  </p:par>
-                  <p:par>
-                    <p:cTn id="37" fill="hold">
-                      <p:stCondLst>
-                        <p:cond delay="indefinite"/>
-                      </p:stCondLst>
-                      <p:childTnLst>
-                        <p:par>
-                          <p:cTn id="38" fill="hold">
-                            <p:stCondLst>
-                              <p:cond delay="0"/>
-                            </p:stCondLst>
-                            <p:childTnLst>
-                              <p:par>
-                                <p:cTn id="39" presetID="10" presetClass="entr" presetSubtype="0" fill="hold" grpId="0" nodeType="clickEffect">
-                                  <p:stCondLst>
-                                    <p:cond delay="0"/>
-                                  </p:stCondLst>
-                                  <p:childTnLst>
-                                    <p:set>
-                                      <p:cBhvr>
-                                        <p:cTn id="40" dur="1" fill="hold">
-                                          <p:stCondLst>
-                                            <p:cond delay="0"/>
-                                          </p:stCondLst>
-                                        </p:cTn>
-                                        <p:tgtEl>
-                                          <p:spTgt spid="3">
-                                            <p:txEl>
-                                              <p:pRg st="8" end="8"/>
-                                            </p:txEl>
-                                          </p:spTgt>
-                                        </p:tgtEl>
-                                        <p:attrNameLst>
-                                          <p:attrName>style.visibility</p:attrName>
-                                        </p:attrNameLst>
-                                      </p:cBhvr>
-                                      <p:to>
-                                        <p:strVal val="visible"/>
-                                      </p:to>
-                                    </p:set>
-                                    <p:animEffect transition="in" filter="fade">
-                                      <p:cBhvr>
-                                        <p:cTn id="41" dur="500"/>
-                                        <p:tgtEl>
-                                          <p:spTgt spid="3">
-                                            <p:txEl>
-                                              <p:pRg st="8" end="8"/>
                                             </p:txEl>
                                           </p:spTgt>
                                         </p:tgtEl>
@@ -28538,13 +30600,1082 @@
     </p:tnLst>
     <p:bldLst>
       <p:bldP spid="3" grpId="0" build="p"/>
+      <p:bldP spid="17" grpId="0" build="p" animBg="1"/>
     </p:bldLst>
   </p:timing>
 </p:sld>
 </file>
 
 <file path=ppt/slides/slide35.xml><?xml version="1.0" encoding="utf-8"?>
-<p:sld xmlns:a="http://schemas.openxmlformats.org/drawingml/2006/main" xmlns:r="http://schemas.openxmlformats.org/officeDocument/2006/relationships" xmlns:p="http://schemas.openxmlformats.org/presentationml/2006/main" show="0">
+<p:sld xmlns:a="http://schemas.openxmlformats.org/drawingml/2006/main" xmlns:r="http://schemas.openxmlformats.org/officeDocument/2006/relationships" xmlns:p="http://schemas.openxmlformats.org/presentationml/2006/main">
+  <p:cSld>
+    <p:spTree>
+      <p:nvGrpSpPr>
+        <p:cNvPr id="1" name=""/>
+        <p:cNvGrpSpPr/>
+        <p:nvPr/>
+      </p:nvGrpSpPr>
+      <p:grpSpPr>
+        <a:xfrm>
+          <a:off x="0" y="0"/>
+          <a:ext cx="0" cy="0"/>
+          <a:chOff x="0" y="0"/>
+          <a:chExt cx="0" cy="0"/>
+        </a:xfrm>
+      </p:grpSpPr>
+      <p:sp>
+        <p:nvSpPr>
+          <p:cNvPr id="3" name="Title 2"/>
+          <p:cNvSpPr>
+            <a:spLocks noGrp="1"/>
+          </p:cNvSpPr>
+          <p:nvPr>
+            <p:ph type="title"/>
+          </p:nvPr>
+        </p:nvSpPr>
+        <p:spPr/>
+        <p:txBody>
+          <a:bodyPr/>
+          <a:lstStyle/>
+          <a:p>
+            <a:r>
+              <a:rPr lang="en-US" dirty="0" smtClean="0"/>
+              <a:t>Our construction</a:t>
+            </a:r>
+            <a:endParaRPr lang="en-US" dirty="0"/>
+          </a:p>
+        </p:txBody>
+      </p:sp>
+      <p:sp>
+        <p:nvSpPr>
+          <p:cNvPr id="26" name="Content Placeholder 1"/>
+          <p:cNvSpPr>
+            <a:spLocks noGrp="1"/>
+          </p:cNvSpPr>
+          <p:nvPr>
+            <p:ph idx="1"/>
+          </p:nvPr>
+        </p:nvSpPr>
+        <p:spPr>
+          <a:xfrm>
+            <a:off x="152400" y="1143000"/>
+            <a:ext cx="3200400" cy="4892524"/>
+          </a:xfrm>
+        </p:spPr>
+        <p:txBody>
+          <a:bodyPr>
+            <a:normAutofit lnSpcReduction="10000"/>
+          </a:bodyPr>
+          <a:lstStyle/>
+          <a:p>
+            <a:r>
+              <a:rPr lang="en-US" sz="1600" dirty="0" smtClean="0"/>
+              <a:t>What happens if we replace the code in our previous sketch with a random linear code?</a:t>
+            </a:r>
+          </a:p>
+          <a:p>
+            <a:endParaRPr lang="en-US" sz="1600" dirty="0" smtClean="0"/>
+          </a:p>
+          <a:p>
+            <a:endParaRPr lang="en-US" sz="1600" dirty="0" smtClean="0"/>
+          </a:p>
+          <a:p>
+            <a:pPr marL="0" indent="0">
+              <a:buNone/>
+            </a:pPr>
+            <a:r>
+              <a:rPr lang="en-US" sz="2000" dirty="0" smtClean="0"/>
+              <a:t>Issues:</a:t>
+            </a:r>
+          </a:p>
+          <a:p>
+            <a:r>
+              <a:rPr lang="en-US" sz="1600" dirty="0">
+                <a:cs typeface="Calibri"/>
+              </a:rPr>
+              <a:t>Creating/finding a pseudorandom key? </a:t>
+            </a:r>
+            <a:br>
+              <a:rPr lang="en-US" sz="1600" dirty="0">
+                <a:cs typeface="Calibri"/>
+              </a:rPr>
+            </a:br>
+            <a:endParaRPr lang="en-US" sz="1600" dirty="0">
+              <a:cs typeface="Calibri"/>
+            </a:endParaRPr>
+          </a:p>
+          <a:p>
+            <a:pPr marL="0" indent="0">
+              <a:buNone/>
+            </a:pPr>
+            <a:r>
+              <a:rPr lang="en-US" sz="1600" b="1" dirty="0" smtClean="0">
+                <a:cs typeface="Calibri"/>
+              </a:rPr>
+              <a:t>Use hardcore bits of </a:t>
+            </a:r>
+            <a:r>
+              <a:rPr lang="en-US" sz="1600" b="1" dirty="0" err="1" smtClean="0">
+                <a:cs typeface="Calibri"/>
+              </a:rPr>
+              <a:t>codeword</a:t>
+            </a:r>
+            <a:r>
+              <a:rPr lang="en-US" sz="1600" b="1" dirty="0" smtClean="0">
+                <a:cs typeface="Calibri"/>
+              </a:rPr>
+              <a:t>.</a:t>
+            </a:r>
+            <a:endParaRPr lang="en-US" sz="1600" b="1" dirty="0">
+              <a:cs typeface="Calibri"/>
+            </a:endParaRPr>
+          </a:p>
+          <a:p>
+            <a:endParaRPr lang="en-US" sz="1600" dirty="0" smtClean="0">
+              <a:cs typeface="Calibri"/>
+            </a:endParaRPr>
+          </a:p>
+          <a:p>
+            <a:r>
+              <a:rPr lang="en-US" sz="1600" dirty="0">
+                <a:cs typeface="Calibri"/>
+              </a:rPr>
+              <a:t>Finding efficient decoding algorithm for small </a:t>
+            </a:r>
+            <a:r>
+              <a:rPr lang="en-US" sz="1600" i="1" dirty="0" err="1">
+                <a:latin typeface="Times New Roman"/>
+                <a:cs typeface="Times New Roman"/>
+              </a:rPr>
+              <a:t>d</a:t>
+            </a:r>
+            <a:r>
+              <a:rPr lang="en-US" sz="1600" i="1" baseline="-25000" dirty="0" err="1">
+                <a:latin typeface="Times New Roman"/>
+                <a:cs typeface="Times New Roman"/>
+              </a:rPr>
+              <a:t>max</a:t>
+            </a:r>
+            <a:r>
+              <a:rPr lang="en-US" sz="1600" dirty="0">
+                <a:cs typeface="Calibri"/>
+              </a:rPr>
+              <a:t>.</a:t>
+            </a:r>
+          </a:p>
+          <a:p>
+            <a:endParaRPr lang="en-US" sz="1600" dirty="0" smtClean="0">
+              <a:cs typeface="Calibri"/>
+            </a:endParaRPr>
+          </a:p>
+          <a:p>
+            <a:pPr marL="0" indent="0">
+              <a:buNone/>
+            </a:pPr>
+            <a:r>
+              <a:rPr lang="en-US" sz="1600" b="1" dirty="0" smtClean="0">
+                <a:cs typeface="Calibri"/>
+              </a:rPr>
+              <a:t>Trial and error inversion</a:t>
+            </a:r>
+            <a:r>
+              <a:rPr lang="en-US" sz="1600" dirty="0" smtClean="0">
+                <a:cs typeface="Calibri"/>
+              </a:rPr>
+              <a:t> </a:t>
+            </a:r>
+          </a:p>
+          <a:p>
+            <a:pPr marL="0" indent="0">
+              <a:buNone/>
+            </a:pPr>
+            <a:endParaRPr lang="en-US" sz="1600" dirty="0">
+              <a:cs typeface="Calibri"/>
+            </a:endParaRPr>
+          </a:p>
+          <a:p>
+            <a:r>
+              <a:rPr lang="en-US" sz="1600" dirty="0" smtClean="0">
+                <a:cs typeface="Calibri"/>
+              </a:rPr>
+              <a:t>Proving security for different types of distributions </a:t>
+            </a:r>
+            <a:r>
+              <a:rPr lang="en-US" sz="1600" i="1" dirty="0" smtClean="0">
+                <a:latin typeface="Times New Roman"/>
+                <a:cs typeface="Times New Roman"/>
+              </a:rPr>
+              <a:t>W</a:t>
+            </a:r>
+            <a:r>
+              <a:rPr lang="en-US" sz="1600" baseline="-25000" dirty="0" smtClean="0">
+                <a:latin typeface="Times New Roman"/>
+                <a:cs typeface="Times New Roman"/>
+              </a:rPr>
+              <a:t>0</a:t>
+            </a:r>
+            <a:endParaRPr lang="en-US" sz="1400" dirty="0" smtClean="0">
+              <a:cs typeface="Calibri"/>
+            </a:endParaRPr>
+          </a:p>
+          <a:p>
+            <a:endParaRPr lang="en-US" sz="1600" dirty="0" smtClean="0">
+              <a:latin typeface="Calibri"/>
+              <a:cs typeface="Calibri"/>
+            </a:endParaRPr>
+          </a:p>
+          <a:p>
+            <a:endParaRPr lang="en-US" sz="1600" dirty="0" smtClean="0">
+              <a:latin typeface="Calibri"/>
+              <a:cs typeface="Calibri"/>
+            </a:endParaRPr>
+          </a:p>
+          <a:p>
+            <a:endParaRPr lang="en-US" sz="1600" dirty="0" smtClean="0">
+              <a:latin typeface="Calibri"/>
+              <a:cs typeface="Calibri"/>
+            </a:endParaRPr>
+          </a:p>
+          <a:p>
+            <a:endParaRPr lang="en-US" sz="1600" dirty="0" smtClean="0">
+              <a:latin typeface="Calibri"/>
+              <a:cs typeface="Calibri"/>
+            </a:endParaRPr>
+          </a:p>
+        </p:txBody>
+      </p:sp>
+      <p:sp>
+        <p:nvSpPr>
+          <p:cNvPr id="7" name="TextBox 6"/>
+          <p:cNvSpPr txBox="1"/>
+          <p:nvPr/>
+        </p:nvSpPr>
+        <p:spPr>
+          <a:xfrm>
+            <a:off x="3352800" y="1318381"/>
+            <a:ext cx="2364750" cy="3108543"/>
+          </a:xfrm>
+          <a:prstGeom prst="rect">
+            <a:avLst/>
+          </a:prstGeom>
+          <a:noFill/>
+        </p:spPr>
+        <p:txBody>
+          <a:bodyPr wrap="none" rtlCol="0">
+            <a:spAutoFit/>
+          </a:bodyPr>
+          <a:lstStyle/>
+          <a:p>
+            <a:r>
+              <a:rPr lang="en-US" sz="2400" dirty="0" smtClean="0">
+                <a:latin typeface="Times New Roman"/>
+                <a:cs typeface="Times New Roman"/>
+              </a:rPr>
+              <a:t>Gen ( </a:t>
+            </a:r>
+            <a:r>
+              <a:rPr lang="en-US" sz="2400" i="1" dirty="0" smtClean="0">
+                <a:latin typeface="Times New Roman"/>
+                <a:cs typeface="Times New Roman"/>
+              </a:rPr>
+              <a:t>w</a:t>
+            </a:r>
+            <a:r>
+              <a:rPr lang="en-US" sz="2400" baseline="-25000" dirty="0" smtClean="0">
+                <a:latin typeface="Times New Roman"/>
+                <a:cs typeface="Times New Roman"/>
+              </a:rPr>
+              <a:t>0</a:t>
+            </a:r>
+            <a:r>
+              <a:rPr lang="en-US" sz="2400" i="1" dirty="0" smtClean="0">
+                <a:latin typeface="Times New Roman"/>
+                <a:cs typeface="Times New Roman"/>
+              </a:rPr>
+              <a:t> </a:t>
+            </a:r>
+            <a:r>
+              <a:rPr lang="en-US" sz="2400" dirty="0" smtClean="0">
+                <a:latin typeface="Times New Roman"/>
+                <a:cs typeface="Times New Roman"/>
+              </a:rPr>
+              <a:t>)</a:t>
+            </a:r>
+            <a:r>
+              <a:rPr lang="en-US" sz="2400" dirty="0" smtClean="0"/>
+              <a:t>:</a:t>
+            </a:r>
+          </a:p>
+          <a:p>
+            <a:pPr marL="342900" indent="-342900">
+              <a:buAutoNum type="arabicPeriod"/>
+            </a:pPr>
+            <a:r>
+              <a:rPr lang="en-US" sz="2000" dirty="0" smtClean="0"/>
+              <a:t>Sample </a:t>
+            </a:r>
+            <a:r>
+              <a:rPr lang="en-US" sz="2000" dirty="0" smtClean="0"/>
+              <a:t>uniformly</a:t>
+            </a:r>
+          </a:p>
+          <a:p>
+            <a:pPr marL="342900" indent="-342900">
+              <a:buAutoNum type="arabicPeriod"/>
+            </a:pPr>
+            <a:endParaRPr lang="en-US" sz="1600" dirty="0" smtClean="0"/>
+          </a:p>
+          <a:p>
+            <a:pPr marL="342900" indent="-342900">
+              <a:buAutoNum type="arabicPeriod"/>
+            </a:pPr>
+            <a:endParaRPr lang="en-US" sz="1600" dirty="0"/>
+          </a:p>
+          <a:p>
+            <a:pPr marL="342900" indent="-342900">
+              <a:buAutoNum type="arabicPeriod"/>
+            </a:pPr>
+            <a:r>
+              <a:rPr lang="en-US" sz="2000" dirty="0" smtClean="0"/>
+              <a:t>Compute </a:t>
+            </a:r>
+          </a:p>
+          <a:p>
+            <a:pPr marL="342900" indent="-342900">
+              <a:buAutoNum type="arabicPeriod"/>
+            </a:pPr>
+            <a:endParaRPr lang="en-US" sz="1600" dirty="0"/>
+          </a:p>
+          <a:p>
+            <a:pPr marL="342900" indent="-342900">
+              <a:buAutoNum type="arabicPeriod"/>
+            </a:pPr>
+            <a:endParaRPr lang="en-US" sz="1600" dirty="0" smtClean="0"/>
+          </a:p>
+          <a:p>
+            <a:pPr marL="342900" indent="-342900">
+              <a:buAutoNum type="arabicPeriod"/>
+            </a:pPr>
+            <a:endParaRPr lang="en-US" sz="1600" dirty="0"/>
+          </a:p>
+          <a:p>
+            <a:pPr marL="342900" indent="-342900">
+              <a:buAutoNum type="arabicPeriod"/>
+            </a:pPr>
+            <a:endParaRPr lang="en-US" sz="1600" dirty="0" smtClean="0"/>
+          </a:p>
+          <a:p>
+            <a:pPr marL="342900" indent="-342900">
+              <a:buAutoNum type="arabicPeriod"/>
+            </a:pPr>
+            <a:r>
+              <a:rPr lang="en-US" sz="2000" dirty="0" smtClean="0"/>
+              <a:t>Output </a:t>
+            </a:r>
+            <a:r>
+              <a:rPr lang="en-US" sz="2000" dirty="0" smtClean="0">
+                <a:latin typeface="Times New Roman"/>
+                <a:cs typeface="Times New Roman"/>
+              </a:rPr>
+              <a:t>(</a:t>
+            </a:r>
+            <a:r>
+              <a:rPr lang="en-US" sz="2000" i="1" dirty="0" smtClean="0">
+                <a:latin typeface="Times New Roman"/>
+                <a:cs typeface="Times New Roman"/>
+              </a:rPr>
+              <a:t>key</a:t>
+            </a:r>
+            <a:r>
+              <a:rPr lang="en-US" sz="2000" dirty="0" smtClean="0">
+                <a:latin typeface="Times New Roman"/>
+                <a:cs typeface="Times New Roman"/>
+              </a:rPr>
+              <a:t>, </a:t>
+            </a:r>
+            <a:r>
+              <a:rPr lang="en-US" sz="2000" i="1" dirty="0" smtClean="0">
+                <a:latin typeface="Times New Roman"/>
+                <a:cs typeface="Times New Roman"/>
+              </a:rPr>
+              <a:t>p</a:t>
+            </a:r>
+            <a:r>
+              <a:rPr lang="en-US" sz="2000" dirty="0" smtClean="0">
+                <a:latin typeface="Times New Roman"/>
+                <a:cs typeface="Times New Roman"/>
+              </a:rPr>
+              <a:t>)</a:t>
+            </a:r>
+          </a:p>
+          <a:p>
+            <a:pPr marL="342900" indent="-342900">
+              <a:buAutoNum type="arabicPeriod"/>
+            </a:pPr>
+            <a:endParaRPr lang="en-US" sz="1600" dirty="0" smtClean="0"/>
+          </a:p>
+        </p:txBody>
+      </p:sp>
+      <p:graphicFrame>
+        <p:nvGraphicFramePr>
+          <p:cNvPr id="9" name="Object 8"/>
+          <p:cNvGraphicFramePr>
+            <a:graphicFrameLocks noChangeAspect="1"/>
+          </p:cNvGraphicFramePr>
+          <p:nvPr>
+            <p:extLst>
+              <p:ext uri="{D42A27DB-BD31-4B8C-83A1-F6EECF244321}">
+                <p14:modId xmlns:p14="http://schemas.microsoft.com/office/powerpoint/2010/main" val="2068860326"/>
+              </p:ext>
+            </p:extLst>
+          </p:nvPr>
+        </p:nvGraphicFramePr>
+        <p:xfrm>
+          <a:off x="3777041" y="2068284"/>
+          <a:ext cx="1883832" cy="423333"/>
+        </p:xfrm>
+        <a:graphic>
+          <a:graphicData uri="http://schemas.openxmlformats.org/presentationml/2006/ole">
+            <mc:AlternateContent xmlns:mc="http://schemas.openxmlformats.org/markup-compatibility/2006">
+              <mc:Choice xmlns:v="urn:schemas-microsoft-com:vml" Requires="v">
+                <p:oleObj spid="_x0000_s15365" name="Equation" r:id="rId4" imgW="1130300" imgH="254000" progId="Equation.3">
+                  <p:embed/>
+                </p:oleObj>
+              </mc:Choice>
+              <mc:Fallback>
+                <p:oleObj name="Equation" r:id="rId4" imgW="1130300" imgH="254000" progId="Equation.3">
+                  <p:embed/>
+                  <p:pic>
+                    <p:nvPicPr>
+                      <p:cNvPr id="0" name=""/>
+                      <p:cNvPicPr/>
+                      <p:nvPr/>
+                    </p:nvPicPr>
+                    <p:blipFill>
+                      <a:blip r:embed="rId5"/>
+                      <a:stretch>
+                        <a:fillRect/>
+                      </a:stretch>
+                    </p:blipFill>
+                    <p:spPr>
+                      <a:xfrm>
+                        <a:off x="3777041" y="2068284"/>
+                        <a:ext cx="1883832" cy="423333"/>
+                      </a:xfrm>
+                      <a:prstGeom prst="rect">
+                        <a:avLst/>
+                      </a:prstGeom>
+                    </p:spPr>
+                  </p:pic>
+                </p:oleObj>
+              </mc:Fallback>
+            </mc:AlternateContent>
+          </a:graphicData>
+        </a:graphic>
+      </p:graphicFrame>
+      <p:graphicFrame>
+        <p:nvGraphicFramePr>
+          <p:cNvPr id="21" name="Object 20"/>
+          <p:cNvGraphicFramePr>
+            <a:graphicFrameLocks noChangeAspect="1"/>
+          </p:cNvGraphicFramePr>
+          <p:nvPr>
+            <p:extLst>
+              <p:ext uri="{D42A27DB-BD31-4B8C-83A1-F6EECF244321}">
+                <p14:modId xmlns:p14="http://schemas.microsoft.com/office/powerpoint/2010/main" val="660154329"/>
+              </p:ext>
+            </p:extLst>
+          </p:nvPr>
+        </p:nvGraphicFramePr>
+        <p:xfrm>
+          <a:off x="3736975" y="2917825"/>
+          <a:ext cx="1651000" cy="762000"/>
+        </p:xfrm>
+        <a:graphic>
+          <a:graphicData uri="http://schemas.openxmlformats.org/presentationml/2006/ole">
+            <mc:AlternateContent xmlns:mc="http://schemas.openxmlformats.org/markup-compatibility/2006">
+              <mc:Choice xmlns:v="urn:schemas-microsoft-com:vml" Requires="v">
+                <p:oleObj spid="_x0000_s15366" name="Equation" r:id="rId6" imgW="990600" imgH="457200" progId="Equation.3">
+                  <p:embed/>
+                </p:oleObj>
+              </mc:Choice>
+              <mc:Fallback>
+                <p:oleObj name="Equation" r:id="rId6" imgW="990600" imgH="457200" progId="Equation.3">
+                  <p:embed/>
+                  <p:pic>
+                    <p:nvPicPr>
+                      <p:cNvPr id="0" name=""/>
+                      <p:cNvPicPr/>
+                      <p:nvPr/>
+                    </p:nvPicPr>
+                    <p:blipFill>
+                      <a:blip r:embed="rId7"/>
+                      <a:stretch>
+                        <a:fillRect/>
+                      </a:stretch>
+                    </p:blipFill>
+                    <p:spPr>
+                      <a:xfrm>
+                        <a:off x="3736975" y="2917825"/>
+                        <a:ext cx="1651000" cy="762000"/>
+                      </a:xfrm>
+                      <a:prstGeom prst="rect">
+                        <a:avLst/>
+                      </a:prstGeom>
+                    </p:spPr>
+                  </p:pic>
+                </p:oleObj>
+              </mc:Fallback>
+            </mc:AlternateContent>
+          </a:graphicData>
+        </a:graphic>
+      </p:graphicFrame>
+      <p:sp>
+        <p:nvSpPr>
+          <p:cNvPr id="12" name="Rectangle 11"/>
+          <p:cNvSpPr/>
+          <p:nvPr/>
+        </p:nvSpPr>
+        <p:spPr>
+          <a:xfrm>
+            <a:off x="3352800" y="1765904"/>
+            <a:ext cx="2364750" cy="2491619"/>
+          </a:xfrm>
+          <a:prstGeom prst="rect">
+            <a:avLst/>
+          </a:prstGeom>
+          <a:noFill/>
+          <a:ln>
+            <a:solidFill>
+              <a:schemeClr val="tx1"/>
+            </a:solidFill>
+          </a:ln>
+        </p:spPr>
+        <p:style>
+          <a:lnRef idx="1">
+            <a:schemeClr val="accent1"/>
+          </a:lnRef>
+          <a:fillRef idx="3">
+            <a:schemeClr val="accent1"/>
+          </a:fillRef>
+          <a:effectRef idx="2">
+            <a:schemeClr val="accent1"/>
+          </a:effectRef>
+          <a:fontRef idx="minor">
+            <a:schemeClr val="lt1"/>
+          </a:fontRef>
+        </p:style>
+        <p:txBody>
+          <a:bodyPr rtlCol="0" anchor="ctr"/>
+          <a:lstStyle/>
+          <a:p>
+            <a:pPr algn="ctr"/>
+            <a:endParaRPr lang="en-US"/>
+          </a:p>
+        </p:txBody>
+      </p:sp>
+      <p:sp>
+        <p:nvSpPr>
+          <p:cNvPr id="10" name="TextBox 9"/>
+          <p:cNvSpPr txBox="1"/>
+          <p:nvPr/>
+        </p:nvSpPr>
+        <p:spPr>
+          <a:xfrm>
+            <a:off x="6166152" y="1318381"/>
+            <a:ext cx="1814269" cy="3170099"/>
+          </a:xfrm>
+          <a:prstGeom prst="rect">
+            <a:avLst/>
+          </a:prstGeom>
+          <a:noFill/>
+        </p:spPr>
+        <p:txBody>
+          <a:bodyPr wrap="none" rtlCol="0">
+            <a:spAutoFit/>
+          </a:bodyPr>
+          <a:lstStyle/>
+          <a:p>
+            <a:r>
+              <a:rPr lang="en-US" sz="2400" dirty="0" smtClean="0">
+                <a:latin typeface="Times New Roman"/>
+                <a:cs typeface="Times New Roman"/>
+              </a:rPr>
+              <a:t>Rep ( </a:t>
+            </a:r>
+            <a:r>
+              <a:rPr lang="en-US" sz="2400" i="1" dirty="0" smtClean="0">
+                <a:latin typeface="Times New Roman"/>
+                <a:cs typeface="Times New Roman"/>
+              </a:rPr>
+              <a:t>w</a:t>
+            </a:r>
+            <a:r>
+              <a:rPr lang="en-US" sz="2400" baseline="-25000" dirty="0" smtClean="0">
+                <a:latin typeface="Times New Roman"/>
+                <a:cs typeface="Times New Roman"/>
+              </a:rPr>
+              <a:t>1</a:t>
+            </a:r>
+            <a:r>
+              <a:rPr lang="en-US" sz="2400" i="1" dirty="0" smtClean="0">
+                <a:latin typeface="Times New Roman"/>
+                <a:cs typeface="Times New Roman"/>
+              </a:rPr>
+              <a:t> , p</a:t>
+            </a:r>
+            <a:r>
+              <a:rPr lang="en-US" sz="2400" dirty="0" smtClean="0">
+                <a:latin typeface="Times New Roman"/>
+                <a:cs typeface="Times New Roman"/>
+              </a:rPr>
+              <a:t>)</a:t>
+            </a:r>
+            <a:r>
+              <a:rPr lang="en-US" sz="2400" dirty="0" smtClean="0"/>
+              <a:t>:</a:t>
+            </a:r>
+          </a:p>
+          <a:p>
+            <a:pPr marL="342900" indent="-342900">
+              <a:buAutoNum type="arabicPeriod"/>
+            </a:pPr>
+            <a:r>
+              <a:rPr lang="en-US" sz="2000" dirty="0" smtClean="0"/>
+              <a:t>Parse </a:t>
+            </a:r>
+            <a:r>
+              <a:rPr lang="en-US" sz="2000" i="1" dirty="0" smtClean="0">
+                <a:latin typeface="Times New Roman"/>
+                <a:cs typeface="Times New Roman"/>
+              </a:rPr>
+              <a:t>p</a:t>
+            </a:r>
+            <a:r>
+              <a:rPr lang="en-US" sz="2000" dirty="0" smtClean="0"/>
+              <a:t> as: </a:t>
+            </a:r>
+          </a:p>
+          <a:p>
+            <a:pPr marL="342900" indent="-342900">
+              <a:buAutoNum type="arabicPeriod"/>
+            </a:pPr>
+            <a:endParaRPr lang="en-US" sz="2000" dirty="0" smtClean="0">
+              <a:latin typeface="Times New Roman"/>
+              <a:cs typeface="Times New Roman"/>
+            </a:endParaRPr>
+          </a:p>
+          <a:p>
+            <a:pPr marL="342900" indent="-342900">
+              <a:buAutoNum type="arabicPeriod"/>
+            </a:pPr>
+            <a:endParaRPr lang="en-US" sz="1600" dirty="0" smtClean="0"/>
+          </a:p>
+          <a:p>
+            <a:pPr marL="342900" indent="-342900">
+              <a:buAutoNum type="arabicPeriod"/>
+            </a:pPr>
+            <a:r>
+              <a:rPr lang="en-US" sz="2000" dirty="0" smtClean="0"/>
+              <a:t>Compute</a:t>
+            </a:r>
+          </a:p>
+          <a:p>
+            <a:endParaRPr lang="en-US" sz="2000" dirty="0" smtClean="0"/>
+          </a:p>
+          <a:p>
+            <a:endParaRPr lang="en-US" sz="2000" dirty="0" smtClean="0"/>
+          </a:p>
+          <a:p>
+            <a:r>
+              <a:rPr lang="en-US" sz="2000" dirty="0" smtClean="0"/>
+              <a:t>3. Invert </a:t>
+            </a:r>
+            <a:r>
+              <a:rPr lang="en-US" sz="2000" i="1" dirty="0" smtClean="0">
+                <a:latin typeface="Times New Roman"/>
+                <a:cs typeface="Times New Roman"/>
+              </a:rPr>
+              <a:t>C</a:t>
+            </a:r>
+            <a:r>
+              <a:rPr lang="en-US" sz="2000" dirty="0" smtClean="0">
+                <a:latin typeface="Times New Roman"/>
+                <a:cs typeface="Times New Roman"/>
+              </a:rPr>
+              <a:t>-</a:t>
+            </a:r>
+            <a:r>
+              <a:rPr lang="en-US" sz="2000" i="1" dirty="0" smtClean="0">
+                <a:latin typeface="Times New Roman"/>
+                <a:cs typeface="Times New Roman"/>
+              </a:rPr>
+              <a:t>w</a:t>
+            </a:r>
+            <a:r>
+              <a:rPr lang="en-US" sz="2000" baseline="-25000" dirty="0" smtClean="0">
+                <a:latin typeface="Times New Roman"/>
+                <a:cs typeface="Times New Roman"/>
+              </a:rPr>
+              <a:t>1</a:t>
+            </a:r>
+            <a:r>
+              <a:rPr lang="en-US" sz="2000" dirty="0" smtClean="0"/>
+              <a:t>, </a:t>
+            </a:r>
+            <a:br>
+              <a:rPr lang="en-US" sz="2000" dirty="0" smtClean="0"/>
+            </a:br>
+            <a:r>
+              <a:rPr lang="en-US" sz="2000" dirty="0" smtClean="0"/>
+              <a:t>    output </a:t>
+            </a:r>
+            <a:r>
+              <a:rPr lang="en-US" sz="2000" i="1" dirty="0" smtClean="0">
+                <a:latin typeface="Times New Roman"/>
+                <a:cs typeface="Times New Roman"/>
+              </a:rPr>
+              <a:t>key</a:t>
+            </a:r>
+            <a:r>
+              <a:rPr lang="en-US" sz="2000" dirty="0" smtClean="0"/>
+              <a:t/>
+            </a:r>
+            <a:br>
+              <a:rPr lang="en-US" sz="2000" dirty="0" smtClean="0"/>
+            </a:br>
+            <a:endParaRPr lang="en-US" sz="2000" dirty="0" smtClean="0"/>
+          </a:p>
+        </p:txBody>
+      </p:sp>
+      <p:sp>
+        <p:nvSpPr>
+          <p:cNvPr id="11" name="Rectangle 10"/>
+          <p:cNvSpPr/>
+          <p:nvPr/>
+        </p:nvSpPr>
+        <p:spPr>
+          <a:xfrm>
+            <a:off x="6166151" y="1765904"/>
+            <a:ext cx="2735943" cy="2491619"/>
+          </a:xfrm>
+          <a:prstGeom prst="rect">
+            <a:avLst/>
+          </a:prstGeom>
+          <a:noFill/>
+          <a:ln>
+            <a:solidFill>
+              <a:schemeClr val="tx1"/>
+            </a:solidFill>
+          </a:ln>
+        </p:spPr>
+        <p:style>
+          <a:lnRef idx="1">
+            <a:schemeClr val="accent1"/>
+          </a:lnRef>
+          <a:fillRef idx="3">
+            <a:schemeClr val="accent1"/>
+          </a:fillRef>
+          <a:effectRef idx="2">
+            <a:schemeClr val="accent1"/>
+          </a:effectRef>
+          <a:fontRef idx="minor">
+            <a:schemeClr val="lt1"/>
+          </a:fontRef>
+        </p:style>
+        <p:txBody>
+          <a:bodyPr rtlCol="0" anchor="ctr"/>
+          <a:lstStyle/>
+          <a:p>
+            <a:pPr algn="ctr"/>
+            <a:endParaRPr lang="en-US"/>
+          </a:p>
+        </p:txBody>
+      </p:sp>
+      <p:graphicFrame>
+        <p:nvGraphicFramePr>
+          <p:cNvPr id="13" name="Object 12"/>
+          <p:cNvGraphicFramePr>
+            <a:graphicFrameLocks noChangeAspect="1"/>
+          </p:cNvGraphicFramePr>
+          <p:nvPr>
+            <p:extLst>
+              <p:ext uri="{D42A27DB-BD31-4B8C-83A1-F6EECF244321}">
+                <p14:modId xmlns:p14="http://schemas.microsoft.com/office/powerpoint/2010/main" val="3159353666"/>
+              </p:ext>
+            </p:extLst>
+          </p:nvPr>
+        </p:nvGraphicFramePr>
+        <p:xfrm>
+          <a:off x="6575425" y="2068284"/>
+          <a:ext cx="1501775" cy="360363"/>
+        </p:xfrm>
+        <a:graphic>
+          <a:graphicData uri="http://schemas.openxmlformats.org/presentationml/2006/ole">
+            <mc:AlternateContent xmlns:mc="http://schemas.openxmlformats.org/markup-compatibility/2006">
+              <mc:Choice xmlns:v="urn:schemas-microsoft-com:vml" Requires="v">
+                <p:oleObj spid="_x0000_s15367" name="Equation" r:id="rId8" imgW="901700" imgH="215900" progId="Equation.3">
+                  <p:embed/>
+                </p:oleObj>
+              </mc:Choice>
+              <mc:Fallback>
+                <p:oleObj name="Equation" r:id="rId8" imgW="901700" imgH="215900" progId="Equation.3">
+                  <p:embed/>
+                  <p:pic>
+                    <p:nvPicPr>
+                      <p:cNvPr id="0" name=""/>
+                      <p:cNvPicPr/>
+                      <p:nvPr/>
+                    </p:nvPicPr>
+                    <p:blipFill>
+                      <a:blip r:embed="rId9"/>
+                      <a:stretch>
+                        <a:fillRect/>
+                      </a:stretch>
+                    </p:blipFill>
+                    <p:spPr>
+                      <a:xfrm>
+                        <a:off x="6575425" y="2068284"/>
+                        <a:ext cx="1501775" cy="360363"/>
+                      </a:xfrm>
+                      <a:prstGeom prst="rect">
+                        <a:avLst/>
+                      </a:prstGeom>
+                    </p:spPr>
+                  </p:pic>
+                </p:oleObj>
+              </mc:Fallback>
+            </mc:AlternateContent>
+          </a:graphicData>
+        </a:graphic>
+      </p:graphicFrame>
+      <p:graphicFrame>
+        <p:nvGraphicFramePr>
+          <p:cNvPr id="14" name="Object 13"/>
+          <p:cNvGraphicFramePr>
+            <a:graphicFrameLocks noChangeAspect="1"/>
+          </p:cNvGraphicFramePr>
+          <p:nvPr>
+            <p:extLst>
+              <p:ext uri="{D42A27DB-BD31-4B8C-83A1-F6EECF244321}">
+                <p14:modId xmlns:p14="http://schemas.microsoft.com/office/powerpoint/2010/main" val="363066270"/>
+              </p:ext>
+            </p:extLst>
+          </p:nvPr>
+        </p:nvGraphicFramePr>
+        <p:xfrm>
+          <a:off x="6340475" y="2917825"/>
+          <a:ext cx="2346325" cy="360363"/>
+        </p:xfrm>
+        <a:graphic>
+          <a:graphicData uri="http://schemas.openxmlformats.org/presentationml/2006/ole">
+            <mc:AlternateContent xmlns:mc="http://schemas.openxmlformats.org/markup-compatibility/2006">
+              <mc:Choice xmlns:v="urn:schemas-microsoft-com:vml" Requires="v">
+                <p:oleObj spid="_x0000_s15368" name="Equation" r:id="rId10" imgW="1409700" imgH="215900" progId="Equation.3">
+                  <p:embed/>
+                </p:oleObj>
+              </mc:Choice>
+              <mc:Fallback>
+                <p:oleObj name="Equation" r:id="rId10" imgW="1409700" imgH="215900" progId="Equation.3">
+                  <p:embed/>
+                  <p:pic>
+                    <p:nvPicPr>
+                      <p:cNvPr id="0" name=""/>
+                      <p:cNvPicPr/>
+                      <p:nvPr/>
+                    </p:nvPicPr>
+                    <p:blipFill>
+                      <a:blip r:embed="rId11"/>
+                      <a:stretch>
+                        <a:fillRect/>
+                      </a:stretch>
+                    </p:blipFill>
+                    <p:spPr>
+                      <a:xfrm>
+                        <a:off x="6340475" y="2917825"/>
+                        <a:ext cx="2346325" cy="360363"/>
+                      </a:xfrm>
+                      <a:prstGeom prst="rect">
+                        <a:avLst/>
+                      </a:prstGeom>
+                    </p:spPr>
+                  </p:pic>
+                </p:oleObj>
+              </mc:Fallback>
+            </mc:AlternateContent>
+          </a:graphicData>
+        </a:graphic>
+      </p:graphicFrame>
+    </p:spTree>
+    <p:extLst>
+      <p:ext uri="{BB962C8B-B14F-4D97-AF65-F5344CB8AC3E}">
+        <p14:creationId xmlns:p14="http://schemas.microsoft.com/office/powerpoint/2010/main" val="133998957"/>
+      </p:ext>
+    </p:extLst>
+  </p:cSld>
+  <p:clrMapOvr>
+    <a:masterClrMapping/>
+  </p:clrMapOvr>
+  <p:timing>
+    <p:tnLst>
+      <p:par>
+        <p:cTn xmlns:p14="http://schemas.microsoft.com/office/powerpoint/2010/main" id="1" dur="indefinite" restart="never" nodeType="tmRoot">
+          <p:childTnLst>
+            <p:seq concurrent="1" nextAc="seek">
+              <p:cTn id="2" dur="indefinite" nodeType="mainSeq">
+                <p:childTnLst>
+                  <p:par>
+                    <p:cTn id="3" fill="hold">
+                      <p:stCondLst>
+                        <p:cond delay="indefinite"/>
+                      </p:stCondLst>
+                      <p:childTnLst>
+                        <p:par>
+                          <p:cTn id="4" fill="hold">
+                            <p:stCondLst>
+                              <p:cond delay="0"/>
+                            </p:stCondLst>
+                            <p:childTnLst>
+                              <p:par>
+                                <p:cTn id="5" presetID="10" presetClass="entr" presetSubtype="0" fill="hold" nodeType="clickEffect">
+                                  <p:stCondLst>
+                                    <p:cond delay="0"/>
+                                  </p:stCondLst>
+                                  <p:childTnLst>
+                                    <p:set>
+                                      <p:cBhvr>
+                                        <p:cTn id="6" dur="1" fill="hold">
+                                          <p:stCondLst>
+                                            <p:cond delay="0"/>
+                                          </p:stCondLst>
+                                        </p:cTn>
+                                        <p:tgtEl>
+                                          <p:spTgt spid="26">
+                                            <p:txEl>
+                                              <p:pRg st="9" end="9"/>
+                                            </p:txEl>
+                                          </p:spTgt>
+                                        </p:tgtEl>
+                                        <p:attrNameLst>
+                                          <p:attrName>style.visibility</p:attrName>
+                                        </p:attrNameLst>
+                                      </p:cBhvr>
+                                      <p:to>
+                                        <p:strVal val="visible"/>
+                                      </p:to>
+                                    </p:set>
+                                    <p:animEffect transition="in" filter="fade">
+                                      <p:cBhvr>
+                                        <p:cTn id="7" dur="500"/>
+                                        <p:tgtEl>
+                                          <p:spTgt spid="26">
+                                            <p:txEl>
+                                              <p:pRg st="9" end="9"/>
+                                            </p:txEl>
+                                          </p:spTgt>
+                                        </p:tgtEl>
+                                      </p:cBhvr>
+                                    </p:animEffect>
+                                  </p:childTnLst>
+                                </p:cTn>
+                              </p:par>
+                            </p:childTnLst>
+                          </p:cTn>
+                        </p:par>
+                      </p:childTnLst>
+                    </p:cTn>
+                  </p:par>
+                  <p:par>
+                    <p:cTn id="8" fill="hold">
+                      <p:stCondLst>
+                        <p:cond delay="indefinite"/>
+                      </p:stCondLst>
+                      <p:childTnLst>
+                        <p:par>
+                          <p:cTn id="9" fill="hold">
+                            <p:stCondLst>
+                              <p:cond delay="0"/>
+                            </p:stCondLst>
+                            <p:childTnLst>
+                              <p:par>
+                                <p:cTn id="10" presetID="10" presetClass="entr" presetSubtype="0" fill="hold" grpId="0" nodeType="clickEffect">
+                                  <p:stCondLst>
+                                    <p:cond delay="0"/>
+                                  </p:stCondLst>
+                                  <p:childTnLst>
+                                    <p:set>
+                                      <p:cBhvr>
+                                        <p:cTn id="11" dur="1" fill="hold">
+                                          <p:stCondLst>
+                                            <p:cond delay="0"/>
+                                          </p:stCondLst>
+                                        </p:cTn>
+                                        <p:tgtEl>
+                                          <p:spTgt spid="10">
+                                            <p:txEl>
+                                              <p:pRg st="7" end="7"/>
+                                            </p:txEl>
+                                          </p:spTgt>
+                                        </p:tgtEl>
+                                        <p:attrNameLst>
+                                          <p:attrName>style.visibility</p:attrName>
+                                        </p:attrNameLst>
+                                      </p:cBhvr>
+                                      <p:to>
+                                        <p:strVal val="visible"/>
+                                      </p:to>
+                                    </p:set>
+                                    <p:animEffect transition="in" filter="fade">
+                                      <p:cBhvr>
+                                        <p:cTn id="12" dur="500"/>
+                                        <p:tgtEl>
+                                          <p:spTgt spid="10">
+                                            <p:txEl>
+                                              <p:pRg st="7" end="7"/>
+                                            </p:txEl>
+                                          </p:spTgt>
+                                        </p:tgtEl>
+                                      </p:cBhvr>
+                                    </p:animEffect>
+                                  </p:childTnLst>
+                                </p:cTn>
+                              </p:par>
+                            </p:childTnLst>
+                          </p:cTn>
+                        </p:par>
+                      </p:childTnLst>
+                    </p:cTn>
+                  </p:par>
+                </p:childTnLst>
+              </p:cTn>
+              <p:prevCondLst>
+                <p:cond evt="onPrev" delay="0">
+                  <p:tgtEl>
+                    <p:sldTgt/>
+                  </p:tgtEl>
+                </p:cond>
+              </p:prevCondLst>
+              <p:nextCondLst>
+                <p:cond evt="onNext" delay="0">
+                  <p:tgtEl>
+                    <p:sldTgt/>
+                  </p:tgtEl>
+                </p:cond>
+              </p:nextCondLst>
+            </p:seq>
+          </p:childTnLst>
+        </p:cTn>
+      </p:par>
+    </p:tnLst>
+    <p:bldLst>
+      <p:bldP spid="10" grpId="0" uiExpand="1" build="p"/>
+    </p:bldLst>
+  </p:timing>
+</p:sld>
+</file>
+
+<file path=ppt/slides/slide36.xml><?xml version="1.0" encoding="utf-8"?>
+<p:sld xmlns:a="http://schemas.openxmlformats.org/drawingml/2006/main" xmlns:r="http://schemas.openxmlformats.org/officeDocument/2006/relationships" xmlns:p="http://schemas.openxmlformats.org/presentationml/2006/main">
   <p:cSld>
     <p:spTree>
       <p:nvGrpSpPr>
@@ -28570,14 +31701,19 @@
             <p:ph type="title"/>
           </p:nvPr>
         </p:nvSpPr>
-        <p:spPr/>
+        <p:spPr>
+          <a:xfrm>
+            <a:off x="457200" y="8543"/>
+            <a:ext cx="8229600" cy="1143000"/>
+          </a:xfrm>
+        </p:spPr>
         <p:txBody>
           <a:bodyPr/>
           <a:lstStyle/>
           <a:p>
             <a:r>
               <a:rPr lang="en-US" dirty="0" smtClean="0"/>
-              <a:t>Error Sampling</a:t>
+              <a:t>Lossless Fuzzy Extractor</a:t>
             </a:r>
             <a:endParaRPr lang="en-US" dirty="0"/>
           </a:p>
@@ -28593,314 +31729,315 @@
             <p:ph idx="1"/>
           </p:nvPr>
         </p:nvSpPr>
-        <p:spPr/>
+        <p:spPr>
+          <a:xfrm>
+            <a:off x="457200" y="1151543"/>
+            <a:ext cx="8229600" cy="5585505"/>
+          </a:xfrm>
+        </p:spPr>
         <p:txBody>
           <a:bodyPr>
-            <a:normAutofit fontScale="92500" lnSpcReduction="20000"/>
+            <a:normAutofit fontScale="85000" lnSpcReduction="10000"/>
           </a:bodyPr>
           <a:lstStyle/>
           <a:p>
             <a:r>
+              <a:rPr lang="en-US" dirty="0" smtClean="0"/>
+              <a:t>Using [DottlingMullerQuade13], dimensions of </a:t>
+            </a:r>
+            <a:r>
               <a:rPr lang="en-US" i="1" dirty="0" smtClean="0">
-                <a:sym typeface="Symbol"/>
-              </a:rPr>
-              <a:t></a:t>
+                <a:latin typeface="Times New Roman"/>
+                <a:cs typeface="Times New Roman"/>
+              </a:rPr>
+              <a:t>x</a:t>
+            </a:r>
+            <a:r>
+              <a:rPr lang="en-US" dirty="0" smtClean="0"/>
+              <a:t> have linearly more bits than dimensions of </a:t>
+            </a:r>
+            <a:r>
+              <a:rPr lang="en-US" i="1" dirty="0" smtClean="0">
+                <a:latin typeface="Times New Roman"/>
+                <a:cs typeface="Times New Roman"/>
+              </a:rPr>
+              <a:t>w</a:t>
+            </a:r>
+          </a:p>
+          <a:p>
+            <a:r>
+              <a:rPr lang="en-US" dirty="0" smtClean="0"/>
+              <a:t>We can extract half the bits of </a:t>
+            </a:r>
+            <a:r>
+              <a:rPr lang="en-US" i="1" dirty="0" smtClean="0">
+                <a:latin typeface="Times New Roman"/>
+                <a:cs typeface="Times New Roman"/>
+              </a:rPr>
+              <a:t>x</a:t>
+            </a:r>
+            <a:r>
+              <a:rPr lang="en-US" dirty="0" smtClean="0"/>
+              <a:t> as a key</a:t>
+            </a:r>
+          </a:p>
+          <a:p>
+            <a:pPr lvl="1"/>
+            <a:r>
+              <a:rPr lang="en-US" dirty="0" smtClean="0"/>
+              <a:t>Allows us to be lossless when </a:t>
+            </a:r>
+            <a:r>
+              <a:rPr lang="en-US" i="1" dirty="0" smtClean="0">
+                <a:latin typeface="Times New Roman"/>
+                <a:cs typeface="Times New Roman"/>
+              </a:rPr>
+              <a:t>m</a:t>
             </a:r>
             <a:r>
               <a:rPr lang="en-US" dirty="0" smtClean="0">
-                <a:sym typeface="Symbol"/>
+                <a:latin typeface="Times New Roman"/>
+                <a:cs typeface="Times New Roman"/>
               </a:rPr>
               <a:t> </a:t>
             </a:r>
             <a:r>
+              <a:rPr lang="en-US" dirty="0">
+                <a:latin typeface="Times New Roman"/>
+                <a:cs typeface="Times New Roman"/>
+              </a:rPr>
+              <a:t>= </a:t>
+            </a:r>
+            <a:r>
+              <a:rPr lang="en-US" i="1" dirty="0">
+                <a:latin typeface="Times New Roman"/>
+                <a:cs typeface="Times New Roman"/>
+              </a:rPr>
+              <a:t>O</a:t>
+            </a:r>
+            <a:r>
+              <a:rPr lang="en-US" dirty="0">
+                <a:latin typeface="Times New Roman"/>
+                <a:cs typeface="Times New Roman"/>
+              </a:rPr>
+              <a:t>(</a:t>
+            </a:r>
+            <a:r>
+              <a:rPr lang="en-US" i="1" dirty="0">
+                <a:latin typeface="Times New Roman"/>
+                <a:cs typeface="Times New Roman"/>
+              </a:rPr>
+              <a:t>n</a:t>
+            </a:r>
+            <a:r>
+              <a:rPr lang="en-US" dirty="0" smtClean="0">
+                <a:latin typeface="Times New Roman"/>
+                <a:cs typeface="Times New Roman"/>
+              </a:rPr>
+              <a:t>)</a:t>
+            </a:r>
+            <a:r>
               <a:rPr lang="en-US" dirty="0" smtClean="0"/>
-              <a:t>is typically a discrete Gaussian distribution</a:t>
+              <a:t> </a:t>
             </a:r>
           </a:p>
           <a:p>
             <a:r>
               <a:rPr lang="en-US" dirty="0" smtClean="0"/>
-              <a:t>Efficient and parallel sampler exists</a:t>
-            </a:r>
-            <a:r>
-              <a:rPr lang="en-US" baseline="30000" dirty="0" smtClean="0"/>
-              <a:t>1</a:t>
-            </a:r>
-          </a:p>
-          <a:p>
-            <a:r>
+              <a:t>Our inversion algorithm works if </a:t>
+            </a:r>
+            <a:br>
               <a:rPr lang="en-US" dirty="0" smtClean="0"/>
-              <a:t>We will explicitly denote the randomness of the sampler, </a:t>
-            </a:r>
-            <a:r>
-              <a:rPr lang="en-US" i="1" dirty="0" smtClean="0">
-                <a:latin typeface="Times New Roman"/>
-                <a:cs typeface="Times New Roman"/>
-              </a:rPr>
-              <a:t>S</a:t>
-            </a:r>
-            <a:r>
-              <a:rPr lang="en-US" dirty="0" smtClean="0"/>
-              <a:t>, as </a:t>
-            </a:r>
-            <a:r>
-              <a:rPr lang="en-US" i="1" dirty="0" smtClean="0">
-                <a:latin typeface="Times New Roman"/>
-                <a:cs typeface="Times New Roman"/>
-              </a:rPr>
-              <a:t>r</a:t>
-            </a:r>
-          </a:p>
-          <a:p>
-            <a:r>
-              <a:rPr lang="en-US" dirty="0" smtClean="0"/>
-              <a:t>A parallel sampler implies that </a:t>
-            </a:r>
-            <a:r>
-              <a:rPr lang="en-US" i="1" dirty="0" smtClean="0">
-                <a:latin typeface="Times New Roman"/>
-                <a:cs typeface="Times New Roman"/>
-              </a:rPr>
-              <a:t>S</a:t>
-            </a:r>
-            <a:r>
-              <a:rPr lang="en-US" dirty="0" smtClean="0"/>
-              <a:t> is low distortion, that is, </a:t>
-            </a:r>
-            <a:endParaRPr lang="en-US" dirty="0"/>
-          </a:p>
-          <a:p>
+            </a:br>
             <a:endParaRPr lang="en-US" dirty="0" smtClean="0"/>
           </a:p>
           <a:p>
-            <a:pPr marL="0" indent="0" algn="ctr">
+            <a:endParaRPr lang="en-US" u="sng" dirty="0" smtClean="0"/>
+          </a:p>
+          <a:p>
+            <a:pPr marL="0" indent="0">
               <a:buNone/>
             </a:pPr>
             <a:r>
-              <a:rPr lang="en-US" sz="2400" i="1" dirty="0" smtClean="0">
+              <a:rPr lang="en-US" u="sng" dirty="0" smtClean="0"/>
+              <a:t>Theorem 3:</a:t>
+            </a:r>
+            <a:r>
+              <a:rPr lang="en-US" dirty="0" smtClean="0"/>
+              <a:t>  If </a:t>
+            </a:r>
+            <a:r>
+              <a:rPr lang="en-US" i="1" dirty="0" err="1" smtClean="0">
                 <a:latin typeface="Times New Roman"/>
                 <a:cs typeface="Times New Roman"/>
               </a:rPr>
               <a:t>d</a:t>
             </a:r>
             <a:r>
-              <a:rPr lang="en-US" sz="2400" dirty="0" smtClean="0">
-                <a:latin typeface="Times New Roman"/>
-                <a:cs typeface="Times New Roman"/>
-              </a:rPr>
-              <a:t>(r, </a:t>
-            </a:r>
-            <a:r>
-              <a:rPr lang="en-US" sz="2400" i="1" dirty="0" smtClean="0">
-                <a:latin typeface="Times New Roman"/>
-                <a:cs typeface="Times New Roman"/>
-              </a:rPr>
-              <a:t>r’</a:t>
-            </a:r>
-            <a:r>
-              <a:rPr lang="en-US" sz="2400" dirty="0" smtClean="0">
-                <a:latin typeface="Times New Roman"/>
-                <a:cs typeface="Times New Roman"/>
-              </a:rPr>
-              <a:t>) &lt; </a:t>
-            </a:r>
-            <a:r>
-              <a:rPr lang="en-US" sz="2400" i="1" dirty="0" err="1" smtClean="0">
-                <a:latin typeface="Times New Roman"/>
-                <a:cs typeface="Times New Roman"/>
-              </a:rPr>
-              <a:t>d</a:t>
-            </a:r>
-            <a:r>
-              <a:rPr lang="en-US" sz="2400" i="1" baseline="-25000" dirty="0" err="1" smtClean="0">
+              <a:rPr lang="en-US" i="1" baseline="-25000" dirty="0" err="1" smtClean="0">
                 <a:latin typeface="Times New Roman"/>
                 <a:cs typeface="Times New Roman"/>
               </a:rPr>
               <a:t>max</a:t>
             </a:r>
-            <a:endParaRPr lang="en-US" sz="2400" i="1" baseline="-25000" dirty="0" smtClean="0">
-              <a:latin typeface="Times New Roman"/>
-              <a:cs typeface="Times New Roman"/>
-            </a:endParaRPr>
-          </a:p>
-          <a:p>
-            <a:pPr marL="0" indent="0" algn="ctr">
+            <a:r>
+              <a:rPr lang="en-US" dirty="0" smtClean="0">
+                <a:latin typeface="Times New Roman"/>
+                <a:cs typeface="Times New Roman"/>
+              </a:rPr>
+              <a:t> = </a:t>
+            </a:r>
+            <a:r>
+              <a:rPr lang="en-US" i="1" dirty="0" smtClean="0">
+                <a:latin typeface="Times New Roman"/>
+                <a:cs typeface="Times New Roman"/>
+              </a:rPr>
+              <a:t>O</a:t>
+            </a:r>
+            <a:r>
+              <a:rPr lang="en-US" dirty="0" smtClean="0">
+                <a:latin typeface="Times New Roman"/>
+                <a:cs typeface="Times New Roman"/>
+              </a:rPr>
+              <a:t>(log </a:t>
+            </a:r>
+            <a:r>
+              <a:rPr lang="en-US" i="1" dirty="0" smtClean="0">
+                <a:latin typeface="Times New Roman"/>
+                <a:cs typeface="Times New Roman"/>
+              </a:rPr>
+              <a:t>n</a:t>
+            </a:r>
+            <a:r>
+              <a:rPr lang="en-US" dirty="0" smtClean="0">
+                <a:latin typeface="Times New Roman"/>
+                <a:cs typeface="Times New Roman"/>
+              </a:rPr>
+              <a:t>) and </a:t>
+            </a:r>
+            <a:r>
+              <a:rPr lang="en-US" i="1" dirty="0" smtClean="0">
+                <a:latin typeface="Times New Roman"/>
+                <a:cs typeface="Times New Roman"/>
+              </a:rPr>
+              <a:t>W</a:t>
+            </a:r>
+            <a:r>
+              <a:rPr lang="en-US" dirty="0" smtClean="0">
+                <a:latin typeface="Calibri"/>
+                <a:cs typeface="Calibri"/>
+              </a:rPr>
+              <a:t> is uniform, </a:t>
+            </a:r>
+            <a:r>
+              <a:rPr lang="en-US" dirty="0" smtClean="0"/>
+              <a:t/>
+            </a:r>
+            <a:br>
+              <a:rPr lang="en-US" dirty="0" smtClean="0"/>
+            </a:br>
+            <a:r>
+              <a:rPr lang="en-US" dirty="0" smtClean="0"/>
+              <a:t>our construction </a:t>
+            </a:r>
+          </a:p>
+          <a:p>
+            <a:pPr marL="0" indent="0">
               <a:buNone/>
             </a:pPr>
             <a:r>
               <a:rPr lang="en-US" dirty="0" smtClean="0"/>
-              <a:t>Implies</a:t>
-            </a:r>
-          </a:p>
-          <a:p>
-            <a:pPr marL="0" indent="0" algn="ctr">
+              <a:t>1) Is lossless </a:t>
+            </a:r>
+          </a:p>
+          <a:p>
+            <a:pPr marL="0" indent="0">
               <a:buNone/>
             </a:pPr>
             <a:r>
-              <a:rPr lang="en-US" i="1" dirty="0" smtClean="0">
-                <a:latin typeface="Times New Roman"/>
-                <a:cs typeface="Times New Roman"/>
-              </a:rPr>
-              <a:t>d</a:t>
-            </a:r>
-            <a:r>
-              <a:rPr lang="en-US" dirty="0" smtClean="0">
-                <a:latin typeface="Times New Roman"/>
-                <a:cs typeface="Times New Roman"/>
-              </a:rPr>
-              <a:t>(</a:t>
-            </a:r>
-            <a:r>
-              <a:rPr lang="en-US" i="1" dirty="0" smtClean="0">
-                <a:latin typeface="Times New Roman"/>
-                <a:cs typeface="Times New Roman"/>
-              </a:rPr>
-              <a:t>S</a:t>
-            </a:r>
-            <a:r>
-              <a:rPr lang="en-US" dirty="0" smtClean="0">
-                <a:latin typeface="Times New Roman"/>
-                <a:cs typeface="Times New Roman"/>
-              </a:rPr>
-              <a:t>(</a:t>
-            </a:r>
-            <a:r>
-              <a:rPr lang="en-US" i="1" dirty="0" smtClean="0">
-                <a:latin typeface="Times New Roman"/>
-                <a:cs typeface="Times New Roman"/>
-              </a:rPr>
-              <a:t>r</a:t>
-            </a:r>
-            <a:r>
-              <a:rPr lang="en-US" dirty="0" smtClean="0">
-                <a:latin typeface="Times New Roman"/>
-                <a:cs typeface="Times New Roman"/>
-              </a:rPr>
-              <a:t>), </a:t>
-            </a:r>
-            <a:r>
-              <a:rPr lang="en-US" i="1" dirty="0" smtClean="0">
-                <a:latin typeface="Times New Roman"/>
-                <a:cs typeface="Times New Roman"/>
-              </a:rPr>
-              <a:t>S</a:t>
-            </a:r>
-            <a:r>
-              <a:rPr lang="en-US" dirty="0" smtClean="0">
-                <a:latin typeface="Times New Roman"/>
-                <a:cs typeface="Times New Roman"/>
-              </a:rPr>
-              <a:t>(</a:t>
-            </a:r>
-            <a:r>
-              <a:rPr lang="en-US" i="1" dirty="0" smtClean="0">
-                <a:latin typeface="Times New Roman"/>
-                <a:cs typeface="Times New Roman"/>
-              </a:rPr>
-              <a:t>r’</a:t>
-            </a:r>
-            <a:r>
-              <a:rPr lang="en-US" dirty="0" smtClean="0">
-                <a:latin typeface="Times New Roman"/>
-                <a:cs typeface="Times New Roman"/>
-              </a:rPr>
-              <a:t>))&lt; </a:t>
-            </a:r>
-            <a:r>
-              <a:rPr lang="en-US" i="1" dirty="0" smtClean="0">
-                <a:latin typeface="Times New Roman"/>
-                <a:cs typeface="Times New Roman"/>
-              </a:rPr>
-              <a:t>c</a:t>
-            </a:r>
-            <a:r>
-              <a:rPr lang="en-US" dirty="0" smtClean="0">
-                <a:latin typeface="Times New Roman"/>
-                <a:cs typeface="Times New Roman"/>
-              </a:rPr>
-              <a:t>* </a:t>
-            </a:r>
-            <a:r>
-              <a:rPr lang="en-US" i="1" dirty="0" err="1" smtClean="0">
-                <a:latin typeface="Times New Roman"/>
-                <a:cs typeface="Times New Roman"/>
-              </a:rPr>
-              <a:t>d</a:t>
-            </a:r>
-            <a:r>
-              <a:rPr lang="en-US" baseline="-25000" dirty="0" err="1" smtClean="0">
-                <a:latin typeface="Times New Roman"/>
-                <a:cs typeface="Times New Roman"/>
-              </a:rPr>
-              <a:t>max</a:t>
-            </a:r>
-            <a:endParaRPr lang="en-US" baseline="-25000" dirty="0" smtClean="0">
-              <a:latin typeface="Times New Roman"/>
-              <a:cs typeface="Times New Roman"/>
-            </a:endParaRPr>
+              <a:rPr lang="en-US" dirty="0" smtClean="0"/>
+              <a:t>2) Decoding runs in expected polynomial time</a:t>
+            </a:r>
+          </a:p>
+          <a:p>
+            <a:pPr marL="0" indent="0">
+              <a:buNone/>
+            </a:pPr>
+            <a:r>
+              <a:rPr lang="en-US" dirty="0" smtClean="0"/>
+              <a:t>3) Yields pseudorandom key assuming GAPSVP and SIVP are hard to approximate within polynomial factors</a:t>
+            </a:r>
+            <a:endParaRPr lang="en-US" dirty="0"/>
           </a:p>
         </p:txBody>
       </p:sp>
-      <p:sp>
-        <p:nvSpPr>
-          <p:cNvPr id="4" name="TextBox 3"/>
-          <p:cNvSpPr txBox="1"/>
-          <p:nvPr/>
-        </p:nvSpPr>
-        <p:spPr>
-          <a:xfrm>
-            <a:off x="76200" y="5692914"/>
-            <a:ext cx="3505200" cy="400110"/>
-          </a:xfrm>
-          <a:prstGeom prst="rect">
-            <a:avLst/>
-          </a:prstGeom>
-          <a:noFill/>
-        </p:spPr>
-        <p:txBody>
-          <a:bodyPr wrap="square" rtlCol="0">
-            <a:spAutoFit/>
-          </a:bodyPr>
-          <a:lstStyle/>
-          <a:p>
-            <a:r>
-              <a:rPr lang="en-US" sz="1000" baseline="30000" dirty="0" smtClean="0"/>
-              <a:t>1</a:t>
-            </a:r>
-            <a:r>
-              <a:rPr lang="en-US" sz="1000" dirty="0" smtClean="0"/>
-              <a:t>C. </a:t>
-            </a:r>
-            <a:r>
-              <a:rPr lang="en-US" sz="1000" dirty="0" err="1" smtClean="0"/>
-              <a:t>Peikert</a:t>
-            </a:r>
-            <a:r>
-              <a:rPr lang="en-US" sz="1000" dirty="0" smtClean="0"/>
-              <a:t> “An Efficient and Parallel Gaussian Sampler for Lattices”. Advances in Cryptology – CRYPTO 2010, 2010.</a:t>
-            </a:r>
-            <a:endParaRPr lang="en-US" sz="1000" dirty="0"/>
-          </a:p>
-        </p:txBody>
-      </p:sp>
+      <p:graphicFrame>
+        <p:nvGraphicFramePr>
+          <p:cNvPr id="4" name="Object 3"/>
+          <p:cNvGraphicFramePr>
+            <a:graphicFrameLocks noChangeAspect="1"/>
+          </p:cNvGraphicFramePr>
+          <p:nvPr>
+            <p:extLst>
+              <p:ext uri="{D42A27DB-BD31-4B8C-83A1-F6EECF244321}">
+                <p14:modId xmlns:p14="http://schemas.microsoft.com/office/powerpoint/2010/main" val="4274697422"/>
+              </p:ext>
+            </p:extLst>
+          </p:nvPr>
+        </p:nvGraphicFramePr>
+        <p:xfrm>
+          <a:off x="887413" y="3268663"/>
+          <a:ext cx="3203575" cy="768350"/>
+        </p:xfrm>
+        <a:graphic>
+          <a:graphicData uri="http://schemas.openxmlformats.org/presentationml/2006/ole">
+            <mc:AlternateContent xmlns:mc="http://schemas.openxmlformats.org/markup-compatibility/2006">
+              <mc:Choice xmlns:v="urn:schemas-microsoft-com:vml" Requires="v">
+                <p:oleObj spid="_x0000_s17410" name="Equation" r:id="rId3" imgW="1905000" imgH="457200" progId="Equation.3">
+                  <p:embed/>
+                </p:oleObj>
+              </mc:Choice>
+              <mc:Fallback>
+                <p:oleObj name="Equation" r:id="rId3" imgW="1905000" imgH="457200" progId="Equation.3">
+                  <p:embed/>
+                  <p:pic>
+                    <p:nvPicPr>
+                      <p:cNvPr id="0" name=""/>
+                      <p:cNvPicPr/>
+                      <p:nvPr/>
+                    </p:nvPicPr>
+                    <p:blipFill>
+                      <a:blip r:embed="rId4"/>
+                      <a:stretch>
+                        <a:fillRect/>
+                      </a:stretch>
+                    </p:blipFill>
+                    <p:spPr>
+                      <a:xfrm>
+                        <a:off x="887413" y="3268663"/>
+                        <a:ext cx="3203575" cy="768350"/>
+                      </a:xfrm>
+                      <a:prstGeom prst="rect">
+                        <a:avLst/>
+                      </a:prstGeom>
+                    </p:spPr>
+                  </p:pic>
+                </p:oleObj>
+              </mc:Fallback>
+            </mc:AlternateContent>
+          </a:graphicData>
+        </a:graphic>
+      </p:graphicFrame>
     </p:spTree>
     <p:extLst>
       <p:ext uri="{BB962C8B-B14F-4D97-AF65-F5344CB8AC3E}">
-        <p14:creationId xmlns:p14="http://schemas.microsoft.com/office/powerpoint/2010/main" val="2607499836"/>
+        <p14:creationId xmlns:p14="http://schemas.microsoft.com/office/powerpoint/2010/main" val="1237157144"/>
       </p:ext>
     </p:extLst>
   </p:cSld>
   <p:clrMapOvr>
     <a:masterClrMapping/>
   </p:clrMapOvr>
-  <mc:AlternateContent xmlns:mc="http://schemas.openxmlformats.org/markup-compatibility/2006">
-    <mc:Choice xmlns:p14="http://schemas.microsoft.com/office/powerpoint/2010/main" Requires="p14">
-      <p:transition spd="slow" p14:dur="2000"/>
-    </mc:Choice>
-    <mc:Fallback>
-      <p:transition xmlns:p14="http://schemas.microsoft.com/office/powerpoint/2010/main" spd="slow"/>
-    </mc:Fallback>
-  </mc:AlternateContent>
   <p:timing>
     <p:tnLst>
       <p:par>
@@ -29025,77 +32162,15 @@
                                   </p:childTnLst>
                                 </p:cTn>
                               </p:par>
-                            </p:childTnLst>
-                          </p:cTn>
-                        </p:par>
-                        <p:par>
-                          <p:cTn id="13" fill="hold">
-                            <p:stCondLst>
-                              <p:cond delay="500"/>
-                            </p:stCondLst>
-                            <p:childTnLst>
                               <p:par>
-                                <p:cTn id="14" presetID="10" presetClass="entr" presetSubtype="0" fill="hold" grpId="0" nodeType="afterEffect">
+                                <p:cTn id="13" presetID="10" presetClass="entr" presetSubtype="0" fill="hold" grpId="0" nodeType="withEffect">
                                   <p:stCondLst>
                                     <p:cond delay="0"/>
                                   </p:stCondLst>
                                   <p:childTnLst>
                                     <p:set>
                                       <p:cBhvr>
-                                        <p:cTn id="15" dur="1" fill="hold">
-                                          <p:stCondLst>
-                                            <p:cond delay="0"/>
-                                          </p:stCondLst>
-                                        </p:cTn>
-                                        <p:tgtEl>
-                                          <p:spTgt spid="4"/>
-                                        </p:tgtEl>
-                                        <p:attrNameLst>
-                                          <p:attrName>style.visibility</p:attrName>
-                                        </p:attrNameLst>
-                                      </p:cBhvr>
-                                      <p:to>
-                                        <p:strVal val="visible"/>
-                                      </p:to>
-                                    </p:set>
-                                    <p:animEffect transition="in" filter="fade">
-                                      <p:cBhvr>
-                                        <p:cTn id="16" dur="500"/>
-                                        <p:tgtEl>
-                                          <p:spTgt spid="4"/>
-                                        </p:tgtEl>
-                                      </p:cBhvr>
-                                    </p:animEffect>
-                                  </p:childTnLst>
-                                </p:cTn>
-                              </p:par>
-                            </p:childTnLst>
-                          </p:cTn>
-                        </p:par>
-                      </p:childTnLst>
-                    </p:cTn>
-                  </p:par>
-                  <p:par>
-                    <p:cTn id="17" fill="hold">
-                      <p:stCondLst>
-                        <p:cond delay="indefinite"/>
-                      </p:stCondLst>
-                      <p:childTnLst>
-                        <p:par>
-                          <p:cTn id="18" fill="hold">
-                            <p:stCondLst>
-                              <p:cond delay="0"/>
-                            </p:stCondLst>
-                            <p:childTnLst>
-                              <p:par>
-                                <p:cTn id="19" presetID="10" presetClass="entr" presetSubtype="0" fill="hold" grpId="0" nodeType="clickEffect">
-                                  <p:stCondLst>
-                                    <p:cond delay="0"/>
-                                  </p:stCondLst>
-                                  <p:childTnLst>
-                                    <p:set>
-                                      <p:cBhvr>
-                                        <p:cTn id="20" dur="1" fill="hold">
+                                        <p:cTn id="14" dur="1" fill="hold">
                                           <p:stCondLst>
                                             <p:cond delay="0"/>
                                           </p:stCondLst>
@@ -29117,7 +32192,7 @@
                                     </p:set>
                                     <p:animEffect transition="in" filter="fade">
                                       <p:cBhvr>
-                                        <p:cTn id="21" dur="500"/>
+                                        <p:cTn id="15" dur="500"/>
                                         <p:tgtEl>
                                           <p:spTgt spid="3">
                                             <p:txEl>
@@ -29137,26 +32212,26 @@
                     </p:cTn>
                   </p:par>
                   <p:par>
-                    <p:cTn id="22" fill="hold">
+                    <p:cTn id="16" fill="hold">
                       <p:stCondLst>
                         <p:cond delay="indefinite"/>
                       </p:stCondLst>
                       <p:childTnLst>
                         <p:par>
-                          <p:cTn id="23" fill="hold">
+                          <p:cTn id="17" fill="hold">
                             <p:stCondLst>
                               <p:cond delay="0"/>
                             </p:stCondLst>
                             <p:childTnLst>
                               <p:par>
-                                <p:cTn id="24" presetID="10" presetClass="entr" presetSubtype="0" fill="hold" grpId="0" nodeType="clickEffect">
+                                <p:cTn id="18" presetID="10" presetClass="entr" presetSubtype="0" fill="hold" grpId="0" nodeType="clickEffect">
                                   <p:stCondLst>
                                     <p:cond delay="0"/>
                                   </p:stCondLst>
                                   <p:childTnLst>
                                     <p:set>
                                       <p:cBhvr>
-                                        <p:cTn id="25" dur="1" fill="hold">
+                                        <p:cTn id="19" dur="1" fill="hold">
                                           <p:stCondLst>
                                             <p:cond delay="0"/>
                                           </p:stCondLst>
@@ -29178,13 +32253,48 @@
                                     </p:set>
                                     <p:animEffect transition="in" filter="fade">
                                       <p:cBhvr>
-                                        <p:cTn id="26" dur="500"/>
+                                        <p:cTn id="20" dur="500"/>
                                         <p:tgtEl>
                                           <p:spTgt spid="3">
                                             <p:txEl>
                                               <p:pRg st="3" end="3"/>
                                             </p:txEl>
                                           </p:spTgt>
+                                        </p:tgtEl>
+                                      </p:cBhvr>
+                                    </p:animEffect>
+                                  </p:childTnLst>
+                                </p:cTn>
+                              </p:par>
+                              <p:par>
+                                <p:cTn id="21" presetID="10" presetClass="entr" presetSubtype="0" fill="hold" nodeType="withEffect">
+                                  <p:stCondLst>
+                                    <p:cond delay="0"/>
+                                  </p:stCondLst>
+                                  <p:childTnLst>
+                                    <p:set>
+                                      <p:cBhvr>
+                                        <p:cTn id="22" dur="1" fill="hold">
+                                          <p:stCondLst>
+                                            <p:cond delay="0"/>
+                                          </p:stCondLst>
+                                        </p:cTn>
+                                        <p:tgtEl>
+                                          <p:spTgt spid="4"/>
+                                        </p:tgtEl>
+                                        <p:attrNameLst>
+                                          <p:attrName>style.visibility</p:attrName>
+                                        </p:attrNameLst>
+                                      </p:cBhvr>
+                                      <p:to>
+                                        <p:strVal val="visible"/>
+                                      </p:to>
+                                    </p:set>
+                                    <p:animEffect transition="in" filter="fade">
+                                      <p:cBhvr>
+                                        <p:cTn id="23" dur="500"/>
+                                        <p:tgtEl>
+                                          <p:spTgt spid="4"/>
                                         </p:tgtEl>
                                       </p:cBhvr>
                                     </p:animEffect>
@@ -29198,26 +32308,26 @@
                     </p:cTn>
                   </p:par>
                   <p:par>
-                    <p:cTn id="27" fill="hold">
+                    <p:cTn id="24" fill="hold">
                       <p:stCondLst>
                         <p:cond delay="indefinite"/>
                       </p:stCondLst>
                       <p:childTnLst>
                         <p:par>
-                          <p:cTn id="28" fill="hold">
+                          <p:cTn id="25" fill="hold">
                             <p:stCondLst>
                               <p:cond delay="0"/>
                             </p:stCondLst>
                             <p:childTnLst>
                               <p:par>
-                                <p:cTn id="29" presetID="10" presetClass="entr" presetSubtype="0" fill="hold" grpId="0" nodeType="clickEffect">
+                                <p:cTn id="26" presetID="10" presetClass="entr" presetSubtype="0" fill="hold" grpId="0" nodeType="clickEffect">
                                   <p:stCondLst>
                                     <p:cond delay="0"/>
                                   </p:stCondLst>
                                   <p:childTnLst>
                                     <p:set>
                                       <p:cBhvr>
-                                        <p:cTn id="30" dur="1" fill="hold">
+                                        <p:cTn id="27" dur="1" fill="hold">
                                           <p:stCondLst>
                                             <p:cond delay="0"/>
                                           </p:stCondLst>
@@ -29239,7 +32349,7 @@
                                     </p:set>
                                     <p:animEffect transition="in" filter="fade">
                                       <p:cBhvr>
-                                        <p:cTn id="31" dur="500"/>
+                                        <p:cTn id="28" dur="500"/>
                                         <p:tgtEl>
                                           <p:spTgt spid="3">
                                             <p:txEl>
@@ -29259,26 +32369,26 @@
                     </p:cTn>
                   </p:par>
                   <p:par>
-                    <p:cTn id="32" fill="hold">
+                    <p:cTn id="29" fill="hold">
                       <p:stCondLst>
                         <p:cond delay="indefinite"/>
                       </p:stCondLst>
                       <p:childTnLst>
                         <p:par>
-                          <p:cTn id="33" fill="hold">
+                          <p:cTn id="30" fill="hold">
                             <p:stCondLst>
                               <p:cond delay="0"/>
                             </p:stCondLst>
                             <p:childTnLst>
                               <p:par>
-                                <p:cTn id="34" presetID="10" presetClass="entr" presetSubtype="0" fill="hold" grpId="0" nodeType="clickEffect">
+                                <p:cTn id="31" presetID="10" presetClass="entr" presetSubtype="0" fill="hold" grpId="0" nodeType="clickEffect">
                                   <p:stCondLst>
                                     <p:cond delay="0"/>
                                   </p:stCondLst>
                                   <p:childTnLst>
                                     <p:set>
                                       <p:cBhvr>
-                                        <p:cTn id="35" dur="1" fill="hold">
+                                        <p:cTn id="32" dur="1" fill="hold">
                                           <p:stCondLst>
                                             <p:cond delay="0"/>
                                           </p:stCondLst>
@@ -29300,7 +32410,7 @@
                                     </p:set>
                                     <p:animEffect transition="in" filter="fade">
                                       <p:cBhvr>
-                                        <p:cTn id="36" dur="500"/>
+                                        <p:cTn id="33" dur="500"/>
                                         <p:tgtEl>
                                           <p:spTgt spid="3">
                                             <p:txEl>
@@ -29320,26 +32430,26 @@
                     </p:cTn>
                   </p:par>
                   <p:par>
-                    <p:cTn id="37" fill="hold">
+                    <p:cTn id="34" fill="hold">
                       <p:stCondLst>
                         <p:cond delay="indefinite"/>
                       </p:stCondLst>
                       <p:childTnLst>
                         <p:par>
-                          <p:cTn id="38" fill="hold">
+                          <p:cTn id="35" fill="hold">
                             <p:stCondLst>
                               <p:cond delay="0"/>
                             </p:stCondLst>
                             <p:childTnLst>
                               <p:par>
-                                <p:cTn id="39" presetID="10" presetClass="entr" presetSubtype="0" fill="hold" grpId="0" nodeType="clickEffect">
+                                <p:cTn id="36" presetID="10" presetClass="entr" presetSubtype="0" fill="hold" grpId="0" nodeType="clickEffect">
                                   <p:stCondLst>
                                     <p:cond delay="0"/>
                                   </p:stCondLst>
                                   <p:childTnLst>
                                     <p:set>
                                       <p:cBhvr>
-                                        <p:cTn id="40" dur="1" fill="hold">
+                                        <p:cTn id="37" dur="1" fill="hold">
                                           <p:stCondLst>
                                             <p:cond delay="0"/>
                                           </p:stCondLst>
@@ -29361,11 +32471,72 @@
                                     </p:set>
                                     <p:animEffect transition="in" filter="fade">
                                       <p:cBhvr>
-                                        <p:cTn id="41" dur="500"/>
+                                        <p:cTn id="38" dur="500"/>
                                         <p:tgtEl>
                                           <p:spTgt spid="3">
                                             <p:txEl>
                                               <p:pRg st="7" end="7"/>
+                                            </p:txEl>
+                                          </p:spTgt>
+                                        </p:tgtEl>
+                                      </p:cBhvr>
+                                    </p:animEffect>
+                                  </p:childTnLst>
+                                </p:cTn>
+                              </p:par>
+                            </p:childTnLst>
+                          </p:cTn>
+                        </p:par>
+                      </p:childTnLst>
+                    </p:cTn>
+                  </p:par>
+                  <p:par>
+                    <p:cTn id="39" fill="hold">
+                      <p:stCondLst>
+                        <p:cond delay="indefinite"/>
+                      </p:stCondLst>
+                      <p:childTnLst>
+                        <p:par>
+                          <p:cTn id="40" fill="hold">
+                            <p:stCondLst>
+                              <p:cond delay="0"/>
+                            </p:stCondLst>
+                            <p:childTnLst>
+                              <p:par>
+                                <p:cTn id="41" presetID="10" presetClass="entr" presetSubtype="0" fill="hold" grpId="0" nodeType="clickEffect">
+                                  <p:stCondLst>
+                                    <p:cond delay="0"/>
+                                  </p:stCondLst>
+                                  <p:childTnLst>
+                                    <p:set>
+                                      <p:cBhvr>
+                                        <p:cTn id="42" dur="1" fill="hold">
+                                          <p:stCondLst>
+                                            <p:cond delay="0"/>
+                                          </p:stCondLst>
+                                        </p:cTn>
+                                        <p:tgtEl>
+                                          <p:spTgt spid="3">
+                                            <p:txEl>
+                                              <p:pRg st="8" end="8"/>
+                                            </p:txEl>
+                                          </p:spTgt>
+                                        </p:tgtEl>
+                                        <p:attrNameLst>
+                                          <p:attrName>style.visibility</p:attrName>
+                                        </p:attrNameLst>
+                                      </p:cBhvr>
+                                      <p:to>
+                                        <p:strVal val="visible"/>
+                                      </p:to>
+                                    </p:set>
+                                    <p:animEffect transition="in" filter="fade">
+                                      <p:cBhvr>
+                                        <p:cTn id="43" dur="500"/>
+                                        <p:tgtEl>
+                                          <p:spTgt spid="3">
+                                            <p:txEl>
+                                              <p:pRg st="8" end="8"/>
                                             </p:txEl>
                                           </p:spTgt>
                                         </p:tgtEl>
@@ -29403,7 +32574,3705 @@
     </p:tnLst>
     <p:bldLst>
       <p:bldP spid="3" grpId="0" build="p"/>
-      <p:bldP spid="4" grpId="0"/>
+    </p:bldLst>
+  </p:timing>
+</p:sld>
+</file>
+
+<file path=ppt/slides/slide37.xml><?xml version="1.0" encoding="utf-8"?>
+<p:sld xmlns:a="http://schemas.openxmlformats.org/drawingml/2006/main" xmlns:r="http://schemas.openxmlformats.org/officeDocument/2006/relationships" xmlns:p="http://schemas.openxmlformats.org/presentationml/2006/main">
+  <p:cSld>
+    <p:spTree>
+      <p:nvGrpSpPr>
+        <p:cNvPr id="1" name=""/>
+        <p:cNvGrpSpPr/>
+        <p:nvPr/>
+      </p:nvGrpSpPr>
+      <p:grpSpPr>
+        <a:xfrm>
+          <a:off x="0" y="0"/>
+          <a:ext cx="0" cy="0"/>
+          <a:chOff x="0" y="0"/>
+          <a:chExt cx="0" cy="0"/>
+        </a:xfrm>
+      </p:grpSpPr>
+      <p:sp>
+        <p:nvSpPr>
+          <p:cNvPr id="3" name="Title 2"/>
+          <p:cNvSpPr>
+            <a:spLocks noGrp="1"/>
+          </p:cNvSpPr>
+          <p:nvPr>
+            <p:ph type="title"/>
+          </p:nvPr>
+        </p:nvSpPr>
+        <p:spPr/>
+        <p:txBody>
+          <a:bodyPr/>
+          <a:lstStyle/>
+          <a:p>
+            <a:r>
+              <a:rPr lang="en-US" dirty="0" smtClean="0"/>
+              <a:t>Our construction</a:t>
+            </a:r>
+            <a:endParaRPr lang="en-US" dirty="0"/>
+          </a:p>
+        </p:txBody>
+      </p:sp>
+      <p:sp>
+        <p:nvSpPr>
+          <p:cNvPr id="26" name="Content Placeholder 1"/>
+          <p:cNvSpPr>
+            <a:spLocks noGrp="1"/>
+          </p:cNvSpPr>
+          <p:nvPr>
+            <p:ph idx="1"/>
+          </p:nvPr>
+        </p:nvSpPr>
+        <p:spPr>
+          <a:xfrm>
+            <a:off x="152400" y="1143000"/>
+            <a:ext cx="3200400" cy="5461000"/>
+          </a:xfrm>
+        </p:spPr>
+        <p:txBody>
+          <a:bodyPr>
+            <a:normAutofit lnSpcReduction="10000"/>
+          </a:bodyPr>
+          <a:lstStyle/>
+          <a:p>
+            <a:r>
+              <a:rPr lang="en-US" sz="1600" dirty="0" smtClean="0"/>
+              <a:t>What happens if we replace the code in our previous sketch with a random linear code?</a:t>
+            </a:r>
+          </a:p>
+          <a:p>
+            <a:endParaRPr lang="en-US" sz="1600" dirty="0" smtClean="0"/>
+          </a:p>
+          <a:p>
+            <a:endParaRPr lang="en-US" sz="1600" dirty="0" smtClean="0"/>
+          </a:p>
+          <a:p>
+            <a:pPr marL="0" indent="0">
+              <a:buNone/>
+            </a:pPr>
+            <a:r>
+              <a:rPr lang="en-US" sz="2000" dirty="0" smtClean="0"/>
+              <a:t>Issues:</a:t>
+            </a:r>
+          </a:p>
+          <a:p>
+            <a:r>
+              <a:rPr lang="en-US" sz="1600" dirty="0">
+                <a:cs typeface="Calibri"/>
+              </a:rPr>
+              <a:t>Creating/finding a pseudorandom key? </a:t>
+            </a:r>
+            <a:br>
+              <a:rPr lang="en-US" sz="1600" dirty="0">
+                <a:cs typeface="Calibri"/>
+              </a:rPr>
+            </a:br>
+            <a:endParaRPr lang="en-US" sz="1600" dirty="0">
+              <a:cs typeface="Calibri"/>
+            </a:endParaRPr>
+          </a:p>
+          <a:p>
+            <a:pPr marL="0" indent="0">
+              <a:buNone/>
+            </a:pPr>
+            <a:r>
+              <a:rPr lang="en-US" sz="1600" b="1" dirty="0" smtClean="0">
+                <a:cs typeface="Calibri"/>
+              </a:rPr>
+              <a:t>Use hardcore bits of </a:t>
+            </a:r>
+            <a:r>
+              <a:rPr lang="en-US" sz="1600" b="1" dirty="0" err="1" smtClean="0">
+                <a:cs typeface="Calibri"/>
+              </a:rPr>
+              <a:t>codeword</a:t>
+            </a:r>
+            <a:r>
+              <a:rPr lang="en-US" sz="1600" b="1" dirty="0" smtClean="0">
+                <a:cs typeface="Calibri"/>
+              </a:rPr>
+              <a:t>.</a:t>
+            </a:r>
+            <a:endParaRPr lang="en-US" sz="1600" b="1" dirty="0">
+              <a:cs typeface="Calibri"/>
+            </a:endParaRPr>
+          </a:p>
+          <a:p>
+            <a:endParaRPr lang="en-US" sz="1600" dirty="0" smtClean="0">
+              <a:cs typeface="Calibri"/>
+            </a:endParaRPr>
+          </a:p>
+          <a:p>
+            <a:r>
+              <a:rPr lang="en-US" sz="1600" dirty="0">
+                <a:cs typeface="Calibri"/>
+              </a:rPr>
+              <a:t>Finding efficient decoding algorithm for small </a:t>
+            </a:r>
+            <a:r>
+              <a:rPr lang="en-US" sz="1600" i="1" dirty="0" err="1">
+                <a:latin typeface="Times New Roman"/>
+                <a:cs typeface="Times New Roman"/>
+              </a:rPr>
+              <a:t>d</a:t>
+            </a:r>
+            <a:r>
+              <a:rPr lang="en-US" sz="1600" i="1" baseline="-25000" dirty="0" err="1">
+                <a:latin typeface="Times New Roman"/>
+                <a:cs typeface="Times New Roman"/>
+              </a:rPr>
+              <a:t>max</a:t>
+            </a:r>
+            <a:r>
+              <a:rPr lang="en-US" sz="1600" dirty="0">
+                <a:cs typeface="Calibri"/>
+              </a:rPr>
+              <a:t>.</a:t>
+            </a:r>
+          </a:p>
+          <a:p>
+            <a:endParaRPr lang="en-US" sz="1600" dirty="0" smtClean="0">
+              <a:cs typeface="Calibri"/>
+            </a:endParaRPr>
+          </a:p>
+          <a:p>
+            <a:pPr marL="0" indent="0">
+              <a:buNone/>
+            </a:pPr>
+            <a:r>
+              <a:rPr lang="en-US" sz="1600" b="1" dirty="0" smtClean="0">
+                <a:cs typeface="Calibri"/>
+              </a:rPr>
+              <a:t>Trial and error inversion</a:t>
+            </a:r>
+            <a:r>
+              <a:rPr lang="en-US" sz="1600" dirty="0" smtClean="0">
+                <a:cs typeface="Calibri"/>
+              </a:rPr>
+              <a:t> </a:t>
+            </a:r>
+          </a:p>
+          <a:p>
+            <a:pPr marL="0" indent="0">
+              <a:buNone/>
+            </a:pPr>
+            <a:endParaRPr lang="en-US" sz="1600" dirty="0">
+              <a:cs typeface="Calibri"/>
+            </a:endParaRPr>
+          </a:p>
+          <a:p>
+            <a:r>
+              <a:rPr lang="en-US" sz="1600" dirty="0" smtClean="0">
+                <a:cs typeface="Calibri"/>
+              </a:rPr>
+              <a:t>Proving security for different types of distributions </a:t>
+            </a:r>
+            <a:r>
+              <a:rPr lang="en-US" sz="1600" i="1" dirty="0" smtClean="0">
+                <a:latin typeface="Times New Roman"/>
+                <a:cs typeface="Times New Roman"/>
+              </a:rPr>
+              <a:t>W</a:t>
+            </a:r>
+            <a:r>
+              <a:rPr lang="en-US" sz="1600" baseline="-25000" dirty="0" smtClean="0">
+                <a:latin typeface="Times New Roman"/>
+                <a:cs typeface="Times New Roman"/>
+              </a:rPr>
+              <a:t>0</a:t>
+            </a:r>
+            <a:endParaRPr lang="en-US" sz="1400" dirty="0" smtClean="0">
+              <a:cs typeface="Calibri"/>
+            </a:endParaRPr>
+          </a:p>
+          <a:p>
+            <a:endParaRPr lang="en-US" sz="1600" dirty="0" smtClean="0">
+              <a:latin typeface="Calibri"/>
+              <a:cs typeface="Calibri"/>
+            </a:endParaRPr>
+          </a:p>
+          <a:p>
+            <a:pPr marL="0" indent="0">
+              <a:buNone/>
+            </a:pPr>
+            <a:r>
+              <a:rPr lang="en-US" sz="1600" b="1" dirty="0" smtClean="0">
+                <a:latin typeface="Calibri"/>
+                <a:cs typeface="Calibri"/>
+              </a:rPr>
+              <a:t>Extend security for block-fixing sources</a:t>
+            </a:r>
+            <a:endParaRPr lang="en-US" sz="1600" b="1" dirty="0" smtClean="0">
+              <a:latin typeface="Calibri"/>
+              <a:cs typeface="Calibri"/>
+            </a:endParaRPr>
+          </a:p>
+          <a:p>
+            <a:endParaRPr lang="en-US" sz="1600" dirty="0" smtClean="0">
+              <a:latin typeface="Calibri"/>
+              <a:cs typeface="Calibri"/>
+            </a:endParaRPr>
+          </a:p>
+          <a:p>
+            <a:endParaRPr lang="en-US" sz="1600" dirty="0" smtClean="0">
+              <a:latin typeface="Calibri"/>
+              <a:cs typeface="Calibri"/>
+            </a:endParaRPr>
+          </a:p>
+          <a:p>
+            <a:endParaRPr lang="en-US" sz="1600" dirty="0" smtClean="0">
+              <a:latin typeface="Calibri"/>
+              <a:cs typeface="Calibri"/>
+            </a:endParaRPr>
+          </a:p>
+        </p:txBody>
+      </p:sp>
+      <p:sp>
+        <p:nvSpPr>
+          <p:cNvPr id="7" name="TextBox 6"/>
+          <p:cNvSpPr txBox="1"/>
+          <p:nvPr/>
+        </p:nvSpPr>
+        <p:spPr>
+          <a:xfrm>
+            <a:off x="3352800" y="1318381"/>
+            <a:ext cx="2364750" cy="3108543"/>
+          </a:xfrm>
+          <a:prstGeom prst="rect">
+            <a:avLst/>
+          </a:prstGeom>
+          <a:noFill/>
+        </p:spPr>
+        <p:txBody>
+          <a:bodyPr wrap="none" rtlCol="0">
+            <a:spAutoFit/>
+          </a:bodyPr>
+          <a:lstStyle/>
+          <a:p>
+            <a:r>
+              <a:rPr lang="en-US" sz="2400" dirty="0" smtClean="0">
+                <a:latin typeface="Times New Roman"/>
+                <a:cs typeface="Times New Roman"/>
+              </a:rPr>
+              <a:t>Gen ( </a:t>
+            </a:r>
+            <a:r>
+              <a:rPr lang="en-US" sz="2400" i="1" dirty="0" smtClean="0">
+                <a:latin typeface="Times New Roman"/>
+                <a:cs typeface="Times New Roman"/>
+              </a:rPr>
+              <a:t>w</a:t>
+            </a:r>
+            <a:r>
+              <a:rPr lang="en-US" sz="2400" baseline="-25000" dirty="0" smtClean="0">
+                <a:latin typeface="Times New Roman"/>
+                <a:cs typeface="Times New Roman"/>
+              </a:rPr>
+              <a:t>0</a:t>
+            </a:r>
+            <a:r>
+              <a:rPr lang="en-US" sz="2400" i="1" dirty="0" smtClean="0">
+                <a:latin typeface="Times New Roman"/>
+                <a:cs typeface="Times New Roman"/>
+              </a:rPr>
+              <a:t> </a:t>
+            </a:r>
+            <a:r>
+              <a:rPr lang="en-US" sz="2400" dirty="0" smtClean="0">
+                <a:latin typeface="Times New Roman"/>
+                <a:cs typeface="Times New Roman"/>
+              </a:rPr>
+              <a:t>)</a:t>
+            </a:r>
+            <a:r>
+              <a:rPr lang="en-US" sz="2400" dirty="0" smtClean="0"/>
+              <a:t>:</a:t>
+            </a:r>
+          </a:p>
+          <a:p>
+            <a:pPr marL="342900" indent="-342900">
+              <a:buAutoNum type="arabicPeriod"/>
+            </a:pPr>
+            <a:r>
+              <a:rPr lang="en-US" sz="2000" dirty="0" smtClean="0"/>
+              <a:t>Sample </a:t>
+            </a:r>
+            <a:r>
+              <a:rPr lang="en-US" sz="2000" dirty="0" smtClean="0"/>
+              <a:t>uniformly</a:t>
+            </a:r>
+          </a:p>
+          <a:p>
+            <a:pPr marL="342900" indent="-342900">
+              <a:buAutoNum type="arabicPeriod"/>
+            </a:pPr>
+            <a:endParaRPr lang="en-US" sz="1600" dirty="0" smtClean="0"/>
+          </a:p>
+          <a:p>
+            <a:pPr marL="342900" indent="-342900">
+              <a:buAutoNum type="arabicPeriod"/>
+            </a:pPr>
+            <a:endParaRPr lang="en-US" sz="1600" dirty="0"/>
+          </a:p>
+          <a:p>
+            <a:pPr marL="342900" indent="-342900">
+              <a:buAutoNum type="arabicPeriod"/>
+            </a:pPr>
+            <a:r>
+              <a:rPr lang="en-US" sz="2000" dirty="0" smtClean="0"/>
+              <a:t>Compute </a:t>
+            </a:r>
+          </a:p>
+          <a:p>
+            <a:pPr marL="342900" indent="-342900">
+              <a:buAutoNum type="arabicPeriod"/>
+            </a:pPr>
+            <a:endParaRPr lang="en-US" sz="1600" dirty="0"/>
+          </a:p>
+          <a:p>
+            <a:pPr marL="342900" indent="-342900">
+              <a:buAutoNum type="arabicPeriod"/>
+            </a:pPr>
+            <a:endParaRPr lang="en-US" sz="1600" dirty="0" smtClean="0"/>
+          </a:p>
+          <a:p>
+            <a:pPr marL="342900" indent="-342900">
+              <a:buAutoNum type="arabicPeriod"/>
+            </a:pPr>
+            <a:endParaRPr lang="en-US" sz="1600" dirty="0"/>
+          </a:p>
+          <a:p>
+            <a:pPr marL="342900" indent="-342900">
+              <a:buAutoNum type="arabicPeriod"/>
+            </a:pPr>
+            <a:endParaRPr lang="en-US" sz="1600" dirty="0" smtClean="0"/>
+          </a:p>
+          <a:p>
+            <a:pPr marL="342900" indent="-342900">
+              <a:buAutoNum type="arabicPeriod"/>
+            </a:pPr>
+            <a:r>
+              <a:rPr lang="en-US" sz="2000" dirty="0" smtClean="0"/>
+              <a:t>Output </a:t>
+            </a:r>
+            <a:r>
+              <a:rPr lang="en-US" sz="2000" dirty="0" smtClean="0">
+                <a:latin typeface="Times New Roman"/>
+                <a:cs typeface="Times New Roman"/>
+              </a:rPr>
+              <a:t>(</a:t>
+            </a:r>
+            <a:r>
+              <a:rPr lang="en-US" sz="2000" i="1" dirty="0" smtClean="0">
+                <a:latin typeface="Times New Roman"/>
+                <a:cs typeface="Times New Roman"/>
+              </a:rPr>
+              <a:t>key</a:t>
+            </a:r>
+            <a:r>
+              <a:rPr lang="en-US" sz="2000" dirty="0" smtClean="0">
+                <a:latin typeface="Times New Roman"/>
+                <a:cs typeface="Times New Roman"/>
+              </a:rPr>
+              <a:t>, </a:t>
+            </a:r>
+            <a:r>
+              <a:rPr lang="en-US" sz="2000" i="1" dirty="0" smtClean="0">
+                <a:latin typeface="Times New Roman"/>
+                <a:cs typeface="Times New Roman"/>
+              </a:rPr>
+              <a:t>p</a:t>
+            </a:r>
+            <a:r>
+              <a:rPr lang="en-US" sz="2000" dirty="0" smtClean="0">
+                <a:latin typeface="Times New Roman"/>
+                <a:cs typeface="Times New Roman"/>
+              </a:rPr>
+              <a:t>)</a:t>
+            </a:r>
+          </a:p>
+          <a:p>
+            <a:pPr marL="342900" indent="-342900">
+              <a:buAutoNum type="arabicPeriod"/>
+            </a:pPr>
+            <a:endParaRPr lang="en-US" sz="1600" dirty="0" smtClean="0"/>
+          </a:p>
+        </p:txBody>
+      </p:sp>
+      <p:graphicFrame>
+        <p:nvGraphicFramePr>
+          <p:cNvPr id="9" name="Object 8"/>
+          <p:cNvGraphicFramePr>
+            <a:graphicFrameLocks noChangeAspect="1"/>
+          </p:cNvGraphicFramePr>
+          <p:nvPr>
+            <p:extLst>
+              <p:ext uri="{D42A27DB-BD31-4B8C-83A1-F6EECF244321}">
+                <p14:modId xmlns:p14="http://schemas.microsoft.com/office/powerpoint/2010/main" val="1577901386"/>
+              </p:ext>
+            </p:extLst>
+          </p:nvPr>
+        </p:nvGraphicFramePr>
+        <p:xfrm>
+          <a:off x="3777041" y="2068284"/>
+          <a:ext cx="1883832" cy="423333"/>
+        </p:xfrm>
+        <a:graphic>
+          <a:graphicData uri="http://schemas.openxmlformats.org/presentationml/2006/ole">
+            <mc:AlternateContent xmlns:mc="http://schemas.openxmlformats.org/markup-compatibility/2006">
+              <mc:Choice xmlns:v="urn:schemas-microsoft-com:vml" Requires="v">
+                <p:oleObj spid="_x0000_s16400" name="Equation" r:id="rId4" imgW="1130300" imgH="254000" progId="Equation.3">
+                  <p:embed/>
+                </p:oleObj>
+              </mc:Choice>
+              <mc:Fallback>
+                <p:oleObj name="Equation" r:id="rId4" imgW="1130300" imgH="254000" progId="Equation.3">
+                  <p:embed/>
+                  <p:pic>
+                    <p:nvPicPr>
+                      <p:cNvPr id="0" name=""/>
+                      <p:cNvPicPr/>
+                      <p:nvPr/>
+                    </p:nvPicPr>
+                    <p:blipFill>
+                      <a:blip r:embed="rId5"/>
+                      <a:stretch>
+                        <a:fillRect/>
+                      </a:stretch>
+                    </p:blipFill>
+                    <p:spPr>
+                      <a:xfrm>
+                        <a:off x="3777041" y="2068284"/>
+                        <a:ext cx="1883832" cy="423333"/>
+                      </a:xfrm>
+                      <a:prstGeom prst="rect">
+                        <a:avLst/>
+                      </a:prstGeom>
+                    </p:spPr>
+                  </p:pic>
+                </p:oleObj>
+              </mc:Fallback>
+            </mc:AlternateContent>
+          </a:graphicData>
+        </a:graphic>
+      </p:graphicFrame>
+      <p:graphicFrame>
+        <p:nvGraphicFramePr>
+          <p:cNvPr id="21" name="Object 20"/>
+          <p:cNvGraphicFramePr>
+            <a:graphicFrameLocks noChangeAspect="1"/>
+          </p:cNvGraphicFramePr>
+          <p:nvPr>
+            <p:extLst>
+              <p:ext uri="{D42A27DB-BD31-4B8C-83A1-F6EECF244321}">
+                <p14:modId xmlns:p14="http://schemas.microsoft.com/office/powerpoint/2010/main" val="2500909121"/>
+              </p:ext>
+            </p:extLst>
+          </p:nvPr>
+        </p:nvGraphicFramePr>
+        <p:xfrm>
+          <a:off x="3736975" y="2917825"/>
+          <a:ext cx="1651000" cy="762000"/>
+        </p:xfrm>
+        <a:graphic>
+          <a:graphicData uri="http://schemas.openxmlformats.org/presentationml/2006/ole">
+            <mc:AlternateContent xmlns:mc="http://schemas.openxmlformats.org/markup-compatibility/2006">
+              <mc:Choice xmlns:v="urn:schemas-microsoft-com:vml" Requires="v">
+                <p:oleObj spid="_x0000_s16401" name="Equation" r:id="rId6" imgW="990600" imgH="457200" progId="Equation.3">
+                  <p:embed/>
+                </p:oleObj>
+              </mc:Choice>
+              <mc:Fallback>
+                <p:oleObj name="Equation" r:id="rId6" imgW="990600" imgH="457200" progId="Equation.3">
+                  <p:embed/>
+                  <p:pic>
+                    <p:nvPicPr>
+                      <p:cNvPr id="0" name=""/>
+                      <p:cNvPicPr/>
+                      <p:nvPr/>
+                    </p:nvPicPr>
+                    <p:blipFill>
+                      <a:blip r:embed="rId7"/>
+                      <a:stretch>
+                        <a:fillRect/>
+                      </a:stretch>
+                    </p:blipFill>
+                    <p:spPr>
+                      <a:xfrm>
+                        <a:off x="3736975" y="2917825"/>
+                        <a:ext cx="1651000" cy="762000"/>
+                      </a:xfrm>
+                      <a:prstGeom prst="rect">
+                        <a:avLst/>
+                      </a:prstGeom>
+                    </p:spPr>
+                  </p:pic>
+                </p:oleObj>
+              </mc:Fallback>
+            </mc:AlternateContent>
+          </a:graphicData>
+        </a:graphic>
+      </p:graphicFrame>
+      <p:sp>
+        <p:nvSpPr>
+          <p:cNvPr id="12" name="Rectangle 11"/>
+          <p:cNvSpPr/>
+          <p:nvPr/>
+        </p:nvSpPr>
+        <p:spPr>
+          <a:xfrm>
+            <a:off x="3352800" y="1765904"/>
+            <a:ext cx="2364750" cy="2491619"/>
+          </a:xfrm>
+          <a:prstGeom prst="rect">
+            <a:avLst/>
+          </a:prstGeom>
+          <a:noFill/>
+          <a:ln>
+            <a:solidFill>
+              <a:schemeClr val="tx1"/>
+            </a:solidFill>
+          </a:ln>
+        </p:spPr>
+        <p:style>
+          <a:lnRef idx="1">
+            <a:schemeClr val="accent1"/>
+          </a:lnRef>
+          <a:fillRef idx="3">
+            <a:schemeClr val="accent1"/>
+          </a:fillRef>
+          <a:effectRef idx="2">
+            <a:schemeClr val="accent1"/>
+          </a:effectRef>
+          <a:fontRef idx="minor">
+            <a:schemeClr val="lt1"/>
+          </a:fontRef>
+        </p:style>
+        <p:txBody>
+          <a:bodyPr rtlCol="0" anchor="ctr"/>
+          <a:lstStyle/>
+          <a:p>
+            <a:pPr algn="ctr"/>
+            <a:endParaRPr lang="en-US"/>
+          </a:p>
+        </p:txBody>
+      </p:sp>
+      <p:sp>
+        <p:nvSpPr>
+          <p:cNvPr id="10" name="TextBox 9"/>
+          <p:cNvSpPr txBox="1"/>
+          <p:nvPr/>
+        </p:nvSpPr>
+        <p:spPr>
+          <a:xfrm>
+            <a:off x="6166152" y="1318381"/>
+            <a:ext cx="1814269" cy="3170099"/>
+          </a:xfrm>
+          <a:prstGeom prst="rect">
+            <a:avLst/>
+          </a:prstGeom>
+          <a:noFill/>
+        </p:spPr>
+        <p:txBody>
+          <a:bodyPr wrap="none" rtlCol="0">
+            <a:spAutoFit/>
+          </a:bodyPr>
+          <a:lstStyle/>
+          <a:p>
+            <a:r>
+              <a:rPr lang="en-US" sz="2400" dirty="0" smtClean="0">
+                <a:latin typeface="Times New Roman"/>
+                <a:cs typeface="Times New Roman"/>
+              </a:rPr>
+              <a:t>Rep ( </a:t>
+            </a:r>
+            <a:r>
+              <a:rPr lang="en-US" sz="2400" i="1" dirty="0" smtClean="0">
+                <a:latin typeface="Times New Roman"/>
+                <a:cs typeface="Times New Roman"/>
+              </a:rPr>
+              <a:t>w</a:t>
+            </a:r>
+            <a:r>
+              <a:rPr lang="en-US" sz="2400" baseline="-25000" dirty="0" smtClean="0">
+                <a:latin typeface="Times New Roman"/>
+                <a:cs typeface="Times New Roman"/>
+              </a:rPr>
+              <a:t>1</a:t>
+            </a:r>
+            <a:r>
+              <a:rPr lang="en-US" sz="2400" i="1" dirty="0" smtClean="0">
+                <a:latin typeface="Times New Roman"/>
+                <a:cs typeface="Times New Roman"/>
+              </a:rPr>
+              <a:t> , p</a:t>
+            </a:r>
+            <a:r>
+              <a:rPr lang="en-US" sz="2400" dirty="0" smtClean="0">
+                <a:latin typeface="Times New Roman"/>
+                <a:cs typeface="Times New Roman"/>
+              </a:rPr>
+              <a:t>)</a:t>
+            </a:r>
+            <a:r>
+              <a:rPr lang="en-US" sz="2400" dirty="0" smtClean="0"/>
+              <a:t>:</a:t>
+            </a:r>
+          </a:p>
+          <a:p>
+            <a:pPr marL="342900" indent="-342900">
+              <a:buAutoNum type="arabicPeriod"/>
+            </a:pPr>
+            <a:r>
+              <a:rPr lang="en-US" sz="2000" dirty="0" smtClean="0"/>
+              <a:t>Parse </a:t>
+            </a:r>
+            <a:r>
+              <a:rPr lang="en-US" sz="2000" i="1" dirty="0" smtClean="0">
+                <a:latin typeface="Times New Roman"/>
+                <a:cs typeface="Times New Roman"/>
+              </a:rPr>
+              <a:t>p</a:t>
+            </a:r>
+            <a:r>
+              <a:rPr lang="en-US" sz="2000" dirty="0" smtClean="0"/>
+              <a:t> as: </a:t>
+            </a:r>
+          </a:p>
+          <a:p>
+            <a:pPr marL="342900" indent="-342900">
+              <a:buAutoNum type="arabicPeriod"/>
+            </a:pPr>
+            <a:endParaRPr lang="en-US" sz="2000" dirty="0" smtClean="0">
+              <a:latin typeface="Times New Roman"/>
+              <a:cs typeface="Times New Roman"/>
+            </a:endParaRPr>
+          </a:p>
+          <a:p>
+            <a:pPr marL="342900" indent="-342900">
+              <a:buAutoNum type="arabicPeriod"/>
+            </a:pPr>
+            <a:endParaRPr lang="en-US" sz="1600" dirty="0" smtClean="0"/>
+          </a:p>
+          <a:p>
+            <a:pPr marL="342900" indent="-342900">
+              <a:buAutoNum type="arabicPeriod"/>
+            </a:pPr>
+            <a:r>
+              <a:rPr lang="en-US" sz="2000" dirty="0" smtClean="0"/>
+              <a:t>Compute</a:t>
+            </a:r>
+          </a:p>
+          <a:p>
+            <a:endParaRPr lang="en-US" sz="2000" dirty="0" smtClean="0"/>
+          </a:p>
+          <a:p>
+            <a:endParaRPr lang="en-US" sz="2000" dirty="0" smtClean="0"/>
+          </a:p>
+          <a:p>
+            <a:r>
+              <a:rPr lang="en-US" sz="2000" dirty="0" smtClean="0"/>
+              <a:t>3. Invert </a:t>
+            </a:r>
+            <a:r>
+              <a:rPr lang="en-US" sz="2000" i="1" dirty="0" smtClean="0">
+                <a:latin typeface="Times New Roman"/>
+                <a:cs typeface="Times New Roman"/>
+              </a:rPr>
+              <a:t>C</a:t>
+            </a:r>
+            <a:r>
+              <a:rPr lang="en-US" sz="2000" dirty="0" smtClean="0">
+                <a:latin typeface="Times New Roman"/>
+                <a:cs typeface="Times New Roman"/>
+              </a:rPr>
+              <a:t>-</a:t>
+            </a:r>
+            <a:r>
+              <a:rPr lang="en-US" sz="2000" i="1" dirty="0" smtClean="0">
+                <a:latin typeface="Times New Roman"/>
+                <a:cs typeface="Times New Roman"/>
+              </a:rPr>
+              <a:t>w</a:t>
+            </a:r>
+            <a:r>
+              <a:rPr lang="en-US" sz="2000" baseline="-25000" dirty="0" smtClean="0">
+                <a:latin typeface="Times New Roman"/>
+                <a:cs typeface="Times New Roman"/>
+              </a:rPr>
+              <a:t>1</a:t>
+            </a:r>
+            <a:r>
+              <a:rPr lang="en-US" sz="2000" dirty="0" smtClean="0"/>
+              <a:t>, </a:t>
+            </a:r>
+            <a:br>
+              <a:rPr lang="en-US" sz="2000" dirty="0" smtClean="0"/>
+            </a:br>
+            <a:r>
+              <a:rPr lang="en-US" sz="2000" dirty="0" smtClean="0"/>
+              <a:t>    output </a:t>
+            </a:r>
+            <a:r>
+              <a:rPr lang="en-US" sz="2000" i="1" dirty="0" smtClean="0">
+                <a:latin typeface="Times New Roman"/>
+                <a:cs typeface="Times New Roman"/>
+              </a:rPr>
+              <a:t>key</a:t>
+            </a:r>
+            <a:r>
+              <a:rPr lang="en-US" sz="2000" dirty="0" smtClean="0"/>
+              <a:t/>
+            </a:r>
+            <a:br>
+              <a:rPr lang="en-US" sz="2000" dirty="0" smtClean="0"/>
+            </a:br>
+            <a:endParaRPr lang="en-US" sz="2000" dirty="0" smtClean="0"/>
+          </a:p>
+        </p:txBody>
+      </p:sp>
+      <p:sp>
+        <p:nvSpPr>
+          <p:cNvPr id="11" name="Rectangle 10"/>
+          <p:cNvSpPr/>
+          <p:nvPr/>
+        </p:nvSpPr>
+        <p:spPr>
+          <a:xfrm>
+            <a:off x="6166151" y="1765904"/>
+            <a:ext cx="2735943" cy="2491619"/>
+          </a:xfrm>
+          <a:prstGeom prst="rect">
+            <a:avLst/>
+          </a:prstGeom>
+          <a:noFill/>
+          <a:ln>
+            <a:solidFill>
+              <a:schemeClr val="tx1"/>
+            </a:solidFill>
+          </a:ln>
+        </p:spPr>
+        <p:style>
+          <a:lnRef idx="1">
+            <a:schemeClr val="accent1"/>
+          </a:lnRef>
+          <a:fillRef idx="3">
+            <a:schemeClr val="accent1"/>
+          </a:fillRef>
+          <a:effectRef idx="2">
+            <a:schemeClr val="accent1"/>
+          </a:effectRef>
+          <a:fontRef idx="minor">
+            <a:schemeClr val="lt1"/>
+          </a:fontRef>
+        </p:style>
+        <p:txBody>
+          <a:bodyPr rtlCol="0" anchor="ctr"/>
+          <a:lstStyle/>
+          <a:p>
+            <a:pPr algn="ctr"/>
+            <a:endParaRPr lang="en-US"/>
+          </a:p>
+        </p:txBody>
+      </p:sp>
+      <p:graphicFrame>
+        <p:nvGraphicFramePr>
+          <p:cNvPr id="13" name="Object 12"/>
+          <p:cNvGraphicFramePr>
+            <a:graphicFrameLocks noChangeAspect="1"/>
+          </p:cNvGraphicFramePr>
+          <p:nvPr>
+            <p:extLst>
+              <p:ext uri="{D42A27DB-BD31-4B8C-83A1-F6EECF244321}">
+                <p14:modId xmlns:p14="http://schemas.microsoft.com/office/powerpoint/2010/main" val="4140727055"/>
+              </p:ext>
+            </p:extLst>
+          </p:nvPr>
+        </p:nvGraphicFramePr>
+        <p:xfrm>
+          <a:off x="6575425" y="2068284"/>
+          <a:ext cx="1501775" cy="360363"/>
+        </p:xfrm>
+        <a:graphic>
+          <a:graphicData uri="http://schemas.openxmlformats.org/presentationml/2006/ole">
+            <mc:AlternateContent xmlns:mc="http://schemas.openxmlformats.org/markup-compatibility/2006">
+              <mc:Choice xmlns:v="urn:schemas-microsoft-com:vml" Requires="v">
+                <p:oleObj spid="_x0000_s16402" name="Equation" r:id="rId8" imgW="901700" imgH="215900" progId="Equation.3">
+                  <p:embed/>
+                </p:oleObj>
+              </mc:Choice>
+              <mc:Fallback>
+                <p:oleObj name="Equation" r:id="rId8" imgW="901700" imgH="215900" progId="Equation.3">
+                  <p:embed/>
+                  <p:pic>
+                    <p:nvPicPr>
+                      <p:cNvPr id="0" name=""/>
+                      <p:cNvPicPr/>
+                      <p:nvPr/>
+                    </p:nvPicPr>
+                    <p:blipFill>
+                      <a:blip r:embed="rId9"/>
+                      <a:stretch>
+                        <a:fillRect/>
+                      </a:stretch>
+                    </p:blipFill>
+                    <p:spPr>
+                      <a:xfrm>
+                        <a:off x="6575425" y="2068284"/>
+                        <a:ext cx="1501775" cy="360363"/>
+                      </a:xfrm>
+                      <a:prstGeom prst="rect">
+                        <a:avLst/>
+                      </a:prstGeom>
+                    </p:spPr>
+                  </p:pic>
+                </p:oleObj>
+              </mc:Fallback>
+            </mc:AlternateContent>
+          </a:graphicData>
+        </a:graphic>
+      </p:graphicFrame>
+      <p:graphicFrame>
+        <p:nvGraphicFramePr>
+          <p:cNvPr id="14" name="Object 13"/>
+          <p:cNvGraphicFramePr>
+            <a:graphicFrameLocks noChangeAspect="1"/>
+          </p:cNvGraphicFramePr>
+          <p:nvPr>
+            <p:extLst>
+              <p:ext uri="{D42A27DB-BD31-4B8C-83A1-F6EECF244321}">
+                <p14:modId xmlns:p14="http://schemas.microsoft.com/office/powerpoint/2010/main" val="2576421852"/>
+              </p:ext>
+            </p:extLst>
+          </p:nvPr>
+        </p:nvGraphicFramePr>
+        <p:xfrm>
+          <a:off x="6340475" y="2917825"/>
+          <a:ext cx="2346325" cy="360363"/>
+        </p:xfrm>
+        <a:graphic>
+          <a:graphicData uri="http://schemas.openxmlformats.org/presentationml/2006/ole">
+            <mc:AlternateContent xmlns:mc="http://schemas.openxmlformats.org/markup-compatibility/2006">
+              <mc:Choice xmlns:v="urn:schemas-microsoft-com:vml" Requires="v">
+                <p:oleObj spid="_x0000_s16403" name="Equation" r:id="rId10" imgW="1409700" imgH="215900" progId="Equation.3">
+                  <p:embed/>
+                </p:oleObj>
+              </mc:Choice>
+              <mc:Fallback>
+                <p:oleObj name="Equation" r:id="rId10" imgW="1409700" imgH="215900" progId="Equation.3">
+                  <p:embed/>
+                  <p:pic>
+                    <p:nvPicPr>
+                      <p:cNvPr id="0" name=""/>
+                      <p:cNvPicPr/>
+                      <p:nvPr/>
+                    </p:nvPicPr>
+                    <p:blipFill>
+                      <a:blip r:embed="rId11"/>
+                      <a:stretch>
+                        <a:fillRect/>
+                      </a:stretch>
+                    </p:blipFill>
+                    <p:spPr>
+                      <a:xfrm>
+                        <a:off x="6340475" y="2917825"/>
+                        <a:ext cx="2346325" cy="360363"/>
+                      </a:xfrm>
+                      <a:prstGeom prst="rect">
+                        <a:avLst/>
+                      </a:prstGeom>
+                    </p:spPr>
+                  </p:pic>
+                </p:oleObj>
+              </mc:Fallback>
+            </mc:AlternateContent>
+          </a:graphicData>
+        </a:graphic>
+      </p:graphicFrame>
+      <p:grpSp>
+        <p:nvGrpSpPr>
+          <p:cNvPr id="4" name="Group 3"/>
+          <p:cNvGrpSpPr/>
+          <p:nvPr/>
+        </p:nvGrpSpPr>
+        <p:grpSpPr>
+          <a:xfrm>
+            <a:off x="3510644" y="4488480"/>
+            <a:ext cx="5311013" cy="1107145"/>
+            <a:chOff x="3510644" y="4488480"/>
+            <a:chExt cx="5311013" cy="1107145"/>
+          </a:xfrm>
+        </p:grpSpPr>
+        <p:sp>
+          <p:nvSpPr>
+            <p:cNvPr id="16" name="Rectangle 36"/>
+            <p:cNvSpPr>
+              <a:spLocks noChangeArrowheads="1"/>
+            </p:cNvSpPr>
+            <p:nvPr/>
+          </p:nvSpPr>
+          <p:spPr bwMode="auto">
+            <a:xfrm>
+              <a:off x="3510644" y="4488480"/>
+              <a:ext cx="5311013" cy="1107145"/>
+            </a:xfrm>
+            <a:prstGeom prst="roundRect">
+              <a:avLst>
+                <a:gd name="adj" fmla="val 16667"/>
+              </a:avLst>
+            </a:prstGeom>
+            <a:ln>
+              <a:headEnd/>
+              <a:tailEnd/>
+            </a:ln>
+          </p:spPr>
+          <p:style>
+            <a:lnRef idx="1">
+              <a:schemeClr val="accent1"/>
+            </a:lnRef>
+            <a:fillRef idx="2">
+              <a:schemeClr val="accent1"/>
+            </a:fillRef>
+            <a:effectRef idx="1">
+              <a:schemeClr val="accent1"/>
+            </a:effectRef>
+            <a:fontRef idx="minor">
+              <a:schemeClr val="dk1"/>
+            </a:fontRef>
+          </p:style>
+          <p:txBody>
+            <a:bodyPr lIns="45720" rIns="45720" anchor="ctr" anchorCtr="1"/>
+            <a:lstStyle/>
+            <a:p>
+              <a:pPr>
+                <a:defRPr/>
+              </a:pPr>
+              <a:r>
+                <a:rPr lang="en-US" sz="1800" b="1" dirty="0" smtClean="0">
+                  <a:latin typeface="Times New Roman"/>
+                  <a:cs typeface="Times New Roman"/>
+                </a:rPr>
+                <a:t>W=W</a:t>
+              </a:r>
+              <a:r>
+                <a:rPr lang="en-US" sz="1800" b="1" baseline="-25000" dirty="0" smtClean="0">
+                  <a:latin typeface="Times New Roman"/>
+                  <a:cs typeface="Times New Roman"/>
+                </a:rPr>
+                <a:t>1,…,</a:t>
+              </a:r>
+              <a:r>
+                <a:rPr lang="en-US" sz="1800" b="1" i="1" baseline="-25000" dirty="0" smtClean="0">
+                  <a:latin typeface="Times New Roman"/>
+                  <a:cs typeface="Times New Roman"/>
+                </a:rPr>
+                <a:t>n</a:t>
+              </a:r>
+              <a:r>
+                <a:rPr lang="en-US" sz="1800" b="1" dirty="0" smtClean="0"/>
+                <a:t> is a block fixing source if </a:t>
+              </a:r>
+            </a:p>
+            <a:p>
+              <a:pPr algn="ctr">
+                <a:defRPr/>
+              </a:pPr>
+              <a:endParaRPr lang="en-US" b="1" dirty="0">
+                <a:latin typeface="Times New Roman"/>
+                <a:cs typeface="Times New Roman"/>
+              </a:endParaRPr>
+            </a:p>
+            <a:p>
+              <a:pPr algn="ctr">
+                <a:defRPr/>
+              </a:pPr>
+              <a:endParaRPr lang="en-US" sz="1800" b="1" dirty="0">
+                <a:latin typeface="Times New Roman"/>
+                <a:cs typeface="Times New Roman"/>
+              </a:endParaRPr>
+            </a:p>
+            <a:p>
+              <a:pPr algn="ctr">
+                <a:defRPr/>
+              </a:pPr>
+              <a:endParaRPr lang="en-US" sz="1800" b="1" dirty="0" smtClean="0"/>
+            </a:p>
+          </p:txBody>
+        </p:sp>
+        <p:graphicFrame>
+          <p:nvGraphicFramePr>
+            <p:cNvPr id="2" name="Object 1"/>
+            <p:cNvGraphicFramePr>
+              <a:graphicFrameLocks noChangeAspect="1"/>
+            </p:cNvGraphicFramePr>
+            <p:nvPr>
+              <p:extLst>
+                <p:ext uri="{D42A27DB-BD31-4B8C-83A1-F6EECF244321}">
+                  <p14:modId xmlns:p14="http://schemas.microsoft.com/office/powerpoint/2010/main" val="3194155908"/>
+                </p:ext>
+              </p:extLst>
+            </p:nvPr>
+          </p:nvGraphicFramePr>
+          <p:xfrm>
+            <a:off x="5222525" y="4726108"/>
+            <a:ext cx="1117950" cy="869517"/>
+          </p:xfrm>
+          <a:graphic>
+            <a:graphicData uri="http://schemas.openxmlformats.org/presentationml/2006/ole">
+              <mc:AlternateContent xmlns:mc="http://schemas.openxmlformats.org/markup-compatibility/2006">
+                <mc:Choice xmlns:v="urn:schemas-microsoft-com:vml" Requires="v">
+                  <p:oleObj spid="_x0000_s16404" name="Equation" r:id="rId12" imgW="685800" imgH="533400" progId="Equation.3">
+                    <p:embed/>
+                  </p:oleObj>
+                </mc:Choice>
+                <mc:Fallback>
+                  <p:oleObj name="Equation" r:id="rId12" imgW="685800" imgH="533400" progId="Equation.3">
+                    <p:embed/>
+                    <p:pic>
+                      <p:nvPicPr>
+                        <p:cNvPr id="0" name=""/>
+                        <p:cNvPicPr/>
+                        <p:nvPr/>
+                      </p:nvPicPr>
+                      <p:blipFill>
+                        <a:blip r:embed="rId13"/>
+                        <a:stretch>
+                          <a:fillRect/>
+                        </a:stretch>
+                      </p:blipFill>
+                      <p:spPr>
+                        <a:xfrm>
+                          <a:off x="5222525" y="4726108"/>
+                          <a:ext cx="1117950" cy="869517"/>
+                        </a:xfrm>
+                        <a:prstGeom prst="rect">
+                          <a:avLst/>
+                        </a:prstGeom>
+                      </p:spPr>
+                    </p:pic>
+                  </p:oleObj>
+                </mc:Fallback>
+              </mc:AlternateContent>
+            </a:graphicData>
+          </a:graphic>
+        </p:graphicFrame>
+      </p:grpSp>
+    </p:spTree>
+    <p:extLst>
+      <p:ext uri="{BB962C8B-B14F-4D97-AF65-F5344CB8AC3E}">
+        <p14:creationId xmlns:p14="http://schemas.microsoft.com/office/powerpoint/2010/main" val="3858254100"/>
+      </p:ext>
+    </p:extLst>
+  </p:cSld>
+  <p:clrMapOvr>
+    <a:masterClrMapping/>
+  </p:clrMapOvr>
+  <p:timing>
+    <p:tnLst>
+      <p:par>
+        <p:cTn xmlns:p14="http://schemas.microsoft.com/office/powerpoint/2010/main" id="1" dur="indefinite" restart="never" nodeType="tmRoot">
+          <p:childTnLst>
+            <p:seq concurrent="1" nextAc="seek">
+              <p:cTn id="2" dur="indefinite" nodeType="mainSeq">
+                <p:childTnLst>
+                  <p:par>
+                    <p:cTn id="3" fill="hold">
+                      <p:stCondLst>
+                        <p:cond delay="indefinite"/>
+                      </p:stCondLst>
+                      <p:childTnLst>
+                        <p:par>
+                          <p:cTn id="4" fill="hold">
+                            <p:stCondLst>
+                              <p:cond delay="0"/>
+                            </p:stCondLst>
+                            <p:childTnLst>
+                              <p:par>
+                                <p:cTn id="5" presetID="10" presetClass="entr" presetSubtype="0" fill="hold" nodeType="clickEffect">
+                                  <p:stCondLst>
+                                    <p:cond delay="0"/>
+                                  </p:stCondLst>
+                                  <p:childTnLst>
+                                    <p:set>
+                                      <p:cBhvr>
+                                        <p:cTn id="6" dur="1" fill="hold">
+                                          <p:stCondLst>
+                                            <p:cond delay="0"/>
+                                          </p:stCondLst>
+                                        </p:cTn>
+                                        <p:tgtEl>
+                                          <p:spTgt spid="26">
+                                            <p:txEl>
+                                              <p:pRg st="13" end="13"/>
+                                            </p:txEl>
+                                          </p:spTgt>
+                                        </p:tgtEl>
+                                        <p:attrNameLst>
+                                          <p:attrName>style.visibility</p:attrName>
+                                        </p:attrNameLst>
+                                      </p:cBhvr>
+                                      <p:to>
+                                        <p:strVal val="visible"/>
+                                      </p:to>
+                                    </p:set>
+                                    <p:animEffect transition="in" filter="fade">
+                                      <p:cBhvr>
+                                        <p:cTn id="7" dur="500"/>
+                                        <p:tgtEl>
+                                          <p:spTgt spid="26">
+                                            <p:txEl>
+                                              <p:pRg st="13" end="13"/>
+                                            </p:txEl>
+                                          </p:spTgt>
+                                        </p:tgtEl>
+                                      </p:cBhvr>
+                                    </p:animEffect>
+                                  </p:childTnLst>
+                                </p:cTn>
+                              </p:par>
+                            </p:childTnLst>
+                          </p:cTn>
+                        </p:par>
+                      </p:childTnLst>
+                    </p:cTn>
+                  </p:par>
+                  <p:par>
+                    <p:cTn id="8" fill="hold">
+                      <p:stCondLst>
+                        <p:cond delay="indefinite"/>
+                      </p:stCondLst>
+                      <p:childTnLst>
+                        <p:par>
+                          <p:cTn id="9" fill="hold">
+                            <p:stCondLst>
+                              <p:cond delay="0"/>
+                            </p:stCondLst>
+                            <p:childTnLst>
+                              <p:par>
+                                <p:cTn id="10" presetID="10" presetClass="entr" presetSubtype="0" fill="hold" nodeType="clickEffect">
+                                  <p:stCondLst>
+                                    <p:cond delay="0"/>
+                                  </p:stCondLst>
+                                  <p:childTnLst>
+                                    <p:set>
+                                      <p:cBhvr>
+                                        <p:cTn id="11" dur="1" fill="hold">
+                                          <p:stCondLst>
+                                            <p:cond delay="0"/>
+                                          </p:stCondLst>
+                                        </p:cTn>
+                                        <p:tgtEl>
+                                          <p:spTgt spid="4"/>
+                                        </p:tgtEl>
+                                        <p:attrNameLst>
+                                          <p:attrName>style.visibility</p:attrName>
+                                        </p:attrNameLst>
+                                      </p:cBhvr>
+                                      <p:to>
+                                        <p:strVal val="visible"/>
+                                      </p:to>
+                                    </p:set>
+                                    <p:animEffect transition="in" filter="fade">
+                                      <p:cBhvr>
+                                        <p:cTn id="12" dur="500"/>
+                                        <p:tgtEl>
+                                          <p:spTgt spid="4"/>
+                                        </p:tgtEl>
+                                      </p:cBhvr>
+                                    </p:animEffect>
+                                  </p:childTnLst>
+                                </p:cTn>
+                              </p:par>
+                            </p:childTnLst>
+                          </p:cTn>
+                        </p:par>
+                      </p:childTnLst>
+                    </p:cTn>
+                  </p:par>
+                </p:childTnLst>
+              </p:cTn>
+              <p:prevCondLst>
+                <p:cond evt="onPrev" delay="0">
+                  <p:tgtEl>
+                    <p:sldTgt/>
+                  </p:tgtEl>
+                </p:cond>
+              </p:prevCondLst>
+              <p:nextCondLst>
+                <p:cond evt="onNext" delay="0">
+                  <p:tgtEl>
+                    <p:sldTgt/>
+                  </p:tgtEl>
+                </p:cond>
+              </p:nextCondLst>
+            </p:seq>
+          </p:childTnLst>
+        </p:cTn>
+      </p:par>
+    </p:tnLst>
+  </p:timing>
+</p:sld>
+</file>
+
+<file path=ppt/slides/slide38.xml><?xml version="1.0" encoding="utf-8"?>
+<p:sld xmlns:a="http://schemas.openxmlformats.org/drawingml/2006/main" xmlns:r="http://schemas.openxmlformats.org/officeDocument/2006/relationships" xmlns:p="http://schemas.openxmlformats.org/presentationml/2006/main">
+  <p:cSld>
+    <p:spTree>
+      <p:nvGrpSpPr>
+        <p:cNvPr id="1" name=""/>
+        <p:cNvGrpSpPr/>
+        <p:nvPr/>
+      </p:nvGrpSpPr>
+      <p:grpSpPr>
+        <a:xfrm>
+          <a:off x="0" y="0"/>
+          <a:ext cx="0" cy="0"/>
+          <a:chOff x="0" y="0"/>
+          <a:chExt cx="0" cy="0"/>
+        </a:xfrm>
+      </p:grpSpPr>
+      <p:sp>
+        <p:nvSpPr>
+          <p:cNvPr id="9" name="Content Placeholder 2"/>
+          <p:cNvSpPr txBox="1">
+            <a:spLocks/>
+          </p:cNvSpPr>
+          <p:nvPr/>
+        </p:nvSpPr>
+        <p:spPr>
+          <a:xfrm>
+            <a:off x="4547810" y="1600200"/>
+            <a:ext cx="4054325" cy="4525963"/>
+          </a:xfrm>
+          <a:prstGeom prst="rect">
+            <a:avLst/>
+          </a:prstGeom>
+        </p:spPr>
+        <p:txBody>
+          <a:bodyPr vert="horz" lIns="91440" tIns="45720" rIns="91440" bIns="45720" rtlCol="0">
+            <a:normAutofit/>
+          </a:bodyPr>
+          <a:lstStyle>
+            <a:lvl1pPr marL="342900" indent="-342900" algn="l" defTabSz="457200" rtl="0" eaLnBrk="1" latinLnBrk="0" hangingPunct="1">
+              <a:spcBef>
+                <a:spcPct val="20000"/>
+              </a:spcBef>
+              <a:buFont typeface="Arial"/>
+              <a:buChar char="•"/>
+              <a:defRPr sz="3200" kern="1200">
+                <a:solidFill>
+                  <a:schemeClr val="tx1"/>
+                </a:solidFill>
+                <a:latin typeface="+mn-lt"/>
+                <a:ea typeface="+mn-ea"/>
+                <a:cs typeface="+mn-cs"/>
+              </a:defRPr>
+            </a:lvl1pPr>
+            <a:lvl2pPr marL="742950" indent="-285750" algn="l" defTabSz="457200" rtl="0" eaLnBrk="1" latinLnBrk="0" hangingPunct="1">
+              <a:spcBef>
+                <a:spcPct val="20000"/>
+              </a:spcBef>
+              <a:buFont typeface="Arial"/>
+              <a:buChar char="–"/>
+              <a:defRPr sz="2800" kern="1200">
+                <a:solidFill>
+                  <a:schemeClr val="tx1"/>
+                </a:solidFill>
+                <a:latin typeface="+mn-lt"/>
+                <a:ea typeface="+mn-ea"/>
+                <a:cs typeface="+mn-cs"/>
+              </a:defRPr>
+            </a:lvl2pPr>
+            <a:lvl3pPr marL="1143000" indent="-228600" algn="l" defTabSz="457200" rtl="0" eaLnBrk="1" latinLnBrk="0" hangingPunct="1">
+              <a:spcBef>
+                <a:spcPct val="20000"/>
+              </a:spcBef>
+              <a:buFont typeface="Arial"/>
+              <a:buChar char="•"/>
+              <a:defRPr sz="2400" kern="1200">
+                <a:solidFill>
+                  <a:schemeClr val="tx1"/>
+                </a:solidFill>
+                <a:latin typeface="+mn-lt"/>
+                <a:ea typeface="+mn-ea"/>
+                <a:cs typeface="+mn-cs"/>
+              </a:defRPr>
+            </a:lvl3pPr>
+            <a:lvl4pPr marL="1600200" indent="-228600" algn="l" defTabSz="457200" rtl="0" eaLnBrk="1" latinLnBrk="0" hangingPunct="1">
+              <a:spcBef>
+                <a:spcPct val="20000"/>
+              </a:spcBef>
+              <a:buFont typeface="Arial"/>
+              <a:buChar char="–"/>
+              <a:defRPr sz="2000" kern="1200">
+                <a:solidFill>
+                  <a:schemeClr val="tx1"/>
+                </a:solidFill>
+                <a:latin typeface="+mn-lt"/>
+                <a:ea typeface="+mn-ea"/>
+                <a:cs typeface="+mn-cs"/>
+              </a:defRPr>
+            </a:lvl4pPr>
+            <a:lvl5pPr marL="2057400" indent="-228600" algn="l" defTabSz="457200" rtl="0" eaLnBrk="1" latinLnBrk="0" hangingPunct="1">
+              <a:spcBef>
+                <a:spcPct val="20000"/>
+              </a:spcBef>
+              <a:buFont typeface="Arial"/>
+              <a:buChar char="»"/>
+              <a:defRPr sz="2000" kern="1200">
+                <a:solidFill>
+                  <a:schemeClr val="tx1"/>
+                </a:solidFill>
+                <a:latin typeface="+mn-lt"/>
+                <a:ea typeface="+mn-ea"/>
+                <a:cs typeface="+mn-cs"/>
+              </a:defRPr>
+            </a:lvl5pPr>
+            <a:lvl6pPr marL="2514600" indent="-228600" algn="l" defTabSz="457200" rtl="0" eaLnBrk="1" latinLnBrk="0" hangingPunct="1">
+              <a:spcBef>
+                <a:spcPct val="20000"/>
+              </a:spcBef>
+              <a:buFont typeface="Arial"/>
+              <a:buChar char="•"/>
+              <a:defRPr sz="2000" kern="1200">
+                <a:solidFill>
+                  <a:schemeClr val="tx1"/>
+                </a:solidFill>
+                <a:latin typeface="+mn-lt"/>
+                <a:ea typeface="+mn-ea"/>
+                <a:cs typeface="+mn-cs"/>
+              </a:defRPr>
+            </a:lvl6pPr>
+            <a:lvl7pPr marL="2971800" indent="-228600" algn="l" defTabSz="457200" rtl="0" eaLnBrk="1" latinLnBrk="0" hangingPunct="1">
+              <a:spcBef>
+                <a:spcPct val="20000"/>
+              </a:spcBef>
+              <a:buFont typeface="Arial"/>
+              <a:buChar char="•"/>
+              <a:defRPr sz="2000" kern="1200">
+                <a:solidFill>
+                  <a:schemeClr val="tx1"/>
+                </a:solidFill>
+                <a:latin typeface="+mn-lt"/>
+                <a:ea typeface="+mn-ea"/>
+                <a:cs typeface="+mn-cs"/>
+              </a:defRPr>
+            </a:lvl7pPr>
+            <a:lvl8pPr marL="3429000" indent="-228600" algn="l" defTabSz="457200" rtl="0" eaLnBrk="1" latinLnBrk="0" hangingPunct="1">
+              <a:spcBef>
+                <a:spcPct val="20000"/>
+              </a:spcBef>
+              <a:buFont typeface="Arial"/>
+              <a:buChar char="•"/>
+              <a:defRPr sz="2000" kern="1200">
+                <a:solidFill>
+                  <a:schemeClr val="tx1"/>
+                </a:solidFill>
+                <a:latin typeface="+mn-lt"/>
+                <a:ea typeface="+mn-ea"/>
+                <a:cs typeface="+mn-cs"/>
+              </a:defRPr>
+            </a:lvl8pPr>
+            <a:lvl9pPr marL="3886200" indent="-228600" algn="l" defTabSz="457200" rtl="0" eaLnBrk="1" latinLnBrk="0" hangingPunct="1">
+              <a:spcBef>
+                <a:spcPct val="20000"/>
+              </a:spcBef>
+              <a:buFont typeface="Arial"/>
+              <a:buChar char="•"/>
+              <a:defRPr sz="2000" kern="1200">
+                <a:solidFill>
+                  <a:schemeClr val="tx1"/>
+                </a:solidFill>
+                <a:latin typeface="+mn-lt"/>
+                <a:ea typeface="+mn-ea"/>
+                <a:cs typeface="+mn-cs"/>
+              </a:defRPr>
+            </a:lvl9pPr>
+          </a:lstStyle>
+          <a:p>
+            <a:pPr marL="0" indent="0">
+              <a:buFont typeface="Arial"/>
+              <a:buNone/>
+            </a:pPr>
+            <a:endParaRPr lang="en-US" dirty="0" smtClean="0"/>
+          </a:p>
+          <a:p>
+            <a:pPr marL="0" indent="0">
+              <a:buFont typeface="Arial"/>
+              <a:buNone/>
+            </a:pPr>
+            <a:r>
+              <a:rPr lang="en-US" dirty="0" smtClean="0"/>
+              <a:t>Then for</a:t>
+            </a:r>
+          </a:p>
+          <a:p>
+            <a:pPr marL="0" indent="0">
+              <a:buFont typeface="Arial"/>
+              <a:buNone/>
+            </a:pPr>
+            <a:endParaRPr lang="en-US" dirty="0" smtClean="0"/>
+          </a:p>
+          <a:p>
+            <a:pPr marL="0" indent="0">
+              <a:buFont typeface="Arial"/>
+              <a:buNone/>
+            </a:pPr>
+            <a:endParaRPr lang="en-US" dirty="0" smtClean="0"/>
+          </a:p>
+          <a:p>
+            <a:pPr marL="0" indent="0">
+              <a:buFont typeface="Arial"/>
+              <a:buNone/>
+            </a:pPr>
+            <a:endParaRPr lang="en-US" dirty="0" smtClean="0"/>
+          </a:p>
+        </p:txBody>
+      </p:sp>
+      <p:sp>
+        <p:nvSpPr>
+          <p:cNvPr id="2" name="Title 1"/>
+          <p:cNvSpPr>
+            <a:spLocks noGrp="1"/>
+          </p:cNvSpPr>
+          <p:nvPr>
+            <p:ph type="title"/>
+          </p:nvPr>
+        </p:nvSpPr>
+        <p:spPr/>
+        <p:txBody>
+          <a:bodyPr/>
+          <a:lstStyle/>
+          <a:p>
+            <a:r>
+              <a:rPr lang="en-US" dirty="0" smtClean="0"/>
+              <a:t>LWE w/ block fixing sources</a:t>
+            </a:r>
+            <a:endParaRPr lang="en-US" dirty="0"/>
+          </a:p>
+        </p:txBody>
+      </p:sp>
+      <p:sp>
+        <p:nvSpPr>
+          <p:cNvPr id="3" name="Content Placeholder 2"/>
+          <p:cNvSpPr>
+            <a:spLocks noGrp="1"/>
+          </p:cNvSpPr>
+          <p:nvPr>
+            <p:ph idx="1"/>
+          </p:nvPr>
+        </p:nvSpPr>
+        <p:spPr>
+          <a:xfrm>
+            <a:off x="493485" y="1600200"/>
+            <a:ext cx="4054325" cy="4525963"/>
+          </a:xfrm>
+        </p:spPr>
+        <p:txBody>
+          <a:bodyPr>
+            <a:normAutofit/>
+          </a:bodyPr>
+          <a:lstStyle/>
+          <a:p>
+            <a:pPr marL="0" indent="0">
+              <a:buNone/>
+            </a:pPr>
+            <a:r>
+              <a:rPr lang="en-US" u="sng" dirty="0" smtClean="0"/>
+              <a:t>Theorem 4:</a:t>
+            </a:r>
+            <a:endParaRPr lang="en-US" u="sng" dirty="0"/>
+          </a:p>
+          <a:p>
+            <a:pPr marL="0" indent="0">
+              <a:buNone/>
+            </a:pPr>
+            <a:r>
+              <a:rPr lang="en-US" dirty="0" smtClean="0"/>
+              <a:t>Let</a:t>
+            </a:r>
+          </a:p>
+          <a:p>
+            <a:pPr marL="0" indent="0">
+              <a:buNone/>
+            </a:pPr>
+            <a:endParaRPr lang="en-US" dirty="0" smtClean="0"/>
+          </a:p>
+          <a:p>
+            <a:pPr marL="0" indent="0">
+              <a:buNone/>
+            </a:pPr>
+            <a:endParaRPr lang="en-US" dirty="0" smtClean="0"/>
+          </a:p>
+          <a:p>
+            <a:pPr marL="0" indent="0">
+              <a:buNone/>
+            </a:pPr>
+            <a:endParaRPr lang="en-US" dirty="0"/>
+          </a:p>
+          <a:p>
+            <a:pPr marL="0" indent="0">
+              <a:buNone/>
+            </a:pPr>
+            <a:r>
+              <a:rPr lang="en-US" dirty="0" smtClean="0"/>
+              <a:t>If</a:t>
+            </a:r>
+          </a:p>
+        </p:txBody>
+      </p:sp>
+      <p:graphicFrame>
+        <p:nvGraphicFramePr>
+          <p:cNvPr id="4" name="Object 3"/>
+          <p:cNvGraphicFramePr>
+            <a:graphicFrameLocks noChangeAspect="1"/>
+          </p:cNvGraphicFramePr>
+          <p:nvPr>
+            <p:extLst>
+              <p:ext uri="{D42A27DB-BD31-4B8C-83A1-F6EECF244321}">
+                <p14:modId xmlns:p14="http://schemas.microsoft.com/office/powerpoint/2010/main" val="992501272"/>
+              </p:ext>
+            </p:extLst>
+          </p:nvPr>
+        </p:nvGraphicFramePr>
+        <p:xfrm>
+          <a:off x="845306" y="2837845"/>
+          <a:ext cx="1577975" cy="1524000"/>
+        </p:xfrm>
+        <a:graphic>
+          <a:graphicData uri="http://schemas.openxmlformats.org/presentationml/2006/ole">
+            <mc:AlternateContent xmlns:mc="http://schemas.openxmlformats.org/markup-compatibility/2006">
+              <mc:Choice xmlns:v="urn:schemas-microsoft-com:vml" Requires="v">
+                <p:oleObj spid="_x0000_s18442" name="Equation" r:id="rId3" imgW="749300" imgH="723900" progId="Equation.3">
+                  <p:embed/>
+                </p:oleObj>
+              </mc:Choice>
+              <mc:Fallback>
+                <p:oleObj name="Equation" r:id="rId3" imgW="749300" imgH="723900" progId="Equation.3">
+                  <p:embed/>
+                  <p:pic>
+                    <p:nvPicPr>
+                      <p:cNvPr id="0" name=""/>
+                      <p:cNvPicPr/>
+                      <p:nvPr/>
+                    </p:nvPicPr>
+                    <p:blipFill>
+                      <a:blip r:embed="rId4"/>
+                      <a:stretch>
+                        <a:fillRect/>
+                      </a:stretch>
+                    </p:blipFill>
+                    <p:spPr>
+                      <a:xfrm>
+                        <a:off x="845306" y="2837845"/>
+                        <a:ext cx="1577975" cy="1524000"/>
+                      </a:xfrm>
+                      <a:prstGeom prst="rect">
+                        <a:avLst/>
+                      </a:prstGeom>
+                    </p:spPr>
+                  </p:pic>
+                </p:oleObj>
+              </mc:Fallback>
+            </mc:AlternateContent>
+          </a:graphicData>
+        </a:graphic>
+      </p:graphicFrame>
+      <p:graphicFrame>
+        <p:nvGraphicFramePr>
+          <p:cNvPr id="8" name="Object 7"/>
+          <p:cNvGraphicFramePr>
+            <a:graphicFrameLocks noChangeAspect="1"/>
+          </p:cNvGraphicFramePr>
+          <p:nvPr>
+            <p:extLst>
+              <p:ext uri="{D42A27DB-BD31-4B8C-83A1-F6EECF244321}">
+                <p14:modId xmlns:p14="http://schemas.microsoft.com/office/powerpoint/2010/main" val="344318200"/>
+              </p:ext>
+            </p:extLst>
+          </p:nvPr>
+        </p:nvGraphicFramePr>
+        <p:xfrm>
+          <a:off x="4781090" y="2816225"/>
+          <a:ext cx="3128963" cy="2190750"/>
+        </p:xfrm>
+        <a:graphic>
+          <a:graphicData uri="http://schemas.openxmlformats.org/presentationml/2006/ole">
+            <mc:AlternateContent xmlns:mc="http://schemas.openxmlformats.org/markup-compatibility/2006">
+              <mc:Choice xmlns:v="urn:schemas-microsoft-com:vml" Requires="v">
+                <p:oleObj spid="_x0000_s18443" name="Equation" r:id="rId5" imgW="1485900" imgH="1041400" progId="Equation.3">
+                  <p:embed/>
+                </p:oleObj>
+              </mc:Choice>
+              <mc:Fallback>
+                <p:oleObj name="Equation" r:id="rId5" imgW="1485900" imgH="1041400" progId="Equation.3">
+                  <p:embed/>
+                  <p:pic>
+                    <p:nvPicPr>
+                      <p:cNvPr id="0" name=""/>
+                      <p:cNvPicPr/>
+                      <p:nvPr/>
+                    </p:nvPicPr>
+                    <p:blipFill>
+                      <a:blip r:embed="rId6"/>
+                      <a:stretch>
+                        <a:fillRect/>
+                      </a:stretch>
+                    </p:blipFill>
+                    <p:spPr>
+                      <a:xfrm>
+                        <a:off x="4781090" y="2816225"/>
+                        <a:ext cx="3128963" cy="2190750"/>
+                      </a:xfrm>
+                      <a:prstGeom prst="rect">
+                        <a:avLst/>
+                      </a:prstGeom>
+                    </p:spPr>
+                  </p:pic>
+                </p:oleObj>
+              </mc:Fallback>
+            </mc:AlternateContent>
+          </a:graphicData>
+        </a:graphic>
+      </p:graphicFrame>
+      <p:graphicFrame>
+        <p:nvGraphicFramePr>
+          <p:cNvPr id="10" name="Object 9"/>
+          <p:cNvGraphicFramePr>
+            <a:graphicFrameLocks noChangeAspect="1"/>
+          </p:cNvGraphicFramePr>
+          <p:nvPr>
+            <p:extLst>
+              <p:ext uri="{D42A27DB-BD31-4B8C-83A1-F6EECF244321}">
+                <p14:modId xmlns:p14="http://schemas.microsoft.com/office/powerpoint/2010/main" val="2929997628"/>
+              </p:ext>
+            </p:extLst>
+          </p:nvPr>
+        </p:nvGraphicFramePr>
+        <p:xfrm>
+          <a:off x="715283" y="5232174"/>
+          <a:ext cx="2647950" cy="454025"/>
+        </p:xfrm>
+        <a:graphic>
+          <a:graphicData uri="http://schemas.openxmlformats.org/presentationml/2006/ole">
+            <mc:AlternateContent xmlns:mc="http://schemas.openxmlformats.org/markup-compatibility/2006">
+              <mc:Choice xmlns:v="urn:schemas-microsoft-com:vml" Requires="v">
+                <p:oleObj spid="_x0000_s18444" name="Equation" r:id="rId7" imgW="1257300" imgH="215900" progId="Equation.3">
+                  <p:embed/>
+                </p:oleObj>
+              </mc:Choice>
+              <mc:Fallback>
+                <p:oleObj name="Equation" r:id="rId7" imgW="1257300" imgH="215900" progId="Equation.3">
+                  <p:embed/>
+                  <p:pic>
+                    <p:nvPicPr>
+                      <p:cNvPr id="0" name=""/>
+                      <p:cNvPicPr/>
+                      <p:nvPr/>
+                    </p:nvPicPr>
+                    <p:blipFill>
+                      <a:blip r:embed="rId8"/>
+                      <a:stretch>
+                        <a:fillRect/>
+                      </a:stretch>
+                    </p:blipFill>
+                    <p:spPr>
+                      <a:xfrm>
+                        <a:off x="715283" y="5232174"/>
+                        <a:ext cx="2647950" cy="454025"/>
+                      </a:xfrm>
+                      <a:prstGeom prst="rect">
+                        <a:avLst/>
+                      </a:prstGeom>
+                    </p:spPr>
+                  </p:pic>
+                </p:oleObj>
+              </mc:Fallback>
+            </mc:AlternateContent>
+          </a:graphicData>
+        </a:graphic>
+      </p:graphicFrame>
+      <p:graphicFrame>
+        <p:nvGraphicFramePr>
+          <p:cNvPr id="11" name="Object 10"/>
+          <p:cNvGraphicFramePr>
+            <a:graphicFrameLocks noChangeAspect="1"/>
+          </p:cNvGraphicFramePr>
+          <p:nvPr>
+            <p:extLst>
+              <p:ext uri="{D42A27DB-BD31-4B8C-83A1-F6EECF244321}">
+                <p14:modId xmlns:p14="http://schemas.microsoft.com/office/powerpoint/2010/main" val="959609754"/>
+              </p:ext>
+            </p:extLst>
+          </p:nvPr>
+        </p:nvGraphicFramePr>
+        <p:xfrm>
+          <a:off x="4580465" y="5232400"/>
+          <a:ext cx="2754313" cy="454025"/>
+        </p:xfrm>
+        <a:graphic>
+          <a:graphicData uri="http://schemas.openxmlformats.org/presentationml/2006/ole">
+            <mc:AlternateContent xmlns:mc="http://schemas.openxmlformats.org/markup-compatibility/2006">
+              <mc:Choice xmlns:v="urn:schemas-microsoft-com:vml" Requires="v">
+                <p:oleObj spid="_x0000_s18445" name="Equation" r:id="rId9" imgW="1308100" imgH="215900" progId="Equation.3">
+                  <p:embed/>
+                </p:oleObj>
+              </mc:Choice>
+              <mc:Fallback>
+                <p:oleObj name="Equation" r:id="rId9" imgW="1308100" imgH="215900" progId="Equation.3">
+                  <p:embed/>
+                  <p:pic>
+                    <p:nvPicPr>
+                      <p:cNvPr id="0" name=""/>
+                      <p:cNvPicPr/>
+                      <p:nvPr/>
+                    </p:nvPicPr>
+                    <p:blipFill>
+                      <a:blip r:embed="rId10"/>
+                      <a:stretch>
+                        <a:fillRect/>
+                      </a:stretch>
+                    </p:blipFill>
+                    <p:spPr>
+                      <a:xfrm>
+                        <a:off x="4580465" y="5232400"/>
+                        <a:ext cx="2754313" cy="454025"/>
+                      </a:xfrm>
+                      <a:prstGeom prst="rect">
+                        <a:avLst/>
+                      </a:prstGeom>
+                    </p:spPr>
+                  </p:pic>
+                </p:oleObj>
+              </mc:Fallback>
+            </mc:AlternateContent>
+          </a:graphicData>
+        </a:graphic>
+      </p:graphicFrame>
+      <p:sp>
+        <p:nvSpPr>
+          <p:cNvPr id="12" name="Rectangle 11"/>
+          <p:cNvSpPr/>
+          <p:nvPr/>
+        </p:nvSpPr>
+        <p:spPr>
+          <a:xfrm>
+            <a:off x="4580465" y="2217438"/>
+            <a:ext cx="3906310" cy="3533474"/>
+          </a:xfrm>
+          <a:prstGeom prst="rect">
+            <a:avLst/>
+          </a:prstGeom>
+          <a:noFill/>
+          <a:ln>
+            <a:solidFill>
+              <a:schemeClr val="tx1"/>
+            </a:solidFill>
+          </a:ln>
+        </p:spPr>
+        <p:style>
+          <a:lnRef idx="1">
+            <a:schemeClr val="accent1"/>
+          </a:lnRef>
+          <a:fillRef idx="3">
+            <a:schemeClr val="accent1"/>
+          </a:fillRef>
+          <a:effectRef idx="2">
+            <a:schemeClr val="accent1"/>
+          </a:effectRef>
+          <a:fontRef idx="minor">
+            <a:schemeClr val="lt1"/>
+          </a:fontRef>
+        </p:style>
+        <p:txBody>
+          <a:bodyPr rtlCol="0" anchor="ctr"/>
+          <a:lstStyle/>
+          <a:p>
+            <a:pPr algn="ctr"/>
+            <a:endParaRPr lang="en-US"/>
+          </a:p>
+        </p:txBody>
+      </p:sp>
+      <p:sp>
+        <p:nvSpPr>
+          <p:cNvPr id="13" name="Rectangle 12"/>
+          <p:cNvSpPr/>
+          <p:nvPr/>
+        </p:nvSpPr>
+        <p:spPr>
+          <a:xfrm>
+            <a:off x="493485" y="2217438"/>
+            <a:ext cx="2869748" cy="3533474"/>
+          </a:xfrm>
+          <a:prstGeom prst="rect">
+            <a:avLst/>
+          </a:prstGeom>
+          <a:noFill/>
+          <a:ln>
+            <a:solidFill>
+              <a:schemeClr val="tx1"/>
+            </a:solidFill>
+          </a:ln>
+        </p:spPr>
+        <p:style>
+          <a:lnRef idx="1">
+            <a:schemeClr val="accent1"/>
+          </a:lnRef>
+          <a:fillRef idx="3">
+            <a:schemeClr val="accent1"/>
+          </a:fillRef>
+          <a:effectRef idx="2">
+            <a:schemeClr val="accent1"/>
+          </a:effectRef>
+          <a:fontRef idx="minor">
+            <a:schemeClr val="lt1"/>
+          </a:fontRef>
+        </p:style>
+        <p:txBody>
+          <a:bodyPr rtlCol="0" anchor="ctr"/>
+          <a:lstStyle/>
+          <a:p>
+            <a:pPr algn="ctr"/>
+            <a:endParaRPr lang="en-US"/>
+          </a:p>
+        </p:txBody>
+      </p:sp>
+    </p:spTree>
+    <p:extLst>
+      <p:ext uri="{BB962C8B-B14F-4D97-AF65-F5344CB8AC3E}">
+        <p14:creationId xmlns:p14="http://schemas.microsoft.com/office/powerpoint/2010/main" val="300527146"/>
+      </p:ext>
+    </p:extLst>
+  </p:cSld>
+  <p:clrMapOvr>
+    <a:masterClrMapping/>
+  </p:clrMapOvr>
+  <p:timing>
+    <p:tnLst>
+      <p:par>
+        <p:cTn xmlns:p14="http://schemas.microsoft.com/office/powerpoint/2010/main" id="1" dur="indefinite" restart="never" nodeType="tmRoot">
+          <p:childTnLst>
+            <p:seq concurrent="1" nextAc="seek">
+              <p:cTn id="2" dur="indefinite" nodeType="mainSeq">
+                <p:childTnLst>
+                  <p:par>
+                    <p:cTn id="3" fill="hold">
+                      <p:stCondLst>
+                        <p:cond delay="indefinite"/>
+                      </p:stCondLst>
+                      <p:childTnLst>
+                        <p:par>
+                          <p:cTn id="4" fill="hold">
+                            <p:stCondLst>
+                              <p:cond delay="0"/>
+                            </p:stCondLst>
+                            <p:childTnLst>
+                              <p:par>
+                                <p:cTn id="5" presetID="10" presetClass="entr" presetSubtype="0" fill="hold" grpId="0" nodeType="clickEffect">
+                                  <p:stCondLst>
+                                    <p:cond delay="0"/>
+                                  </p:stCondLst>
+                                  <p:childTnLst>
+                                    <p:set>
+                                      <p:cBhvr>
+                                        <p:cTn id="6" dur="1" fill="hold">
+                                          <p:stCondLst>
+                                            <p:cond delay="0"/>
+                                          </p:stCondLst>
+                                        </p:cTn>
+                                        <p:tgtEl>
+                                          <p:spTgt spid="3">
+                                            <p:txEl>
+                                              <p:pRg st="0" end="0"/>
+                                            </p:txEl>
+                                          </p:spTgt>
+                                        </p:tgtEl>
+                                        <p:attrNameLst>
+                                          <p:attrName>style.visibility</p:attrName>
+                                        </p:attrNameLst>
+                                      </p:cBhvr>
+                                      <p:to>
+                                        <p:strVal val="visible"/>
+                                      </p:to>
+                                    </p:set>
+                                    <p:animEffect transition="in" filter="fade">
+                                      <p:cBhvr>
+                                        <p:cTn id="7" dur="500"/>
+                                        <p:tgtEl>
+                                          <p:spTgt spid="3">
+                                            <p:txEl>
+                                              <p:pRg st="0" end="0"/>
+                                            </p:txEl>
+                                          </p:spTgt>
+                                        </p:tgtEl>
+                                      </p:cBhvr>
+                                    </p:animEffect>
+                                  </p:childTnLst>
+                                </p:cTn>
+                              </p:par>
+                            </p:childTnLst>
+                          </p:cTn>
+                        </p:par>
+                      </p:childTnLst>
+                    </p:cTn>
+                  </p:par>
+                  <p:par>
+                    <p:cTn id="8" fill="hold">
+                      <p:stCondLst>
+                        <p:cond delay="indefinite"/>
+                      </p:stCondLst>
+                      <p:childTnLst>
+                        <p:par>
+                          <p:cTn id="9" fill="hold">
+                            <p:stCondLst>
+                              <p:cond delay="0"/>
+                            </p:stCondLst>
+                            <p:childTnLst>
+                              <p:par>
+                                <p:cTn id="10" presetID="10" presetClass="entr" presetSubtype="0" fill="hold" grpId="0" nodeType="clickEffect">
+                                  <p:stCondLst>
+                                    <p:cond delay="0"/>
+                                  </p:stCondLst>
+                                  <p:childTnLst>
+                                    <p:set>
+                                      <p:cBhvr>
+                                        <p:cTn id="11" dur="1" fill="hold">
+                                          <p:stCondLst>
+                                            <p:cond delay="0"/>
+                                          </p:stCondLst>
+                                        </p:cTn>
+                                        <p:tgtEl>
+                                          <p:spTgt spid="13"/>
+                                        </p:tgtEl>
+                                        <p:attrNameLst>
+                                          <p:attrName>style.visibility</p:attrName>
+                                        </p:attrNameLst>
+                                      </p:cBhvr>
+                                      <p:to>
+                                        <p:strVal val="visible"/>
+                                      </p:to>
+                                    </p:set>
+                                    <p:animEffect transition="in" filter="fade">
+                                      <p:cBhvr>
+                                        <p:cTn id="12" dur="500"/>
+                                        <p:tgtEl>
+                                          <p:spTgt spid="13"/>
+                                        </p:tgtEl>
+                                      </p:cBhvr>
+                                    </p:animEffect>
+                                  </p:childTnLst>
+                                </p:cTn>
+                              </p:par>
+                            </p:childTnLst>
+                          </p:cTn>
+                        </p:par>
+                      </p:childTnLst>
+                    </p:cTn>
+                  </p:par>
+                  <p:par>
+                    <p:cTn id="13" fill="hold">
+                      <p:stCondLst>
+                        <p:cond delay="indefinite"/>
+                      </p:stCondLst>
+                      <p:childTnLst>
+                        <p:par>
+                          <p:cTn id="14" fill="hold">
+                            <p:stCondLst>
+                              <p:cond delay="0"/>
+                            </p:stCondLst>
+                            <p:childTnLst>
+                              <p:par>
+                                <p:cTn id="15" presetID="10" presetClass="entr" presetSubtype="0" fill="hold" grpId="0" nodeType="clickEffect">
+                                  <p:stCondLst>
+                                    <p:cond delay="0"/>
+                                  </p:stCondLst>
+                                  <p:childTnLst>
+                                    <p:set>
+                                      <p:cBhvr>
+                                        <p:cTn id="16" dur="1" fill="hold">
+                                          <p:stCondLst>
+                                            <p:cond delay="0"/>
+                                          </p:stCondLst>
+                                        </p:cTn>
+                                        <p:tgtEl>
+                                          <p:spTgt spid="3">
+                                            <p:txEl>
+                                              <p:pRg st="1" end="1"/>
+                                            </p:txEl>
+                                          </p:spTgt>
+                                        </p:tgtEl>
+                                        <p:attrNameLst>
+                                          <p:attrName>style.visibility</p:attrName>
+                                        </p:attrNameLst>
+                                      </p:cBhvr>
+                                      <p:to>
+                                        <p:strVal val="visible"/>
+                                      </p:to>
+                                    </p:set>
+                                    <p:animEffect transition="in" filter="fade">
+                                      <p:cBhvr>
+                                        <p:cTn id="17" dur="500"/>
+                                        <p:tgtEl>
+                                          <p:spTgt spid="3">
+                                            <p:txEl>
+                                              <p:pRg st="1" end="1"/>
+                                            </p:txEl>
+                                          </p:spTgt>
+                                        </p:tgtEl>
+                                      </p:cBhvr>
+                                    </p:animEffect>
+                                  </p:childTnLst>
+                                </p:cTn>
+                              </p:par>
+                              <p:par>
+                                <p:cTn id="18" presetID="10" presetClass="entr" presetSubtype="0" fill="hold" nodeType="withEffect">
+                                  <p:stCondLst>
+                                    <p:cond delay="0"/>
+                                  </p:stCondLst>
+                                  <p:childTnLst>
+                                    <p:set>
+                                      <p:cBhvr>
+                                        <p:cTn id="19" dur="1" fill="hold">
+                                          <p:stCondLst>
+                                            <p:cond delay="0"/>
+                                          </p:stCondLst>
+                                        </p:cTn>
+                                        <p:tgtEl>
+                                          <p:spTgt spid="4"/>
+                                        </p:tgtEl>
+                                        <p:attrNameLst>
+                                          <p:attrName>style.visibility</p:attrName>
+                                        </p:attrNameLst>
+                                      </p:cBhvr>
+                                      <p:to>
+                                        <p:strVal val="visible"/>
+                                      </p:to>
+                                    </p:set>
+                                    <p:animEffect transition="in" filter="fade">
+                                      <p:cBhvr>
+                                        <p:cTn id="20" dur="500"/>
+                                        <p:tgtEl>
+                                          <p:spTgt spid="4"/>
+                                        </p:tgtEl>
+                                      </p:cBhvr>
+                                    </p:animEffect>
+                                  </p:childTnLst>
+                                </p:cTn>
+                              </p:par>
+                            </p:childTnLst>
+                          </p:cTn>
+                        </p:par>
+                      </p:childTnLst>
+                    </p:cTn>
+                  </p:par>
+                  <p:par>
+                    <p:cTn id="21" fill="hold">
+                      <p:stCondLst>
+                        <p:cond delay="indefinite"/>
+                      </p:stCondLst>
+                      <p:childTnLst>
+                        <p:par>
+                          <p:cTn id="22" fill="hold">
+                            <p:stCondLst>
+                              <p:cond delay="0"/>
+                            </p:stCondLst>
+                            <p:childTnLst>
+                              <p:par>
+                                <p:cTn id="23" presetID="10" presetClass="entr" presetSubtype="0" fill="hold" grpId="0" nodeType="clickEffect">
+                                  <p:stCondLst>
+                                    <p:cond delay="0"/>
+                                  </p:stCondLst>
+                                  <p:childTnLst>
+                                    <p:set>
+                                      <p:cBhvr>
+                                        <p:cTn id="24" dur="1" fill="hold">
+                                          <p:stCondLst>
+                                            <p:cond delay="0"/>
+                                          </p:stCondLst>
+                                        </p:cTn>
+                                        <p:tgtEl>
+                                          <p:spTgt spid="3">
+                                            <p:txEl>
+                                              <p:pRg st="5" end="5"/>
+                                            </p:txEl>
+                                          </p:spTgt>
+                                        </p:tgtEl>
+                                        <p:attrNameLst>
+                                          <p:attrName>style.visibility</p:attrName>
+                                        </p:attrNameLst>
+                                      </p:cBhvr>
+                                      <p:to>
+                                        <p:strVal val="visible"/>
+                                      </p:to>
+                                    </p:set>
+                                    <p:animEffect transition="in" filter="fade">
+                                      <p:cBhvr>
+                                        <p:cTn id="25" dur="500"/>
+                                        <p:tgtEl>
+                                          <p:spTgt spid="3">
+                                            <p:txEl>
+                                              <p:pRg st="5" end="5"/>
+                                            </p:txEl>
+                                          </p:spTgt>
+                                        </p:tgtEl>
+                                      </p:cBhvr>
+                                    </p:animEffect>
+                                  </p:childTnLst>
+                                </p:cTn>
+                              </p:par>
+                              <p:par>
+                                <p:cTn id="26" presetID="10" presetClass="entr" presetSubtype="0" fill="hold" nodeType="withEffect">
+                                  <p:stCondLst>
+                                    <p:cond delay="0"/>
+                                  </p:stCondLst>
+                                  <p:childTnLst>
+                                    <p:set>
+                                      <p:cBhvr>
+                                        <p:cTn id="27" dur="1" fill="hold">
+                                          <p:stCondLst>
+                                            <p:cond delay="0"/>
+                                          </p:stCondLst>
+                                        </p:cTn>
+                                        <p:tgtEl>
+                                          <p:spTgt spid="10"/>
+                                        </p:tgtEl>
+                                        <p:attrNameLst>
+                                          <p:attrName>style.visibility</p:attrName>
+                                        </p:attrNameLst>
+                                      </p:cBhvr>
+                                      <p:to>
+                                        <p:strVal val="visible"/>
+                                      </p:to>
+                                    </p:set>
+                                    <p:animEffect transition="in" filter="fade">
+                                      <p:cBhvr>
+                                        <p:cTn id="28" dur="500"/>
+                                        <p:tgtEl>
+                                          <p:spTgt spid="10"/>
+                                        </p:tgtEl>
+                                      </p:cBhvr>
+                                    </p:animEffect>
+                                  </p:childTnLst>
+                                </p:cTn>
+                              </p:par>
+                            </p:childTnLst>
+                          </p:cTn>
+                        </p:par>
+                      </p:childTnLst>
+                    </p:cTn>
+                  </p:par>
+                  <p:par>
+                    <p:cTn id="29" fill="hold">
+                      <p:stCondLst>
+                        <p:cond delay="indefinite"/>
+                      </p:stCondLst>
+                      <p:childTnLst>
+                        <p:par>
+                          <p:cTn id="30" fill="hold">
+                            <p:stCondLst>
+                              <p:cond delay="0"/>
+                            </p:stCondLst>
+                            <p:childTnLst>
+                              <p:par>
+                                <p:cTn id="31" presetID="10" presetClass="entr" presetSubtype="0" fill="hold" grpId="0" nodeType="clickEffect">
+                                  <p:stCondLst>
+                                    <p:cond delay="0"/>
+                                  </p:stCondLst>
+                                  <p:childTnLst>
+                                    <p:set>
+                                      <p:cBhvr>
+                                        <p:cTn id="32" dur="1" fill="hold">
+                                          <p:stCondLst>
+                                            <p:cond delay="0"/>
+                                          </p:stCondLst>
+                                        </p:cTn>
+                                        <p:tgtEl>
+                                          <p:spTgt spid="12"/>
+                                        </p:tgtEl>
+                                        <p:attrNameLst>
+                                          <p:attrName>style.visibility</p:attrName>
+                                        </p:attrNameLst>
+                                      </p:cBhvr>
+                                      <p:to>
+                                        <p:strVal val="visible"/>
+                                      </p:to>
+                                    </p:set>
+                                    <p:animEffect transition="in" filter="fade">
+                                      <p:cBhvr>
+                                        <p:cTn id="33" dur="500"/>
+                                        <p:tgtEl>
+                                          <p:spTgt spid="12"/>
+                                        </p:tgtEl>
+                                      </p:cBhvr>
+                                    </p:animEffect>
+                                  </p:childTnLst>
+                                </p:cTn>
+                              </p:par>
+                              <p:par>
+                                <p:cTn id="34" presetID="10" presetClass="entr" presetSubtype="0" fill="hold" grpId="0" nodeType="withEffect">
+                                  <p:stCondLst>
+                                    <p:cond delay="0"/>
+                                  </p:stCondLst>
+                                  <p:childTnLst>
+                                    <p:set>
+                                      <p:cBhvr>
+                                        <p:cTn id="35" dur="1" fill="hold">
+                                          <p:stCondLst>
+                                            <p:cond delay="0"/>
+                                          </p:stCondLst>
+                                        </p:cTn>
+                                        <p:tgtEl>
+                                          <p:spTgt spid="9">
+                                            <p:txEl>
+                                              <p:pRg st="1" end="1"/>
+                                            </p:txEl>
+                                          </p:spTgt>
+                                        </p:tgtEl>
+                                        <p:attrNameLst>
+                                          <p:attrName>style.visibility</p:attrName>
+                                        </p:attrNameLst>
+                                      </p:cBhvr>
+                                      <p:to>
+                                        <p:strVal val="visible"/>
+                                      </p:to>
+                                    </p:set>
+                                    <p:animEffect transition="in" filter="fade">
+                                      <p:cBhvr>
+                                        <p:cTn id="36" dur="500"/>
+                                        <p:tgtEl>
+                                          <p:spTgt spid="9">
+                                            <p:txEl>
+                                              <p:pRg st="1" end="1"/>
+                                            </p:txEl>
+                                          </p:spTgt>
+                                        </p:tgtEl>
+                                      </p:cBhvr>
+                                    </p:animEffect>
+                                  </p:childTnLst>
+                                </p:cTn>
+                              </p:par>
+                            </p:childTnLst>
+                          </p:cTn>
+                        </p:par>
+                      </p:childTnLst>
+                    </p:cTn>
+                  </p:par>
+                  <p:par>
+                    <p:cTn id="37" fill="hold">
+                      <p:stCondLst>
+                        <p:cond delay="indefinite"/>
+                      </p:stCondLst>
+                      <p:childTnLst>
+                        <p:par>
+                          <p:cTn id="38" fill="hold">
+                            <p:stCondLst>
+                              <p:cond delay="0"/>
+                            </p:stCondLst>
+                            <p:childTnLst>
+                              <p:par>
+                                <p:cTn id="39" presetID="10" presetClass="entr" presetSubtype="0" fill="hold" nodeType="clickEffect">
+                                  <p:stCondLst>
+                                    <p:cond delay="0"/>
+                                  </p:stCondLst>
+                                  <p:childTnLst>
+                                    <p:set>
+                                      <p:cBhvr>
+                                        <p:cTn id="40" dur="1" fill="hold">
+                                          <p:stCondLst>
+                                            <p:cond delay="0"/>
+                                          </p:stCondLst>
+                                        </p:cTn>
+                                        <p:tgtEl>
+                                          <p:spTgt spid="8"/>
+                                        </p:tgtEl>
+                                        <p:attrNameLst>
+                                          <p:attrName>style.visibility</p:attrName>
+                                        </p:attrNameLst>
+                                      </p:cBhvr>
+                                      <p:to>
+                                        <p:strVal val="visible"/>
+                                      </p:to>
+                                    </p:set>
+                                    <p:animEffect transition="in" filter="fade">
+                                      <p:cBhvr>
+                                        <p:cTn id="41" dur="500"/>
+                                        <p:tgtEl>
+                                          <p:spTgt spid="8"/>
+                                        </p:tgtEl>
+                                      </p:cBhvr>
+                                    </p:animEffect>
+                                  </p:childTnLst>
+                                </p:cTn>
+                              </p:par>
+                            </p:childTnLst>
+                          </p:cTn>
+                        </p:par>
+                      </p:childTnLst>
+                    </p:cTn>
+                  </p:par>
+                  <p:par>
+                    <p:cTn id="42" fill="hold">
+                      <p:stCondLst>
+                        <p:cond delay="indefinite"/>
+                      </p:stCondLst>
+                      <p:childTnLst>
+                        <p:par>
+                          <p:cTn id="43" fill="hold">
+                            <p:stCondLst>
+                              <p:cond delay="0"/>
+                            </p:stCondLst>
+                            <p:childTnLst>
+                              <p:par>
+                                <p:cTn id="44" presetID="10" presetClass="entr" presetSubtype="0" fill="hold" nodeType="clickEffect">
+                                  <p:stCondLst>
+                                    <p:cond delay="0"/>
+                                  </p:stCondLst>
+                                  <p:childTnLst>
+                                    <p:set>
+                                      <p:cBhvr>
+                                        <p:cTn id="45" dur="1" fill="hold">
+                                          <p:stCondLst>
+                                            <p:cond delay="0"/>
+                                          </p:stCondLst>
+                                        </p:cTn>
+                                        <p:tgtEl>
+                                          <p:spTgt spid="11"/>
+                                        </p:tgtEl>
+                                        <p:attrNameLst>
+                                          <p:attrName>style.visibility</p:attrName>
+                                        </p:attrNameLst>
+                                      </p:cBhvr>
+                                      <p:to>
+                                        <p:strVal val="visible"/>
+                                      </p:to>
+                                    </p:set>
+                                    <p:animEffect transition="in" filter="fade">
+                                      <p:cBhvr>
+                                        <p:cTn id="46" dur="500"/>
+                                        <p:tgtEl>
+                                          <p:spTgt spid="11"/>
+                                        </p:tgtEl>
+                                      </p:cBhvr>
+                                    </p:animEffect>
+                                  </p:childTnLst>
+                                </p:cTn>
+                              </p:par>
+                            </p:childTnLst>
+                          </p:cTn>
+                        </p:par>
+                      </p:childTnLst>
+                    </p:cTn>
+                  </p:par>
+                </p:childTnLst>
+              </p:cTn>
+              <p:prevCondLst>
+                <p:cond evt="onPrev" delay="0">
+                  <p:tgtEl>
+                    <p:sldTgt/>
+                  </p:tgtEl>
+                </p:cond>
+              </p:prevCondLst>
+              <p:nextCondLst>
+                <p:cond evt="onNext" delay="0">
+                  <p:tgtEl>
+                    <p:sldTgt/>
+                  </p:tgtEl>
+                </p:cond>
+              </p:nextCondLst>
+            </p:seq>
+          </p:childTnLst>
+        </p:cTn>
+      </p:par>
+    </p:tnLst>
+    <p:bldLst>
+      <p:bldP spid="9" grpId="0" uiExpand="1" build="p"/>
+      <p:bldP spid="3" grpId="0" uiExpand="1" build="p"/>
+      <p:bldP spid="12" grpId="0" animBg="1"/>
+      <p:bldP spid="13" grpId="0" animBg="1"/>
+    </p:bldLst>
+  </p:timing>
+</p:sld>
+</file>
+
+<file path=ppt/slides/slide39.xml><?xml version="1.0" encoding="utf-8"?>
+<p:sld xmlns:a="http://schemas.openxmlformats.org/drawingml/2006/main" xmlns:r="http://schemas.openxmlformats.org/officeDocument/2006/relationships" xmlns:p="http://schemas.openxmlformats.org/presentationml/2006/main">
+  <p:cSld>
+    <p:spTree>
+      <p:nvGrpSpPr>
+        <p:cNvPr id="1" name=""/>
+        <p:cNvGrpSpPr/>
+        <p:nvPr/>
+      </p:nvGrpSpPr>
+      <p:grpSpPr>
+        <a:xfrm>
+          <a:off x="0" y="0"/>
+          <a:ext cx="0" cy="0"/>
+          <a:chOff x="0" y="0"/>
+          <a:chExt cx="0" cy="0"/>
+        </a:xfrm>
+      </p:grpSpPr>
+      <p:sp>
+        <p:nvSpPr>
+          <p:cNvPr id="3" name="Title 2"/>
+          <p:cNvSpPr>
+            <a:spLocks noGrp="1"/>
+          </p:cNvSpPr>
+          <p:nvPr>
+            <p:ph type="title"/>
+          </p:nvPr>
+        </p:nvSpPr>
+        <p:spPr/>
+        <p:txBody>
+          <a:bodyPr/>
+          <a:lstStyle/>
+          <a:p>
+            <a:r>
+              <a:rPr lang="en-US" dirty="0" smtClean="0"/>
+              <a:t>Our construction</a:t>
+            </a:r>
+            <a:endParaRPr lang="en-US" dirty="0"/>
+          </a:p>
+        </p:txBody>
+      </p:sp>
+      <p:sp>
+        <p:nvSpPr>
+          <p:cNvPr id="26" name="Content Placeholder 1"/>
+          <p:cNvSpPr>
+            <a:spLocks noGrp="1"/>
+          </p:cNvSpPr>
+          <p:nvPr>
+            <p:ph idx="1"/>
+          </p:nvPr>
+        </p:nvSpPr>
+        <p:spPr>
+          <a:xfrm>
+            <a:off x="152400" y="1143000"/>
+            <a:ext cx="3200400" cy="5461000"/>
+          </a:xfrm>
+        </p:spPr>
+        <p:txBody>
+          <a:bodyPr>
+            <a:normAutofit lnSpcReduction="10000"/>
+          </a:bodyPr>
+          <a:lstStyle/>
+          <a:p>
+            <a:r>
+              <a:rPr lang="en-US" sz="1600" dirty="0" smtClean="0"/>
+              <a:t>What happens if we replace the code in our previous sketch with a random linear code?</a:t>
+            </a:r>
+          </a:p>
+          <a:p>
+            <a:endParaRPr lang="en-US" sz="1600" dirty="0" smtClean="0"/>
+          </a:p>
+          <a:p>
+            <a:endParaRPr lang="en-US" sz="1600" dirty="0" smtClean="0"/>
+          </a:p>
+          <a:p>
+            <a:pPr marL="0" indent="0">
+              <a:buNone/>
+            </a:pPr>
+            <a:r>
+              <a:rPr lang="en-US" sz="2000" dirty="0" smtClean="0"/>
+              <a:t>Issues:</a:t>
+            </a:r>
+          </a:p>
+          <a:p>
+            <a:r>
+              <a:rPr lang="en-US" sz="1600" dirty="0">
+                <a:cs typeface="Calibri"/>
+              </a:rPr>
+              <a:t>Creating/finding a pseudorandom key? </a:t>
+            </a:r>
+            <a:br>
+              <a:rPr lang="en-US" sz="1600" dirty="0">
+                <a:cs typeface="Calibri"/>
+              </a:rPr>
+            </a:br>
+            <a:endParaRPr lang="en-US" sz="1600" dirty="0">
+              <a:cs typeface="Calibri"/>
+            </a:endParaRPr>
+          </a:p>
+          <a:p>
+            <a:pPr marL="0" indent="0">
+              <a:buNone/>
+            </a:pPr>
+            <a:r>
+              <a:rPr lang="en-US" sz="1600" b="1" dirty="0" smtClean="0">
+                <a:cs typeface="Calibri"/>
+              </a:rPr>
+              <a:t>Use hardcore bits of </a:t>
+            </a:r>
+            <a:r>
+              <a:rPr lang="en-US" sz="1600" b="1" dirty="0" err="1" smtClean="0">
+                <a:cs typeface="Calibri"/>
+              </a:rPr>
+              <a:t>codeword</a:t>
+            </a:r>
+            <a:r>
+              <a:rPr lang="en-US" sz="1600" b="1" dirty="0" smtClean="0">
+                <a:cs typeface="Calibri"/>
+              </a:rPr>
+              <a:t>.</a:t>
+            </a:r>
+            <a:endParaRPr lang="en-US" sz="1600" b="1" dirty="0">
+              <a:cs typeface="Calibri"/>
+            </a:endParaRPr>
+          </a:p>
+          <a:p>
+            <a:endParaRPr lang="en-US" sz="1600" dirty="0" smtClean="0">
+              <a:cs typeface="Calibri"/>
+            </a:endParaRPr>
+          </a:p>
+          <a:p>
+            <a:r>
+              <a:rPr lang="en-US" sz="1600" dirty="0">
+                <a:cs typeface="Calibri"/>
+              </a:rPr>
+              <a:t>Finding efficient decoding algorithm for small </a:t>
+            </a:r>
+            <a:r>
+              <a:rPr lang="en-US" sz="1600" i="1" dirty="0" err="1">
+                <a:latin typeface="Times New Roman"/>
+                <a:cs typeface="Times New Roman"/>
+              </a:rPr>
+              <a:t>d</a:t>
+            </a:r>
+            <a:r>
+              <a:rPr lang="en-US" sz="1600" i="1" baseline="-25000" dirty="0" err="1">
+                <a:latin typeface="Times New Roman"/>
+                <a:cs typeface="Times New Roman"/>
+              </a:rPr>
+              <a:t>max</a:t>
+            </a:r>
+            <a:r>
+              <a:rPr lang="en-US" sz="1600" dirty="0">
+                <a:cs typeface="Calibri"/>
+              </a:rPr>
+              <a:t>.</a:t>
+            </a:r>
+          </a:p>
+          <a:p>
+            <a:endParaRPr lang="en-US" sz="1600" dirty="0" smtClean="0">
+              <a:cs typeface="Calibri"/>
+            </a:endParaRPr>
+          </a:p>
+          <a:p>
+            <a:pPr marL="0" indent="0">
+              <a:buNone/>
+            </a:pPr>
+            <a:r>
+              <a:rPr lang="en-US" sz="1600" b="1" dirty="0" smtClean="0">
+                <a:cs typeface="Calibri"/>
+              </a:rPr>
+              <a:t>Trial and error inversion</a:t>
+            </a:r>
+            <a:r>
+              <a:rPr lang="en-US" sz="1600" dirty="0" smtClean="0">
+                <a:cs typeface="Calibri"/>
+              </a:rPr>
+              <a:t> </a:t>
+            </a:r>
+          </a:p>
+          <a:p>
+            <a:pPr marL="0" indent="0">
+              <a:buNone/>
+            </a:pPr>
+            <a:endParaRPr lang="en-US" sz="1600" dirty="0">
+              <a:cs typeface="Calibri"/>
+            </a:endParaRPr>
+          </a:p>
+          <a:p>
+            <a:r>
+              <a:rPr lang="en-US" sz="1600" dirty="0" smtClean="0">
+                <a:cs typeface="Calibri"/>
+              </a:rPr>
+              <a:t>Proving security for different types of distributions </a:t>
+            </a:r>
+            <a:r>
+              <a:rPr lang="en-US" sz="1600" i="1" dirty="0" smtClean="0">
+                <a:latin typeface="Times New Roman"/>
+                <a:cs typeface="Times New Roman"/>
+              </a:rPr>
+              <a:t>W</a:t>
+            </a:r>
+            <a:r>
+              <a:rPr lang="en-US" sz="1600" baseline="-25000" dirty="0" smtClean="0">
+                <a:latin typeface="Times New Roman"/>
+                <a:cs typeface="Times New Roman"/>
+              </a:rPr>
+              <a:t>0</a:t>
+            </a:r>
+            <a:endParaRPr lang="en-US" sz="1400" dirty="0" smtClean="0">
+              <a:cs typeface="Calibri"/>
+            </a:endParaRPr>
+          </a:p>
+          <a:p>
+            <a:endParaRPr lang="en-US" sz="1600" dirty="0" smtClean="0">
+              <a:latin typeface="Calibri"/>
+              <a:cs typeface="Calibri"/>
+            </a:endParaRPr>
+          </a:p>
+          <a:p>
+            <a:pPr marL="0" indent="0">
+              <a:buNone/>
+            </a:pPr>
+            <a:r>
+              <a:rPr lang="en-US" sz="1600" b="1" dirty="0" smtClean="0">
+                <a:latin typeface="Calibri"/>
+                <a:cs typeface="Calibri"/>
+              </a:rPr>
+              <a:t>Extend security for block-fixing sources</a:t>
+            </a:r>
+            <a:endParaRPr lang="en-US" sz="1600" b="1" dirty="0" smtClean="0">
+              <a:latin typeface="Calibri"/>
+              <a:cs typeface="Calibri"/>
+            </a:endParaRPr>
+          </a:p>
+          <a:p>
+            <a:endParaRPr lang="en-US" sz="1600" dirty="0" smtClean="0">
+              <a:latin typeface="Calibri"/>
+              <a:cs typeface="Calibri"/>
+            </a:endParaRPr>
+          </a:p>
+          <a:p>
+            <a:endParaRPr lang="en-US" sz="1600" dirty="0" smtClean="0">
+              <a:latin typeface="Calibri"/>
+              <a:cs typeface="Calibri"/>
+            </a:endParaRPr>
+          </a:p>
+          <a:p>
+            <a:endParaRPr lang="en-US" sz="1600" dirty="0" smtClean="0">
+              <a:latin typeface="Calibri"/>
+              <a:cs typeface="Calibri"/>
+            </a:endParaRPr>
+          </a:p>
+        </p:txBody>
+      </p:sp>
+      <p:sp>
+        <p:nvSpPr>
+          <p:cNvPr id="7" name="TextBox 6"/>
+          <p:cNvSpPr txBox="1"/>
+          <p:nvPr/>
+        </p:nvSpPr>
+        <p:spPr>
+          <a:xfrm>
+            <a:off x="3352800" y="1318381"/>
+            <a:ext cx="2364750" cy="3108543"/>
+          </a:xfrm>
+          <a:prstGeom prst="rect">
+            <a:avLst/>
+          </a:prstGeom>
+          <a:noFill/>
+        </p:spPr>
+        <p:txBody>
+          <a:bodyPr wrap="none" rtlCol="0">
+            <a:spAutoFit/>
+          </a:bodyPr>
+          <a:lstStyle/>
+          <a:p>
+            <a:r>
+              <a:rPr lang="en-US" sz="2400" dirty="0" smtClean="0">
+                <a:latin typeface="Times New Roman"/>
+                <a:cs typeface="Times New Roman"/>
+              </a:rPr>
+              <a:t>Gen ( </a:t>
+            </a:r>
+            <a:r>
+              <a:rPr lang="en-US" sz="2400" i="1" dirty="0" smtClean="0">
+                <a:latin typeface="Times New Roman"/>
+                <a:cs typeface="Times New Roman"/>
+              </a:rPr>
+              <a:t>w</a:t>
+            </a:r>
+            <a:r>
+              <a:rPr lang="en-US" sz="2400" baseline="-25000" dirty="0" smtClean="0">
+                <a:latin typeface="Times New Roman"/>
+                <a:cs typeface="Times New Roman"/>
+              </a:rPr>
+              <a:t>0</a:t>
+            </a:r>
+            <a:r>
+              <a:rPr lang="en-US" sz="2400" i="1" dirty="0" smtClean="0">
+                <a:latin typeface="Times New Roman"/>
+                <a:cs typeface="Times New Roman"/>
+              </a:rPr>
+              <a:t> </a:t>
+            </a:r>
+            <a:r>
+              <a:rPr lang="en-US" sz="2400" dirty="0" smtClean="0">
+                <a:latin typeface="Times New Roman"/>
+                <a:cs typeface="Times New Roman"/>
+              </a:rPr>
+              <a:t>)</a:t>
+            </a:r>
+            <a:r>
+              <a:rPr lang="en-US" sz="2400" dirty="0" smtClean="0"/>
+              <a:t>:</a:t>
+            </a:r>
+          </a:p>
+          <a:p>
+            <a:pPr marL="342900" indent="-342900">
+              <a:buAutoNum type="arabicPeriod"/>
+            </a:pPr>
+            <a:r>
+              <a:rPr lang="en-US" sz="2000" dirty="0" smtClean="0"/>
+              <a:t>Sample </a:t>
+            </a:r>
+            <a:r>
+              <a:rPr lang="en-US" sz="2000" dirty="0" smtClean="0"/>
+              <a:t>uniformly</a:t>
+            </a:r>
+          </a:p>
+          <a:p>
+            <a:pPr marL="342900" indent="-342900">
+              <a:buAutoNum type="arabicPeriod"/>
+            </a:pPr>
+            <a:endParaRPr lang="en-US" sz="1600" dirty="0" smtClean="0"/>
+          </a:p>
+          <a:p>
+            <a:pPr marL="342900" indent="-342900">
+              <a:buAutoNum type="arabicPeriod"/>
+            </a:pPr>
+            <a:endParaRPr lang="en-US" sz="1600" dirty="0"/>
+          </a:p>
+          <a:p>
+            <a:pPr marL="342900" indent="-342900">
+              <a:buAutoNum type="arabicPeriod"/>
+            </a:pPr>
+            <a:r>
+              <a:rPr lang="en-US" sz="2000" dirty="0" smtClean="0"/>
+              <a:t>Compute </a:t>
+            </a:r>
+          </a:p>
+          <a:p>
+            <a:pPr marL="342900" indent="-342900">
+              <a:buAutoNum type="arabicPeriod"/>
+            </a:pPr>
+            <a:endParaRPr lang="en-US" sz="1600" dirty="0"/>
+          </a:p>
+          <a:p>
+            <a:pPr marL="342900" indent="-342900">
+              <a:buAutoNum type="arabicPeriod"/>
+            </a:pPr>
+            <a:endParaRPr lang="en-US" sz="1600" dirty="0" smtClean="0"/>
+          </a:p>
+          <a:p>
+            <a:pPr marL="342900" indent="-342900">
+              <a:buAutoNum type="arabicPeriod"/>
+            </a:pPr>
+            <a:endParaRPr lang="en-US" sz="1600" dirty="0"/>
+          </a:p>
+          <a:p>
+            <a:pPr marL="342900" indent="-342900">
+              <a:buAutoNum type="arabicPeriod"/>
+            </a:pPr>
+            <a:endParaRPr lang="en-US" sz="1600" dirty="0" smtClean="0"/>
+          </a:p>
+          <a:p>
+            <a:pPr marL="342900" indent="-342900">
+              <a:buAutoNum type="arabicPeriod"/>
+            </a:pPr>
+            <a:r>
+              <a:rPr lang="en-US" sz="2000" dirty="0" smtClean="0"/>
+              <a:t>Output </a:t>
+            </a:r>
+            <a:r>
+              <a:rPr lang="en-US" sz="2000" dirty="0" smtClean="0">
+                <a:latin typeface="Times New Roman"/>
+                <a:cs typeface="Times New Roman"/>
+              </a:rPr>
+              <a:t>(</a:t>
+            </a:r>
+            <a:r>
+              <a:rPr lang="en-US" sz="2000" i="1" dirty="0" smtClean="0">
+                <a:latin typeface="Times New Roman"/>
+                <a:cs typeface="Times New Roman"/>
+              </a:rPr>
+              <a:t>key</a:t>
+            </a:r>
+            <a:r>
+              <a:rPr lang="en-US" sz="2000" dirty="0" smtClean="0">
+                <a:latin typeface="Times New Roman"/>
+                <a:cs typeface="Times New Roman"/>
+              </a:rPr>
+              <a:t>, </a:t>
+            </a:r>
+            <a:r>
+              <a:rPr lang="en-US" sz="2000" i="1" dirty="0" smtClean="0">
+                <a:latin typeface="Times New Roman"/>
+                <a:cs typeface="Times New Roman"/>
+              </a:rPr>
+              <a:t>p</a:t>
+            </a:r>
+            <a:r>
+              <a:rPr lang="en-US" sz="2000" dirty="0" smtClean="0">
+                <a:latin typeface="Times New Roman"/>
+                <a:cs typeface="Times New Roman"/>
+              </a:rPr>
+              <a:t>)</a:t>
+            </a:r>
+          </a:p>
+          <a:p>
+            <a:pPr marL="342900" indent="-342900">
+              <a:buAutoNum type="arabicPeriod"/>
+            </a:pPr>
+            <a:endParaRPr lang="en-US" sz="1600" dirty="0" smtClean="0"/>
+          </a:p>
+        </p:txBody>
+      </p:sp>
+      <p:graphicFrame>
+        <p:nvGraphicFramePr>
+          <p:cNvPr id="9" name="Object 8"/>
+          <p:cNvGraphicFramePr>
+            <a:graphicFrameLocks noChangeAspect="1"/>
+          </p:cNvGraphicFramePr>
+          <p:nvPr>
+            <p:extLst>
+              <p:ext uri="{D42A27DB-BD31-4B8C-83A1-F6EECF244321}">
+                <p14:modId xmlns:p14="http://schemas.microsoft.com/office/powerpoint/2010/main" val="782497689"/>
+              </p:ext>
+            </p:extLst>
+          </p:nvPr>
+        </p:nvGraphicFramePr>
+        <p:xfrm>
+          <a:off x="3777041" y="2068284"/>
+          <a:ext cx="1883832" cy="423333"/>
+        </p:xfrm>
+        <a:graphic>
+          <a:graphicData uri="http://schemas.openxmlformats.org/presentationml/2006/ole">
+            <mc:AlternateContent xmlns:mc="http://schemas.openxmlformats.org/markup-compatibility/2006">
+              <mc:Choice xmlns:v="urn:schemas-microsoft-com:vml" Requires="v">
+                <p:oleObj spid="_x0000_s19462" name="Equation" r:id="rId4" imgW="1130300" imgH="254000" progId="Equation.3">
+                  <p:embed/>
+                </p:oleObj>
+              </mc:Choice>
+              <mc:Fallback>
+                <p:oleObj name="Equation" r:id="rId4" imgW="1130300" imgH="254000" progId="Equation.3">
+                  <p:embed/>
+                  <p:pic>
+                    <p:nvPicPr>
+                      <p:cNvPr id="0" name=""/>
+                      <p:cNvPicPr/>
+                      <p:nvPr/>
+                    </p:nvPicPr>
+                    <p:blipFill>
+                      <a:blip r:embed="rId5"/>
+                      <a:stretch>
+                        <a:fillRect/>
+                      </a:stretch>
+                    </p:blipFill>
+                    <p:spPr>
+                      <a:xfrm>
+                        <a:off x="3777041" y="2068284"/>
+                        <a:ext cx="1883832" cy="423333"/>
+                      </a:xfrm>
+                      <a:prstGeom prst="rect">
+                        <a:avLst/>
+                      </a:prstGeom>
+                    </p:spPr>
+                  </p:pic>
+                </p:oleObj>
+              </mc:Fallback>
+            </mc:AlternateContent>
+          </a:graphicData>
+        </a:graphic>
+      </p:graphicFrame>
+      <p:graphicFrame>
+        <p:nvGraphicFramePr>
+          <p:cNvPr id="21" name="Object 20"/>
+          <p:cNvGraphicFramePr>
+            <a:graphicFrameLocks noChangeAspect="1"/>
+          </p:cNvGraphicFramePr>
+          <p:nvPr>
+            <p:extLst>
+              <p:ext uri="{D42A27DB-BD31-4B8C-83A1-F6EECF244321}">
+                <p14:modId xmlns:p14="http://schemas.microsoft.com/office/powerpoint/2010/main" val="34866401"/>
+              </p:ext>
+            </p:extLst>
+          </p:nvPr>
+        </p:nvGraphicFramePr>
+        <p:xfrm>
+          <a:off x="3736975" y="2917825"/>
+          <a:ext cx="1651000" cy="762000"/>
+        </p:xfrm>
+        <a:graphic>
+          <a:graphicData uri="http://schemas.openxmlformats.org/presentationml/2006/ole">
+            <mc:AlternateContent xmlns:mc="http://schemas.openxmlformats.org/markup-compatibility/2006">
+              <mc:Choice xmlns:v="urn:schemas-microsoft-com:vml" Requires="v">
+                <p:oleObj spid="_x0000_s19463" name="Equation" r:id="rId6" imgW="990600" imgH="457200" progId="Equation.3">
+                  <p:embed/>
+                </p:oleObj>
+              </mc:Choice>
+              <mc:Fallback>
+                <p:oleObj name="Equation" r:id="rId6" imgW="990600" imgH="457200" progId="Equation.3">
+                  <p:embed/>
+                  <p:pic>
+                    <p:nvPicPr>
+                      <p:cNvPr id="0" name=""/>
+                      <p:cNvPicPr/>
+                      <p:nvPr/>
+                    </p:nvPicPr>
+                    <p:blipFill>
+                      <a:blip r:embed="rId7"/>
+                      <a:stretch>
+                        <a:fillRect/>
+                      </a:stretch>
+                    </p:blipFill>
+                    <p:spPr>
+                      <a:xfrm>
+                        <a:off x="3736975" y="2917825"/>
+                        <a:ext cx="1651000" cy="762000"/>
+                      </a:xfrm>
+                      <a:prstGeom prst="rect">
+                        <a:avLst/>
+                      </a:prstGeom>
+                    </p:spPr>
+                  </p:pic>
+                </p:oleObj>
+              </mc:Fallback>
+            </mc:AlternateContent>
+          </a:graphicData>
+        </a:graphic>
+      </p:graphicFrame>
+      <p:sp>
+        <p:nvSpPr>
+          <p:cNvPr id="12" name="Rectangle 11"/>
+          <p:cNvSpPr/>
+          <p:nvPr/>
+        </p:nvSpPr>
+        <p:spPr>
+          <a:xfrm>
+            <a:off x="3352800" y="1765904"/>
+            <a:ext cx="2364750" cy="2491619"/>
+          </a:xfrm>
+          <a:prstGeom prst="rect">
+            <a:avLst/>
+          </a:prstGeom>
+          <a:noFill/>
+          <a:ln>
+            <a:solidFill>
+              <a:schemeClr val="tx1"/>
+            </a:solidFill>
+          </a:ln>
+        </p:spPr>
+        <p:style>
+          <a:lnRef idx="1">
+            <a:schemeClr val="accent1"/>
+          </a:lnRef>
+          <a:fillRef idx="3">
+            <a:schemeClr val="accent1"/>
+          </a:fillRef>
+          <a:effectRef idx="2">
+            <a:schemeClr val="accent1"/>
+          </a:effectRef>
+          <a:fontRef idx="minor">
+            <a:schemeClr val="lt1"/>
+          </a:fontRef>
+        </p:style>
+        <p:txBody>
+          <a:bodyPr rtlCol="0" anchor="ctr"/>
+          <a:lstStyle/>
+          <a:p>
+            <a:pPr algn="ctr"/>
+            <a:endParaRPr lang="en-US"/>
+          </a:p>
+        </p:txBody>
+      </p:sp>
+      <p:sp>
+        <p:nvSpPr>
+          <p:cNvPr id="10" name="TextBox 9"/>
+          <p:cNvSpPr txBox="1"/>
+          <p:nvPr/>
+        </p:nvSpPr>
+        <p:spPr>
+          <a:xfrm>
+            <a:off x="6166152" y="1318381"/>
+            <a:ext cx="1814269" cy="3170099"/>
+          </a:xfrm>
+          <a:prstGeom prst="rect">
+            <a:avLst/>
+          </a:prstGeom>
+          <a:noFill/>
+        </p:spPr>
+        <p:txBody>
+          <a:bodyPr wrap="none" rtlCol="0">
+            <a:spAutoFit/>
+          </a:bodyPr>
+          <a:lstStyle/>
+          <a:p>
+            <a:r>
+              <a:rPr lang="en-US" sz="2400" dirty="0" smtClean="0">
+                <a:latin typeface="Times New Roman"/>
+                <a:cs typeface="Times New Roman"/>
+              </a:rPr>
+              <a:t>Rep ( </a:t>
+            </a:r>
+            <a:r>
+              <a:rPr lang="en-US" sz="2400" i="1" dirty="0" smtClean="0">
+                <a:latin typeface="Times New Roman"/>
+                <a:cs typeface="Times New Roman"/>
+              </a:rPr>
+              <a:t>w</a:t>
+            </a:r>
+            <a:r>
+              <a:rPr lang="en-US" sz="2400" baseline="-25000" dirty="0" smtClean="0">
+                <a:latin typeface="Times New Roman"/>
+                <a:cs typeface="Times New Roman"/>
+              </a:rPr>
+              <a:t>1</a:t>
+            </a:r>
+            <a:r>
+              <a:rPr lang="en-US" sz="2400" i="1" dirty="0" smtClean="0">
+                <a:latin typeface="Times New Roman"/>
+                <a:cs typeface="Times New Roman"/>
+              </a:rPr>
+              <a:t> , p</a:t>
+            </a:r>
+            <a:r>
+              <a:rPr lang="en-US" sz="2400" dirty="0" smtClean="0">
+                <a:latin typeface="Times New Roman"/>
+                <a:cs typeface="Times New Roman"/>
+              </a:rPr>
+              <a:t>)</a:t>
+            </a:r>
+            <a:r>
+              <a:rPr lang="en-US" sz="2400" dirty="0" smtClean="0"/>
+              <a:t>:</a:t>
+            </a:r>
+          </a:p>
+          <a:p>
+            <a:pPr marL="342900" indent="-342900">
+              <a:buAutoNum type="arabicPeriod"/>
+            </a:pPr>
+            <a:r>
+              <a:rPr lang="en-US" sz="2000" dirty="0" smtClean="0"/>
+              <a:t>Parse </a:t>
+            </a:r>
+            <a:r>
+              <a:rPr lang="en-US" sz="2000" i="1" dirty="0" smtClean="0">
+                <a:latin typeface="Times New Roman"/>
+                <a:cs typeface="Times New Roman"/>
+              </a:rPr>
+              <a:t>p</a:t>
+            </a:r>
+            <a:r>
+              <a:rPr lang="en-US" sz="2000" dirty="0" smtClean="0"/>
+              <a:t> as: </a:t>
+            </a:r>
+          </a:p>
+          <a:p>
+            <a:pPr marL="342900" indent="-342900">
+              <a:buAutoNum type="arabicPeriod"/>
+            </a:pPr>
+            <a:endParaRPr lang="en-US" sz="2000" dirty="0" smtClean="0">
+              <a:latin typeface="Times New Roman"/>
+              <a:cs typeface="Times New Roman"/>
+            </a:endParaRPr>
+          </a:p>
+          <a:p>
+            <a:pPr marL="342900" indent="-342900">
+              <a:buAutoNum type="arabicPeriod"/>
+            </a:pPr>
+            <a:endParaRPr lang="en-US" sz="1600" dirty="0" smtClean="0"/>
+          </a:p>
+          <a:p>
+            <a:pPr marL="342900" indent="-342900">
+              <a:buAutoNum type="arabicPeriod"/>
+            </a:pPr>
+            <a:r>
+              <a:rPr lang="en-US" sz="2000" dirty="0" smtClean="0"/>
+              <a:t>Compute</a:t>
+            </a:r>
+          </a:p>
+          <a:p>
+            <a:endParaRPr lang="en-US" sz="2000" dirty="0" smtClean="0"/>
+          </a:p>
+          <a:p>
+            <a:endParaRPr lang="en-US" sz="2000" dirty="0" smtClean="0"/>
+          </a:p>
+          <a:p>
+            <a:r>
+              <a:rPr lang="en-US" sz="2000" dirty="0" smtClean="0"/>
+              <a:t>3. Invert </a:t>
+            </a:r>
+            <a:r>
+              <a:rPr lang="en-US" sz="2000" i="1" dirty="0" smtClean="0">
+                <a:latin typeface="Times New Roman"/>
+                <a:cs typeface="Times New Roman"/>
+              </a:rPr>
+              <a:t>C</a:t>
+            </a:r>
+            <a:r>
+              <a:rPr lang="en-US" sz="2000" dirty="0" smtClean="0">
+                <a:latin typeface="Times New Roman"/>
+                <a:cs typeface="Times New Roman"/>
+              </a:rPr>
+              <a:t>-</a:t>
+            </a:r>
+            <a:r>
+              <a:rPr lang="en-US" sz="2000" i="1" dirty="0" smtClean="0">
+                <a:latin typeface="Times New Roman"/>
+                <a:cs typeface="Times New Roman"/>
+              </a:rPr>
+              <a:t>w</a:t>
+            </a:r>
+            <a:r>
+              <a:rPr lang="en-US" sz="2000" baseline="-25000" dirty="0" smtClean="0">
+                <a:latin typeface="Times New Roman"/>
+                <a:cs typeface="Times New Roman"/>
+              </a:rPr>
+              <a:t>1</a:t>
+            </a:r>
+            <a:r>
+              <a:rPr lang="en-US" sz="2000" dirty="0" smtClean="0"/>
+              <a:t>, </a:t>
+            </a:r>
+            <a:br>
+              <a:rPr lang="en-US" sz="2000" dirty="0" smtClean="0"/>
+            </a:br>
+            <a:r>
+              <a:rPr lang="en-US" sz="2000" dirty="0" smtClean="0"/>
+              <a:t>    output </a:t>
+            </a:r>
+            <a:r>
+              <a:rPr lang="en-US" sz="2000" i="1" dirty="0" smtClean="0">
+                <a:latin typeface="Times New Roman"/>
+                <a:cs typeface="Times New Roman"/>
+              </a:rPr>
+              <a:t>key</a:t>
+            </a:r>
+            <a:r>
+              <a:rPr lang="en-US" sz="2000" dirty="0" smtClean="0"/>
+              <a:t/>
+            </a:r>
+            <a:br>
+              <a:rPr lang="en-US" sz="2000" dirty="0" smtClean="0"/>
+            </a:br>
+            <a:endParaRPr lang="en-US" sz="2000" dirty="0" smtClean="0"/>
+          </a:p>
+        </p:txBody>
+      </p:sp>
+      <p:sp>
+        <p:nvSpPr>
+          <p:cNvPr id="11" name="Rectangle 10"/>
+          <p:cNvSpPr/>
+          <p:nvPr/>
+        </p:nvSpPr>
+        <p:spPr>
+          <a:xfrm>
+            <a:off x="6166151" y="1765904"/>
+            <a:ext cx="2735943" cy="2491619"/>
+          </a:xfrm>
+          <a:prstGeom prst="rect">
+            <a:avLst/>
+          </a:prstGeom>
+          <a:noFill/>
+          <a:ln>
+            <a:solidFill>
+              <a:schemeClr val="tx1"/>
+            </a:solidFill>
+          </a:ln>
+        </p:spPr>
+        <p:style>
+          <a:lnRef idx="1">
+            <a:schemeClr val="accent1"/>
+          </a:lnRef>
+          <a:fillRef idx="3">
+            <a:schemeClr val="accent1"/>
+          </a:fillRef>
+          <a:effectRef idx="2">
+            <a:schemeClr val="accent1"/>
+          </a:effectRef>
+          <a:fontRef idx="minor">
+            <a:schemeClr val="lt1"/>
+          </a:fontRef>
+        </p:style>
+        <p:txBody>
+          <a:bodyPr rtlCol="0" anchor="ctr"/>
+          <a:lstStyle/>
+          <a:p>
+            <a:pPr algn="ctr"/>
+            <a:endParaRPr lang="en-US"/>
+          </a:p>
+        </p:txBody>
+      </p:sp>
+      <p:graphicFrame>
+        <p:nvGraphicFramePr>
+          <p:cNvPr id="13" name="Object 12"/>
+          <p:cNvGraphicFramePr>
+            <a:graphicFrameLocks noChangeAspect="1"/>
+          </p:cNvGraphicFramePr>
+          <p:nvPr>
+            <p:extLst>
+              <p:ext uri="{D42A27DB-BD31-4B8C-83A1-F6EECF244321}">
+                <p14:modId xmlns:p14="http://schemas.microsoft.com/office/powerpoint/2010/main" val="1448961625"/>
+              </p:ext>
+            </p:extLst>
+          </p:nvPr>
+        </p:nvGraphicFramePr>
+        <p:xfrm>
+          <a:off x="6575425" y="2068284"/>
+          <a:ext cx="1501775" cy="360363"/>
+        </p:xfrm>
+        <a:graphic>
+          <a:graphicData uri="http://schemas.openxmlformats.org/presentationml/2006/ole">
+            <mc:AlternateContent xmlns:mc="http://schemas.openxmlformats.org/markup-compatibility/2006">
+              <mc:Choice xmlns:v="urn:schemas-microsoft-com:vml" Requires="v">
+                <p:oleObj spid="_x0000_s19464" name="Equation" r:id="rId8" imgW="901700" imgH="215900" progId="Equation.3">
+                  <p:embed/>
+                </p:oleObj>
+              </mc:Choice>
+              <mc:Fallback>
+                <p:oleObj name="Equation" r:id="rId8" imgW="901700" imgH="215900" progId="Equation.3">
+                  <p:embed/>
+                  <p:pic>
+                    <p:nvPicPr>
+                      <p:cNvPr id="0" name=""/>
+                      <p:cNvPicPr/>
+                      <p:nvPr/>
+                    </p:nvPicPr>
+                    <p:blipFill>
+                      <a:blip r:embed="rId9"/>
+                      <a:stretch>
+                        <a:fillRect/>
+                      </a:stretch>
+                    </p:blipFill>
+                    <p:spPr>
+                      <a:xfrm>
+                        <a:off x="6575425" y="2068284"/>
+                        <a:ext cx="1501775" cy="360363"/>
+                      </a:xfrm>
+                      <a:prstGeom prst="rect">
+                        <a:avLst/>
+                      </a:prstGeom>
+                    </p:spPr>
+                  </p:pic>
+                </p:oleObj>
+              </mc:Fallback>
+            </mc:AlternateContent>
+          </a:graphicData>
+        </a:graphic>
+      </p:graphicFrame>
+      <p:graphicFrame>
+        <p:nvGraphicFramePr>
+          <p:cNvPr id="14" name="Object 13"/>
+          <p:cNvGraphicFramePr>
+            <a:graphicFrameLocks noChangeAspect="1"/>
+          </p:cNvGraphicFramePr>
+          <p:nvPr>
+            <p:extLst>
+              <p:ext uri="{D42A27DB-BD31-4B8C-83A1-F6EECF244321}">
+                <p14:modId xmlns:p14="http://schemas.microsoft.com/office/powerpoint/2010/main" val="4129160772"/>
+              </p:ext>
+            </p:extLst>
+          </p:nvPr>
+        </p:nvGraphicFramePr>
+        <p:xfrm>
+          <a:off x="6340475" y="2917825"/>
+          <a:ext cx="2346325" cy="360363"/>
+        </p:xfrm>
+        <a:graphic>
+          <a:graphicData uri="http://schemas.openxmlformats.org/presentationml/2006/ole">
+            <mc:AlternateContent xmlns:mc="http://schemas.openxmlformats.org/markup-compatibility/2006">
+              <mc:Choice xmlns:v="urn:schemas-microsoft-com:vml" Requires="v">
+                <p:oleObj spid="_x0000_s19465" name="Equation" r:id="rId10" imgW="1409700" imgH="215900" progId="Equation.3">
+                  <p:embed/>
+                </p:oleObj>
+              </mc:Choice>
+              <mc:Fallback>
+                <p:oleObj name="Equation" r:id="rId10" imgW="1409700" imgH="215900" progId="Equation.3">
+                  <p:embed/>
+                  <p:pic>
+                    <p:nvPicPr>
+                      <p:cNvPr id="0" name=""/>
+                      <p:cNvPicPr/>
+                      <p:nvPr/>
+                    </p:nvPicPr>
+                    <p:blipFill>
+                      <a:blip r:embed="rId11"/>
+                      <a:stretch>
+                        <a:fillRect/>
+                      </a:stretch>
+                    </p:blipFill>
+                    <p:spPr>
+                      <a:xfrm>
+                        <a:off x="6340475" y="2917825"/>
+                        <a:ext cx="2346325" cy="360363"/>
+                      </a:xfrm>
+                      <a:prstGeom prst="rect">
+                        <a:avLst/>
+                      </a:prstGeom>
+                    </p:spPr>
+                  </p:pic>
+                </p:oleObj>
+              </mc:Fallback>
+            </mc:AlternateContent>
+          </a:graphicData>
+        </a:graphic>
+      </p:graphicFrame>
+      <p:grpSp>
+        <p:nvGrpSpPr>
+          <p:cNvPr id="4" name="Group 3"/>
+          <p:cNvGrpSpPr/>
+          <p:nvPr/>
+        </p:nvGrpSpPr>
+        <p:grpSpPr>
+          <a:xfrm>
+            <a:off x="3510644" y="4415910"/>
+            <a:ext cx="5311013" cy="1107145"/>
+            <a:chOff x="3510644" y="4488480"/>
+            <a:chExt cx="5311013" cy="1107145"/>
+          </a:xfrm>
+        </p:grpSpPr>
+        <p:sp>
+          <p:nvSpPr>
+            <p:cNvPr id="16" name="Rectangle 36"/>
+            <p:cNvSpPr>
+              <a:spLocks noChangeArrowheads="1"/>
+            </p:cNvSpPr>
+            <p:nvPr/>
+          </p:nvSpPr>
+          <p:spPr bwMode="auto">
+            <a:xfrm>
+              <a:off x="3510644" y="4488480"/>
+              <a:ext cx="5311013" cy="1107145"/>
+            </a:xfrm>
+            <a:prstGeom prst="roundRect">
+              <a:avLst>
+                <a:gd name="adj" fmla="val 16667"/>
+              </a:avLst>
+            </a:prstGeom>
+            <a:ln>
+              <a:headEnd/>
+              <a:tailEnd/>
+            </a:ln>
+          </p:spPr>
+          <p:style>
+            <a:lnRef idx="1">
+              <a:schemeClr val="accent1"/>
+            </a:lnRef>
+            <a:fillRef idx="2">
+              <a:schemeClr val="accent1"/>
+            </a:fillRef>
+            <a:effectRef idx="1">
+              <a:schemeClr val="accent1"/>
+            </a:effectRef>
+            <a:fontRef idx="minor">
+              <a:schemeClr val="dk1"/>
+            </a:fontRef>
+          </p:style>
+          <p:txBody>
+            <a:bodyPr lIns="45720" rIns="45720" anchor="ctr" anchorCtr="1"/>
+            <a:lstStyle/>
+            <a:p>
+              <a:pPr>
+                <a:defRPr/>
+              </a:pPr>
+              <a:r>
+                <a:rPr lang="en-US" sz="1800" b="1" dirty="0" smtClean="0">
+                  <a:latin typeface="Times New Roman"/>
+                  <a:cs typeface="Times New Roman"/>
+                </a:rPr>
+                <a:t>W=W</a:t>
+              </a:r>
+              <a:r>
+                <a:rPr lang="en-US" sz="1800" b="1" baseline="-25000" dirty="0" smtClean="0">
+                  <a:latin typeface="Times New Roman"/>
+                  <a:cs typeface="Times New Roman"/>
+                </a:rPr>
+                <a:t>1,…,</a:t>
+              </a:r>
+              <a:r>
+                <a:rPr lang="en-US" sz="1800" b="1" i="1" baseline="-25000" dirty="0" smtClean="0">
+                  <a:latin typeface="Times New Roman"/>
+                  <a:cs typeface="Times New Roman"/>
+                </a:rPr>
+                <a:t>m</a:t>
+              </a:r>
+              <a:r>
+                <a:rPr lang="en-US" sz="1800" b="1" dirty="0" smtClean="0"/>
+                <a:t> is a block fixing source if </a:t>
+              </a:r>
+            </a:p>
+            <a:p>
+              <a:pPr algn="ctr">
+                <a:defRPr/>
+              </a:pPr>
+              <a:endParaRPr lang="en-US" b="1" dirty="0">
+                <a:latin typeface="Times New Roman"/>
+                <a:cs typeface="Times New Roman"/>
+              </a:endParaRPr>
+            </a:p>
+            <a:p>
+              <a:pPr algn="ctr">
+                <a:defRPr/>
+              </a:pPr>
+              <a:endParaRPr lang="en-US" sz="1800" b="1" dirty="0">
+                <a:latin typeface="Times New Roman"/>
+                <a:cs typeface="Times New Roman"/>
+              </a:endParaRPr>
+            </a:p>
+            <a:p>
+              <a:pPr algn="ctr">
+                <a:defRPr/>
+              </a:pPr>
+              <a:endParaRPr lang="en-US" sz="1800" b="1" dirty="0" smtClean="0"/>
+            </a:p>
+          </p:txBody>
+        </p:sp>
+        <p:graphicFrame>
+          <p:nvGraphicFramePr>
+            <p:cNvPr id="2" name="Object 1"/>
+            <p:cNvGraphicFramePr>
+              <a:graphicFrameLocks noChangeAspect="1"/>
+            </p:cNvGraphicFramePr>
+            <p:nvPr>
+              <p:extLst>
+                <p:ext uri="{D42A27DB-BD31-4B8C-83A1-F6EECF244321}">
+                  <p14:modId xmlns:p14="http://schemas.microsoft.com/office/powerpoint/2010/main" val="3257756629"/>
+                </p:ext>
+              </p:extLst>
+            </p:nvPr>
+          </p:nvGraphicFramePr>
+          <p:xfrm>
+            <a:off x="5222525" y="4726108"/>
+            <a:ext cx="1117950" cy="869517"/>
+          </p:xfrm>
+          <a:graphic>
+            <a:graphicData uri="http://schemas.openxmlformats.org/presentationml/2006/ole">
+              <mc:AlternateContent xmlns:mc="http://schemas.openxmlformats.org/markup-compatibility/2006">
+                <mc:Choice xmlns:v="urn:schemas-microsoft-com:vml" Requires="v">
+                  <p:oleObj spid="_x0000_s19466" name="Equation" r:id="rId12" imgW="685800" imgH="533400" progId="Equation.3">
+                    <p:embed/>
+                  </p:oleObj>
+                </mc:Choice>
+                <mc:Fallback>
+                  <p:oleObj name="Equation" r:id="rId12" imgW="685800" imgH="533400" progId="Equation.3">
+                    <p:embed/>
+                    <p:pic>
+                      <p:nvPicPr>
+                        <p:cNvPr id="0" name=""/>
+                        <p:cNvPicPr/>
+                        <p:nvPr/>
+                      </p:nvPicPr>
+                      <p:blipFill>
+                        <a:blip r:embed="rId13"/>
+                        <a:stretch>
+                          <a:fillRect/>
+                        </a:stretch>
+                      </p:blipFill>
+                      <p:spPr>
+                        <a:xfrm>
+                          <a:off x="5222525" y="4726108"/>
+                          <a:ext cx="1117950" cy="869517"/>
+                        </a:xfrm>
+                        <a:prstGeom prst="rect">
+                          <a:avLst/>
+                        </a:prstGeom>
+                      </p:spPr>
+                    </p:pic>
+                  </p:oleObj>
+                </mc:Fallback>
+              </mc:AlternateContent>
+            </a:graphicData>
+          </a:graphic>
+        </p:graphicFrame>
+      </p:grpSp>
+      <p:sp>
+        <p:nvSpPr>
+          <p:cNvPr id="17" name="Rectangle 36"/>
+          <p:cNvSpPr>
+            <a:spLocks noChangeArrowheads="1"/>
+          </p:cNvSpPr>
+          <p:nvPr/>
+        </p:nvSpPr>
+        <p:spPr bwMode="auto">
+          <a:xfrm>
+            <a:off x="3510644" y="5702475"/>
+            <a:ext cx="5311013" cy="1107145"/>
+          </a:xfrm>
+          <a:prstGeom prst="roundRect">
+            <a:avLst>
+              <a:gd name="adj" fmla="val 16667"/>
+            </a:avLst>
+          </a:prstGeom>
+          <a:ln>
+            <a:headEnd/>
+            <a:tailEnd/>
+          </a:ln>
+        </p:spPr>
+        <p:style>
+          <a:lnRef idx="1">
+            <a:schemeClr val="accent1"/>
+          </a:lnRef>
+          <a:fillRef idx="2">
+            <a:schemeClr val="accent1"/>
+          </a:fillRef>
+          <a:effectRef idx="1">
+            <a:schemeClr val="accent1"/>
+          </a:effectRef>
+          <a:fontRef idx="minor">
+            <a:schemeClr val="dk1"/>
+          </a:fontRef>
+        </p:style>
+        <p:txBody>
+          <a:bodyPr lIns="45720" rIns="45720" anchor="ctr" anchorCtr="1"/>
+          <a:lstStyle/>
+          <a:p>
+            <a:pPr>
+              <a:defRPr/>
+            </a:pPr>
+            <a:r>
+              <a:rPr lang="en-US" sz="1800" b="1" dirty="0" smtClean="0">
+                <a:latin typeface="Times New Roman"/>
+                <a:cs typeface="Times New Roman"/>
+              </a:rPr>
+              <a:t>Theorem 4 implies our construction is secure </a:t>
+            </a:r>
+            <a:br>
+              <a:rPr lang="en-US" sz="1800" b="1" dirty="0" smtClean="0">
+                <a:latin typeface="Times New Roman"/>
+                <a:cs typeface="Times New Roman"/>
+              </a:rPr>
+            </a:br>
+            <a:r>
+              <a:rPr lang="en-US" sz="1800" b="1" dirty="0" smtClean="0">
+                <a:latin typeface="Times New Roman"/>
+                <a:cs typeface="Times New Roman"/>
+              </a:rPr>
+              <a:t>if W = W</a:t>
+            </a:r>
+            <a:r>
+              <a:rPr lang="en-US" sz="1800" b="1" baseline="-25000" dirty="0" smtClean="0">
+                <a:latin typeface="Times New Roman"/>
+                <a:cs typeface="Times New Roman"/>
+              </a:rPr>
+              <a:t>1,…, m</a:t>
+            </a:r>
+            <a:r>
+              <a:rPr lang="en-US" sz="1800" b="1" dirty="0" smtClean="0">
+                <a:latin typeface="Times New Roman"/>
+                <a:cs typeface="Times New Roman"/>
+              </a:rPr>
+              <a:t> is a block fixing source </a:t>
+            </a:r>
+            <a:br>
+              <a:rPr lang="en-US" sz="1800" b="1" dirty="0" smtClean="0">
+                <a:latin typeface="Times New Roman"/>
+                <a:cs typeface="Times New Roman"/>
+              </a:rPr>
+            </a:br>
+            <a:r>
+              <a:rPr lang="en-US" sz="1800" b="1" dirty="0" smtClean="0">
+                <a:latin typeface="Times New Roman"/>
+                <a:cs typeface="Times New Roman"/>
+              </a:rPr>
+              <a:t>(assuming enough blocks have are uniform)</a:t>
+            </a:r>
+            <a:endParaRPr lang="en-US" sz="1800" b="1" dirty="0" smtClean="0"/>
+          </a:p>
+        </p:txBody>
+      </p:sp>
+    </p:spTree>
+    <p:extLst>
+      <p:ext uri="{BB962C8B-B14F-4D97-AF65-F5344CB8AC3E}">
+        <p14:creationId xmlns:p14="http://schemas.microsoft.com/office/powerpoint/2010/main" val="2743877890"/>
+      </p:ext>
+    </p:extLst>
+  </p:cSld>
+  <p:clrMapOvr>
+    <a:masterClrMapping/>
+  </p:clrMapOvr>
+  <p:timing>
+    <p:tnLst>
+      <p:par>
+        <p:cTn xmlns:p14="http://schemas.microsoft.com/office/powerpoint/2010/main" id="1" dur="indefinite" restart="never" nodeType="tmRoot">
+          <p:childTnLst>
+            <p:seq concurrent="1" nextAc="seek">
+              <p:cTn id="2" dur="indefinite" nodeType="mainSeq">
+                <p:childTnLst>
+                  <p:par>
+                    <p:cTn id="3" fill="hold">
+                      <p:stCondLst>
+                        <p:cond delay="indefinite"/>
+                      </p:stCondLst>
+                      <p:childTnLst>
+                        <p:par>
+                          <p:cTn id="4" fill="hold">
+                            <p:stCondLst>
+                              <p:cond delay="0"/>
+                            </p:stCondLst>
+                            <p:childTnLst>
+                              <p:par>
+                                <p:cTn id="5" presetID="10" presetClass="entr" presetSubtype="0" fill="hold" grpId="0" nodeType="clickEffect">
+                                  <p:stCondLst>
+                                    <p:cond delay="0"/>
+                                  </p:stCondLst>
+                                  <p:childTnLst>
+                                    <p:set>
+                                      <p:cBhvr>
+                                        <p:cTn id="6" dur="1" fill="hold">
+                                          <p:stCondLst>
+                                            <p:cond delay="0"/>
+                                          </p:stCondLst>
+                                        </p:cTn>
+                                        <p:tgtEl>
+                                          <p:spTgt spid="17"/>
+                                        </p:tgtEl>
+                                        <p:attrNameLst>
+                                          <p:attrName>style.visibility</p:attrName>
+                                        </p:attrNameLst>
+                                      </p:cBhvr>
+                                      <p:to>
+                                        <p:strVal val="visible"/>
+                                      </p:to>
+                                    </p:set>
+                                    <p:animEffect transition="in" filter="fade">
+                                      <p:cBhvr>
+                                        <p:cTn id="7" dur="500"/>
+                                        <p:tgtEl>
+                                          <p:spTgt spid="17"/>
+                                        </p:tgtEl>
+                                      </p:cBhvr>
+                                    </p:animEffect>
+                                  </p:childTnLst>
+                                </p:cTn>
+                              </p:par>
+                            </p:childTnLst>
+                          </p:cTn>
+                        </p:par>
+                      </p:childTnLst>
+                    </p:cTn>
+                  </p:par>
+                </p:childTnLst>
+              </p:cTn>
+              <p:prevCondLst>
+                <p:cond evt="onPrev" delay="0">
+                  <p:tgtEl>
+                    <p:sldTgt/>
+                  </p:tgtEl>
+                </p:cond>
+              </p:prevCondLst>
+              <p:nextCondLst>
+                <p:cond evt="onNext" delay="0">
+                  <p:tgtEl>
+                    <p:sldTgt/>
+                  </p:tgtEl>
+                </p:cond>
+              </p:nextCondLst>
+            </p:seq>
+          </p:childTnLst>
+        </p:cTn>
+      </p:par>
+    </p:tnLst>
+    <p:bldLst>
+      <p:bldP spid="17" grpId="0" animBg="1"/>
     </p:bldLst>
   </p:timing>
 </p:sld>
@@ -30509,6 +37378,459 @@
 </p:sld>
 </file>
 
+<file path=ppt/slides/slide40.xml><?xml version="1.0" encoding="utf-8"?>
+<p:sld xmlns:a="http://schemas.openxmlformats.org/drawingml/2006/main" xmlns:r="http://schemas.openxmlformats.org/officeDocument/2006/relationships" xmlns:p="http://schemas.openxmlformats.org/presentationml/2006/main">
+  <p:cSld>
+    <p:spTree>
+      <p:nvGrpSpPr>
+        <p:cNvPr id="1" name=""/>
+        <p:cNvGrpSpPr/>
+        <p:nvPr/>
+      </p:nvGrpSpPr>
+      <p:grpSpPr>
+        <a:xfrm>
+          <a:off x="0" y="0"/>
+          <a:ext cx="0" cy="0"/>
+          <a:chOff x="0" y="0"/>
+          <a:chExt cx="0" cy="0"/>
+        </a:xfrm>
+      </p:grpSpPr>
+      <p:sp>
+        <p:nvSpPr>
+          <p:cNvPr id="2" name="Title 1"/>
+          <p:cNvSpPr>
+            <a:spLocks noGrp="1"/>
+          </p:cNvSpPr>
+          <p:nvPr>
+            <p:ph type="title"/>
+          </p:nvPr>
+        </p:nvSpPr>
+        <p:spPr/>
+        <p:txBody>
+          <a:bodyPr/>
+          <a:lstStyle/>
+          <a:p>
+            <a:r>
+              <a:rPr lang="en-US" dirty="0" smtClean="0"/>
+              <a:t>Open Problems</a:t>
+            </a:r>
+            <a:endParaRPr lang="en-US" dirty="0"/>
+          </a:p>
+        </p:txBody>
+      </p:sp>
+      <p:sp>
+        <p:nvSpPr>
+          <p:cNvPr id="3" name="Content Placeholder 2"/>
+          <p:cNvSpPr>
+            <a:spLocks noGrp="1"/>
+          </p:cNvSpPr>
+          <p:nvPr>
+            <p:ph idx="1"/>
+          </p:nvPr>
+        </p:nvSpPr>
+        <p:spPr/>
+        <p:txBody>
+          <a:bodyPr/>
+          <a:lstStyle/>
+          <a:p>
+            <a:r>
+              <a:rPr lang="en-US" dirty="0" smtClean="0"/>
+              <a:t>Find an inverter supporting </a:t>
+            </a:r>
+            <a:br>
+              <a:rPr lang="en-US" dirty="0" smtClean="0"/>
+            </a:br>
+            <a:r>
+              <a:rPr lang="en-US" dirty="0" smtClean="0"/>
+              <a:t>larger </a:t>
+            </a:r>
+            <a:r>
+              <a:rPr lang="en-US" i="1" dirty="0" err="1" smtClean="0">
+                <a:latin typeface="Times New Roman"/>
+                <a:cs typeface="Times New Roman"/>
+              </a:rPr>
+              <a:t>d</a:t>
+            </a:r>
+            <a:r>
+              <a:rPr lang="en-US" i="1" baseline="-25000" dirty="0" err="1" smtClean="0">
+                <a:latin typeface="Times New Roman"/>
+                <a:cs typeface="Times New Roman"/>
+              </a:rPr>
+              <a:t>max</a:t>
+            </a:r>
+            <a:endParaRPr lang="en-US" dirty="0" smtClean="0">
+              <a:latin typeface="Calibri"/>
+              <a:cs typeface="Calibri"/>
+            </a:endParaRPr>
+          </a:p>
+          <a:p>
+            <a:r>
+              <a:rPr lang="en-US" dirty="0" smtClean="0">
+                <a:latin typeface="Calibri"/>
+                <a:cs typeface="Calibri"/>
+              </a:rPr>
+              <a:t>Show security of LWE </a:t>
+            </a:r>
+            <a:br>
+              <a:rPr lang="en-US" dirty="0" smtClean="0">
+                <a:latin typeface="Calibri"/>
+                <a:cs typeface="Calibri"/>
+              </a:rPr>
+            </a:br>
+            <a:r>
+              <a:rPr lang="en-US" dirty="0" smtClean="0">
+                <a:latin typeface="Calibri"/>
+                <a:cs typeface="Calibri"/>
+              </a:rPr>
+              <a:t>for other high entropy distributions</a:t>
+            </a:r>
+          </a:p>
+          <a:p>
+            <a:r>
+              <a:rPr lang="en-US" dirty="0" smtClean="0">
+                <a:latin typeface="Calibri"/>
+                <a:cs typeface="Calibri"/>
+              </a:rPr>
+              <a:t>Base a lossless fuzzy extractor on another computational assumption</a:t>
+            </a:r>
+          </a:p>
+          <a:p>
+            <a:endParaRPr lang="en-US" dirty="0">
+              <a:latin typeface="Calibri"/>
+              <a:cs typeface="Calibri"/>
+            </a:endParaRPr>
+          </a:p>
+        </p:txBody>
+      </p:sp>
+      <p:sp>
+        <p:nvSpPr>
+          <p:cNvPr id="4" name="Title 1"/>
+          <p:cNvSpPr txBox="1">
+            <a:spLocks/>
+          </p:cNvSpPr>
+          <p:nvPr/>
+        </p:nvSpPr>
+        <p:spPr>
+          <a:xfrm>
+            <a:off x="457200" y="5289324"/>
+            <a:ext cx="8229600" cy="1143000"/>
+          </a:xfrm>
+          <a:prstGeom prst="rect">
+            <a:avLst/>
+          </a:prstGeom>
+        </p:spPr>
+        <p:txBody>
+          <a:bodyPr vert="horz" lIns="91440" tIns="45720" rIns="91440" bIns="45720" rtlCol="0" anchor="ctr">
+            <a:normAutofit/>
+          </a:bodyPr>
+          <a:lstStyle>
+            <a:lvl1pPr algn="ctr" defTabSz="457200" rtl="0" eaLnBrk="1" latinLnBrk="0" hangingPunct="1">
+              <a:spcBef>
+                <a:spcPct val="0"/>
+              </a:spcBef>
+              <a:buNone/>
+              <a:defRPr sz="4400" kern="1200">
+                <a:solidFill>
+                  <a:schemeClr val="tx1"/>
+                </a:solidFill>
+                <a:latin typeface="+mj-lt"/>
+                <a:ea typeface="+mj-ea"/>
+                <a:cs typeface="+mj-cs"/>
+              </a:defRPr>
+            </a:lvl1pPr>
+          </a:lstStyle>
+          <a:p>
+            <a:r>
+              <a:rPr lang="en-US" sz="3600" dirty="0" smtClean="0"/>
+              <a:t>Questions?</a:t>
+            </a:r>
+            <a:endParaRPr lang="en-US" sz="3600" dirty="0"/>
+          </a:p>
+        </p:txBody>
+      </p:sp>
+    </p:spTree>
+    <p:extLst>
+      <p:ext uri="{BB962C8B-B14F-4D97-AF65-F5344CB8AC3E}">
+        <p14:creationId xmlns:p14="http://schemas.microsoft.com/office/powerpoint/2010/main" val="1255339850"/>
+      </p:ext>
+    </p:extLst>
+  </p:cSld>
+  <p:clrMapOvr>
+    <a:masterClrMapping/>
+  </p:clrMapOvr>
+  <p:timing>
+    <p:tnLst>
+      <p:par>
+        <p:cTn xmlns:p14="http://schemas.microsoft.com/office/powerpoint/2010/main" id="1" dur="indefinite" restart="never" nodeType="tmRoot">
+          <p:childTnLst>
+            <p:seq concurrent="1" nextAc="seek">
+              <p:cTn id="2" dur="indefinite" nodeType="mainSeq">
+                <p:childTnLst>
+                  <p:par>
+                    <p:cTn id="3" fill="hold">
+                      <p:stCondLst>
+                        <p:cond delay="indefinite"/>
+                      </p:stCondLst>
+                      <p:childTnLst>
+                        <p:par>
+                          <p:cTn id="4" fill="hold">
+                            <p:stCondLst>
+                              <p:cond delay="0"/>
+                            </p:stCondLst>
+                            <p:childTnLst>
+                              <p:par>
+                                <p:cTn id="5" presetID="10" presetClass="entr" presetSubtype="0" fill="hold" grpId="0" nodeType="clickEffect">
+                                  <p:stCondLst>
+                                    <p:cond delay="0"/>
+                                  </p:stCondLst>
+                                  <p:childTnLst>
+                                    <p:set>
+                                      <p:cBhvr>
+                                        <p:cTn id="6" dur="1" fill="hold">
+                                          <p:stCondLst>
+                                            <p:cond delay="0"/>
+                                          </p:stCondLst>
+                                        </p:cTn>
+                                        <p:tgtEl>
+                                          <p:spTgt spid="3">
+                                            <p:txEl>
+                                              <p:pRg st="0" end="0"/>
+                                            </p:txEl>
+                                          </p:spTgt>
+                                        </p:tgtEl>
+                                        <p:attrNameLst>
+                                          <p:attrName>style.visibility</p:attrName>
+                                        </p:attrNameLst>
+                                      </p:cBhvr>
+                                      <p:to>
+                                        <p:strVal val="visible"/>
+                                      </p:to>
+                                    </p:set>
+                                    <p:animEffect transition="in" filter="fade">
+                                      <p:cBhvr>
+                                        <p:cTn id="7" dur="500"/>
+                                        <p:tgtEl>
+                                          <p:spTgt spid="3">
+                                            <p:txEl>
+                                              <p:pRg st="0" end="0"/>
+                                            </p:txEl>
+                                          </p:spTgt>
+                                        </p:tgtEl>
+                                      </p:cBhvr>
+                                    </p:animEffect>
+                                  </p:childTnLst>
+                                </p:cTn>
+                              </p:par>
+                            </p:childTnLst>
+                          </p:cTn>
+                        </p:par>
+                      </p:childTnLst>
+                    </p:cTn>
+                  </p:par>
+                  <p:par>
+                    <p:cTn id="8" fill="hold">
+                      <p:stCondLst>
+                        <p:cond delay="indefinite"/>
+                      </p:stCondLst>
+                      <p:childTnLst>
+                        <p:par>
+                          <p:cTn id="9" fill="hold">
+                            <p:stCondLst>
+                              <p:cond delay="0"/>
+                            </p:stCondLst>
+                            <p:childTnLst>
+                              <p:par>
+                                <p:cTn id="10" presetID="10" presetClass="entr" presetSubtype="0" fill="hold" grpId="0" nodeType="clickEffect">
+                                  <p:stCondLst>
+                                    <p:cond delay="0"/>
+                                  </p:stCondLst>
+                                  <p:childTnLst>
+                                    <p:set>
+                                      <p:cBhvr>
+                                        <p:cTn id="11" dur="1" fill="hold">
+                                          <p:stCondLst>
+                                            <p:cond delay="0"/>
+                                          </p:stCondLst>
+                                        </p:cTn>
+                                        <p:tgtEl>
+                                          <p:spTgt spid="3">
+                                            <p:txEl>
+                                              <p:pRg st="1" end="1"/>
+                                            </p:txEl>
+                                          </p:spTgt>
+                                        </p:tgtEl>
+                                        <p:attrNameLst>
+                                          <p:attrName>style.visibility</p:attrName>
+                                        </p:attrNameLst>
+                                      </p:cBhvr>
+                                      <p:to>
+                                        <p:strVal val="visible"/>
+                                      </p:to>
+                                    </p:set>
+                                    <p:animEffect transition="in" filter="fade">
+                                      <p:cBhvr>
+                                        <p:cTn id="12" dur="500"/>
+                                        <p:tgtEl>
+                                          <p:spTgt spid="3">
+                                            <p:txEl>
+                                              <p:pRg st="1" end="1"/>
+                                            </p:txEl>
+                                          </p:spTgt>
+                                        </p:tgtEl>
+                                      </p:cBhvr>
+                                    </p:animEffect>
+                                  </p:childTnLst>
+                                </p:cTn>
+                              </p:par>
+                            </p:childTnLst>
+                          </p:cTn>
+                        </p:par>
+                      </p:childTnLst>
+                    </p:cTn>
+                  </p:par>
+                  <p:par>
+                    <p:cTn id="13" fill="hold">
+                      <p:stCondLst>
+                        <p:cond delay="indefinite"/>
+                      </p:stCondLst>
+                      <p:childTnLst>
+                        <p:par>
+                          <p:cTn id="14" fill="hold">
+                            <p:stCondLst>
+                              <p:cond delay="0"/>
+                            </p:stCondLst>
+                            <p:childTnLst>
+                              <p:par>
+                                <p:cTn id="15" presetID="10" presetClass="entr" presetSubtype="0" fill="hold" grpId="0" nodeType="clickEffect">
+                                  <p:stCondLst>
+                                    <p:cond delay="0"/>
+                                  </p:stCondLst>
+                                  <p:childTnLst>
+                                    <p:set>
+                                      <p:cBhvr>
+                                        <p:cTn id="16" dur="1" fill="hold">
+                                          <p:stCondLst>
+                                            <p:cond delay="0"/>
+                                          </p:stCondLst>
+                                        </p:cTn>
+                                        <p:tgtEl>
+                                          <p:spTgt spid="3">
+                                            <p:txEl>
+                                              <p:pRg st="2" end="2"/>
+                                            </p:txEl>
+                                          </p:spTgt>
+                                        </p:tgtEl>
+                                        <p:attrNameLst>
+                                          <p:attrName>style.visibility</p:attrName>
+                                        </p:attrNameLst>
+                                      </p:cBhvr>
+                                      <p:to>
+                                        <p:strVal val="visible"/>
+                                      </p:to>
+                                    </p:set>
+                                    <p:animEffect transition="in" filter="fade">
+                                      <p:cBhvr>
+                                        <p:cTn id="17" dur="500"/>
+                                        <p:tgtEl>
+                                          <p:spTgt spid="3">
+                                            <p:txEl>
+                                              <p:pRg st="2" end="2"/>
+                                            </p:txEl>
+                                          </p:spTgt>
+                                        </p:tgtEl>
+                                      </p:cBhvr>
+                                    </p:animEffect>
+                                  </p:childTnLst>
+                                </p:cTn>
+                              </p:par>
+                            </p:childTnLst>
+                          </p:cTn>
+                        </p:par>
+                      </p:childTnLst>
+                    </p:cTn>
+                  </p:par>
+                  <p:par>
+                    <p:cTn id="18" fill="hold">
+                      <p:stCondLst>
+                        <p:cond delay="indefinite"/>
+                      </p:stCondLst>
+                      <p:childTnLst>
+                        <p:par>
+                          <p:cTn id="19" fill="hold">
+                            <p:stCondLst>
+                              <p:cond delay="0"/>
+                            </p:stCondLst>
+                            <p:childTnLst>
+                              <p:par>
+                                <p:cTn id="20" presetID="10" presetClass="entr" presetSubtype="0" fill="hold" grpId="0" nodeType="clickEffect">
+                                  <p:stCondLst>
+                                    <p:cond delay="0"/>
+                                  </p:stCondLst>
+                                  <p:childTnLst>
+                                    <p:set>
+                                      <p:cBhvr>
+                                        <p:cTn id="21" dur="1" fill="hold">
+                                          <p:stCondLst>
+                                            <p:cond delay="0"/>
+                                          </p:stCondLst>
+                                        </p:cTn>
+                                        <p:tgtEl>
+                                          <p:spTgt spid="4"/>
+                                        </p:tgtEl>
+                                        <p:attrNameLst>
+                                          <p:attrName>style.visibility</p:attrName>
+                                        </p:attrNameLst>
+                                      </p:cBhvr>
+                                      <p:to>
+                                        <p:strVal val="visible"/>
+                                      </p:to>
+                                    </p:set>
+                                    <p:animEffect transition="in" filter="fade">
+                                      <p:cBhvr>
+                                        <p:cTn id="22" dur="500"/>
+                                        <p:tgtEl>
+                                          <p:spTgt spid="4"/>
+                                        </p:tgtEl>
+                                      </p:cBhvr>
+                                    </p:animEffect>
+                                  </p:childTnLst>
+                                </p:cTn>
+                              </p:par>
+                            </p:childTnLst>
+                          </p:cTn>
+                        </p:par>
+                      </p:childTnLst>
+                    </p:cTn>
+                  </p:par>
+                </p:childTnLst>
+              </p:cTn>
+              <p:prevCondLst>
+                <p:cond evt="onPrev" delay="0">
+                  <p:tgtEl>
+                    <p:sldTgt/>
+                  </p:tgtEl>
+                </p:cond>
+              </p:prevCondLst>
+              <p:nextCondLst>
+                <p:cond evt="onNext" delay="0">
+                  <p:tgtEl>
+                    <p:sldTgt/>
+                  </p:tgtEl>
+                </p:cond>
+              </p:nextCondLst>
+            </p:seq>
+          </p:childTnLst>
+        </p:cTn>
+      </p:par>
+    </p:tnLst>
+    <p:bldLst>
+      <p:bldP spid="3" grpId="0" build="p"/>
+      <p:bldP spid="4" grpId="0"/>
+    </p:bldLst>
+  </p:timing>
+</p:sld>
+</file>
+
 <file path=ppt/slides/slide5.xml><?xml version="1.0" encoding="utf-8"?>
 <p:sld xmlns:a="http://schemas.openxmlformats.org/drawingml/2006/main" xmlns:r="http://schemas.openxmlformats.org/officeDocument/2006/relationships" xmlns:p="http://schemas.openxmlformats.org/presentationml/2006/main">
   <p:cSld>
@@ -31750,7 +39072,7 @@
           <a:graphicData uri="http://schemas.openxmlformats.org/presentationml/2006/ole">
             <mc:AlternateContent xmlns:mc="http://schemas.openxmlformats.org/markup-compatibility/2006">
               <mc:Choice xmlns:v="urn:schemas-microsoft-com:vml" Requires="v">
-                <p:oleObj spid="_x0000_s6163" name="Equation" r:id="rId4" imgW="2603500" imgH="241300" progId="Equation.3">
+                <p:oleObj spid="_x0000_s6167" name="Equation" r:id="rId4" imgW="2603500" imgH="241300" progId="Equation.3">
                   <p:embed/>
                 </p:oleObj>
               </mc:Choice>
@@ -33374,7 +40696,7 @@
           <a:graphicData uri="http://schemas.openxmlformats.org/presentationml/2006/ole">
             <mc:AlternateContent xmlns:mc="http://schemas.openxmlformats.org/markup-compatibility/2006">
               <mc:Choice xmlns:v="urn:schemas-microsoft-com:vml" Requires="v">
-                <p:oleObj spid="_x0000_s8223" name="Equation" r:id="rId4" imgW="939800" imgH="215900" progId="Equation.3">
+                <p:oleObj spid="_x0000_s8236" name="Equation" r:id="rId4" imgW="939800" imgH="215900" progId="Equation.3">
                   <p:embed/>
                 </p:oleObj>
               </mc:Choice>
@@ -33805,7 +41127,7 @@
           <a:graphicData uri="http://schemas.openxmlformats.org/presentationml/2006/ole">
             <mc:AlternateContent xmlns:mc="http://schemas.openxmlformats.org/markup-compatibility/2006">
               <mc:Choice xmlns:v="urn:schemas-microsoft-com:vml" Requires="v">
-                <p:oleObj spid="_x0000_s8224" name="Equation" r:id="rId7" imgW="203200" imgH="215900" progId="Equation.3">
+                <p:oleObj spid="_x0000_s8237" name="Equation" r:id="rId7" imgW="203200" imgH="215900" progId="Equation.3">
                   <p:embed/>
                 </p:oleObj>
               </mc:Choice>
@@ -33904,7 +41226,7 @@
           <a:graphicData uri="http://schemas.openxmlformats.org/presentationml/2006/ole">
             <mc:AlternateContent xmlns:mc="http://schemas.openxmlformats.org/markup-compatibility/2006">
               <mc:Choice xmlns:v="urn:schemas-microsoft-com:vml" Requires="v">
-                <p:oleObj spid="_x0000_s8225" name="Equation" r:id="rId9" imgW="876300" imgH="215900" progId="Equation.3">
+                <p:oleObj spid="_x0000_s8238" name="Equation" r:id="rId9" imgW="876300" imgH="215900" progId="Equation.3">
                   <p:embed/>
                 </p:oleObj>
               </mc:Choice>
@@ -35378,7 +42700,7 @@
           <a:graphicData uri="http://schemas.openxmlformats.org/presentationml/2006/ole">
             <mc:AlternateContent xmlns:mc="http://schemas.openxmlformats.org/markup-compatibility/2006">
               <mc:Choice xmlns:v="urn:schemas-microsoft-com:vml" Requires="v">
-                <p:oleObj spid="_x0000_s7187" name="Equation" r:id="rId4" imgW="2603500" imgH="241300" progId="Equation.3">
+                <p:oleObj spid="_x0000_s7191" name="Equation" r:id="rId4" imgW="2603500" imgH="241300" progId="Equation.3">
                   <p:embed/>
                 </p:oleObj>
               </mc:Choice>

--- a/ComputationalFuzzyExtractors.pptx
+++ b/ComputationalFuzzyExtractors.pptx
@@ -231,7 +231,7 @@
           <a:p>
             <a:fld id="{941E4532-0A1D-7741-B7F8-C491C4C533AD}" type="datetimeFigureOut">
               <a:rPr lang="en-US" smtClean="0"/>
-              <a:t>4/1/13</a:t>
+              <a:t>4/2/13</a:t>
             </a:fld>
             <a:endParaRPr lang="en-US"/>
           </a:p>
@@ -1022,6 +1022,14 @@
           <a:bodyPr/>
           <a:lstStyle/>
           <a:p>
+            <a:r>
+              <a:rPr lang="en-US" dirty="0" smtClean="0"/>
+              <a:t>Need to update</a:t>
+            </a:r>
+            <a:r>
+              <a:rPr lang="en-US" baseline="0" dirty="0" smtClean="0"/>
+              <a:t> picture</a:t>
+            </a:r>
             <a:endParaRPr lang="en-US" dirty="0"/>
           </a:p>
         </p:txBody>
@@ -1754,7 +1762,7 @@
           <a:p>
             <a:fld id="{76183B97-7D03-374D-AECD-E740583BEFF3}" type="datetimeFigureOut">
               <a:rPr lang="en-US" smtClean="0"/>
-              <a:t>4/1/13</a:t>
+              <a:t>4/2/13</a:t>
             </a:fld>
             <a:endParaRPr lang="en-US"/>
           </a:p>
@@ -1924,7 +1932,7 @@
           <a:p>
             <a:fld id="{76183B97-7D03-374D-AECD-E740583BEFF3}" type="datetimeFigureOut">
               <a:rPr lang="en-US" smtClean="0"/>
-              <a:t>4/1/13</a:t>
+              <a:t>4/2/13</a:t>
             </a:fld>
             <a:endParaRPr lang="en-US"/>
           </a:p>
@@ -2104,7 +2112,7 @@
           <a:p>
             <a:fld id="{76183B97-7D03-374D-AECD-E740583BEFF3}" type="datetimeFigureOut">
               <a:rPr lang="en-US" smtClean="0"/>
-              <a:t>4/1/13</a:t>
+              <a:t>4/2/13</a:t>
             </a:fld>
             <a:endParaRPr lang="en-US"/>
           </a:p>
@@ -2274,7 +2282,7 @@
           <a:p>
             <a:fld id="{76183B97-7D03-374D-AECD-E740583BEFF3}" type="datetimeFigureOut">
               <a:rPr lang="en-US" smtClean="0"/>
-              <a:t>4/1/13</a:t>
+              <a:t>4/2/13</a:t>
             </a:fld>
             <a:endParaRPr lang="en-US"/>
           </a:p>
@@ -2520,7 +2528,7 @@
           <a:p>
             <a:fld id="{76183B97-7D03-374D-AECD-E740583BEFF3}" type="datetimeFigureOut">
               <a:rPr lang="en-US" smtClean="0"/>
-              <a:t>4/1/13</a:t>
+              <a:t>4/2/13</a:t>
             </a:fld>
             <a:endParaRPr lang="en-US"/>
           </a:p>
@@ -2808,7 +2816,7 @@
           <a:p>
             <a:fld id="{76183B97-7D03-374D-AECD-E740583BEFF3}" type="datetimeFigureOut">
               <a:rPr lang="en-US" smtClean="0"/>
-              <a:t>4/1/13</a:t>
+              <a:t>4/2/13</a:t>
             </a:fld>
             <a:endParaRPr lang="en-US"/>
           </a:p>
@@ -3230,7 +3238,7 @@
           <a:p>
             <a:fld id="{76183B97-7D03-374D-AECD-E740583BEFF3}" type="datetimeFigureOut">
               <a:rPr lang="en-US" smtClean="0"/>
-              <a:t>4/1/13</a:t>
+              <a:t>4/2/13</a:t>
             </a:fld>
             <a:endParaRPr lang="en-US"/>
           </a:p>
@@ -3348,7 +3356,7 @@
           <a:p>
             <a:fld id="{76183B97-7D03-374D-AECD-E740583BEFF3}" type="datetimeFigureOut">
               <a:rPr lang="en-US" smtClean="0"/>
-              <a:t>4/1/13</a:t>
+              <a:t>4/2/13</a:t>
             </a:fld>
             <a:endParaRPr lang="en-US"/>
           </a:p>
@@ -3443,7 +3451,7 @@
           <a:p>
             <a:fld id="{76183B97-7D03-374D-AECD-E740583BEFF3}" type="datetimeFigureOut">
               <a:rPr lang="en-US" smtClean="0"/>
-              <a:t>4/1/13</a:t>
+              <a:t>4/2/13</a:t>
             </a:fld>
             <a:endParaRPr lang="en-US"/>
           </a:p>
@@ -3720,7 +3728,7 @@
           <a:p>
             <a:fld id="{76183B97-7D03-374D-AECD-E740583BEFF3}" type="datetimeFigureOut">
               <a:rPr lang="en-US" smtClean="0"/>
-              <a:t>4/1/13</a:t>
+              <a:t>4/2/13</a:t>
             </a:fld>
             <a:endParaRPr lang="en-US"/>
           </a:p>
@@ -3973,7 +3981,7 @@
           <a:p>
             <a:fld id="{76183B97-7D03-374D-AECD-E740583BEFF3}" type="datetimeFigureOut">
               <a:rPr lang="en-US" smtClean="0"/>
-              <a:t>4/1/13</a:t>
+              <a:t>4/2/13</a:t>
             </a:fld>
             <a:endParaRPr lang="en-US"/>
           </a:p>
@@ -4186,7 +4194,7 @@
           <a:p>
             <a:fld id="{76183B97-7D03-374D-AECD-E740583BEFF3}" type="datetimeFigureOut">
               <a:rPr lang="en-US" smtClean="0"/>
-              <a:t>4/1/13</a:t>
+              <a:t>4/2/13</a:t>
             </a:fld>
             <a:endParaRPr lang="en-US"/>
           </a:p>
@@ -4961,19 +4969,17 @@
               <a:rPr lang="en-US" sz="2400" dirty="0" smtClean="0">
                 <a:latin typeface="Arial" charset="0"/>
               </a:rPr>
-              <a:t>Computational Fuzzy Extractor from Learning with Errors</a:t>
-            </a:r>
-            <a:br>
+              <a:t>Computational Fuzzy Extractor from Learning with </a:t>
+            </a:r>
+            <a:r>
               <a:rPr lang="en-US" sz="2400" dirty="0" smtClean="0">
                 <a:latin typeface="Arial" charset="0"/>
               </a:rPr>
-            </a:br>
-            <a:r>
-              <a:rPr lang="en-US" sz="2400" dirty="0" smtClean="0">
-                <a:latin typeface="Arial" charset="0"/>
-              </a:rPr>
-              <a:t>	(based on hard lattice problems)</a:t>
-            </a:r>
+              <a:t>Errors</a:t>
+            </a:r>
+            <a:endParaRPr lang="en-US" sz="2400" dirty="0" smtClean="0">
+              <a:latin typeface="Arial" charset="0"/>
+            </a:endParaRPr>
           </a:p>
           <a:p>
             <a:pPr lvl="1" eaLnBrk="1" hangingPunct="1">
@@ -5101,7 +5107,15 @@
             </a:r>
             <a:r>
               <a:rPr lang="en-US" dirty="0"/>
-              <a:t> does not provide any information about </a:t>
+              <a:t> does not provide </a:t>
+            </a:r>
+            <a:r>
+              <a:rPr lang="en-US" dirty="0" smtClean="0"/>
+              <a:t>information </a:t>
+            </a:r>
+            <a:r>
+              <a:rPr lang="en-US" dirty="0"/>
+              <a:t>about </a:t>
             </a:r>
             <a:r>
               <a:rPr lang="en-US" i="1" dirty="0" smtClean="0">
@@ -5119,10 +5133,13 @@
             </a:r>
             <a:r>
               <a:rPr lang="en-US" dirty="0" smtClean="0"/>
-              <a:t>, </a:t>
-            </a:r>
-            <a:r>
-              <a:rPr lang="en-US" dirty="0"/>
+              <a:t>,</a:t>
+            </a:r>
+            <a:br>
+              <a:rPr lang="en-US" dirty="0" smtClean="0"/>
+            </a:br>
+            <a:r>
+              <a:rPr lang="en-US" dirty="0" smtClean="0"/>
               <a:t>but </a:t>
             </a:r>
             <a:r>
@@ -6193,36 +6210,19 @@
                 <a:latin typeface="Times New Roman"/>
                 <a:cs typeface="Times New Roman"/>
               </a:rPr>
-              <a:t>Applying a randomness extractor to HILL entropy produces a pseudorandom key </a:t>
-            </a:r>
-            <a:r>
-              <a:rPr lang="en-US" sz="1800" dirty="0" smtClean="0">
-                <a:latin typeface="Times New Roman"/>
-                <a:cs typeface="Times New Roman"/>
-              </a:rPr>
-              <a:t>[</a:t>
-            </a:r>
-            <a:r>
-              <a:rPr lang="en-US" sz="1800" b="1" dirty="0" smtClean="0">
-                <a:latin typeface="Times New Roman"/>
-                <a:cs typeface="Times New Roman"/>
-              </a:rPr>
-              <a:t>F</a:t>
-            </a:r>
-            <a:r>
-              <a:rPr lang="en-US" sz="1800" dirty="0" smtClean="0">
-                <a:latin typeface="Times New Roman"/>
-                <a:cs typeface="Times New Roman"/>
-              </a:rPr>
-              <a:t>Reyzin11]</a:t>
+              <a:t>Applying a randomness extractor to HILL entropy produces a pseudorandom </a:t>
             </a:r>
             <a:r>
               <a:rPr lang="en-US" dirty="0" smtClean="0">
                 <a:latin typeface="Times New Roman"/>
                 <a:cs typeface="Times New Roman"/>
               </a:rPr>
-              <a:t> </a:t>
-            </a:r>
+              <a:t>key</a:t>
+            </a:r>
+            <a:endParaRPr lang="en-US" dirty="0" smtClean="0">
+              <a:latin typeface="Times New Roman"/>
+              <a:cs typeface="Times New Roman"/>
+            </a:endParaRPr>
           </a:p>
         </p:txBody>
       </p:sp>
@@ -7941,7 +7941,7 @@
             </a:pPr>
             <a:r>
               <a:rPr lang="en-US" dirty="0" smtClean="0"/>
-              <a:t>decreases by a factor of </a:t>
+              <a:t>decreases by </a:t>
             </a:r>
             <a:r>
               <a:rPr lang="en-US" dirty="0" smtClean="0">
@@ -8789,9 +8789,48 @@
             </a:r>
           </a:p>
           <a:p>
+            <a:pPr marL="0" indent="0" eaLnBrk="1" hangingPunct="1">
+              <a:buNone/>
+            </a:pPr>
+            <a:endParaRPr lang="en-US" sz="2400" dirty="0" smtClean="0">
+              <a:latin typeface="Arial" charset="0"/>
+            </a:endParaRPr>
+          </a:p>
+          <a:p>
+            <a:pPr eaLnBrk="1" hangingPunct="1"/>
+            <a:endParaRPr lang="en-US" sz="2400" dirty="0">
+              <a:latin typeface="Arial" charset="0"/>
+            </a:endParaRPr>
+          </a:p>
+          <a:p>
+            <a:endParaRPr lang="en-US" sz="2400" dirty="0" smtClean="0">
+              <a:latin typeface="Arial" charset="0"/>
+            </a:endParaRPr>
+          </a:p>
+          <a:p>
+            <a:r>
+              <a:rPr lang="en-US" sz="2400" dirty="0" smtClean="0">
+                <a:latin typeface="Arial" charset="0"/>
+              </a:rPr>
+              <a:t>Lossless Computational </a:t>
+            </a:r>
+            <a:r>
+              <a:rPr lang="en-US" sz="2400" dirty="0" smtClean="0">
+                <a:latin typeface="Arial" charset="0"/>
+              </a:rPr>
+              <a:t>Fuzzy </a:t>
+            </a:r>
+            <a:r>
+              <a:rPr lang="en-US" sz="2400" dirty="0" smtClean="0">
+                <a:latin typeface="Arial" charset="0"/>
+              </a:rPr>
+              <a:t>Extractor</a:t>
+            </a:r>
+          </a:p>
+          <a:p>
             <a:pPr lvl="1"/>
             <a:r>
-              <a:rPr lang="en-US" sz="2000" dirty="0" smtClean="0">
+              <a:rPr lang="en-US" sz="2000" dirty="0">
                 <a:solidFill>
                   <a:srgbClr val="000000"/>
                 </a:solidFill>
@@ -8803,7 +8842,7 @@
           <a:p>
             <a:pPr lvl="1"/>
             <a:r>
-              <a:rPr lang="en-US" sz="2000" dirty="0" smtClean="0">
+              <a:rPr lang="en-US" sz="2000" dirty="0">
                 <a:solidFill>
                   <a:srgbClr val="000000"/>
                 </a:solidFill>
@@ -8812,7 +8851,7 @@
               <a:t>Seems natural to use random linear codes </a:t>
             </a:r>
             <a:br>
-              <a:rPr lang="en-US" sz="2000" dirty="0" smtClean="0">
+              <a:rPr lang="en-US" sz="2000" dirty="0">
                 <a:solidFill>
                   <a:srgbClr val="000000"/>
                 </a:solidFill>
@@ -8820,7 +8859,7 @@
               </a:rPr>
             </a:br>
             <a:r>
-              <a:rPr lang="en-US" sz="2000" dirty="0" smtClean="0">
+              <a:rPr lang="en-US" sz="2000" dirty="0">
                 <a:solidFill>
                   <a:srgbClr val="000000"/>
                 </a:solidFill>
@@ -8828,42 +8867,20 @@
               </a:rPr>
               <a:t>(syndrome decoding is NP-hard)</a:t>
             </a:r>
-          </a:p>
-          <a:p>
-            <a:pPr eaLnBrk="1" hangingPunct="1"/>
-            <a:endParaRPr lang="en-US" sz="2400" dirty="0" smtClean="0">
+            <a:r>
+              <a:rPr lang="en-US" sz="2000" dirty="0" smtClean="0">
+                <a:latin typeface="Arial" charset="0"/>
+              </a:rPr>
+              <a:t/>
+            </a:r>
+            <a:br>
+              <a:rPr lang="en-US" sz="2000" dirty="0" smtClean="0">
+                <a:latin typeface="Arial" charset="0"/>
+              </a:rPr>
+            </a:br>
+            <a:endParaRPr lang="en-US" sz="2000" dirty="0" smtClean="0">
               <a:latin typeface="Arial" charset="0"/>
             </a:endParaRPr>
-          </a:p>
-          <a:p>
-            <a:pPr eaLnBrk="1" hangingPunct="1"/>
-            <a:endParaRPr lang="en-US" sz="2400" dirty="0">
-              <a:latin typeface="Arial" charset="0"/>
-            </a:endParaRPr>
-          </a:p>
-          <a:p>
-            <a:endParaRPr lang="en-US" sz="2400" dirty="0" smtClean="0">
-              <a:latin typeface="Arial" charset="0"/>
-            </a:endParaRPr>
-          </a:p>
-          <a:p>
-            <a:r>
-              <a:rPr lang="en-US" sz="2400" dirty="0" smtClean="0">
-                <a:latin typeface="Arial" charset="0"/>
-              </a:rPr>
-              <a:t>Computational Fuzzy Extractor from Learning with Errors</a:t>
-            </a:r>
-            <a:br>
-              <a:rPr lang="en-US" sz="2400" dirty="0" smtClean="0">
-                <a:latin typeface="Arial" charset="0"/>
-              </a:rPr>
-            </a:br>
-            <a:r>
-              <a:rPr lang="en-US" sz="2400" dirty="0" smtClean="0">
-                <a:latin typeface="Arial" charset="0"/>
-              </a:rPr>
-              <a:t>	(based on hard lattice problems)</a:t>
-            </a:r>
           </a:p>
           <a:p>
             <a:pPr lvl="1" eaLnBrk="1" hangingPunct="1">
@@ -8932,7 +8949,7 @@
                             </p:stCondLst>
                             <p:childTnLst>
                               <p:par>
-                                <p:cTn id="5" presetID="10" presetClass="entr" presetSubtype="0" fill="hold" nodeType="clickEffect">
+                                <p:cTn id="5" presetID="10" presetClass="entr" presetSubtype="0" fill="hold" grpId="0" nodeType="clickEffect">
                                   <p:stCondLst>
                                     <p:cond delay="0"/>
                                   </p:stCondLst>
@@ -8947,7 +8964,7 @@
                                         <p:tgtEl>
                                           <p:spTgt spid="7169">
                                             <p:txEl>
-                                              <p:pRg st="5" end="5"/>
+                                              <p:pRg st="9" end="9"/>
                                             </p:txEl>
                                           </p:spTgt>
                                         </p:tgtEl>
@@ -8965,7 +8982,7 @@
                                         <p:tgtEl>
                                           <p:spTgt spid="7169">
                                             <p:txEl>
-                                              <p:pRg st="5" end="5"/>
+                                              <p:pRg st="9" end="9"/>
                                             </p:txEl>
                                           </p:spTgt>
                                         </p:tgtEl>
@@ -8993,7 +9010,7 @@
                             </p:stCondLst>
                             <p:childTnLst>
                               <p:par>
-                                <p:cTn id="10" presetID="10" presetClass="entr" presetSubtype="0" fill="hold" nodeType="clickEffect">
+                                <p:cTn id="10" presetID="10" presetClass="entr" presetSubtype="0" fill="hold" grpId="0" nodeType="clickEffect">
                                   <p:stCondLst>
                                     <p:cond delay="0"/>
                                   </p:stCondLst>
@@ -9008,7 +9025,7 @@
                                         <p:tgtEl>
                                           <p:spTgt spid="7169">
                                             <p:txEl>
-                                              <p:pRg st="6" end="6"/>
+                                              <p:pRg st="10" end="10"/>
                                             </p:txEl>
                                           </p:spTgt>
                                         </p:tgtEl>
@@ -9026,7 +9043,7 @@
                                         <p:tgtEl>
                                           <p:spTgt spid="7169">
                                             <p:txEl>
-                                              <p:pRg st="6" end="6"/>
+                                              <p:pRg st="10" end="10"/>
                                             </p:txEl>
                                           </p:spTgt>
                                         </p:tgtEl>
@@ -9062,6 +9079,9 @@
         </p:cTn>
       </p:par>
     </p:tnLst>
+    <p:bldLst>
+      <p:bldP spid="7169" grpId="0" build="p" bldLvl="2"/>
+    </p:bldLst>
   </p:timing>
 </p:sld>
 </file>
@@ -9518,50 +9538,57 @@
                 <a:latin typeface="Times New Roman"/>
                 <a:cs typeface="Times New Roman"/>
               </a:rPr>
-              <a:t>’=Decode(</a:t>
-            </a:r>
-            <a:r>
-              <a:rPr lang="en-US" sz="1800" i="1" dirty="0" smtClean="0">
+              <a:t>’=Decode</a:t>
+            </a:r>
+            <a:r>
+              <a:rPr lang="en-US" sz="1800" dirty="0" smtClean="0">
+                <a:latin typeface="Times New Roman"/>
+                <a:cs typeface="Times New Roman"/>
+              </a:rPr>
+              <a:t>(</a:t>
+            </a:r>
+            <a:r>
+              <a:rPr lang="en-US" i="1" dirty="0" err="1" smtClean="0">
+                <a:latin typeface="Times New Roman"/>
+                <a:cs typeface="Times New Roman"/>
+              </a:rPr>
+              <a:t>ss</a:t>
+            </a:r>
+            <a:r>
+              <a:rPr lang="en-US" i="1" dirty="0" smtClean="0">
+                <a:latin typeface="Times New Roman"/>
+                <a:cs typeface="Times New Roman"/>
+              </a:rPr>
+              <a:t> </a:t>
+            </a:r>
+            <a:r>
+              <a:rPr lang="en-US" sz="1800" dirty="0" smtClean="0">
+                <a:latin typeface="Times New Roman"/>
+                <a:cs typeface="Times New Roman"/>
+                <a:sym typeface="Symbol"/>
+              </a:rPr>
+              <a:t></a:t>
+            </a:r>
+            <a:r>
+              <a:rPr lang="en-US" sz="1800" dirty="0" smtClean="0">
+                <a:latin typeface="Times New Roman"/>
+                <a:cs typeface="Times New Roman"/>
+              </a:rPr>
+              <a:t> </a:t>
+            </a:r>
+            <a:r>
+              <a:rPr lang="en-US" i="1" dirty="0" smtClean="0">
                 <a:latin typeface="Times New Roman"/>
                 <a:cs typeface="Times New Roman"/>
               </a:rPr>
               <a:t>w</a:t>
             </a:r>
             <a:r>
-              <a:rPr lang="en-US" sz="1800" baseline="-25000" dirty="0" smtClean="0">
+              <a:rPr lang="en-US" baseline="-25000" dirty="0" smtClean="0">
                 <a:latin typeface="Times New Roman"/>
                 <a:cs typeface="Times New Roman"/>
               </a:rPr>
               <a:t>1</a:t>
-            </a:r>
-            <a:r>
-              <a:rPr lang="en-US" sz="1800" dirty="0" smtClean="0">
-                <a:latin typeface="Times New Roman"/>
-                <a:cs typeface="Times New Roman"/>
-              </a:rPr>
-              <a:t> </a:t>
-            </a:r>
-            <a:r>
-              <a:rPr lang="en-US" sz="1800" dirty="0" smtClean="0">
-                <a:latin typeface="Times New Roman"/>
-                <a:cs typeface="Times New Roman"/>
-                <a:sym typeface="Symbol"/>
-              </a:rPr>
-              <a:t></a:t>
-            </a:r>
-            <a:r>
-              <a:rPr lang="en-US" sz="1800" dirty="0" smtClean="0">
-                <a:latin typeface="Times New Roman"/>
-                <a:cs typeface="Times New Roman"/>
-              </a:rPr>
-              <a:t> </a:t>
-            </a:r>
-            <a:r>
-              <a:rPr lang="en-US" sz="1800" i="1" dirty="0" err="1" smtClean="0">
-                <a:latin typeface="Times New Roman"/>
-                <a:cs typeface="Times New Roman"/>
-              </a:rPr>
-              <a:t>ss</a:t>
             </a:r>
             <a:r>
               <a:rPr lang="en-US" sz="1800" dirty="0" smtClean="0">
@@ -9600,18 +9627,11 @@
           <a:lstStyle/>
           <a:p>
             <a:r>
-              <a:rPr lang="en-US" sz="1800" i="1" dirty="0" smtClean="0">
-                <a:latin typeface="Times New Roman"/>
-                <a:cs typeface="Times New Roman"/>
-              </a:rPr>
-              <a:t>w</a:t>
-            </a:r>
-            <a:r>
-              <a:rPr lang="en-US" sz="1800" i="1" baseline="-25000" dirty="0" smtClean="0">
-                <a:latin typeface="Times New Roman"/>
-                <a:cs typeface="Times New Roman"/>
-              </a:rPr>
-              <a:t>1</a:t>
+              <a:rPr lang="en-US" i="1" dirty="0" err="1" smtClean="0">
+                <a:latin typeface="Times New Roman"/>
+                <a:cs typeface="Times New Roman"/>
+              </a:rPr>
+              <a:t>ss</a:t>
             </a:r>
             <a:r>
               <a:rPr lang="en-US" sz="1800" dirty="0" smtClean="0">
@@ -9620,11 +9640,18 @@
               <a:t>  </a:t>
             </a:r>
             <a:r>
-              <a:rPr lang="en-US" sz="1800" i="1" dirty="0" err="1" smtClean="0">
-                <a:latin typeface="Times New Roman"/>
-                <a:cs typeface="Times New Roman"/>
-              </a:rPr>
-              <a:t>ss</a:t>
+              <a:rPr lang="en-US" i="1" dirty="0">
+                <a:latin typeface="Times New Roman"/>
+                <a:cs typeface="Times New Roman"/>
+              </a:rPr>
+              <a:t>w</a:t>
+            </a:r>
+            <a:r>
+              <a:rPr lang="en-US" i="1" baseline="-25000" dirty="0">
+                <a:latin typeface="Times New Roman"/>
+                <a:cs typeface="Times New Roman"/>
+              </a:rPr>
+              <a:t>1</a:t>
             </a:r>
             <a:endParaRPr lang="en-US" sz="1800" i="1" dirty="0">
               <a:latin typeface="Times New Roman"/>
@@ -9667,14 +9694,28 @@
                 <a:latin typeface="Times New Roman"/>
                 <a:cs typeface="Times New Roman"/>
               </a:rPr>
-              <a:t>=w</a:t>
-            </a:r>
-            <a:r>
-              <a:rPr lang="en-US" sz="1800" baseline="-25000" dirty="0" smtClean="0">
-                <a:latin typeface="Times New Roman"/>
-                <a:cs typeface="Times New Roman"/>
-              </a:rPr>
-              <a:t>0</a:t>
+              <a:t>=</a:t>
+            </a:r>
+            <a:r>
+              <a:rPr lang="en-US" dirty="0">
+                <a:latin typeface="Times New Roman"/>
+                <a:cs typeface="Times New Roman"/>
+              </a:rPr>
+              <a:t>Encode(</a:t>
+            </a:r>
+            <a:r>
+              <a:rPr lang="en-US" i="1" dirty="0">
+                <a:latin typeface="Times New Roman"/>
+                <a:cs typeface="Times New Roman"/>
+              </a:rPr>
+              <a:t>x</a:t>
+            </a:r>
+            <a:r>
+              <a:rPr lang="en-US" dirty="0">
+                <a:latin typeface="Times New Roman"/>
+                <a:cs typeface="Times New Roman"/>
+              </a:rPr>
+              <a:t>)</a:t>
             </a:r>
             <a:r>
               <a:rPr lang="en-US" sz="1800" i="1" dirty="0" smtClean="0">
@@ -9697,25 +9738,18 @@
               <a:t> </a:t>
             </a:r>
             <a:r>
-              <a:rPr lang="en-US" sz="1800" dirty="0" smtClean="0">
-                <a:latin typeface="Times New Roman"/>
-                <a:cs typeface="Times New Roman"/>
-              </a:rPr>
-              <a:t>Encode(</a:t>
-            </a:r>
-            <a:r>
-              <a:rPr lang="en-US" sz="1800" i="1" dirty="0" smtClean="0">
-                <a:latin typeface="Times New Roman"/>
-                <a:cs typeface="Times New Roman"/>
-              </a:rPr>
-              <a:t>r</a:t>
-            </a:r>
-            <a:r>
-              <a:rPr lang="en-US" sz="1800" dirty="0" smtClean="0">
-                <a:latin typeface="Times New Roman"/>
-                <a:cs typeface="Times New Roman"/>
-              </a:rPr>
-              <a:t>)</a:t>
+              <a:rPr lang="en-US" i="1" dirty="0" smtClean="0">
+                <a:latin typeface="Times New Roman"/>
+                <a:cs typeface="Times New Roman"/>
+              </a:rPr>
+              <a:t>w</a:t>
+            </a:r>
+            <a:r>
+              <a:rPr lang="en-US" baseline="-25000" dirty="0" smtClean="0">
+                <a:latin typeface="Times New Roman"/>
+                <a:cs typeface="Times New Roman"/>
+              </a:rPr>
+              <a:t>0</a:t>
             </a:r>
             <a:endParaRPr lang="en-US" sz="1800" dirty="0">
               <a:latin typeface="Times New Roman"/>
@@ -9765,14 +9799,21 @@
                 <a:latin typeface="Times New Roman"/>
                 <a:cs typeface="Times New Roman"/>
               </a:rPr>
-              <a:t>Encode(</a:t>
+              <a:t>Encode</a:t>
+            </a:r>
+            <a:r>
+              <a:rPr lang="en-US" sz="1800" dirty="0" smtClean="0">
+                <a:latin typeface="Times New Roman"/>
+                <a:cs typeface="Times New Roman"/>
+              </a:rPr>
+              <a:t>(</a:t>
             </a:r>
             <a:r>
               <a:rPr lang="en-US" sz="1800" i="1" dirty="0" smtClean="0">
                 <a:latin typeface="Times New Roman"/>
                 <a:cs typeface="Times New Roman"/>
               </a:rPr>
-              <a:t>r</a:t>
+              <a:t>x</a:t>
             </a:r>
             <a:r>
               <a:rPr lang="en-US" sz="1800" dirty="0" smtClean="0">
@@ -10033,27 +10074,7 @@
                 <a:latin typeface="Calibri"/>
                 <a:cs typeface="Calibri"/>
               </a:rPr>
-              <a:t>For now, assume that </a:t>
-            </a:r>
-            <a:r>
-              <a:rPr lang="en-US" i="1" dirty="0" smtClean="0">
-                <a:solidFill>
-                  <a:srgbClr val="000000"/>
-                </a:solidFill>
-                <a:latin typeface="Times New Roman"/>
-                <a:cs typeface="Times New Roman"/>
-              </a:rPr>
-              <a:t>W</a:t>
-            </a:r>
-            <a:r>
-              <a:rPr lang="en-US" baseline="-25000" dirty="0" smtClean="0">
-                <a:solidFill>
-                  <a:srgbClr val="000000"/>
-                </a:solidFill>
-                <a:latin typeface="Times New Roman"/>
-                <a:cs typeface="Times New Roman"/>
-              </a:rPr>
-              <a:t>0</a:t>
+              <a:t>For now, </a:t>
             </a:r>
             <a:r>
               <a:rPr lang="en-US" dirty="0" smtClean="0">
@@ -10063,7 +10084,47 @@
                 <a:latin typeface="Calibri"/>
                 <a:cs typeface="Calibri"/>
               </a:rPr>
-              <a:t> is the uniform distribution.</a:t>
+              <a:t>assume </a:t>
+            </a:r>
+            <a:r>
+              <a:rPr lang="en-US" i="1" dirty="0" smtClean="0">
+                <a:solidFill>
+                  <a:srgbClr val="000000"/>
+                </a:solidFill>
+                <a:latin typeface="Times New Roman"/>
+                <a:cs typeface="Times New Roman"/>
+              </a:rPr>
+              <a:t>W</a:t>
+            </a:r>
+            <a:r>
+              <a:rPr lang="en-US" baseline="-25000" dirty="0" smtClean="0">
+                <a:solidFill>
+                  <a:srgbClr val="000000"/>
+                </a:solidFill>
+                <a:latin typeface="Times New Roman"/>
+                <a:cs typeface="Times New Roman"/>
+              </a:rPr>
+              <a:t>0</a:t>
+            </a:r>
+            <a:r>
+              <a:rPr lang="en-US" dirty="0" smtClean="0">
+                <a:solidFill>
+                  <a:srgbClr val="000000"/>
+                </a:solidFill>
+                <a:latin typeface="Calibri"/>
+                <a:cs typeface="Calibri"/>
+              </a:rPr>
+              <a:t> </a:t>
+            </a:r>
+            <a:r>
+              <a:rPr lang="en-US" dirty="0" smtClean="0">
+                <a:solidFill>
+                  <a:srgbClr val="000000"/>
+                </a:solidFill>
+                <a:latin typeface="Calibri"/>
+                <a:cs typeface="Calibri"/>
+              </a:rPr>
+              <a:t>is the uniform distribution.</a:t>
             </a:r>
             <a:endParaRPr lang="en-US" dirty="0">
               <a:solidFill>
@@ -10071,6 +10132,147 @@
               </a:solidFill>
               <a:latin typeface="Calibri"/>
               <a:cs typeface="Calibri"/>
+            </a:endParaRPr>
+          </a:p>
+        </p:txBody>
+      </p:sp>
+      <p:graphicFrame>
+        <p:nvGraphicFramePr>
+          <p:cNvPr id="2" name="Object 1"/>
+          <p:cNvGraphicFramePr>
+            <a:graphicFrameLocks noChangeAspect="1"/>
+          </p:cNvGraphicFramePr>
+          <p:nvPr>
+            <p:extLst>
+              <p:ext uri="{D42A27DB-BD31-4B8C-83A1-F6EECF244321}">
+                <p14:modId xmlns:p14="http://schemas.microsoft.com/office/powerpoint/2010/main" val="3703843469"/>
+              </p:ext>
+            </p:extLst>
+          </p:nvPr>
+        </p:nvGraphicFramePr>
+        <p:xfrm>
+          <a:off x="4789183" y="1884821"/>
+          <a:ext cx="988483" cy="706059"/>
+        </p:xfrm>
+        <a:graphic>
+          <a:graphicData uri="http://schemas.openxmlformats.org/presentationml/2006/ole">
+            <mc:AlternateContent xmlns:mc="http://schemas.openxmlformats.org/markup-compatibility/2006">
+              <mc:Choice xmlns:v="urn:schemas-microsoft-com:vml" Requires="v">
+                <p:oleObj spid="_x0000_s21506" name="Equation" r:id="rId4" imgW="622300" imgH="444500" progId="Equation.3">
+                  <p:embed/>
+                </p:oleObj>
+              </mc:Choice>
+              <mc:Fallback>
+                <p:oleObj name="Equation" r:id="rId4" imgW="622300" imgH="444500" progId="Equation.3">
+                  <p:embed/>
+                  <p:pic>
+                    <p:nvPicPr>
+                      <p:cNvPr id="0" name=""/>
+                      <p:cNvPicPr/>
+                      <p:nvPr/>
+                    </p:nvPicPr>
+                    <p:blipFill>
+                      <a:blip r:embed="rId5"/>
+                      <a:stretch>
+                        <a:fillRect/>
+                      </a:stretch>
+                    </p:blipFill>
+                    <p:spPr>
+                      <a:xfrm>
+                        <a:off x="4789183" y="1884821"/>
+                        <a:ext cx="988483" cy="706059"/>
+                      </a:xfrm>
+                      <a:prstGeom prst="rect">
+                        <a:avLst/>
+                      </a:prstGeom>
+                    </p:spPr>
+                  </p:pic>
+                </p:oleObj>
+              </mc:Fallback>
+            </mc:AlternateContent>
+          </a:graphicData>
+        </a:graphic>
+      </p:graphicFrame>
+      <p:sp>
+        <p:nvSpPr>
+          <p:cNvPr id="19" name="TextBox 18"/>
+          <p:cNvSpPr txBox="1"/>
+          <p:nvPr/>
+        </p:nvSpPr>
+        <p:spPr>
+          <a:xfrm>
+            <a:off x="4130921" y="3883985"/>
+            <a:ext cx="2084444" cy="369332"/>
+          </a:xfrm>
+          <a:prstGeom prst="rect">
+            <a:avLst/>
+          </a:prstGeom>
+          <a:noFill/>
+        </p:spPr>
+        <p:txBody>
+          <a:bodyPr wrap="square" rtlCol="0">
+            <a:spAutoFit/>
+          </a:bodyPr>
+          <a:lstStyle/>
+          <a:p>
+            <a:r>
+              <a:rPr lang="en-US" sz="1800" i="1" dirty="0" err="1" smtClean="0">
+                <a:latin typeface="Times New Roman"/>
+                <a:cs typeface="Times New Roman"/>
+              </a:rPr>
+              <a:t>ss</a:t>
+            </a:r>
+            <a:r>
+              <a:rPr lang="en-US" sz="1800" i="1" dirty="0" smtClean="0">
+                <a:latin typeface="Times New Roman"/>
+                <a:cs typeface="Times New Roman"/>
+              </a:rPr>
+              <a:t>=</a:t>
+            </a:r>
+            <a:r>
+              <a:rPr lang="en-US" i="1" dirty="0">
+                <a:latin typeface="Times New Roman"/>
+                <a:cs typeface="Times New Roman"/>
+              </a:rPr>
+              <a:t>Ax</a:t>
+            </a:r>
+            <a:r>
+              <a:rPr lang="en-US" sz="1800" i="1" dirty="0" smtClean="0">
+                <a:latin typeface="Times New Roman"/>
+                <a:cs typeface="Times New Roman"/>
+              </a:rPr>
+              <a:t> </a:t>
+            </a:r>
+            <a:r>
+              <a:rPr lang="en-US" sz="1800" dirty="0" smtClean="0">
+                <a:sym typeface="Symbol"/>
+              </a:rPr>
+              <a:t></a:t>
+            </a:r>
+            <a:r>
+              <a:rPr lang="en-US" sz="1800" i="1" dirty="0" smtClean="0">
+                <a:latin typeface="Times New Roman"/>
+                <a:cs typeface="Times New Roman"/>
+              </a:rPr>
+              <a:t> </a:t>
+            </a:r>
+            <a:r>
+              <a:rPr lang="en-US" i="1" dirty="0" smtClean="0">
+                <a:latin typeface="Times New Roman"/>
+                <a:cs typeface="Times New Roman"/>
+              </a:rPr>
+              <a:t>w</a:t>
+            </a:r>
+            <a:r>
+              <a:rPr lang="en-US" baseline="-25000" dirty="0" smtClean="0">
+                <a:latin typeface="Times New Roman"/>
+                <a:cs typeface="Times New Roman"/>
+              </a:rPr>
+              <a:t>0</a:t>
+            </a:r>
+            <a:endParaRPr lang="en-US" sz="1800" dirty="0">
+              <a:latin typeface="Times New Roman"/>
+              <a:cs typeface="Times New Roman"/>
             </a:endParaRPr>
           </a:p>
         </p:txBody>
@@ -10167,14 +10369,190 @@
                             </p:stCondLst>
                             <p:childTnLst>
                               <p:par>
-                                <p:cTn id="10" presetID="10" presetClass="entr" presetSubtype="0" fill="hold" grpId="0" nodeType="clickEffect">
+                                <p:cTn id="10" presetID="10" presetClass="exit" presetSubtype="0" fill="hold" grpId="0" nodeType="clickEffect">
+                                  <p:stCondLst>
+                                    <p:cond delay="0"/>
+                                  </p:stCondLst>
+                                  <p:childTnLst>
+                                    <p:animEffect transition="out" filter="fade">
+                                      <p:cBhvr>
+                                        <p:cTn id="11" dur="500"/>
+                                        <p:tgtEl>
+                                          <p:spTgt spid="27"/>
+                                        </p:tgtEl>
+                                      </p:cBhvr>
+                                    </p:animEffect>
+                                    <p:set>
+                                      <p:cBhvr>
+                                        <p:cTn id="12" dur="1" fill="hold">
+                                          <p:stCondLst>
+                                            <p:cond delay="499"/>
+                                          </p:stCondLst>
+                                        </p:cTn>
+                                        <p:tgtEl>
+                                          <p:spTgt spid="27"/>
+                                        </p:tgtEl>
+                                        <p:attrNameLst>
+                                          <p:attrName>style.visibility</p:attrName>
+                                        </p:attrNameLst>
+                                      </p:cBhvr>
+                                      <p:to>
+                                        <p:strVal val="hidden"/>
+                                      </p:to>
+                                    </p:set>
+                                  </p:childTnLst>
+                                </p:cTn>
+                              </p:par>
+                              <p:par>
+                                <p:cTn id="13" presetID="10" presetClass="exit" presetSubtype="0" fill="hold" grpId="0" nodeType="withEffect">
+                                  <p:stCondLst>
+                                    <p:cond delay="0"/>
+                                  </p:stCondLst>
+                                  <p:childTnLst>
+                                    <p:animEffect transition="out" filter="fade">
+                                      <p:cBhvr>
+                                        <p:cTn id="14" dur="500"/>
+                                        <p:tgtEl>
+                                          <p:spTgt spid="25"/>
+                                        </p:tgtEl>
+                                      </p:cBhvr>
+                                    </p:animEffect>
+                                    <p:set>
+                                      <p:cBhvr>
+                                        <p:cTn id="15" dur="1" fill="hold">
+                                          <p:stCondLst>
+                                            <p:cond delay="499"/>
+                                          </p:stCondLst>
+                                        </p:cTn>
+                                        <p:tgtEl>
+                                          <p:spTgt spid="25"/>
+                                        </p:tgtEl>
+                                        <p:attrNameLst>
+                                          <p:attrName>style.visibility</p:attrName>
+                                        </p:attrNameLst>
+                                      </p:cBhvr>
+                                      <p:to>
+                                        <p:strVal val="hidden"/>
+                                      </p:to>
+                                    </p:set>
+                                  </p:childTnLst>
+                                </p:cTn>
+                              </p:par>
+                            </p:childTnLst>
+                          </p:cTn>
+                        </p:par>
+                      </p:childTnLst>
+                    </p:cTn>
+                  </p:par>
+                  <p:par>
+                    <p:cTn id="16" fill="hold">
+                      <p:stCondLst>
+                        <p:cond delay="indefinite"/>
+                      </p:stCondLst>
+                      <p:childTnLst>
+                        <p:par>
+                          <p:cTn id="17" fill="hold">
+                            <p:stCondLst>
+                              <p:cond delay="0"/>
+                            </p:stCondLst>
+                            <p:childTnLst>
+                              <p:par>
+                                <p:cTn id="18" presetID="10" presetClass="entr" presetSubtype="0" fill="hold" nodeType="clickEffect">
                                   <p:stCondLst>
                                     <p:cond delay="0"/>
                                   </p:stCondLst>
                                   <p:childTnLst>
                                     <p:set>
                                       <p:cBhvr>
-                                        <p:cTn id="11" dur="1" fill="hold">
+                                        <p:cTn id="19" dur="1" fill="hold">
+                                          <p:stCondLst>
+                                            <p:cond delay="0"/>
+                                          </p:stCondLst>
+                                        </p:cTn>
+                                        <p:tgtEl>
+                                          <p:spTgt spid="2"/>
+                                        </p:tgtEl>
+                                        <p:attrNameLst>
+                                          <p:attrName>style.visibility</p:attrName>
+                                        </p:attrNameLst>
+                                      </p:cBhvr>
+                                      <p:to>
+                                        <p:strVal val="visible"/>
+                                      </p:to>
+                                    </p:set>
+                                    <p:animEffect transition="in" filter="fade">
+                                      <p:cBhvr>
+                                        <p:cTn id="20" dur="500"/>
+                                        <p:tgtEl>
+                                          <p:spTgt spid="2"/>
+                                        </p:tgtEl>
+                                      </p:cBhvr>
+                                    </p:animEffect>
+                                  </p:childTnLst>
+                                </p:cTn>
+                              </p:par>
+                              <p:par>
+                                <p:cTn id="21" presetID="10" presetClass="entr" presetSubtype="0" fill="hold" grpId="0" nodeType="withEffect">
+                                  <p:stCondLst>
+                                    <p:cond delay="0"/>
+                                  </p:stCondLst>
+                                  <p:childTnLst>
+                                    <p:set>
+                                      <p:cBhvr>
+                                        <p:cTn id="22" dur="1" fill="hold">
+                                          <p:stCondLst>
+                                            <p:cond delay="0"/>
+                                          </p:stCondLst>
+                                        </p:cTn>
+                                        <p:tgtEl>
+                                          <p:spTgt spid="19"/>
+                                        </p:tgtEl>
+                                        <p:attrNameLst>
+                                          <p:attrName>style.visibility</p:attrName>
+                                        </p:attrNameLst>
+                                      </p:cBhvr>
+                                      <p:to>
+                                        <p:strVal val="visible"/>
+                                      </p:to>
+                                    </p:set>
+                                    <p:animEffect transition="in" filter="fade">
+                                      <p:cBhvr>
+                                        <p:cTn id="23" dur="500"/>
+                                        <p:tgtEl>
+                                          <p:spTgt spid="19"/>
+                                        </p:tgtEl>
+                                      </p:cBhvr>
+                                    </p:animEffect>
+                                  </p:childTnLst>
+                                </p:cTn>
+                              </p:par>
+                            </p:childTnLst>
+                          </p:cTn>
+                        </p:par>
+                      </p:childTnLst>
+                    </p:cTn>
+                  </p:par>
+                  <p:par>
+                    <p:cTn id="24" fill="hold">
+                      <p:stCondLst>
+                        <p:cond delay="indefinite"/>
+                      </p:stCondLst>
+                      <p:childTnLst>
+                        <p:par>
+                          <p:cTn id="25" fill="hold">
+                            <p:stCondLst>
+                              <p:cond delay="0"/>
+                            </p:stCondLst>
+                            <p:childTnLst>
+                              <p:par>
+                                <p:cTn id="26" presetID="10" presetClass="entr" presetSubtype="0" fill="hold" grpId="0" nodeType="clickEffect">
+                                  <p:stCondLst>
+                                    <p:cond delay="0"/>
+                                  </p:stCondLst>
+                                  <p:childTnLst>
+                                    <p:set>
+                                      <p:cBhvr>
+                                        <p:cTn id="27" dur="1" fill="hold">
                                           <p:stCondLst>
                                             <p:cond delay="0"/>
                                           </p:stCondLst>
@@ -10196,7 +10574,7 @@
                                     </p:set>
                                     <p:animEffect transition="in" filter="fade">
                                       <p:cBhvr>
-                                        <p:cTn id="12" dur="500"/>
+                                        <p:cTn id="28" dur="500"/>
                                         <p:tgtEl>
                                           <p:spTgt spid="26">
                                             <p:txEl>
@@ -10216,26 +10594,26 @@
                     </p:cTn>
                   </p:par>
                   <p:par>
-                    <p:cTn id="13" fill="hold">
+                    <p:cTn id="29" fill="hold">
                       <p:stCondLst>
                         <p:cond delay="indefinite"/>
                       </p:stCondLst>
                       <p:childTnLst>
                         <p:par>
-                          <p:cTn id="14" fill="hold">
+                          <p:cTn id="30" fill="hold">
                             <p:stCondLst>
                               <p:cond delay="0"/>
                             </p:stCondLst>
                             <p:childTnLst>
                               <p:par>
-                                <p:cTn id="15" presetID="10" presetClass="entr" presetSubtype="0" fill="hold" grpId="0" nodeType="clickEffect">
+                                <p:cTn id="31" presetID="10" presetClass="entr" presetSubtype="0" fill="hold" grpId="0" nodeType="clickEffect">
                                   <p:stCondLst>
                                     <p:cond delay="0"/>
                                   </p:stCondLst>
                                   <p:childTnLst>
                                     <p:set>
                                       <p:cBhvr>
-                                        <p:cTn id="16" dur="1" fill="hold">
+                                        <p:cTn id="32" dur="1" fill="hold">
                                           <p:stCondLst>
                                             <p:cond delay="0"/>
                                           </p:stCondLst>
@@ -10257,7 +10635,7 @@
                                     </p:set>
                                     <p:animEffect transition="in" filter="fade">
                                       <p:cBhvr>
-                                        <p:cTn id="17" dur="500"/>
+                                        <p:cTn id="33" dur="500"/>
                                         <p:tgtEl>
                                           <p:spTgt spid="26">
                                             <p:txEl>
@@ -10277,26 +10655,26 @@
                     </p:cTn>
                   </p:par>
                   <p:par>
-                    <p:cTn id="18" fill="hold">
+                    <p:cTn id="34" fill="hold">
                       <p:stCondLst>
                         <p:cond delay="indefinite"/>
                       </p:stCondLst>
                       <p:childTnLst>
                         <p:par>
-                          <p:cTn id="19" fill="hold">
+                          <p:cTn id="35" fill="hold">
                             <p:stCondLst>
                               <p:cond delay="0"/>
                             </p:stCondLst>
                             <p:childTnLst>
                               <p:par>
-                                <p:cTn id="20" presetID="10" presetClass="entr" presetSubtype="0" fill="hold" grpId="0" nodeType="clickEffect">
+                                <p:cTn id="36" presetID="10" presetClass="entr" presetSubtype="0" fill="hold" grpId="0" nodeType="clickEffect">
                                   <p:stCondLst>
                                     <p:cond delay="0"/>
                                   </p:stCondLst>
                                   <p:childTnLst>
                                     <p:set>
                                       <p:cBhvr>
-                                        <p:cTn id="21" dur="1" fill="hold">
+                                        <p:cTn id="37" dur="1" fill="hold">
                                           <p:stCondLst>
                                             <p:cond delay="0"/>
                                           </p:stCondLst>
@@ -10318,7 +10696,7 @@
                                     </p:set>
                                     <p:animEffect transition="in" filter="fade">
                                       <p:cBhvr>
-                                        <p:cTn id="22" dur="500"/>
+                                        <p:cTn id="38" dur="500"/>
                                         <p:tgtEl>
                                           <p:spTgt spid="26">
                                             <p:txEl>
@@ -10338,26 +10716,26 @@
                     </p:cTn>
                   </p:par>
                   <p:par>
-                    <p:cTn id="23" fill="hold">
+                    <p:cTn id="39" fill="hold">
                       <p:stCondLst>
                         <p:cond delay="indefinite"/>
                       </p:stCondLst>
                       <p:childTnLst>
                         <p:par>
-                          <p:cTn id="24" fill="hold">
+                          <p:cTn id="40" fill="hold">
                             <p:stCondLst>
                               <p:cond delay="0"/>
                             </p:stCondLst>
                             <p:childTnLst>
                               <p:par>
-                                <p:cTn id="25" presetID="10" presetClass="entr" presetSubtype="0" fill="hold" grpId="0" nodeType="clickEffect">
+                                <p:cTn id="41" presetID="10" presetClass="entr" presetSubtype="0" fill="hold" grpId="0" nodeType="clickEffect">
                                   <p:stCondLst>
                                     <p:cond delay="0"/>
                                   </p:stCondLst>
                                   <p:childTnLst>
                                     <p:set>
                                       <p:cBhvr>
-                                        <p:cTn id="26" dur="1" fill="hold">
+                                        <p:cTn id="42" dur="1" fill="hold">
                                           <p:stCondLst>
                                             <p:cond delay="0"/>
                                           </p:stCondLst>
@@ -10379,7 +10757,7 @@
                                     </p:set>
                                     <p:animEffect transition="in" filter="fade">
                                       <p:cBhvr>
-                                        <p:cTn id="27" dur="500"/>
+                                        <p:cTn id="43" dur="500"/>
                                         <p:tgtEl>
                                           <p:spTgt spid="26">
                                             <p:txEl>
@@ -10399,26 +10777,26 @@
                     </p:cTn>
                   </p:par>
                   <p:par>
-                    <p:cTn id="28" fill="hold">
+                    <p:cTn id="44" fill="hold">
                       <p:stCondLst>
                         <p:cond delay="indefinite"/>
                       </p:stCondLst>
                       <p:childTnLst>
                         <p:par>
-                          <p:cTn id="29" fill="hold">
+                          <p:cTn id="45" fill="hold">
                             <p:stCondLst>
                               <p:cond delay="0"/>
                             </p:stCondLst>
                             <p:childTnLst>
                               <p:par>
-                                <p:cTn id="30" presetID="10" presetClass="entr" presetSubtype="0" fill="hold" grpId="0" nodeType="clickEffect">
+                                <p:cTn id="46" presetID="10" presetClass="entr" presetSubtype="0" fill="hold" grpId="0" nodeType="clickEffect">
                                   <p:stCondLst>
                                     <p:cond delay="0"/>
                                   </p:stCondLst>
                                   <p:childTnLst>
                                     <p:set>
                                       <p:cBhvr>
-                                        <p:cTn id="31" dur="1" fill="hold">
+                                        <p:cTn id="47" dur="1" fill="hold">
                                           <p:stCondLst>
                                             <p:cond delay="0"/>
                                           </p:stCondLst>
@@ -10438,7 +10816,7 @@
                                     </p:set>
                                     <p:animEffect transition="in" filter="fade">
                                       <p:cBhvr>
-                                        <p:cTn id="32" dur="500"/>
+                                        <p:cTn id="48" dur="500"/>
                                         <p:tgtEl>
                                           <p:spTgt spid="28">
                                             <p:bg/>
@@ -10450,14 +10828,14 @@
                                 </p:cTn>
                               </p:par>
                               <p:par>
-                                <p:cTn id="33" presetID="10" presetClass="entr" presetSubtype="0" fill="hold" grpId="0" nodeType="withEffect">
+                                <p:cTn id="49" presetID="10" presetClass="entr" presetSubtype="0" fill="hold" grpId="0" nodeType="withEffect">
                                   <p:stCondLst>
                                     <p:cond delay="0"/>
                                   </p:stCondLst>
                                   <p:childTnLst>
                                     <p:set>
                                       <p:cBhvr>
-                                        <p:cTn id="34" dur="1" fill="hold">
+                                        <p:cTn id="50" dur="1" fill="hold">
                                           <p:stCondLst>
                                             <p:cond delay="0"/>
                                           </p:stCondLst>
@@ -10479,7 +10857,7 @@
                                     </p:set>
                                     <p:animEffect transition="in" filter="fade">
                                       <p:cBhvr>
-                                        <p:cTn id="35" dur="500"/>
+                                        <p:cTn id="51" dur="500"/>
                                         <p:tgtEl>
                                           <p:spTgt spid="28">
                                             <p:txEl>
@@ -10520,8 +10898,11 @@
       </p:par>
     </p:tnLst>
     <p:bldLst>
+      <p:bldP spid="25" grpId="0"/>
+      <p:bldP spid="27" grpId="0"/>
       <p:bldP spid="26" grpId="0" build="p"/>
       <p:bldP spid="28" grpId="0" build="p" animBg="1"/>
+      <p:bldP spid="19" grpId="0"/>
     </p:bldLst>
   </p:timing>
 </p:sld>
@@ -10589,7 +10970,7 @@
           <a:graphicData uri="http://schemas.openxmlformats.org/presentationml/2006/ole">
             <mc:AlternateContent xmlns:mc="http://schemas.openxmlformats.org/markup-compatibility/2006">
               <mc:Choice xmlns:v="urn:schemas-microsoft-com:vml" Requires="v">
-                <p:oleObj spid="_x0000_s1046" name="Equation" r:id="rId3" imgW="2184400" imgH="1143000" progId="Equation.3">
+                <p:oleObj spid="_x0000_s1050" name="Equation" r:id="rId3" imgW="2184400" imgH="1143000" progId="Equation.3">
                   <p:embed/>
                 </p:oleObj>
               </mc:Choice>
@@ -11410,7 +11791,7 @@
           <a:graphicData uri="http://schemas.openxmlformats.org/presentationml/2006/ole">
             <mc:AlternateContent xmlns:mc="http://schemas.openxmlformats.org/markup-compatibility/2006">
               <mc:Choice xmlns:v="urn:schemas-microsoft-com:vml" Requires="v">
-                <p:oleObj spid="_x0000_s2071" name="Equation" r:id="rId3" imgW="2197100" imgH="1143000" progId="Equation.3">
+                <p:oleObj spid="_x0000_s2075" name="Equation" r:id="rId3" imgW="2197100" imgH="1143000" progId="Equation.3">
                   <p:embed/>
                 </p:oleObj>
               </mc:Choice>
@@ -11971,7 +12352,7 @@
           <a:graphicData uri="http://schemas.openxmlformats.org/presentationml/2006/ole">
             <mc:AlternateContent xmlns:mc="http://schemas.openxmlformats.org/markup-compatibility/2006">
               <mc:Choice xmlns:v="urn:schemas-microsoft-com:vml" Requires="v">
-                <p:oleObj spid="_x0000_s3094" name="Equation" r:id="rId3" imgW="2463800" imgH="1181100" progId="Equation.3">
+                <p:oleObj spid="_x0000_s3098" name="Equation" r:id="rId3" imgW="2463800" imgH="1181100" progId="Equation.3">
                   <p:embed/>
                 </p:oleObj>
               </mc:Choice>
@@ -18435,15 +18816,15 @@
             </a:r>
             <a:r>
               <a:rPr lang="en-US" dirty="0" smtClean="0"/>
-              <a:t> show if LWE is A1, </a:t>
-            </a:r>
-            <a:r>
-              <a:rPr lang="en-US" dirty="0" err="1" smtClean="0"/>
-              <a:t>Asecure</a:t>
+              <a:t> show if LWE is </a:t>
             </a:r>
             <a:r>
               <a:rPr lang="en-US" dirty="0" smtClean="0"/>
-              <a:t> on n dimensions, </a:t>
+              <a:t>secure </a:t>
+            </a:r>
+            <a:r>
+              <a:rPr lang="en-US" dirty="0" smtClean="0"/>
+              <a:t>on n dimensions, </a:t>
             </a:r>
             <a:br>
               <a:rPr lang="en-US" dirty="0" smtClean="0"/>
@@ -21957,11 +22338,11 @@
           <a:p>
             <a:pPr lvl="2"/>
             <a:r>
-              <a:rPr lang="en-US" i="1" dirty="0">
+              <a:rPr lang="en-US" i="1" dirty="0" smtClean="0">
                 <a:latin typeface="Times New Roman" charset="0"/>
                 <a:cs typeface="Times New Roman" charset="0"/>
               </a:rPr>
-              <a:t>Key</a:t>
+              <a:t>Gen</a:t>
             </a:r>
             <a:r>
               <a:rPr lang="en-US" dirty="0" smtClean="0">
@@ -22006,11 +22387,11 @@
               <a:t>= </a:t>
             </a:r>
             <a:r>
-              <a:rPr lang="en-US" i="1" dirty="0">
+              <a:rPr lang="en-US" i="1" dirty="0" smtClean="0">
                 <a:latin typeface="Times New Roman" charset="0"/>
                 <a:cs typeface="Times New Roman" charset="0"/>
               </a:rPr>
-              <a:t>Key</a:t>
+              <a:t>Gen</a:t>
             </a:r>
             <a:r>
               <a:rPr lang="en-US" dirty="0" smtClean="0">
@@ -22070,44 +22451,50 @@
               <a:t>Different </a:t>
             </a:r>
             <a:r>
+              <a:rPr lang="en-US" dirty="0" smtClean="0">
+                <a:latin typeface="Arial" charset="0"/>
+              </a:rPr>
+              <a:t>samples from source </a:t>
+            </a:r>
+            <a:r>
+              <a:rPr lang="en-US" i="1" dirty="0" smtClean="0">
+                <a:latin typeface="Arial" charset="0"/>
+              </a:rPr>
+              <a:t>must</a:t>
+            </a:r>
+            <a:r>
+              <a:rPr lang="en-US" dirty="0" smtClean="0">
+                <a:latin typeface="Arial" charset="0"/>
+              </a:rPr>
+              <a:t> </a:t>
+            </a:r>
+            <a:r>
               <a:rPr lang="en-US" dirty="0">
                 <a:latin typeface="Arial" charset="0"/>
               </a:rPr>
-              <a:t>images </a:t>
+              <a:t>map to different and </a:t>
             </a:r>
             <a:r>
               <a:rPr lang="en-US" i="1" dirty="0">
                 <a:latin typeface="Arial" charset="0"/>
               </a:rPr>
-              <a:t>must</a:t>
+              <a:t>independent </a:t>
             </a:r>
             <a:r>
               <a:rPr lang="en-US" dirty="0">
                 <a:latin typeface="Arial" charset="0"/>
               </a:rPr>
-              <a:t> map to different and </a:t>
-            </a:r>
-            <a:r>
-              <a:rPr lang="en-US" i="1" dirty="0">
-                <a:latin typeface="Arial" charset="0"/>
-              </a:rPr>
-              <a:t>independent </a:t>
-            </a:r>
-            <a:r>
-              <a:rPr lang="en-US" dirty="0">
-                <a:latin typeface="Arial" charset="0"/>
-              </a:rPr>
               <a:t>keys</a:t>
             </a:r>
           </a:p>
           <a:p>
             <a:pPr lvl="1"/>
             <a:r>
-              <a:rPr lang="en-US" i="1" dirty="0">
+              <a:rPr lang="en-US" i="1" dirty="0" smtClean="0">
                 <a:latin typeface="Times New Roman" charset="0"/>
                 <a:cs typeface="Times New Roman" charset="0"/>
               </a:rPr>
-              <a:t>Key</a:t>
+              <a:t>Gen</a:t>
             </a:r>
             <a:r>
               <a:rPr lang="en-US" dirty="0" smtClean="0">
@@ -22156,7 +22543,7 @@
                 <a:latin typeface="Times New Roman" charset="0"/>
                 <a:cs typeface="Times New Roman" charset="0"/>
               </a:rPr>
-              <a:t>Key</a:t>
+              <a:t>Gen</a:t>
             </a:r>
             <a:r>
               <a:rPr lang="en-US" dirty="0" smtClean="0">
@@ -27287,11 +27674,7 @@
             </a:pPr>
             <a:r>
               <a:rPr lang="en-US" sz="2000" dirty="0" smtClean="0"/>
-              <a:t>Sample </a:t>
-            </a:r>
-            <a:r>
-              <a:rPr lang="en-US" sz="2000" dirty="0" smtClean="0"/>
-              <a:t>uniformly</a:t>
+              <a:t>Sample uniformly</a:t>
             </a:r>
           </a:p>
           <a:p>
@@ -27400,7 +27783,7 @@
           <p:nvPr>
             <p:extLst>
               <p:ext uri="{D42A27DB-BD31-4B8C-83A1-F6EECF244321}">
-                <p14:modId xmlns:p14="http://schemas.microsoft.com/office/powerpoint/2010/main" val="1892634492"/>
+                <p14:modId xmlns:p14="http://schemas.microsoft.com/office/powerpoint/2010/main" val="1371651403"/>
               </p:ext>
             </p:extLst>
           </p:nvPr>
@@ -27413,7 +27796,7 @@
           <a:graphicData uri="http://schemas.openxmlformats.org/presentationml/2006/ole">
             <mc:AlternateContent xmlns:mc="http://schemas.openxmlformats.org/markup-compatibility/2006">
               <mc:Choice xmlns:v="urn:schemas-microsoft-com:vml" Requires="v">
-                <p:oleObj spid="_x0000_s12316" name="Equation" r:id="rId4" imgW="1130300" imgH="254000" progId="Equation.3">
+                <p:oleObj spid="_x0000_s12329" name="Equation" r:id="rId4" imgW="1130300" imgH="254000" progId="Equation.3">
                   <p:embed/>
                 </p:oleObj>
               </mc:Choice>
@@ -27457,7 +27840,7 @@
           <p:nvPr>
             <p:extLst>
               <p:ext uri="{D42A27DB-BD31-4B8C-83A1-F6EECF244321}">
-                <p14:modId xmlns:p14="http://schemas.microsoft.com/office/powerpoint/2010/main" val="3426169855"/>
+                <p14:modId xmlns:p14="http://schemas.microsoft.com/office/powerpoint/2010/main" val="1054148597"/>
               </p:ext>
             </p:extLst>
           </p:nvPr>
@@ -27470,7 +27853,7 @@
           <a:graphicData uri="http://schemas.openxmlformats.org/presentationml/2006/ole">
             <mc:AlternateContent xmlns:mc="http://schemas.openxmlformats.org/markup-compatibility/2006">
               <mc:Choice xmlns:v="urn:schemas-microsoft-com:vml" Requires="v">
-                <p:oleObj spid="_x0000_s12317" name="Equation" r:id="rId6" imgW="990600" imgH="457200" progId="Equation.3">
+                <p:oleObj spid="_x0000_s12330" name="Equation" r:id="rId6" imgW="990600" imgH="457200" progId="Equation.3">
                   <p:embed/>
                 </p:oleObj>
               </mc:Choice>
@@ -27669,7 +28052,6 @@
               <a:rPr lang="en-US" sz="2000" dirty="0" smtClean="0"/>
               <a:t>3. ???</a:t>
             </a:r>
-            <a:endParaRPr lang="en-US" sz="2000" dirty="0" smtClean="0"/>
           </a:p>
         </p:txBody>
       </p:sp>
@@ -27739,7 +28121,7 @@
           <a:graphicData uri="http://schemas.openxmlformats.org/presentationml/2006/ole">
             <mc:AlternateContent xmlns:mc="http://schemas.openxmlformats.org/markup-compatibility/2006">
               <mc:Choice xmlns:v="urn:schemas-microsoft-com:vml" Requires="v">
-                <p:oleObj spid="_x0000_s12318" name="Equation" r:id="rId8" imgW="901700" imgH="215900" progId="Equation.3">
+                <p:oleObj spid="_x0000_s12331" name="Equation" r:id="rId8" imgW="901700" imgH="215900" progId="Equation.3">
                   <p:embed/>
                 </p:oleObj>
               </mc:Choice>
@@ -27796,7 +28178,7 @@
           <a:graphicData uri="http://schemas.openxmlformats.org/presentationml/2006/ole">
             <mc:AlternateContent xmlns:mc="http://schemas.openxmlformats.org/markup-compatibility/2006">
               <mc:Choice xmlns:v="urn:schemas-microsoft-com:vml" Requires="v">
-                <p:oleObj spid="_x0000_s12319" name="Equation" r:id="rId10" imgW="1409700" imgH="215900" progId="Equation.3">
+                <p:oleObj spid="_x0000_s12332" name="Equation" r:id="rId10" imgW="1409700" imgH="215900" progId="Equation.3">
                   <p:embed/>
                 </p:oleObj>
               </mc:Choice>
@@ -29314,17 +29696,6 @@
               </a:rPr>
               <a:t>1</a:t>
             </a:r>
-            <a:endParaRPr kumimoji="0" lang="en-US" sz="3600" b="1" u="none" strike="noStrike" cap="none" normalizeH="0" baseline="-25000" dirty="0" smtClean="0">
-              <a:ln>
-                <a:noFill/>
-              </a:ln>
-              <a:solidFill>
-                <a:schemeClr val="tx1"/>
-              </a:solidFill>
-              <a:effectLst/>
-              <a:latin typeface="Times New Roman"/>
-              <a:cs typeface="Times New Roman"/>
-            </a:endParaRPr>
           </a:p>
         </p:txBody>
       </p:sp>
@@ -30912,11 +31283,7 @@
             </a:pPr>
             <a:r>
               <a:rPr lang="en-US" sz="2000" dirty="0" smtClean="0"/>
-              <a:t>Sample </a:t>
-            </a:r>
-            <a:r>
-              <a:rPr lang="en-US" sz="2000" dirty="0" smtClean="0"/>
-              <a:t>uniformly</a:t>
+              <a:t>Sample uniformly</a:t>
             </a:r>
           </a:p>
           <a:p>
@@ -31038,7 +31405,7 @@
           <a:graphicData uri="http://schemas.openxmlformats.org/presentationml/2006/ole">
             <mc:AlternateContent xmlns:mc="http://schemas.openxmlformats.org/markup-compatibility/2006">
               <mc:Choice xmlns:v="urn:schemas-microsoft-com:vml" Requires="v">
-                <p:oleObj spid="_x0000_s15365" name="Equation" r:id="rId4" imgW="1130300" imgH="254000" progId="Equation.3">
+                <p:oleObj spid="_x0000_s15378" name="Equation" r:id="rId4" imgW="1130300" imgH="254000" progId="Equation.3">
                   <p:embed/>
                 </p:oleObj>
               </mc:Choice>
@@ -31095,7 +31462,7 @@
           <a:graphicData uri="http://schemas.openxmlformats.org/presentationml/2006/ole">
             <mc:AlternateContent xmlns:mc="http://schemas.openxmlformats.org/markup-compatibility/2006">
               <mc:Choice xmlns:v="urn:schemas-microsoft-com:vml" Requires="v">
-                <p:oleObj spid="_x0000_s15366" name="Equation" r:id="rId6" imgW="990600" imgH="457200" progId="Equation.3">
+                <p:oleObj spid="_x0000_s15379" name="Equation" r:id="rId6" imgW="990600" imgH="457200" progId="Equation.3">
                   <p:embed/>
                 </p:oleObj>
               </mc:Choice>
@@ -31414,7 +31781,7 @@
           <a:graphicData uri="http://schemas.openxmlformats.org/presentationml/2006/ole">
             <mc:AlternateContent xmlns:mc="http://schemas.openxmlformats.org/markup-compatibility/2006">
               <mc:Choice xmlns:v="urn:schemas-microsoft-com:vml" Requires="v">
-                <p:oleObj spid="_x0000_s15367" name="Equation" r:id="rId8" imgW="901700" imgH="215900" progId="Equation.3">
+                <p:oleObj spid="_x0000_s15380" name="Equation" r:id="rId8" imgW="901700" imgH="215900" progId="Equation.3">
                   <p:embed/>
                 </p:oleObj>
               </mc:Choice>
@@ -31471,7 +31838,7 @@
           <a:graphicData uri="http://schemas.openxmlformats.org/presentationml/2006/ole">
             <mc:AlternateContent xmlns:mc="http://schemas.openxmlformats.org/markup-compatibility/2006">
               <mc:Choice xmlns:v="urn:schemas-microsoft-com:vml" Requires="v">
-                <p:oleObj spid="_x0000_s15368" name="Equation" r:id="rId10" imgW="1409700" imgH="215900" progId="Equation.3">
+                <p:oleObj spid="_x0000_s15381" name="Equation" r:id="rId10" imgW="1409700" imgH="215900" progId="Equation.3">
                   <p:embed/>
                 </p:oleObj>
               </mc:Choice>
@@ -31980,7 +32347,7 @@
           <p:nvPr>
             <p:extLst>
               <p:ext uri="{D42A27DB-BD31-4B8C-83A1-F6EECF244321}">
-                <p14:modId xmlns:p14="http://schemas.microsoft.com/office/powerpoint/2010/main" val="4274697422"/>
+                <p14:modId xmlns:p14="http://schemas.microsoft.com/office/powerpoint/2010/main" val="2784208987"/>
               </p:ext>
             </p:extLst>
           </p:nvPr>
@@ -31993,7 +32360,7 @@
           <a:graphicData uri="http://schemas.openxmlformats.org/presentationml/2006/ole">
             <mc:AlternateContent xmlns:mc="http://schemas.openxmlformats.org/markup-compatibility/2006">
               <mc:Choice xmlns:v="urn:schemas-microsoft-com:vml" Requires="v">
-                <p:oleObj spid="_x0000_s17410" name="Equation" r:id="rId3" imgW="1905000" imgH="457200" progId="Equation.3">
+                <p:oleObj spid="_x0000_s17414" name="Equation" r:id="rId3" imgW="1905000" imgH="457200" progId="Equation.3">
                   <p:embed/>
                 </p:oleObj>
               </mc:Choice>
@@ -32808,10 +33175,6 @@
               </a:rPr>
               <a:t>Extend security for block-fixing sources</a:t>
             </a:r>
-            <a:endParaRPr lang="en-US" sz="1600" b="1" dirty="0" smtClean="0">
-              <a:latin typeface="Calibri"/>
-              <a:cs typeface="Calibri"/>
-            </a:endParaRPr>
           </a:p>
           <a:p>
             <a:endParaRPr lang="en-US" sz="1600" dirty="0" smtClean="0">
@@ -32901,11 +33264,7 @@
             </a:pPr>
             <a:r>
               <a:rPr lang="en-US" sz="2000" dirty="0" smtClean="0"/>
-              <a:t>Sample </a:t>
-            </a:r>
-            <a:r>
-              <a:rPr lang="en-US" sz="2000" dirty="0" smtClean="0"/>
-              <a:t>uniformly</a:t>
+              <a:t>Sample uniformly</a:t>
             </a:r>
           </a:p>
           <a:p>
@@ -33027,7 +33386,7 @@
           <a:graphicData uri="http://schemas.openxmlformats.org/presentationml/2006/ole">
             <mc:AlternateContent xmlns:mc="http://schemas.openxmlformats.org/markup-compatibility/2006">
               <mc:Choice xmlns:v="urn:schemas-microsoft-com:vml" Requires="v">
-                <p:oleObj spid="_x0000_s16400" name="Equation" r:id="rId4" imgW="1130300" imgH="254000" progId="Equation.3">
+                <p:oleObj spid="_x0000_s16416" name="Equation" r:id="rId4" imgW="1130300" imgH="254000" progId="Equation.3">
                   <p:embed/>
                 </p:oleObj>
               </mc:Choice>
@@ -33084,7 +33443,7 @@
           <a:graphicData uri="http://schemas.openxmlformats.org/presentationml/2006/ole">
             <mc:AlternateContent xmlns:mc="http://schemas.openxmlformats.org/markup-compatibility/2006">
               <mc:Choice xmlns:v="urn:schemas-microsoft-com:vml" Requires="v">
-                <p:oleObj spid="_x0000_s16401" name="Equation" r:id="rId6" imgW="990600" imgH="457200" progId="Equation.3">
+                <p:oleObj spid="_x0000_s16417" name="Equation" r:id="rId6" imgW="990600" imgH="457200" progId="Equation.3">
                   <p:embed/>
                 </p:oleObj>
               </mc:Choice>
@@ -33403,7 +33762,7 @@
           <a:graphicData uri="http://schemas.openxmlformats.org/presentationml/2006/ole">
             <mc:AlternateContent xmlns:mc="http://schemas.openxmlformats.org/markup-compatibility/2006">
               <mc:Choice xmlns:v="urn:schemas-microsoft-com:vml" Requires="v">
-                <p:oleObj spid="_x0000_s16402" name="Equation" r:id="rId8" imgW="901700" imgH="215900" progId="Equation.3">
+                <p:oleObj spid="_x0000_s16418" name="Equation" r:id="rId8" imgW="901700" imgH="215900" progId="Equation.3">
                   <p:embed/>
                 </p:oleObj>
               </mc:Choice>
@@ -33460,7 +33819,7 @@
           <a:graphicData uri="http://schemas.openxmlformats.org/presentationml/2006/ole">
             <mc:AlternateContent xmlns:mc="http://schemas.openxmlformats.org/markup-compatibility/2006">
               <mc:Choice xmlns:v="urn:schemas-microsoft-com:vml" Requires="v">
-                <p:oleObj spid="_x0000_s16403" name="Equation" r:id="rId10" imgW="1409700" imgH="215900" progId="Equation.3">
+                <p:oleObj spid="_x0000_s16419" name="Equation" r:id="rId10" imgW="1409700" imgH="215900" progId="Equation.3">
                   <p:embed/>
                 </p:oleObj>
               </mc:Choice>
@@ -33627,7 +33986,7 @@
             <a:graphicData uri="http://schemas.openxmlformats.org/presentationml/2006/ole">
               <mc:AlternateContent xmlns:mc="http://schemas.openxmlformats.org/markup-compatibility/2006">
                 <mc:Choice xmlns:v="urn:schemas-microsoft-com:vml" Requires="v">
-                  <p:oleObj spid="_x0000_s16404" name="Equation" r:id="rId12" imgW="685800" imgH="533400" progId="Equation.3">
+                  <p:oleObj spid="_x0000_s16420" name="Equation" r:id="rId12" imgW="685800" imgH="533400" progId="Equation.3">
                     <p:embed/>
                   </p:oleObj>
                 </mc:Choice>
@@ -34149,7 +34508,7 @@
           <a:graphicData uri="http://schemas.openxmlformats.org/presentationml/2006/ole">
             <mc:AlternateContent xmlns:mc="http://schemas.openxmlformats.org/markup-compatibility/2006">
               <mc:Choice xmlns:v="urn:schemas-microsoft-com:vml" Requires="v">
-                <p:oleObj spid="_x0000_s18442" name="Equation" r:id="rId3" imgW="749300" imgH="723900" progId="Equation.3">
+                <p:oleObj spid="_x0000_s18455" name="Equation" r:id="rId3" imgW="749300" imgH="723900" progId="Equation.3">
                   <p:embed/>
                 </p:oleObj>
               </mc:Choice>
@@ -34206,7 +34565,7 @@
           <a:graphicData uri="http://schemas.openxmlformats.org/presentationml/2006/ole">
             <mc:AlternateContent xmlns:mc="http://schemas.openxmlformats.org/markup-compatibility/2006">
               <mc:Choice xmlns:v="urn:schemas-microsoft-com:vml" Requires="v">
-                <p:oleObj spid="_x0000_s18443" name="Equation" r:id="rId5" imgW="1485900" imgH="1041400" progId="Equation.3">
+                <p:oleObj spid="_x0000_s18456" name="Equation" r:id="rId5" imgW="1485900" imgH="1041400" progId="Equation.3">
                   <p:embed/>
                 </p:oleObj>
               </mc:Choice>
@@ -34263,7 +34622,7 @@
           <a:graphicData uri="http://schemas.openxmlformats.org/presentationml/2006/ole">
             <mc:AlternateContent xmlns:mc="http://schemas.openxmlformats.org/markup-compatibility/2006">
               <mc:Choice xmlns:v="urn:schemas-microsoft-com:vml" Requires="v">
-                <p:oleObj spid="_x0000_s18444" name="Equation" r:id="rId7" imgW="1257300" imgH="215900" progId="Equation.3">
+                <p:oleObj spid="_x0000_s18457" name="Equation" r:id="rId7" imgW="1257300" imgH="215900" progId="Equation.3">
                   <p:embed/>
                 </p:oleObj>
               </mc:Choice>
@@ -34307,25 +34666,25 @@
           <p:nvPr>
             <p:extLst>
               <p:ext uri="{D42A27DB-BD31-4B8C-83A1-F6EECF244321}">
-                <p14:modId xmlns:p14="http://schemas.microsoft.com/office/powerpoint/2010/main" val="959609754"/>
+                <p14:modId xmlns:p14="http://schemas.microsoft.com/office/powerpoint/2010/main" val="3322641654"/>
               </p:ext>
             </p:extLst>
           </p:nvPr>
         </p:nvGraphicFramePr>
         <p:xfrm>
-          <a:off x="4580465" y="5232400"/>
-          <a:ext cx="2754313" cy="454025"/>
+          <a:off x="4606620" y="5232400"/>
+          <a:ext cx="2968625" cy="454025"/>
         </p:xfrm>
         <a:graphic>
           <a:graphicData uri="http://schemas.openxmlformats.org/presentationml/2006/ole">
             <mc:AlternateContent xmlns:mc="http://schemas.openxmlformats.org/markup-compatibility/2006">
               <mc:Choice xmlns:v="urn:schemas-microsoft-com:vml" Requires="v">
-                <p:oleObj spid="_x0000_s18445" name="Equation" r:id="rId9" imgW="1308100" imgH="215900" progId="Equation.3">
+                <p:oleObj spid="_x0000_s18458" name="Equation" r:id="rId9" imgW="1409700" imgH="215900" progId="Equation.3">
                   <p:embed/>
                 </p:oleObj>
               </mc:Choice>
               <mc:Fallback>
-                <p:oleObj name="Equation" r:id="rId9" imgW="1308100" imgH="215900" progId="Equation.3">
+                <p:oleObj name="Equation" r:id="rId9" imgW="1409700" imgH="215900" progId="Equation.3">
                   <p:embed/>
                   <p:pic>
                     <p:nvPicPr>
@@ -34341,8 +34700,8 @@
                     </p:blipFill>
                     <p:spPr>
                       <a:xfrm>
-                        <a:off x="4580465" y="5232400"/>
-                        <a:ext cx="2754313" cy="454025"/>
+                        <a:off x="4606620" y="5232400"/>
+                        <a:ext cx="2968625" cy="454025"/>
                       </a:xfrm>
                       <a:prstGeom prst="rect">
                         <a:avLst/>
@@ -35229,10 +35588,6 @@
               </a:rPr>
               <a:t>Extend security for block-fixing sources</a:t>
             </a:r>
-            <a:endParaRPr lang="en-US" sz="1600" b="1" dirty="0" smtClean="0">
-              <a:latin typeface="Calibri"/>
-              <a:cs typeface="Calibri"/>
-            </a:endParaRPr>
           </a:p>
           <a:p>
             <a:endParaRPr lang="en-US" sz="1600" dirty="0" smtClean="0">
@@ -35322,11 +35677,7 @@
             </a:pPr>
             <a:r>
               <a:rPr lang="en-US" sz="2000" dirty="0" smtClean="0"/>
-              <a:t>Sample </a:t>
-            </a:r>
-            <a:r>
-              <a:rPr lang="en-US" sz="2000" dirty="0" smtClean="0"/>
-              <a:t>uniformly</a:t>
+              <a:t>Sample uniformly</a:t>
             </a:r>
           </a:p>
           <a:p>
@@ -35448,7 +35799,7 @@
           <a:graphicData uri="http://schemas.openxmlformats.org/presentationml/2006/ole">
             <mc:AlternateContent xmlns:mc="http://schemas.openxmlformats.org/markup-compatibility/2006">
               <mc:Choice xmlns:v="urn:schemas-microsoft-com:vml" Requires="v">
-                <p:oleObj spid="_x0000_s19462" name="Equation" r:id="rId4" imgW="1130300" imgH="254000" progId="Equation.3">
+                <p:oleObj spid="_x0000_s19478" name="Equation" r:id="rId4" imgW="1130300" imgH="254000" progId="Equation.3">
                   <p:embed/>
                 </p:oleObj>
               </mc:Choice>
@@ -35505,7 +35856,7 @@
           <a:graphicData uri="http://schemas.openxmlformats.org/presentationml/2006/ole">
             <mc:AlternateContent xmlns:mc="http://schemas.openxmlformats.org/markup-compatibility/2006">
               <mc:Choice xmlns:v="urn:schemas-microsoft-com:vml" Requires="v">
-                <p:oleObj spid="_x0000_s19463" name="Equation" r:id="rId6" imgW="990600" imgH="457200" progId="Equation.3">
+                <p:oleObj spid="_x0000_s19479" name="Equation" r:id="rId6" imgW="990600" imgH="457200" progId="Equation.3">
                   <p:embed/>
                 </p:oleObj>
               </mc:Choice>
@@ -35824,7 +36175,7 @@
           <a:graphicData uri="http://schemas.openxmlformats.org/presentationml/2006/ole">
             <mc:AlternateContent xmlns:mc="http://schemas.openxmlformats.org/markup-compatibility/2006">
               <mc:Choice xmlns:v="urn:schemas-microsoft-com:vml" Requires="v">
-                <p:oleObj spid="_x0000_s19464" name="Equation" r:id="rId8" imgW="901700" imgH="215900" progId="Equation.3">
+                <p:oleObj spid="_x0000_s19480" name="Equation" r:id="rId8" imgW="901700" imgH="215900" progId="Equation.3">
                   <p:embed/>
                 </p:oleObj>
               </mc:Choice>
@@ -35881,7 +36232,7 @@
           <a:graphicData uri="http://schemas.openxmlformats.org/presentationml/2006/ole">
             <mc:AlternateContent xmlns:mc="http://schemas.openxmlformats.org/markup-compatibility/2006">
               <mc:Choice xmlns:v="urn:schemas-microsoft-com:vml" Requires="v">
-                <p:oleObj spid="_x0000_s19465" name="Equation" r:id="rId10" imgW="1409700" imgH="215900" progId="Equation.3">
+                <p:oleObj spid="_x0000_s19481" name="Equation" r:id="rId10" imgW="1409700" imgH="215900" progId="Equation.3">
                   <p:embed/>
                 </p:oleObj>
               </mc:Choice>
@@ -36048,7 +36399,7 @@
             <a:graphicData uri="http://schemas.openxmlformats.org/presentationml/2006/ole">
               <mc:AlternateContent xmlns:mc="http://schemas.openxmlformats.org/markup-compatibility/2006">
                 <mc:Choice xmlns:v="urn:schemas-microsoft-com:vml" Requires="v">
-                  <p:oleObj spid="_x0000_s19466" name="Equation" r:id="rId12" imgW="685800" imgH="533400" progId="Equation.3">
+                  <p:oleObj spid="_x0000_s19482" name="Equation" r:id="rId12" imgW="685800" imgH="533400" progId="Equation.3">
                     <p:embed/>
                   </p:oleObj>
                 </mc:Choice>
@@ -36173,7 +36524,21 @@
                 <a:latin typeface="Times New Roman"/>
                 <a:cs typeface="Times New Roman"/>
               </a:rPr>
-              <a:t>(assuming enough blocks have are uniform)</a:t>
+              <a:t>(assuming enough blocks </a:t>
+            </a:r>
+            <a:r>
+              <a:rPr lang="en-US" sz="1800" b="1" dirty="0" smtClean="0">
+                <a:latin typeface="Times New Roman"/>
+                <a:cs typeface="Times New Roman"/>
+              </a:rPr>
+              <a:t>are </a:t>
+            </a:r>
+            <a:r>
+              <a:rPr lang="en-US" sz="1800" b="1" dirty="0" smtClean="0">
+                <a:latin typeface="Times New Roman"/>
+                <a:cs typeface="Times New Roman"/>
+              </a:rPr>
+              <a:t>uniform)</a:t>
             </a:r>
             <a:endParaRPr lang="en-US" sz="1800" b="1" dirty="0" smtClean="0"/>
           </a:p>
@@ -37491,8 +37856,26 @@
                 <a:latin typeface="Calibri"/>
                 <a:cs typeface="Calibri"/>
               </a:rPr>
-              <a:t>Base a lossless fuzzy extractor on another computational assumption</a:t>
-            </a:r>
+              <a:t>Base a lossless fuzzy extractor </a:t>
+            </a:r>
+            <a:r>
+              <a:rPr lang="en-US" smtClean="0">
+                <a:latin typeface="Calibri"/>
+                <a:cs typeface="Calibri"/>
+              </a:rPr>
+              <a:t>on </a:t>
+            </a:r>
+            <a:r>
+              <a:rPr lang="en-US" smtClean="0">
+                <a:latin typeface="Calibri"/>
+                <a:cs typeface="Calibri"/>
+              </a:rPr>
+              <a:t>other computational assumptions</a:t>
+            </a:r>
+            <a:endParaRPr lang="en-US" dirty="0" smtClean="0">
+              <a:latin typeface="Calibri"/>
+              <a:cs typeface="Calibri"/>
+            </a:endParaRPr>
           </a:p>
           <a:p>
             <a:endParaRPr lang="en-US" dirty="0">
@@ -37959,7 +38342,15 @@
           <a:p>
             <a:r>
               <a:rPr lang="en-US" sz="1600" dirty="0" smtClean="0"/>
-              <a:t>Error correction material should hide information should not reveal the source value</a:t>
+              <a:t>Error correction material should hide </a:t>
+            </a:r>
+            <a:r>
+              <a:rPr lang="en-US" sz="1600" dirty="0" smtClean="0"/>
+              <a:t>the </a:t>
+            </a:r>
+            <a:r>
+              <a:rPr lang="en-US" sz="1600" dirty="0" smtClean="0"/>
+              <a:t>source value</a:t>
             </a:r>
             <a:endParaRPr lang="en-US" sz="1600" dirty="0"/>
           </a:p>
@@ -38398,50 +38789,50 @@
                 <a:latin typeface="Times New Roman"/>
                 <a:cs typeface="Times New Roman"/>
               </a:rPr>
-              <a:t>’=Decode(</a:t>
-            </a:r>
-            <a:r>
-              <a:rPr lang="en-US" sz="1800" i="1" dirty="0" smtClean="0">
+              <a:t>’=Decode</a:t>
+            </a:r>
+            <a:r>
+              <a:rPr lang="en-US" sz="1800" dirty="0" smtClean="0">
+                <a:latin typeface="Times New Roman"/>
+                <a:cs typeface="Times New Roman"/>
+              </a:rPr>
+              <a:t>(</a:t>
+            </a:r>
+            <a:r>
+              <a:rPr lang="en-US" i="1" dirty="0" err="1" smtClean="0">
+                <a:latin typeface="Times New Roman"/>
+                <a:cs typeface="Times New Roman"/>
+              </a:rPr>
+              <a:t>ss</a:t>
+            </a:r>
+            <a:r>
+              <a:rPr lang="en-US" sz="1800" dirty="0" smtClean="0">
+                <a:latin typeface="Times New Roman"/>
+                <a:cs typeface="Times New Roman"/>
+              </a:rPr>
+              <a:t> </a:t>
+            </a:r>
+            <a:r>
+              <a:rPr lang="en-US" sz="1800" dirty="0" smtClean="0">
+                <a:latin typeface="Times New Roman"/>
+                <a:cs typeface="Times New Roman"/>
+                <a:sym typeface="Symbol"/>
+              </a:rPr>
+              <a:t> </a:t>
+            </a:r>
+            <a:r>
+              <a:rPr lang="en-US" i="1" dirty="0">
                 <a:latin typeface="Times New Roman"/>
                 <a:cs typeface="Times New Roman"/>
               </a:rPr>
               <a:t>w</a:t>
             </a:r>
             <a:r>
-              <a:rPr lang="en-US" sz="1800" baseline="-25000" dirty="0" smtClean="0">
+              <a:rPr lang="en-US" baseline="-25000" dirty="0">
                 <a:latin typeface="Times New Roman"/>
                 <a:cs typeface="Times New Roman"/>
               </a:rPr>
               <a:t>1</a:t>
-            </a:r>
-            <a:r>
-              <a:rPr lang="en-US" sz="1800" dirty="0" smtClean="0">
-                <a:latin typeface="Times New Roman"/>
-                <a:cs typeface="Times New Roman"/>
-              </a:rPr>
-              <a:t> </a:t>
-            </a:r>
-            <a:r>
-              <a:rPr lang="en-US" sz="1800" dirty="0" smtClean="0">
-                <a:latin typeface="Times New Roman"/>
-                <a:cs typeface="Times New Roman"/>
-                <a:sym typeface="Symbol"/>
-              </a:rPr>
-              <a:t></a:t>
-            </a:r>
-            <a:r>
-              <a:rPr lang="en-US" sz="1800" dirty="0" smtClean="0">
-                <a:latin typeface="Times New Roman"/>
-                <a:cs typeface="Times New Roman"/>
-              </a:rPr>
-              <a:t> </a:t>
-            </a:r>
-            <a:r>
-              <a:rPr lang="en-US" sz="1800" i="1" dirty="0" err="1" smtClean="0">
-                <a:latin typeface="Times New Roman"/>
-                <a:cs typeface="Times New Roman"/>
-              </a:rPr>
-              <a:t>ss</a:t>
             </a:r>
             <a:r>
               <a:rPr lang="en-US" sz="1800" dirty="0" smtClean="0">
@@ -38480,31 +38871,38 @@
           <a:lstStyle/>
           <a:p>
             <a:r>
-              <a:rPr lang="en-US" sz="1800" i="1" dirty="0" smtClean="0">
-                <a:latin typeface="Times New Roman"/>
-                <a:cs typeface="Times New Roman"/>
-              </a:rPr>
-              <a:t>w</a:t>
-            </a:r>
-            <a:r>
-              <a:rPr lang="en-US" sz="1800" i="1" baseline="-25000" dirty="0" smtClean="0">
-                <a:latin typeface="Times New Roman"/>
-                <a:cs typeface="Times New Roman"/>
-              </a:rPr>
-              <a:t>1</a:t>
+              <a:rPr lang="en-US" i="1" dirty="0" err="1" smtClean="0">
+                <a:latin typeface="Times New Roman"/>
+                <a:cs typeface="Times New Roman"/>
+              </a:rPr>
+              <a:t>ss</a:t>
+            </a:r>
+            <a:r>
+              <a:rPr lang="en-US" i="1" dirty="0" smtClean="0">
+                <a:latin typeface="Times New Roman"/>
+                <a:cs typeface="Times New Roman"/>
+              </a:rPr>
+              <a:t> </a:t>
             </a:r>
             <a:r>
               <a:rPr lang="en-US" sz="1800" dirty="0" smtClean="0">
                 <a:sym typeface="Symbol"/>
               </a:rPr>
-              <a:t>  </a:t>
-            </a:r>
-            <a:r>
-              <a:rPr lang="en-US" sz="1800" i="1" dirty="0" err="1" smtClean="0">
-                <a:latin typeface="Times New Roman"/>
-                <a:cs typeface="Times New Roman"/>
-              </a:rPr>
-              <a:t>ss</a:t>
+              <a:t> </a:t>
+            </a:r>
+            <a:r>
+              <a:rPr lang="en-US" i="1" dirty="0" smtClean="0">
+                <a:latin typeface="Times New Roman"/>
+                <a:cs typeface="Times New Roman"/>
+              </a:rPr>
+              <a:t>w</a:t>
+            </a:r>
+            <a:r>
+              <a:rPr lang="en-US" i="1" baseline="-25000" dirty="0" smtClean="0">
+                <a:latin typeface="Times New Roman"/>
+                <a:cs typeface="Times New Roman"/>
+              </a:rPr>
+              <a:t>1</a:t>
             </a:r>
             <a:endParaRPr lang="en-US" sz="1800" i="1" dirty="0">
               <a:latin typeface="Times New Roman"/>
@@ -38547,14 +38945,28 @@
                 <a:latin typeface="Times New Roman"/>
                 <a:cs typeface="Times New Roman"/>
               </a:rPr>
-              <a:t>=w</a:t>
-            </a:r>
-            <a:r>
-              <a:rPr lang="en-US" sz="1800" baseline="-25000" dirty="0" smtClean="0">
-                <a:latin typeface="Times New Roman"/>
-                <a:cs typeface="Times New Roman"/>
-              </a:rPr>
-              <a:t>0</a:t>
+              <a:t>=</a:t>
+            </a:r>
+            <a:r>
+              <a:rPr lang="en-US" dirty="0">
+                <a:latin typeface="Times New Roman"/>
+                <a:cs typeface="Times New Roman"/>
+              </a:rPr>
+              <a:t>Encode(</a:t>
+            </a:r>
+            <a:r>
+              <a:rPr lang="en-US" i="1" dirty="0">
+                <a:latin typeface="Times New Roman"/>
+                <a:cs typeface="Times New Roman"/>
+              </a:rPr>
+              <a:t>x</a:t>
+            </a:r>
+            <a:r>
+              <a:rPr lang="en-US" dirty="0" smtClean="0">
+                <a:latin typeface="Times New Roman"/>
+                <a:cs typeface="Times New Roman"/>
+              </a:rPr>
+              <a:t>)</a:t>
             </a:r>
             <a:r>
               <a:rPr lang="en-US" sz="1800" i="1" dirty="0" smtClean="0">
@@ -38567,35 +38979,21 @@
               <a:rPr lang="en-US" sz="1800" dirty="0" smtClean="0">
                 <a:sym typeface="Symbol"/>
               </a:rPr>
-              <a:t></a:t>
-            </a:r>
-            <a:r>
-              <a:rPr lang="en-US" sz="1800" i="1" dirty="0" smtClean="0">
-                <a:latin typeface="Times New Roman"/>
-                <a:cs typeface="Times New Roman"/>
-              </a:rPr>
-              <a:t> </a:t>
-            </a:r>
-            <a:r>
-              <a:rPr lang="en-US" sz="1800" dirty="0" smtClean="0">
-                <a:latin typeface="Times New Roman"/>
-                <a:cs typeface="Times New Roman"/>
-              </a:rPr>
-              <a:t>Encode(</a:t>
-            </a:r>
-            <a:r>
-              <a:rPr lang="en-US" sz="1800" i="1" dirty="0" smtClean="0">
-                <a:latin typeface="Times New Roman"/>
-                <a:cs typeface="Times New Roman"/>
-              </a:rPr>
-              <a:t>r</a:t>
-            </a:r>
-            <a:r>
-              <a:rPr lang="en-US" sz="1800" dirty="0" smtClean="0">
-                <a:latin typeface="Times New Roman"/>
-                <a:cs typeface="Times New Roman"/>
-              </a:rPr>
-              <a:t>)</a:t>
+              <a:t> </a:t>
+            </a:r>
+            <a:r>
+              <a:rPr lang="en-US" i="1" dirty="0" smtClean="0">
+                <a:latin typeface="Times New Roman"/>
+                <a:cs typeface="Times New Roman"/>
+              </a:rPr>
+              <a:t>w</a:t>
+            </a:r>
+            <a:r>
+              <a:rPr lang="en-US" baseline="-25000" dirty="0" smtClean="0">
+                <a:latin typeface="Times New Roman"/>
+                <a:cs typeface="Times New Roman"/>
+              </a:rPr>
+              <a:t>0</a:t>
             </a:r>
             <a:endParaRPr lang="en-US" sz="1800" dirty="0">
               <a:latin typeface="Times New Roman"/>
@@ -38645,14 +39043,21 @@
                 <a:latin typeface="Times New Roman"/>
                 <a:cs typeface="Times New Roman"/>
               </a:rPr>
-              <a:t>Encode(</a:t>
+              <a:t>Encode</a:t>
+            </a:r>
+            <a:r>
+              <a:rPr lang="en-US" sz="1800" dirty="0" smtClean="0">
+                <a:latin typeface="Times New Roman"/>
+                <a:cs typeface="Times New Roman"/>
+              </a:rPr>
+              <a:t>(</a:t>
             </a:r>
             <a:r>
               <a:rPr lang="en-US" sz="1800" i="1" dirty="0" smtClean="0">
                 <a:latin typeface="Times New Roman"/>
                 <a:cs typeface="Times New Roman"/>
               </a:rPr>
-              <a:t>r</a:t>
+              <a:t>x</a:t>
             </a:r>
             <a:r>
               <a:rPr lang="en-US" sz="1800" dirty="0" smtClean="0">
@@ -38868,8 +39273,8 @@
         </p:nvSpPr>
         <p:spPr bwMode="auto">
           <a:xfrm>
-            <a:off x="3765176" y="5608662"/>
-            <a:ext cx="5318969" cy="1060236"/>
+            <a:off x="3156858" y="5418667"/>
+            <a:ext cx="5927288" cy="1250231"/>
           </a:xfrm>
           <a:prstGeom prst="roundRect">
             <a:avLst>
@@ -39001,8 +39406,13 @@
               <a:rPr lang="en-US" sz="1800" b="1" dirty="0" smtClean="0"/>
               <a:t>,</a:t>
             </a:r>
-            <a:r>
-              <a:rPr lang="en-US" b="1" dirty="0"/>
+          </a:p>
+          <a:p>
+            <a:pPr>
+              <a:defRPr/>
+            </a:pPr>
+            <a:r>
+              <a:rPr lang="en-US" b="1" dirty="0" smtClean="0"/>
               <a:t> </a:t>
             </a:r>
             <a:r>
@@ -39059,25 +39469,25 @@
           <p:nvPr>
             <p:extLst>
               <p:ext uri="{D42A27DB-BD31-4B8C-83A1-F6EECF244321}">
-                <p14:modId xmlns:p14="http://schemas.microsoft.com/office/powerpoint/2010/main" val="372417595"/>
+                <p14:modId xmlns:p14="http://schemas.microsoft.com/office/powerpoint/2010/main" val="1086502414"/>
               </p:ext>
             </p:extLst>
           </p:nvPr>
         </p:nvGraphicFramePr>
         <p:xfrm>
-          <a:off x="3837760" y="6272213"/>
-          <a:ext cx="4297363" cy="398462"/>
+          <a:off x="3827463" y="6272213"/>
+          <a:ext cx="4318000" cy="398462"/>
         </p:xfrm>
         <a:graphic>
           <a:graphicData uri="http://schemas.openxmlformats.org/presentationml/2006/ole">
             <mc:AlternateContent xmlns:mc="http://schemas.openxmlformats.org/markup-compatibility/2006">
               <mc:Choice xmlns:v="urn:schemas-microsoft-com:vml" Requires="v">
-                <p:oleObj spid="_x0000_s6167" name="Equation" r:id="rId4" imgW="2603500" imgH="241300" progId="Equation.3">
+                <p:oleObj spid="_x0000_s6171" name="Equation" r:id="rId4" imgW="2616200" imgH="241300" progId="Equation.3">
                   <p:embed/>
                 </p:oleObj>
               </mc:Choice>
               <mc:Fallback>
-                <p:oleObj name="Equation" r:id="rId4" imgW="2603500" imgH="241300" progId="Equation.3">
+                <p:oleObj name="Equation" r:id="rId4" imgW="2616200" imgH="241300" progId="Equation.3">
                   <p:embed/>
                   <p:pic>
                     <p:nvPicPr>
@@ -39093,8 +39503,8 @@
                     </p:blipFill>
                     <p:spPr>
                       <a:xfrm>
-                        <a:off x="3837760" y="6272213"/>
-                        <a:ext cx="4297363" cy="398462"/>
+                        <a:off x="3827463" y="6272213"/>
+                        <a:ext cx="4318000" cy="398462"/>
                       </a:xfrm>
                       <a:prstGeom prst="rect">
                         <a:avLst/>
@@ -39107,6 +39517,76 @@
           </a:graphicData>
         </a:graphic>
       </p:graphicFrame>
+      <p:sp>
+        <p:nvSpPr>
+          <p:cNvPr id="23" name="TextBox 22"/>
+          <p:cNvSpPr txBox="1"/>
+          <p:nvPr/>
+        </p:nvSpPr>
+        <p:spPr>
+          <a:xfrm>
+            <a:off x="6446695" y="3813976"/>
+            <a:ext cx="1421868" cy="369332"/>
+          </a:xfrm>
+          <a:prstGeom prst="rect">
+            <a:avLst/>
+          </a:prstGeom>
+          <a:noFill/>
+        </p:spPr>
+        <p:txBody>
+          <a:bodyPr wrap="square" rtlCol="0">
+            <a:spAutoFit/>
+          </a:bodyPr>
+          <a:lstStyle/>
+          <a:p>
+            <a:r>
+              <a:rPr lang="en-US" i="1" dirty="0" err="1" smtClean="0">
+                <a:latin typeface="Times New Roman"/>
+                <a:cs typeface="Times New Roman"/>
+              </a:rPr>
+              <a:t>ss</a:t>
+            </a:r>
+            <a:r>
+              <a:rPr lang="en-US" i="1" dirty="0" smtClean="0">
+                <a:latin typeface="Times New Roman"/>
+                <a:cs typeface="Times New Roman"/>
+              </a:rPr>
+              <a:t> </a:t>
+            </a:r>
+            <a:r>
+              <a:rPr lang="en-US" sz="1800" dirty="0" smtClean="0">
+                <a:sym typeface="Symbol"/>
+              </a:rPr>
+              <a:t> </a:t>
+            </a:r>
+            <a:r>
+              <a:rPr lang="en-US" i="1" dirty="0" smtClean="0">
+                <a:latin typeface="Times New Roman"/>
+                <a:cs typeface="Times New Roman"/>
+              </a:rPr>
+              <a:t>w</a:t>
+            </a:r>
+            <a:r>
+              <a:rPr lang="en-US" i="1" baseline="-25000" dirty="0" smtClean="0">
+                <a:latin typeface="Times New Roman"/>
+                <a:cs typeface="Times New Roman"/>
+              </a:rPr>
+              <a:t>0</a:t>
+            </a:r>
+            <a:r>
+              <a:rPr lang="en-US" dirty="0">
+                <a:latin typeface="Times New Roman"/>
+                <a:cs typeface="Times New Roman"/>
+              </a:rPr>
+              <a:t>’</a:t>
+            </a:r>
+            <a:endParaRPr lang="en-US" sz="1800" dirty="0">
+              <a:latin typeface="Times New Roman"/>
+              <a:cs typeface="Times New Roman"/>
+            </a:endParaRPr>
+          </a:p>
+        </p:txBody>
+      </p:sp>
     </p:spTree>
     <p:extLst>
       <p:ext uri="{BB962C8B-B14F-4D97-AF65-F5344CB8AC3E}">
@@ -39925,14 +40405,123 @@
                             </p:stCondLst>
                             <p:childTnLst>
                               <p:par>
-                                <p:cTn id="68" presetID="9" presetClass="exit" presetSubtype="0" fill="hold" nodeType="clickEffect">
+                                <p:cTn id="68" presetID="10" presetClass="entr" presetSubtype="0" fill="hold" grpId="1" nodeType="clickEffect">
+                                  <p:stCondLst>
+                                    <p:cond delay="0"/>
+                                  </p:stCondLst>
+                                  <p:childTnLst>
+                                    <p:set>
+                                      <p:cBhvr>
+                                        <p:cTn id="69" dur="1" fill="hold">
+                                          <p:stCondLst>
+                                            <p:cond delay="0"/>
+                                          </p:stCondLst>
+                                        </p:cTn>
+                                        <p:tgtEl>
+                                          <p:spTgt spid="34">
+                                            <p:bg/>
+                                          </p:spTgt>
+                                        </p:tgtEl>
+                                        <p:attrNameLst>
+                                          <p:attrName>style.visibility</p:attrName>
+                                        </p:attrNameLst>
+                                      </p:cBhvr>
+                                      <p:to>
+                                        <p:strVal val="visible"/>
+                                      </p:to>
+                                    </p:set>
+                                    <p:animEffect transition="in" filter="fade">
+                                      <p:cBhvr>
+                                        <p:cTn id="70" dur="500"/>
+                                        <p:tgtEl>
+                                          <p:spTgt spid="34">
+                                            <p:bg/>
+                                          </p:spTgt>
+                                        </p:tgtEl>
+                                      </p:cBhvr>
+                                    </p:animEffect>
+                                  </p:childTnLst>
+                                </p:cTn>
+                              </p:par>
+                            </p:childTnLst>
+                          </p:cTn>
+                        </p:par>
+                        <p:par>
+                          <p:cTn id="71" fill="hold">
+                            <p:stCondLst>
+                              <p:cond delay="500"/>
+                            </p:stCondLst>
+                            <p:childTnLst>
+                              <p:par>
+                                <p:cTn id="72" presetID="10" presetClass="entr" presetSubtype="0" fill="hold" grpId="1" nodeType="afterEffect">
+                                  <p:stCondLst>
+                                    <p:cond delay="0"/>
+                                  </p:stCondLst>
+                                  <p:childTnLst>
+                                    <p:set>
+                                      <p:cBhvr>
+                                        <p:cTn id="73" dur="1" fill="hold">
+                                          <p:stCondLst>
+                                            <p:cond delay="0"/>
+                                          </p:stCondLst>
+                                        </p:cTn>
+                                        <p:tgtEl>
+                                          <p:spTgt spid="34">
+                                            <p:txEl>
+                                              <p:pRg st="0" end="0"/>
+                                            </p:txEl>
+                                          </p:spTgt>
+                                        </p:tgtEl>
+                                        <p:attrNameLst>
+                                          <p:attrName>style.visibility</p:attrName>
+                                        </p:attrNameLst>
+                                      </p:cBhvr>
+                                      <p:to>
+                                        <p:strVal val="visible"/>
+                                      </p:to>
+                                    </p:set>
+                                    <p:animEffect transition="in" filter="fade">
+                                      <p:cBhvr>
+                                        <p:cTn id="74" dur="500"/>
+                                        <p:tgtEl>
+                                          <p:spTgt spid="34">
+                                            <p:txEl>
+                                              <p:pRg st="0" end="0"/>
+                                            </p:txEl>
+                                          </p:spTgt>
+                                        </p:tgtEl>
+                                      </p:cBhvr>
+                                    </p:animEffect>
+                                  </p:childTnLst>
+                                </p:cTn>
+                              </p:par>
+                            </p:childTnLst>
+                          </p:cTn>
+                        </p:par>
+                      </p:childTnLst>
+                    </p:cTn>
+                  </p:par>
+                  <p:par>
+                    <p:cTn id="75" fill="hold">
+                      <p:stCondLst>
+                        <p:cond delay="indefinite"/>
+                      </p:stCondLst>
+                      <p:childTnLst>
+                        <p:par>
+                          <p:cTn id="76" fill="hold">
+                            <p:stCondLst>
+                              <p:cond delay="0"/>
+                            </p:stCondLst>
+                            <p:childTnLst>
+                              <p:par>
+                                <p:cTn id="77" presetID="9" presetClass="exit" presetSubtype="0" fill="hold" nodeType="clickEffect">
                                   <p:stCondLst>
                                     <p:cond delay="0"/>
                                   </p:stCondLst>
                                   <p:childTnLst>
                                     <p:animEffect transition="out" filter="dissolve">
                                       <p:cBhvr>
-                                        <p:cTn id="69" dur="500"/>
+                                        <p:cTn id="78" dur="500"/>
                                         <p:tgtEl>
                                           <p:spTgt spid="8"/>
                                         </p:tgtEl>
@@ -39940,7 +40529,7 @@
                                     </p:animEffect>
                                     <p:set>
                                       <p:cBhvr>
-                                        <p:cTn id="70" dur="1" fill="hold">
+                                        <p:cTn id="79" dur="1" fill="hold">
                                           <p:stCondLst>
                                             <p:cond delay="499"/>
                                           </p:stCondLst>
@@ -39960,14 +40549,14 @@
                                 </p:cTn>
                               </p:par>
                               <p:par>
-                                <p:cTn id="71" presetID="10" presetClass="exit" presetSubtype="0" fill="hold" grpId="1" nodeType="withEffect">
+                                <p:cTn id="80" presetID="10" presetClass="exit" presetSubtype="0" fill="hold" grpId="1" nodeType="withEffect">
                                   <p:stCondLst>
                                     <p:cond delay="0"/>
                                   </p:stCondLst>
                                   <p:childTnLst>
                                     <p:animEffect transition="out" filter="fade">
                                       <p:cBhvr>
-                                        <p:cTn id="72" dur="500"/>
+                                        <p:cTn id="81" dur="500"/>
                                         <p:tgtEl>
                                           <p:spTgt spid="24"/>
                                         </p:tgtEl>
@@ -39975,7 +40564,7 @@
                                     </p:animEffect>
                                     <p:set>
                                       <p:cBhvr>
-                                        <p:cTn id="73" dur="1" fill="hold">
+                                        <p:cTn id="82" dur="1" fill="hold">
                                           <p:stCondLst>
                                             <p:cond delay="499"/>
                                           </p:stCondLst>
@@ -39995,14 +40584,14 @@
                                 </p:cTn>
                               </p:par>
                               <p:par>
-                                <p:cTn id="74" presetID="9" presetClass="exit" presetSubtype="0" fill="hold" grpId="1" nodeType="withEffect">
+                                <p:cTn id="83" presetID="9" presetClass="exit" presetSubtype="0" fill="hold" grpId="1" nodeType="withEffect">
                                   <p:stCondLst>
                                     <p:cond delay="0"/>
                                   </p:stCondLst>
                                   <p:childTnLst>
                                     <p:animEffect transition="out" filter="dissolve">
                                       <p:cBhvr>
-                                        <p:cTn id="75" dur="500"/>
+                                        <p:cTn id="84" dur="500"/>
                                         <p:tgtEl>
                                           <p:spTgt spid="15"/>
                                         </p:tgtEl>
@@ -40010,7 +40599,7 @@
                                     </p:animEffect>
                                     <p:set>
                                       <p:cBhvr>
-                                        <p:cTn id="76" dur="1" fill="hold">
+                                        <p:cTn id="85" dur="1" fill="hold">
                                           <p:stCondLst>
                                             <p:cond delay="499"/>
                                           </p:stCondLst>
@@ -40030,14 +40619,14 @@
                                 </p:cTn>
                               </p:par>
                               <p:par>
-                                <p:cTn id="77" presetID="9" presetClass="exit" presetSubtype="0" fill="hold" nodeType="withEffect">
+                                <p:cTn id="86" presetID="9" presetClass="exit" presetSubtype="0" fill="hold" nodeType="withEffect">
                                   <p:stCondLst>
                                     <p:cond delay="0"/>
                                   </p:stCondLst>
                                   <p:childTnLst>
                                     <p:animEffect transition="out" filter="dissolve">
                                       <p:cBhvr>
-                                        <p:cTn id="78" dur="500"/>
+                                        <p:cTn id="87" dur="500"/>
                                         <p:tgtEl>
                                           <p:spTgt spid="10"/>
                                         </p:tgtEl>
@@ -40045,7 +40634,7 @@
                                     </p:animEffect>
                                     <p:set>
                                       <p:cBhvr>
-                                        <p:cTn id="79" dur="1" fill="hold">
+                                        <p:cTn id="88" dur="1" fill="hold">
                                           <p:stCondLst>
                                             <p:cond delay="499"/>
                                           </p:stCondLst>
@@ -40068,20 +40657,20 @@
                           </p:cTn>
                         </p:par>
                         <p:par>
-                          <p:cTn id="80" fill="hold">
+                          <p:cTn id="89" fill="hold">
                             <p:stCondLst>
                               <p:cond delay="500"/>
                             </p:stCondLst>
                             <p:childTnLst>
                               <p:par>
-                                <p:cTn id="81" presetID="1" presetClass="entr" presetSubtype="0" fill="hold" nodeType="afterEffect">
+                                <p:cTn id="90" presetID="1" presetClass="entr" presetSubtype="0" fill="hold" nodeType="afterEffect">
                                   <p:stCondLst>
                                     <p:cond delay="0"/>
                                   </p:stCondLst>
                                   <p:childTnLst>
                                     <p:set>
                                       <p:cBhvr>
-                                        <p:cTn id="82" dur="1" fill="hold">
+                                        <p:cTn id="91" dur="1" fill="hold">
                                           <p:stCondLst>
                                             <p:cond delay="0"/>
                                           </p:stCondLst>
@@ -40101,20 +40690,47 @@
                                 </p:cTn>
                               </p:par>
                               <p:par>
-                                <p:cTn id="83" presetID="1" presetClass="entr" presetSubtype="0" fill="hold" grpId="0" nodeType="withEffect">
+                                <p:cTn id="92" presetID="1" presetClass="entr" presetSubtype="0" fill="hold" grpId="0" nodeType="withEffect">
                                   <p:stCondLst>
                                     <p:cond delay="0"/>
                                   </p:stCondLst>
                                   <p:childTnLst>
                                     <p:set>
                                       <p:cBhvr>
-                                        <p:cTn id="84" dur="1" fill="hold">
+                                        <p:cTn id="93" dur="1" fill="hold">
                                           <p:stCondLst>
                                             <p:cond delay="0"/>
                                           </p:stCondLst>
                                         </p:cTn>
                                         <p:tgtEl>
                                           <p:spTgt spid="37"/>
+                                        </p:tgtEl>
+                                        <p:attrNameLst>
+                                          <p:attrName>style.visibility</p:attrName>
+                                        </p:attrNameLst>
+                                      </p:cBhvr>
+                                      <p:to>
+                                        <p:strVal val="visible"/>
+                                      </p:to>
+                                    </p:set>
+                                  </p:childTnLst>
+                                </p:cTn>
+                              </p:par>
+                              <p:par>
+                                <p:cTn id="94" presetID="1" presetClass="entr" presetSubtype="0" fill="hold" grpId="0" nodeType="withEffect">
+                                  <p:stCondLst>
+                                    <p:cond delay="0"/>
+                                  </p:stCondLst>
+                                  <p:childTnLst>
+                                    <p:set>
+                                      <p:cBhvr>
+                                        <p:cTn id="95" dur="1" fill="hold">
+                                          <p:stCondLst>
+                                            <p:cond delay="0"/>
+                                          </p:stCondLst>
+                                        </p:cTn>
+                                        <p:tgtEl>
+                                          <p:spTgt spid="23"/>
                                         </p:tgtEl>
                                         <p:attrNameLst>
                                           <p:attrName>style.visibility</p:attrName>
@@ -40134,26 +40750,26 @@
                     </p:cTn>
                   </p:par>
                   <p:par>
-                    <p:cTn id="85" fill="hold">
+                    <p:cTn id="96" fill="hold">
                       <p:stCondLst>
                         <p:cond delay="indefinite"/>
                       </p:stCondLst>
                       <p:childTnLst>
                         <p:par>
-                          <p:cTn id="86" fill="hold">
+                          <p:cTn id="97" fill="hold">
                             <p:stCondLst>
                               <p:cond delay="0"/>
                             </p:stCondLst>
                             <p:childTnLst>
                               <p:par>
-                                <p:cTn id="87" presetID="1" presetClass="entr" presetSubtype="0" fill="hold" nodeType="clickEffect">
+                                <p:cTn id="98" presetID="1" presetClass="entr" presetSubtype="0" fill="hold" nodeType="clickEffect">
                                   <p:stCondLst>
                                     <p:cond delay="0"/>
                                   </p:stCondLst>
                                   <p:childTnLst>
                                     <p:set>
                                       <p:cBhvr>
-                                        <p:cTn id="88" dur="1" fill="hold">
+                                        <p:cTn id="99" dur="1" fill="hold">
                                           <p:stCondLst>
                                             <p:cond delay="0"/>
                                           </p:stCondLst>
@@ -40173,14 +40789,14 @@
                                 </p:cTn>
                               </p:par>
                               <p:par>
-                                <p:cTn id="89" presetID="1" presetClass="entr" presetSubtype="0" fill="hold" grpId="0" nodeType="withEffect">
+                                <p:cTn id="100" presetID="1" presetClass="entr" presetSubtype="0" fill="hold" grpId="0" nodeType="withEffect">
                                   <p:stCondLst>
                                     <p:cond delay="0"/>
                                   </p:stCondLst>
                                   <p:childTnLst>
                                     <p:set>
                                       <p:cBhvr>
-                                        <p:cTn id="90" dur="1" fill="hold">
+                                        <p:cTn id="101" dur="1" fill="hold">
                                           <p:stCondLst>
                                             <p:cond delay="0"/>
                                           </p:stCondLst>
@@ -40206,32 +40822,36 @@
                     </p:cTn>
                   </p:par>
                   <p:par>
-                    <p:cTn id="91" fill="hold">
+                    <p:cTn id="102" fill="hold">
                       <p:stCondLst>
                         <p:cond delay="indefinite"/>
                       </p:stCondLst>
                       <p:childTnLst>
                         <p:par>
-                          <p:cTn id="92" fill="hold">
+                          <p:cTn id="103" fill="hold">
                             <p:stCondLst>
                               <p:cond delay="0"/>
                             </p:stCondLst>
                             <p:childTnLst>
                               <p:par>
-                                <p:cTn id="93" presetID="10" presetClass="entr" presetSubtype="0" fill="hold" grpId="0" nodeType="clickEffect">
+                                <p:cTn id="104" presetID="10" presetClass="entr" presetSubtype="0" fill="hold" grpId="1" nodeType="clickEffect">
                                   <p:stCondLst>
                                     <p:cond delay="0"/>
                                   </p:stCondLst>
                                   <p:childTnLst>
                                     <p:set>
                                       <p:cBhvr>
-                                        <p:cTn id="94" dur="1" fill="hold">
+                                        <p:cTn id="105" dur="1" fill="hold">
                                           <p:stCondLst>
                                             <p:cond delay="0"/>
                                           </p:stCondLst>
                                         </p:cTn>
                                         <p:tgtEl>
-                                          <p:spTgt spid="34"/>
+                                          <p:spTgt spid="34">
+                                            <p:txEl>
+                                              <p:pRg st="1" end="1"/>
+                                            </p:txEl>
+                                          </p:spTgt>
                                         </p:tgtEl>
                                         <p:attrNameLst>
                                           <p:attrName>style.visibility</p:attrName>
@@ -40243,9 +40863,13 @@
                                     </p:set>
                                     <p:animEffect transition="in" filter="fade">
                                       <p:cBhvr>
-                                        <p:cTn id="95" dur="500"/>
+                                        <p:cTn id="106" dur="500"/>
                                         <p:tgtEl>
-                                          <p:spTgt spid="34"/>
+                                          <p:spTgt spid="34">
+                                            <p:txEl>
+                                              <p:pRg st="1" end="1"/>
+                                            </p:txEl>
+                                          </p:spTgt>
                                         </p:tgtEl>
                                       </p:cBhvr>
                                     </p:animEffect>
@@ -40259,26 +40883,87 @@
                     </p:cTn>
                   </p:par>
                   <p:par>
-                    <p:cTn id="96" fill="hold">
+                    <p:cTn id="107" fill="hold">
                       <p:stCondLst>
                         <p:cond delay="indefinite"/>
                       </p:stCondLst>
                       <p:childTnLst>
                         <p:par>
-                          <p:cTn id="97" fill="hold">
+                          <p:cTn id="108" fill="hold">
                             <p:stCondLst>
                               <p:cond delay="0"/>
                             </p:stCondLst>
                             <p:childTnLst>
                               <p:par>
-                                <p:cTn id="98" presetID="10" presetClass="entr" presetSubtype="0" fill="hold" nodeType="clickEffect">
+                                <p:cTn id="109" presetID="10" presetClass="entr" presetSubtype="0" fill="hold" grpId="1" nodeType="clickEffect">
                                   <p:stCondLst>
                                     <p:cond delay="0"/>
                                   </p:stCondLst>
                                   <p:childTnLst>
                                     <p:set>
                                       <p:cBhvr>
-                                        <p:cTn id="99" dur="1" fill="hold">
+                                        <p:cTn id="110" dur="1" fill="hold">
+                                          <p:stCondLst>
+                                            <p:cond delay="0"/>
+                                          </p:stCondLst>
+                                        </p:cTn>
+                                        <p:tgtEl>
+                                          <p:spTgt spid="34">
+                                            <p:txEl>
+                                              <p:pRg st="2" end="2"/>
+                                            </p:txEl>
+                                          </p:spTgt>
+                                        </p:tgtEl>
+                                        <p:attrNameLst>
+                                          <p:attrName>style.visibility</p:attrName>
+                                        </p:attrNameLst>
+                                      </p:cBhvr>
+                                      <p:to>
+                                        <p:strVal val="visible"/>
+                                      </p:to>
+                                    </p:set>
+                                    <p:animEffect transition="in" filter="fade">
+                                      <p:cBhvr>
+                                        <p:cTn id="111" dur="500"/>
+                                        <p:tgtEl>
+                                          <p:spTgt spid="34">
+                                            <p:txEl>
+                                              <p:pRg st="2" end="2"/>
+                                            </p:txEl>
+                                          </p:spTgt>
+                                        </p:tgtEl>
+                                      </p:cBhvr>
+                                    </p:animEffect>
+                                  </p:childTnLst>
+                                </p:cTn>
+                              </p:par>
+                            </p:childTnLst>
+                          </p:cTn>
+                        </p:par>
+                      </p:childTnLst>
+                    </p:cTn>
+                  </p:par>
+                  <p:par>
+                    <p:cTn id="112" fill="hold">
+                      <p:stCondLst>
+                        <p:cond delay="indefinite"/>
+                      </p:stCondLst>
+                      <p:childTnLst>
+                        <p:par>
+                          <p:cTn id="113" fill="hold">
+                            <p:stCondLst>
+                              <p:cond delay="0"/>
+                            </p:stCondLst>
+                            <p:childTnLst>
+                              <p:par>
+                                <p:cTn id="114" presetID="10" presetClass="entr" presetSubtype="0" fill="hold" nodeType="clickEffect">
+                                  <p:stCondLst>
+                                    <p:cond delay="0"/>
+                                  </p:stCondLst>
+                                  <p:childTnLst>
+                                    <p:set>
+                                      <p:cBhvr>
+                                        <p:cTn id="115" dur="1" fill="hold">
                                           <p:stCondLst>
                                             <p:cond delay="0"/>
                                           </p:stCondLst>
@@ -40296,7 +40981,7 @@
                                     </p:set>
                                     <p:animEffect transition="in" filter="fade">
                                       <p:cBhvr>
-                                        <p:cTn id="100" dur="500"/>
+                                        <p:cTn id="116" dur="500"/>
                                         <p:tgtEl>
                                           <p:spTgt spid="7"/>
                                         </p:tgtEl>
@@ -40347,7 +41032,8 @@
       <p:bldP spid="27" grpId="0"/>
       <p:bldP spid="35" grpId="0" animBg="1"/>
       <p:bldP spid="37" grpId="0" animBg="1"/>
-      <p:bldP spid="34" grpId="0" animBg="1"/>
+      <p:bldP spid="34" grpId="1" build="p" animBg="1"/>
+      <p:bldP spid="23" grpId="0"/>
     </p:bldLst>
   </p:timing>
 </p:sld>
@@ -40418,7 +41104,15 @@
           <a:p>
             <a:r>
               <a:rPr lang="en-US" sz="1600" dirty="0" smtClean="0"/>
-              <a:t>Error correction material should hide information should not reveal the source value</a:t>
+              <a:t>Error correction material should hide </a:t>
+            </a:r>
+            <a:r>
+              <a:rPr lang="en-US" sz="1600" dirty="0" smtClean="0"/>
+              <a:t>the </a:t>
+            </a:r>
+            <a:r>
+              <a:rPr lang="en-US" sz="1600" dirty="0" smtClean="0"/>
+              <a:t>source value</a:t>
             </a:r>
             <a:endParaRPr lang="en-US" sz="1600" dirty="0"/>
           </a:p>
@@ -40696,7 +41390,7 @@
           <a:graphicData uri="http://schemas.openxmlformats.org/presentationml/2006/ole">
             <mc:AlternateContent xmlns:mc="http://schemas.openxmlformats.org/markup-compatibility/2006">
               <mc:Choice xmlns:v="urn:schemas-microsoft-com:vml" Requires="v">
-                <p:oleObj spid="_x0000_s8236" name="Equation" r:id="rId4" imgW="939800" imgH="215900" progId="Equation.3">
+                <p:oleObj spid="_x0000_s8246" name="Equation" r:id="rId4" imgW="939800" imgH="215900" progId="Equation.3">
                   <p:embed/>
                 </p:oleObj>
               </mc:Choice>
@@ -41127,7 +41821,7 @@
           <a:graphicData uri="http://schemas.openxmlformats.org/presentationml/2006/ole">
             <mc:AlternateContent xmlns:mc="http://schemas.openxmlformats.org/markup-compatibility/2006">
               <mc:Choice xmlns:v="urn:schemas-microsoft-com:vml" Requires="v">
-                <p:oleObj spid="_x0000_s8237" name="Equation" r:id="rId7" imgW="203200" imgH="215900" progId="Equation.3">
+                <p:oleObj spid="_x0000_s8247" name="Equation" r:id="rId7" imgW="203200" imgH="215900" progId="Equation.3">
                   <p:embed/>
                 </p:oleObj>
               </mc:Choice>
@@ -41226,7 +41920,7 @@
           <a:graphicData uri="http://schemas.openxmlformats.org/presentationml/2006/ole">
             <mc:AlternateContent xmlns:mc="http://schemas.openxmlformats.org/markup-compatibility/2006">
               <mc:Choice xmlns:v="urn:schemas-microsoft-com:vml" Requires="v">
-                <p:oleObj spid="_x0000_s8238" name="Equation" r:id="rId9" imgW="876300" imgH="215900" progId="Equation.3">
+                <p:oleObj spid="_x0000_s8248" name="Equation" r:id="rId9" imgW="876300" imgH="215900" progId="Equation.3">
                   <p:embed/>
                 </p:oleObj>
               </mc:Choice>
@@ -42700,7 +43394,7 @@
           <a:graphicData uri="http://schemas.openxmlformats.org/presentationml/2006/ole">
             <mc:AlternateContent xmlns:mc="http://schemas.openxmlformats.org/markup-compatibility/2006">
               <mc:Choice xmlns:v="urn:schemas-microsoft-com:vml" Requires="v">
-                <p:oleObj spid="_x0000_s7191" name="Equation" r:id="rId4" imgW="2603500" imgH="241300" progId="Equation.3">
+                <p:oleObj spid="_x0000_s7195" name="Equation" r:id="rId4" imgW="2603500" imgH="241300" progId="Equation.3">
                   <p:embed/>
                 </p:oleObj>
               </mc:Choice>
@@ -47413,14 +48107,24 @@
           <a:p>
             <a:r>
               <a:rPr lang="en-US" dirty="0" smtClean="0"/>
-              <a:t>Biometrics typically have at most </a:t>
-            </a:r>
+              <a:t>Most biometrics have </a:t>
+            </a:r>
+            <a:br>
+              <a:rPr lang="en-US" dirty="0" smtClean="0"/>
+            </a:br>
             <a:r>
               <a:rPr lang="en-US" i="1" dirty="0" smtClean="0">
                 <a:latin typeface="Times New Roman"/>
                 <a:cs typeface="Times New Roman"/>
               </a:rPr>
-              <a:t>100-200</a:t>
+              <a:t>100</a:t>
+            </a:r>
+            <a:r>
+              <a:rPr lang="en-US" i="1" dirty="0" smtClean="0">
+                <a:latin typeface="Times New Roman"/>
+                <a:cs typeface="Times New Roman"/>
+              </a:rPr>
+              <a:t>-200</a:t>
             </a:r>
             <a:r>
               <a:rPr lang="en-US" dirty="0" smtClean="0"/>
